--- a/docs/DHIS_2_FHIR_Adapter_-_An_Overview.pptx
+++ b/docs/DHIS_2_FHIR_Adapter_-_An_Overview.pptx
@@ -1490,7 +1490,7 @@
   <p:cSld>
     <p:spTree>
       <p:nvGrpSpPr>
-        <p:cNvPr id="147" name="Shape 147"/>
+        <p:cNvPr id="149" name="Shape 149"/>
         <p:cNvGrpSpPr/>
         <p:nvPr/>
       </p:nvGrpSpPr>
@@ -1504,7 +1504,7 @@
       </p:grpSpPr>
       <p:sp>
         <p:nvSpPr>
-          <p:cNvPr id="148" name="Google Shape;148;g4f417ecd79_1_213:notes"/>
+          <p:cNvPr id="150" name="Google Shape;150;g4f417ecd79_1_213:notes"/>
           <p:cNvSpPr/>
           <p:nvPr>
             <p:ph idx="2" type="sldImg"/>
@@ -1539,7 +1539,7 @@
       </p:sp>
       <p:sp>
         <p:nvSpPr>
-          <p:cNvPr id="149" name="Google Shape;149;g4f417ecd79_1_213:notes"/>
+          <p:cNvPr id="151" name="Google Shape;151;g4f417ecd79_1_213:notes"/>
           <p:cNvSpPr txBox="1"/>
           <p:nvPr>
             <p:ph idx="1" type="body"/>
@@ -7492,7 +7492,7 @@
             </a:pPr>
             <a:r>
               <a:rPr lang="en"/>
-              <a:t>5 February 2019</a:t>
+              <a:t>19 February 2019</a:t>
             </a:r>
             <a:endParaRPr/>
           </a:p>
@@ -8263,7 +8263,7 @@
             </a:pPr>
             <a:r>
               <a:rPr lang="en"/>
-              <a:t>Various domain specific utilities (e.g.handling vital signs</a:t>
+              <a:t>Various domain specific utilities (e.g. handling vital signs</a:t>
             </a:r>
             <a:r>
               <a:rPr lang="en"/>
@@ -8382,7 +8382,7 @@
         </p:nvSpPr>
         <p:spPr>
           <a:xfrm>
-            <a:off x="311700" y="1152475"/>
+            <a:off x="311700" y="1017725"/>
             <a:ext cx="8520600" cy="3416400"/>
           </a:xfrm>
           <a:prstGeom prst="rect">
@@ -8419,6 +8419,23 @@
             <a:r>
               <a:rPr lang="en"/>
               <a:t>(export of DHIS 2 Resources to HL7® FHIR® experimental currently).</a:t>
+            </a:r>
+            <a:endParaRPr/>
+          </a:p>
+          <a:p>
+            <a:pPr indent="-342900" lvl="0" marL="457200" rtl="0" algn="l">
+              <a:spcBef>
+                <a:spcPts val="0"/>
+              </a:spcBef>
+              <a:spcAft>
+                <a:spcPts val="0"/>
+              </a:spcAft>
+              <a:buSzPts val="1800"/>
+              <a:buChar char="-"/>
+            </a:pPr>
+            <a:r>
+              <a:rPr lang="en"/>
+              <a:t>HL7® FHIR® REST Interfaces that create, update and read data based on rules that are defined in the Adapter (under development, feature similar to import and export).</a:t>
             </a:r>
             <a:endParaRPr/>
           </a:p>
@@ -8572,7 +8589,7 @@
             </a:pPr>
             <a:r>
               <a:rPr lang="en"/>
-              <a:t>Supported HL7® FHIR® Resources STU3</a:t>
+              <a:t>Supported HL7® FHIR® Resources STU3 and R4</a:t>
             </a:r>
             <a:endParaRPr/>
           </a:p>
@@ -8581,6 +8598,422 @@
       <p:sp>
         <p:nvSpPr>
           <p:cNvPr id="146" name="Google Shape;146;p28"/>
+          <p:cNvSpPr txBox="1"/>
+          <p:nvPr>
+            <p:ph idx="1" type="body"/>
+          </p:nvPr>
+        </p:nvSpPr>
+        <p:spPr>
+          <a:xfrm>
+            <a:off x="311700" y="1152475"/>
+            <a:ext cx="4011300" cy="2067900"/>
+          </a:xfrm>
+          <a:prstGeom prst="rect">
+            <a:avLst/>
+          </a:prstGeom>
+        </p:spPr>
+        <p:txBody>
+          <a:bodyPr anchorCtr="0" anchor="t" bIns="91425" lIns="91425" spcFirstLastPara="1" rIns="91425" wrap="square" tIns="91425">
+            <a:noAutofit/>
+          </a:bodyPr>
+          <a:lstStyle/>
+          <a:p>
+            <a:pPr indent="-342900" lvl="0" marL="457200" rtl="0" algn="l">
+              <a:spcBef>
+                <a:spcPts val="0"/>
+              </a:spcBef>
+              <a:spcAft>
+                <a:spcPts val="0"/>
+              </a:spcAft>
+              <a:buSzPts val="1800"/>
+              <a:buChar char="-"/>
+            </a:pPr>
+            <a:r>
+              <a:rPr lang="en"/>
+              <a:t>Location</a:t>
+            </a:r>
+            <a:endParaRPr/>
+          </a:p>
+          <a:p>
+            <a:pPr indent="-342900" lvl="0" marL="457200" rtl="0" algn="l">
+              <a:spcBef>
+                <a:spcPts val="0"/>
+              </a:spcBef>
+              <a:spcAft>
+                <a:spcPts val="0"/>
+              </a:spcAft>
+              <a:buSzPts val="1800"/>
+              <a:buChar char="-"/>
+            </a:pPr>
+            <a:r>
+              <a:rPr lang="en"/>
+              <a:t>Organization</a:t>
+            </a:r>
+            <a:endParaRPr/>
+          </a:p>
+          <a:p>
+            <a:pPr indent="-342900" lvl="0" marL="457200" rtl="0" algn="l">
+              <a:spcBef>
+                <a:spcPts val="0"/>
+              </a:spcBef>
+              <a:spcAft>
+                <a:spcPts val="0"/>
+              </a:spcAft>
+              <a:buSzPts val="1800"/>
+              <a:buChar char="-"/>
+            </a:pPr>
+            <a:r>
+              <a:rPr lang="en"/>
+              <a:t>Patient</a:t>
+            </a:r>
+            <a:endParaRPr/>
+          </a:p>
+          <a:p>
+            <a:pPr indent="-342900" lvl="0" marL="457200" rtl="0" algn="l">
+              <a:spcBef>
+                <a:spcPts val="0"/>
+              </a:spcBef>
+              <a:spcAft>
+                <a:spcPts val="0"/>
+              </a:spcAft>
+              <a:buSzPts val="1800"/>
+              <a:buChar char="-"/>
+            </a:pPr>
+            <a:r>
+              <a:rPr lang="en"/>
+              <a:t>Related Person</a:t>
+            </a:r>
+            <a:endParaRPr/>
+          </a:p>
+          <a:p>
+            <a:pPr indent="-342900" lvl="0" marL="457200" rtl="0" algn="l">
+              <a:spcBef>
+                <a:spcPts val="0"/>
+              </a:spcBef>
+              <a:spcAft>
+                <a:spcPts val="0"/>
+              </a:spcAft>
+              <a:buSzPts val="1800"/>
+              <a:buChar char="-"/>
+            </a:pPr>
+            <a:r>
+              <a:rPr lang="en"/>
+              <a:t>Encounter</a:t>
+            </a:r>
+            <a:endParaRPr/>
+          </a:p>
+          <a:p>
+            <a:pPr indent="-342900" lvl="0" marL="457200" rtl="0" algn="l">
+              <a:spcBef>
+                <a:spcPts val="0"/>
+              </a:spcBef>
+              <a:spcAft>
+                <a:spcPts val="0"/>
+              </a:spcAft>
+              <a:buSzPts val="1800"/>
+              <a:buChar char="-"/>
+            </a:pPr>
+            <a:r>
+              <a:rPr lang="en"/>
+              <a:t>Diagnostic Report</a:t>
+            </a:r>
+            <a:endParaRPr/>
+          </a:p>
+          <a:p>
+            <a:pPr indent="0" lvl="0" marL="0" rtl="0" algn="l">
+              <a:spcBef>
+                <a:spcPts val="1600"/>
+              </a:spcBef>
+              <a:spcAft>
+                <a:spcPts val="1600"/>
+              </a:spcAft>
+              <a:buNone/>
+            </a:pPr>
+            <a:r>
+              <a:t/>
+            </a:r>
+            <a:endParaRPr/>
+          </a:p>
+        </p:txBody>
+      </p:sp>
+      <p:sp>
+        <p:nvSpPr>
+          <p:cNvPr id="147" name="Google Shape;147;p28"/>
+          <p:cNvSpPr txBox="1"/>
+          <p:nvPr>
+            <p:ph idx="1" type="body"/>
+          </p:nvPr>
+        </p:nvSpPr>
+        <p:spPr>
+          <a:xfrm>
+            <a:off x="4821000" y="1152475"/>
+            <a:ext cx="4011300" cy="1823700"/>
+          </a:xfrm>
+          <a:prstGeom prst="rect">
+            <a:avLst/>
+          </a:prstGeom>
+        </p:spPr>
+        <p:txBody>
+          <a:bodyPr anchorCtr="0" anchor="t" bIns="91425" lIns="91425" spcFirstLastPara="1" rIns="91425" wrap="square" tIns="91425">
+            <a:noAutofit/>
+          </a:bodyPr>
+          <a:lstStyle/>
+          <a:p>
+            <a:pPr indent="-342900" lvl="0" marL="457200" rtl="0" algn="l">
+              <a:spcBef>
+                <a:spcPts val="0"/>
+              </a:spcBef>
+              <a:spcAft>
+                <a:spcPts val="0"/>
+              </a:spcAft>
+              <a:buSzPts val="1800"/>
+              <a:buChar char="-"/>
+            </a:pPr>
+            <a:r>
+              <a:rPr lang="en"/>
+              <a:t>Immunization</a:t>
+            </a:r>
+            <a:endParaRPr/>
+          </a:p>
+          <a:p>
+            <a:pPr indent="-342900" lvl="0" marL="457200" rtl="0" algn="l">
+              <a:spcBef>
+                <a:spcPts val="0"/>
+              </a:spcBef>
+              <a:spcAft>
+                <a:spcPts val="0"/>
+              </a:spcAft>
+              <a:buSzPts val="1800"/>
+              <a:buChar char="-"/>
+            </a:pPr>
+            <a:r>
+              <a:rPr lang="en"/>
+              <a:t>Medication Request</a:t>
+            </a:r>
+            <a:endParaRPr/>
+          </a:p>
+          <a:p>
+            <a:pPr indent="-342900" lvl="0" marL="457200" rtl="0" algn="l">
+              <a:spcBef>
+                <a:spcPts val="0"/>
+              </a:spcBef>
+              <a:spcAft>
+                <a:spcPts val="0"/>
+              </a:spcAft>
+              <a:buSzPts val="1800"/>
+              <a:buChar char="-"/>
+            </a:pPr>
+            <a:r>
+              <a:rPr lang="en"/>
+              <a:t>Observation</a:t>
+            </a:r>
+            <a:endParaRPr/>
+          </a:p>
+          <a:p>
+            <a:pPr indent="-342900" lvl="0" marL="457200" rtl="0" algn="l">
+              <a:spcBef>
+                <a:spcPts val="0"/>
+              </a:spcBef>
+              <a:spcAft>
+                <a:spcPts val="0"/>
+              </a:spcAft>
+              <a:buSzPts val="1800"/>
+              <a:buChar char="-"/>
+            </a:pPr>
+            <a:r>
+              <a:rPr lang="en"/>
+              <a:t>Practitioner</a:t>
+            </a:r>
+            <a:endParaRPr/>
+          </a:p>
+          <a:p>
+            <a:pPr indent="-342900" lvl="0" marL="457200" rtl="0" algn="l">
+              <a:spcBef>
+                <a:spcPts val="0"/>
+              </a:spcBef>
+              <a:spcAft>
+                <a:spcPts val="0"/>
+              </a:spcAft>
+              <a:buSzPts val="1800"/>
+              <a:buChar char="-"/>
+            </a:pPr>
+            <a:r>
+              <a:rPr lang="en"/>
+              <a:t>Condition</a:t>
+            </a:r>
+            <a:endParaRPr/>
+          </a:p>
+          <a:p>
+            <a:pPr indent="0" lvl="0" marL="0" rtl="0" algn="l">
+              <a:spcBef>
+                <a:spcPts val="1600"/>
+              </a:spcBef>
+              <a:spcAft>
+                <a:spcPts val="1600"/>
+              </a:spcAft>
+              <a:buNone/>
+            </a:pPr>
+            <a:r>
+              <a:t/>
+            </a:r>
+            <a:endParaRPr/>
+          </a:p>
+        </p:txBody>
+      </p:sp>
+      <p:sp>
+        <p:nvSpPr>
+          <p:cNvPr id="148" name="Google Shape;148;p28"/>
+          <p:cNvSpPr txBox="1"/>
+          <p:nvPr/>
+        </p:nvSpPr>
+        <p:spPr>
+          <a:xfrm>
+            <a:off x="346350" y="3355125"/>
+            <a:ext cx="8451300" cy="967200"/>
+          </a:xfrm>
+          <a:prstGeom prst="rect">
+            <a:avLst/>
+          </a:prstGeom>
+          <a:noFill/>
+          <a:ln>
+            <a:noFill/>
+          </a:ln>
+        </p:spPr>
+        <p:txBody>
+          <a:bodyPr anchorCtr="0" anchor="t" bIns="91425" lIns="91425" spcFirstLastPara="1" rIns="91425" wrap="square" tIns="91425">
+            <a:noAutofit/>
+          </a:bodyPr>
+          <a:lstStyle/>
+          <a:p>
+            <a:pPr indent="0" lvl="0" marL="0" rtl="0" algn="l">
+              <a:lnSpc>
+                <a:spcPct val="115000"/>
+              </a:lnSpc>
+              <a:spcBef>
+                <a:spcPts val="0"/>
+              </a:spcBef>
+              <a:spcAft>
+                <a:spcPts val="0"/>
+              </a:spcAft>
+              <a:buClr>
+                <a:schemeClr val="dk1"/>
+              </a:buClr>
+              <a:buSzPts val="1100"/>
+              <a:buFont typeface="Arial"/>
+              <a:buNone/>
+            </a:pPr>
+            <a:r>
+              <a:rPr lang="en" sz="1800">
+                <a:solidFill>
+                  <a:srgbClr val="011529"/>
+                </a:solidFill>
+                <a:latin typeface="Rubik"/>
+                <a:ea typeface="Rubik"/>
+                <a:cs typeface="Rubik"/>
+                <a:sym typeface="Rubik"/>
+              </a:rPr>
+              <a:t>The table above lists all FHIR Resources that can be configured in rules. Base configuration may not exist after the installation of the Adapter, but can be added as required by the needs of the specific DHIS 2 installation. </a:t>
+            </a:r>
+            <a:endParaRPr sz="1800">
+              <a:solidFill>
+                <a:srgbClr val="011529"/>
+              </a:solidFill>
+              <a:latin typeface="Rubik"/>
+              <a:ea typeface="Rubik"/>
+              <a:cs typeface="Rubik"/>
+              <a:sym typeface="Rubik"/>
+            </a:endParaRPr>
+          </a:p>
+          <a:p>
+            <a:pPr indent="0" lvl="0" marL="0" rtl="0" algn="l">
+              <a:spcBef>
+                <a:spcPts val="1600"/>
+              </a:spcBef>
+              <a:spcAft>
+                <a:spcPts val="0"/>
+              </a:spcAft>
+              <a:buNone/>
+            </a:pPr>
+            <a:r>
+              <a:t/>
+            </a:r>
+            <a:endParaRPr>
+              <a:latin typeface="Rubik"/>
+              <a:ea typeface="Rubik"/>
+              <a:cs typeface="Rubik"/>
+              <a:sym typeface="Rubik"/>
+            </a:endParaRPr>
+          </a:p>
+        </p:txBody>
+      </p:sp>
+    </p:spTree>
+  </p:cSld>
+  <p:clrMapOvr>
+    <a:masterClrMapping/>
+  </p:clrMapOvr>
+</p:sld>
+</file>
+
+<file path=ppt/slides/slide17.xml><?xml version="1.0" encoding="utf-8"?>
+<p:sld xmlns:a="http://schemas.openxmlformats.org/drawingml/2006/main" xmlns:r="http://schemas.openxmlformats.org/officeDocument/2006/relationships" xmlns:mc="http://schemas.openxmlformats.org/markup-compatibility/2006" xmlns:mv="urn:schemas-microsoft-com:mac:vml" xmlns:p="http://schemas.openxmlformats.org/presentationml/2006/main" xmlns:c="http://schemas.openxmlformats.org/drawingml/2006/chart" xmlns:dgm="http://schemas.openxmlformats.org/drawingml/2006/diagram" xmlns:o="urn:schemas-microsoft-com:office:office" xmlns:v="urn:schemas-microsoft-com:vml" xmlns:pvml="urn:schemas-microsoft-com:office:powerpoint" xmlns:com="http://schemas.openxmlformats.org/drawingml/2006/compatibility" xmlns:p14="http://schemas.microsoft.com/office/powerpoint/2010/main" xmlns:p15="http://schemas.microsoft.com/office/powerpoint/2012/main">
+  <p:cSld>
+    <p:spTree>
+      <p:nvGrpSpPr>
+        <p:cNvPr id="152" name="Shape 152"/>
+        <p:cNvGrpSpPr/>
+        <p:nvPr/>
+      </p:nvGrpSpPr>
+      <p:grpSpPr>
+        <a:xfrm>
+          <a:off x="0" y="0"/>
+          <a:ext cx="0" cy="0"/>
+          <a:chOff x="0" y="0"/>
+          <a:chExt cx="0" cy="0"/>
+        </a:xfrm>
+      </p:grpSpPr>
+      <p:sp>
+        <p:nvSpPr>
+          <p:cNvPr id="153" name="Google Shape;153;p29"/>
+          <p:cNvSpPr txBox="1"/>
+          <p:nvPr>
+            <p:ph type="title"/>
+          </p:nvPr>
+        </p:nvSpPr>
+        <p:spPr>
+          <a:xfrm>
+            <a:off x="311700" y="445025"/>
+            <a:ext cx="8520600" cy="572700"/>
+          </a:xfrm>
+          <a:prstGeom prst="rect">
+            <a:avLst/>
+          </a:prstGeom>
+        </p:spPr>
+        <p:txBody>
+          <a:bodyPr anchorCtr="0" anchor="t" bIns="91425" lIns="91425" spcFirstLastPara="1" rIns="91425" wrap="square" tIns="91425">
+            <a:noAutofit/>
+          </a:bodyPr>
+          <a:lstStyle/>
+          <a:p>
+            <a:pPr indent="0" lvl="0" marL="0" rtl="0" algn="l">
+              <a:spcBef>
+                <a:spcPts val="0"/>
+              </a:spcBef>
+              <a:spcAft>
+                <a:spcPts val="0"/>
+              </a:spcAft>
+              <a:buNone/>
+            </a:pPr>
+            <a:r>
+              <a:rPr lang="en"/>
+              <a:t>References</a:t>
+            </a:r>
+            <a:endParaRPr/>
+          </a:p>
+        </p:txBody>
+      </p:sp>
+      <p:sp>
+        <p:nvSpPr>
+          <p:cNvPr id="154" name="Google Shape;154;p29"/>
           <p:cNvSpPr txBox="1"/>
           <p:nvPr>
             <p:ph idx="1" type="body"/>
@@ -8613,271 +9046,6 @@
             </a:pPr>
             <a:r>
               <a:rPr lang="en"/>
-              <a:t>Location</a:t>
-            </a:r>
-            <a:endParaRPr/>
-          </a:p>
-          <a:p>
-            <a:pPr indent="-342900" lvl="0" marL="457200" rtl="0" algn="l">
-              <a:spcBef>
-                <a:spcPts val="0"/>
-              </a:spcBef>
-              <a:spcAft>
-                <a:spcPts val="0"/>
-              </a:spcAft>
-              <a:buSzPts val="1800"/>
-              <a:buChar char="-"/>
-            </a:pPr>
-            <a:r>
-              <a:rPr lang="en"/>
-              <a:t>Organization</a:t>
-            </a:r>
-            <a:endParaRPr/>
-          </a:p>
-          <a:p>
-            <a:pPr indent="-342900" lvl="0" marL="457200" rtl="0" algn="l">
-              <a:spcBef>
-                <a:spcPts val="0"/>
-              </a:spcBef>
-              <a:spcAft>
-                <a:spcPts val="0"/>
-              </a:spcAft>
-              <a:buSzPts val="1800"/>
-              <a:buChar char="-"/>
-            </a:pPr>
-            <a:r>
-              <a:rPr lang="en"/>
-              <a:t>Patient</a:t>
-            </a:r>
-            <a:endParaRPr/>
-          </a:p>
-          <a:p>
-            <a:pPr indent="-342900" lvl="0" marL="457200" rtl="0" algn="l">
-              <a:spcBef>
-                <a:spcPts val="0"/>
-              </a:spcBef>
-              <a:spcAft>
-                <a:spcPts val="0"/>
-              </a:spcAft>
-              <a:buSzPts val="1800"/>
-              <a:buChar char="-"/>
-            </a:pPr>
-            <a:r>
-              <a:rPr lang="en"/>
-              <a:t>Related Person</a:t>
-            </a:r>
-            <a:endParaRPr/>
-          </a:p>
-          <a:p>
-            <a:pPr indent="-342900" lvl="0" marL="457200" rtl="0" algn="l">
-              <a:spcBef>
-                <a:spcPts val="0"/>
-              </a:spcBef>
-              <a:spcAft>
-                <a:spcPts val="0"/>
-              </a:spcAft>
-              <a:buSzPts val="1800"/>
-              <a:buChar char="-"/>
-            </a:pPr>
-            <a:r>
-              <a:rPr lang="en"/>
-              <a:t>Encounter</a:t>
-            </a:r>
-            <a:endParaRPr/>
-          </a:p>
-          <a:p>
-            <a:pPr indent="-342900" lvl="0" marL="457200" rtl="0" algn="l">
-              <a:spcBef>
-                <a:spcPts val="0"/>
-              </a:spcBef>
-              <a:spcAft>
-                <a:spcPts val="0"/>
-              </a:spcAft>
-              <a:buSzPts val="1800"/>
-              <a:buChar char="-"/>
-            </a:pPr>
-            <a:r>
-              <a:rPr lang="en"/>
-              <a:t>Diagnostic Report</a:t>
-            </a:r>
-            <a:endParaRPr/>
-          </a:p>
-          <a:p>
-            <a:pPr indent="-342900" lvl="0" marL="457200" rtl="0" algn="l">
-              <a:spcBef>
-                <a:spcPts val="0"/>
-              </a:spcBef>
-              <a:spcAft>
-                <a:spcPts val="0"/>
-              </a:spcAft>
-              <a:buSzPts val="1800"/>
-              <a:buChar char="-"/>
-            </a:pPr>
-            <a:r>
-              <a:rPr lang="en"/>
-              <a:t>Immunization</a:t>
-            </a:r>
-            <a:endParaRPr/>
-          </a:p>
-          <a:p>
-            <a:pPr indent="-342900" lvl="0" marL="457200" rtl="0" algn="l">
-              <a:spcBef>
-                <a:spcPts val="0"/>
-              </a:spcBef>
-              <a:spcAft>
-                <a:spcPts val="0"/>
-              </a:spcAft>
-              <a:buSzPts val="1800"/>
-              <a:buChar char="-"/>
-            </a:pPr>
-            <a:r>
-              <a:rPr lang="en"/>
-              <a:t>Medication Request</a:t>
-            </a:r>
-            <a:endParaRPr/>
-          </a:p>
-          <a:p>
-            <a:pPr indent="-342900" lvl="0" marL="457200" rtl="0" algn="l">
-              <a:spcBef>
-                <a:spcPts val="0"/>
-              </a:spcBef>
-              <a:spcAft>
-                <a:spcPts val="0"/>
-              </a:spcAft>
-              <a:buSzPts val="1800"/>
-              <a:buChar char="-"/>
-            </a:pPr>
-            <a:r>
-              <a:rPr lang="en"/>
-              <a:t>Observation</a:t>
-            </a:r>
-            <a:endParaRPr/>
-          </a:p>
-          <a:p>
-            <a:pPr indent="0" lvl="0" marL="0" rtl="0" algn="l">
-              <a:spcBef>
-                <a:spcPts val="1600"/>
-              </a:spcBef>
-              <a:spcAft>
-                <a:spcPts val="1600"/>
-              </a:spcAft>
-              <a:buNone/>
-            </a:pPr>
-            <a:r>
-              <a:rPr lang="en"/>
-              <a:t>More Resources may be added depending on further </a:t>
-            </a:r>
-            <a:br>
-              <a:rPr lang="en"/>
-            </a:br>
-            <a:r>
-              <a:rPr lang="en"/>
-              <a:t>use case related requirements.</a:t>
-            </a:r>
-            <a:endParaRPr/>
-          </a:p>
-        </p:txBody>
-      </p:sp>
-    </p:spTree>
-  </p:cSld>
-  <p:clrMapOvr>
-    <a:masterClrMapping/>
-  </p:clrMapOvr>
-</p:sld>
-</file>
-
-<file path=ppt/slides/slide17.xml><?xml version="1.0" encoding="utf-8"?>
-<p:sld xmlns:a="http://schemas.openxmlformats.org/drawingml/2006/main" xmlns:r="http://schemas.openxmlformats.org/officeDocument/2006/relationships" xmlns:mc="http://schemas.openxmlformats.org/markup-compatibility/2006" xmlns:mv="urn:schemas-microsoft-com:mac:vml" xmlns:p="http://schemas.openxmlformats.org/presentationml/2006/main" xmlns:c="http://schemas.openxmlformats.org/drawingml/2006/chart" xmlns:dgm="http://schemas.openxmlformats.org/drawingml/2006/diagram" xmlns:o="urn:schemas-microsoft-com:office:office" xmlns:v="urn:schemas-microsoft-com:vml" xmlns:pvml="urn:schemas-microsoft-com:office:powerpoint" xmlns:com="http://schemas.openxmlformats.org/drawingml/2006/compatibility" xmlns:p14="http://schemas.microsoft.com/office/powerpoint/2010/main" xmlns:p15="http://schemas.microsoft.com/office/powerpoint/2012/main">
-  <p:cSld>
-    <p:spTree>
-      <p:nvGrpSpPr>
-        <p:cNvPr id="150" name="Shape 150"/>
-        <p:cNvGrpSpPr/>
-        <p:nvPr/>
-      </p:nvGrpSpPr>
-      <p:grpSpPr>
-        <a:xfrm>
-          <a:off x="0" y="0"/>
-          <a:ext cx="0" cy="0"/>
-          <a:chOff x="0" y="0"/>
-          <a:chExt cx="0" cy="0"/>
-        </a:xfrm>
-      </p:grpSpPr>
-      <p:sp>
-        <p:nvSpPr>
-          <p:cNvPr id="151" name="Google Shape;151;p29"/>
-          <p:cNvSpPr txBox="1"/>
-          <p:nvPr>
-            <p:ph type="title"/>
-          </p:nvPr>
-        </p:nvSpPr>
-        <p:spPr>
-          <a:xfrm>
-            <a:off x="311700" y="445025"/>
-            <a:ext cx="8520600" cy="572700"/>
-          </a:xfrm>
-          <a:prstGeom prst="rect">
-            <a:avLst/>
-          </a:prstGeom>
-        </p:spPr>
-        <p:txBody>
-          <a:bodyPr anchorCtr="0" anchor="t" bIns="91425" lIns="91425" spcFirstLastPara="1" rIns="91425" wrap="square" tIns="91425">
-            <a:noAutofit/>
-          </a:bodyPr>
-          <a:lstStyle/>
-          <a:p>
-            <a:pPr indent="0" lvl="0" marL="0" rtl="0" algn="l">
-              <a:spcBef>
-                <a:spcPts val="0"/>
-              </a:spcBef>
-              <a:spcAft>
-                <a:spcPts val="0"/>
-              </a:spcAft>
-              <a:buNone/>
-            </a:pPr>
-            <a:r>
-              <a:rPr lang="en"/>
-              <a:t>References</a:t>
-            </a:r>
-            <a:endParaRPr/>
-          </a:p>
-        </p:txBody>
-      </p:sp>
-      <p:sp>
-        <p:nvSpPr>
-          <p:cNvPr id="152" name="Google Shape;152;p29"/>
-          <p:cNvSpPr txBox="1"/>
-          <p:nvPr>
-            <p:ph idx="1" type="body"/>
-          </p:nvPr>
-        </p:nvSpPr>
-        <p:spPr>
-          <a:xfrm>
-            <a:off x="311700" y="1152475"/>
-            <a:ext cx="8520600" cy="3416400"/>
-          </a:xfrm>
-          <a:prstGeom prst="rect">
-            <a:avLst/>
-          </a:prstGeom>
-        </p:spPr>
-        <p:txBody>
-          <a:bodyPr anchorCtr="0" anchor="t" bIns="91425" lIns="91425" spcFirstLastPara="1" rIns="91425" wrap="square" tIns="91425">
-            <a:noAutofit/>
-          </a:bodyPr>
-          <a:lstStyle/>
-          <a:p>
-            <a:pPr indent="-342900" lvl="0" marL="457200" rtl="0" algn="l">
-              <a:spcBef>
-                <a:spcPts val="0"/>
-              </a:spcBef>
-              <a:spcAft>
-                <a:spcPts val="0"/>
-              </a:spcAft>
-              <a:buSzPts val="1800"/>
-              <a:buChar char="-"/>
-            </a:pPr>
-            <a:r>
-              <a:rPr lang="en"/>
               <a:t>Supported H</a:t>
             </a:r>
             <a:r>
@@ -8896,23 +9064,6 @@
               </a:rPr>
               <a:t>https://hl7.org/fhir/STU3/</a:t>
             </a:r>
-            <a:endParaRPr/>
-          </a:p>
-          <a:p>
-            <a:pPr indent="-342900" lvl="0" marL="457200" rtl="0" algn="l">
-              <a:spcBef>
-                <a:spcPts val="0"/>
-              </a:spcBef>
-              <a:spcAft>
-                <a:spcPts val="0"/>
-              </a:spcAft>
-              <a:buSzPts val="1800"/>
-              <a:buChar char="-"/>
-            </a:pPr>
-            <a:r>
-              <a:rPr lang="en"/>
-              <a:t>DHIS 2 FHIR Adapter:</a:t>
-            </a:r>
             <a:br>
               <a:rPr lang="en"/>
             </a:br>
@@ -8922,6 +9073,35 @@
                   <a:schemeClr val="hlink"/>
                 </a:solidFill>
                 <a:hlinkClick r:id="rId4"/>
+              </a:rPr>
+              <a:t>https://hl7.org/fhir/R4/</a:t>
+            </a:r>
+            <a:endParaRPr/>
+          </a:p>
+          <a:p>
+            <a:pPr indent="-342900" lvl="0" marL="457200" rtl="0" algn="l">
+              <a:spcBef>
+                <a:spcPts val="0"/>
+              </a:spcBef>
+              <a:spcAft>
+                <a:spcPts val="0"/>
+              </a:spcAft>
+              <a:buSzPts val="1800"/>
+              <a:buChar char="-"/>
+            </a:pPr>
+            <a:r>
+              <a:rPr lang="en"/>
+              <a:t>DHIS 2 FHIR Adapter:</a:t>
+            </a:r>
+            <a:br>
+              <a:rPr lang="en"/>
+            </a:br>
+            <a:r>
+              <a:rPr lang="en" u="sng">
+                <a:solidFill>
+                  <a:schemeClr val="hlink"/>
+                </a:solidFill>
+                <a:hlinkClick r:id="rId5"/>
               </a:rPr>
               <a:t>https://github.com/dhis2/dhis2-fhir-adapter</a:t>
             </a:r>
@@ -10047,7 +10227,7 @@
             </a:pPr>
             <a:r>
               <a:rPr lang="en"/>
-              <a:t>Assignment data (long term, e.g. rule based assignments of </a:t>
+              <a:t>Assignment data (permanent, e.g. rule based assignments of </a:t>
             </a:r>
             <a:br>
               <a:rPr lang="en"/>
@@ -10069,6 +10249,285 @@
 </file>
 
 <file path=ppt/theme/theme1.xml><?xml version="1.0" encoding="utf-8"?>
+<a:theme xmlns:a="http://schemas.openxmlformats.org/drawingml/2006/main" xmlns:r="http://schemas.openxmlformats.org/officeDocument/2006/relationships" name="DHIS2 Default">
+  <a:themeElements>
+    <a:clrScheme name="Simple Light">
+      <a:dk1>
+        <a:srgbClr val="000000"/>
+      </a:dk1>
+      <a:lt1>
+        <a:srgbClr val="FFFFFF"/>
+      </a:lt1>
+      <a:dk2>
+        <a:srgbClr val="595959"/>
+      </a:dk2>
+      <a:lt2>
+        <a:srgbClr val="EEEEEE"/>
+      </a:lt2>
+      <a:accent1>
+        <a:srgbClr val="FFAB40"/>
+      </a:accent1>
+      <a:accent2>
+        <a:srgbClr val="212121"/>
+      </a:accent2>
+      <a:accent3>
+        <a:srgbClr val="78909C"/>
+      </a:accent3>
+      <a:accent4>
+        <a:srgbClr val="FFAB40"/>
+      </a:accent4>
+      <a:accent5>
+        <a:srgbClr val="0097A7"/>
+      </a:accent5>
+      <a:accent6>
+        <a:srgbClr val="EEFF41"/>
+      </a:accent6>
+      <a:hlink>
+        <a:srgbClr val="0097A7"/>
+      </a:hlink>
+      <a:folHlink>
+        <a:srgbClr val="0097A7"/>
+      </a:folHlink>
+    </a:clrScheme>
+    <a:fontScheme name="Office">
+      <a:majorFont>
+        <a:latin typeface="Arial"/>
+        <a:ea typeface=""/>
+        <a:cs typeface=""/>
+        <a:font script="Jpan" typeface="ＭＳ Ｐゴシック"/>
+        <a:font script="Hang" typeface="맑은 고딕"/>
+        <a:font script="Hans" typeface="宋体"/>
+        <a:font script="Hant" typeface="新細明體"/>
+        <a:font script="Arab" typeface="Times New Roman"/>
+        <a:font script="Hebr" typeface="Times New Roman"/>
+        <a:font script="Thai" typeface="Angsana New"/>
+        <a:font script="Ethi" typeface="Nyala"/>
+        <a:font script="Beng" typeface="Vrinda"/>
+        <a:font script="Gujr" typeface="Shruti"/>
+        <a:font script="Khmr" typeface="MoolBoran"/>
+        <a:font script="Knda" typeface="Tunga"/>
+        <a:font script="Guru" typeface="Raavi"/>
+        <a:font script="Cans" typeface="Euphemia"/>
+        <a:font script="Cher" typeface="Plantagenet Cherokee"/>
+        <a:font script="Yiii" typeface="Microsoft Yi Baiti"/>
+        <a:font script="Tibt" typeface="Microsoft Himalaya"/>
+        <a:font script="Thaa" typeface="MV Boli"/>
+        <a:font script="Deva" typeface="Mangal"/>
+        <a:font script="Telu" typeface="Gautami"/>
+        <a:font script="Taml" typeface="Latha"/>
+        <a:font script="Syrc" typeface="Estrangelo Edessa"/>
+        <a:font script="Orya" typeface="Kalinga"/>
+        <a:font script="Mlym" typeface="Kartika"/>
+        <a:font script="Laoo" typeface="DokChampa"/>
+        <a:font script="Sinh" typeface="Iskoola Pota"/>
+        <a:font script="Mong" typeface="Mongolian Baiti"/>
+        <a:font script="Viet" typeface="Times New Roman"/>
+        <a:font script="Uigh" typeface="Microsoft Uighur"/>
+        <a:font script="Geor" typeface="Sylfaen"/>
+      </a:majorFont>
+      <a:minorFont>
+        <a:latin typeface="Arial"/>
+        <a:ea typeface=""/>
+        <a:cs typeface=""/>
+        <a:font script="Jpan" typeface="ＭＳ Ｐゴシック"/>
+        <a:font script="Hang" typeface="맑은 고딕"/>
+        <a:font script="Hans" typeface="宋体"/>
+        <a:font script="Hant" typeface="新細明體"/>
+        <a:font script="Arab" typeface="Arial"/>
+        <a:font script="Hebr" typeface="Arial"/>
+        <a:font script="Thai" typeface="Cordia New"/>
+        <a:font script="Ethi" typeface="Nyala"/>
+        <a:font script="Beng" typeface="Vrinda"/>
+        <a:font script="Gujr" typeface="Shruti"/>
+        <a:font script="Khmr" typeface="DaunPenh"/>
+        <a:font script="Knda" typeface="Tunga"/>
+        <a:font script="Guru" typeface="Raavi"/>
+        <a:font script="Cans" typeface="Euphemia"/>
+        <a:font script="Cher" typeface="Plantagenet Cherokee"/>
+        <a:font script="Yiii" typeface="Microsoft Yi Baiti"/>
+        <a:font script="Tibt" typeface="Microsoft Himalaya"/>
+        <a:font script="Thaa" typeface="MV Boli"/>
+        <a:font script="Deva" typeface="Mangal"/>
+        <a:font script="Telu" typeface="Gautami"/>
+        <a:font script="Taml" typeface="Latha"/>
+        <a:font script="Syrc" typeface="Estrangelo Edessa"/>
+        <a:font script="Orya" typeface="Kalinga"/>
+        <a:font script="Mlym" typeface="Kartika"/>
+        <a:font script="Laoo" typeface="DokChampa"/>
+        <a:font script="Sinh" typeface="Iskoola Pota"/>
+        <a:font script="Mong" typeface="Mongolian Baiti"/>
+        <a:font script="Viet" typeface="Arial"/>
+        <a:font script="Uigh" typeface="Microsoft Uighur"/>
+        <a:font script="Geor" typeface="Sylfaen"/>
+      </a:minorFont>
+    </a:fontScheme>
+    <a:fmtScheme name="Office">
+      <a:fillStyleLst>
+        <a:solidFill>
+          <a:schemeClr val="phClr"/>
+        </a:solidFill>
+        <a:gradFill rotWithShape="1">
+          <a:gsLst>
+            <a:gs pos="0">
+              <a:schemeClr val="phClr">
+                <a:tint val="50000"/>
+                <a:satMod val="300000"/>
+              </a:schemeClr>
+            </a:gs>
+            <a:gs pos="35000">
+              <a:schemeClr val="phClr">
+                <a:tint val="37000"/>
+                <a:satMod val="300000"/>
+              </a:schemeClr>
+            </a:gs>
+            <a:gs pos="100000">
+              <a:schemeClr val="phClr">
+                <a:tint val="15000"/>
+                <a:satMod val="350000"/>
+              </a:schemeClr>
+            </a:gs>
+          </a:gsLst>
+          <a:lin ang="16200000" scaled="1"/>
+        </a:gradFill>
+        <a:gradFill rotWithShape="1">
+          <a:gsLst>
+            <a:gs pos="0">
+              <a:schemeClr val="phClr">
+                <a:tint val="100000"/>
+                <a:shade val="100000"/>
+                <a:satMod val="130000"/>
+              </a:schemeClr>
+            </a:gs>
+            <a:gs pos="100000">
+              <a:schemeClr val="phClr">
+                <a:tint val="50000"/>
+                <a:shade val="100000"/>
+                <a:satMod val="350000"/>
+              </a:schemeClr>
+            </a:gs>
+          </a:gsLst>
+          <a:lin ang="16200000" scaled="0"/>
+        </a:gradFill>
+      </a:fillStyleLst>
+      <a:lnStyleLst>
+        <a:ln w="9525" cap="flat" cmpd="sng" algn="ctr">
+          <a:solidFill>
+            <a:schemeClr val="phClr">
+              <a:shade val="95000"/>
+              <a:satMod val="105000"/>
+            </a:schemeClr>
+          </a:solidFill>
+          <a:prstDash val="solid"/>
+        </a:ln>
+        <a:ln w="25400" cap="flat" cmpd="sng" algn="ctr">
+          <a:solidFill>
+            <a:schemeClr val="phClr"/>
+          </a:solidFill>
+          <a:prstDash val="solid"/>
+        </a:ln>
+        <a:ln w="38100" cap="flat" cmpd="sng" algn="ctr">
+          <a:solidFill>
+            <a:schemeClr val="phClr"/>
+          </a:solidFill>
+          <a:prstDash val="solid"/>
+        </a:ln>
+      </a:lnStyleLst>
+      <a:effectStyleLst>
+        <a:effectStyle>
+          <a:effectLst>
+            <a:outerShdw blurRad="40000" dist="20000" dir="5400000" rotWithShape="0">
+              <a:srgbClr val="000000">
+                <a:alpha val="38000"/>
+              </a:srgbClr>
+            </a:outerShdw>
+          </a:effectLst>
+        </a:effectStyle>
+        <a:effectStyle>
+          <a:effectLst>
+            <a:outerShdw blurRad="40000" dist="23000" dir="5400000" rotWithShape="0">
+              <a:srgbClr val="000000">
+                <a:alpha val="35000"/>
+              </a:srgbClr>
+            </a:outerShdw>
+          </a:effectLst>
+        </a:effectStyle>
+        <a:effectStyle>
+          <a:effectLst>
+            <a:outerShdw blurRad="40000" dist="23000" dir="5400000" rotWithShape="0">
+              <a:srgbClr val="000000">
+                <a:alpha val="35000"/>
+              </a:srgbClr>
+            </a:outerShdw>
+          </a:effectLst>
+          <a:scene3d>
+            <a:camera prst="orthographicFront">
+              <a:rot lat="0" lon="0" rev="0"/>
+            </a:camera>
+            <a:lightRig rig="threePt" dir="t">
+              <a:rot lat="0" lon="0" rev="1200000"/>
+            </a:lightRig>
+          </a:scene3d>
+          <a:sp3d>
+            <a:bevelT w="63500" h="25400"/>
+          </a:sp3d>
+        </a:effectStyle>
+      </a:effectStyleLst>
+      <a:bgFillStyleLst>
+        <a:solidFill>
+          <a:schemeClr val="phClr"/>
+        </a:solidFill>
+        <a:gradFill rotWithShape="1">
+          <a:gsLst>
+            <a:gs pos="0">
+              <a:schemeClr val="phClr">
+                <a:tint val="40000"/>
+                <a:satMod val="350000"/>
+              </a:schemeClr>
+            </a:gs>
+            <a:gs pos="40000">
+              <a:schemeClr val="phClr">
+                <a:tint val="45000"/>
+                <a:shade val="99000"/>
+                <a:satMod val="350000"/>
+              </a:schemeClr>
+            </a:gs>
+            <a:gs pos="100000">
+              <a:schemeClr val="phClr">
+                <a:shade val="20000"/>
+                <a:satMod val="255000"/>
+              </a:schemeClr>
+            </a:gs>
+          </a:gsLst>
+          <a:path path="circle">
+            <a:fillToRect l="50000" t="-80000" r="50000" b="180000"/>
+          </a:path>
+        </a:gradFill>
+        <a:gradFill rotWithShape="1">
+          <a:gsLst>
+            <a:gs pos="0">
+              <a:schemeClr val="phClr">
+                <a:tint val="80000"/>
+                <a:satMod val="300000"/>
+              </a:schemeClr>
+            </a:gs>
+            <a:gs pos="100000">
+              <a:schemeClr val="phClr">
+                <a:shade val="30000"/>
+                <a:satMod val="200000"/>
+              </a:schemeClr>
+            </a:gs>
+          </a:gsLst>
+          <a:path path="circle">
+            <a:fillToRect l="50000" t="50000" r="50000" b="50000"/>
+          </a:path>
+        </a:gradFill>
+      </a:bgFillStyleLst>
+    </a:fmtScheme>
+  </a:themeElements>
+</a:theme>
+</file>
+
+<file path=ppt/theme/theme2.xml><?xml version="1.0" encoding="utf-8"?>
 <a:theme xmlns:a="http://schemas.openxmlformats.org/drawingml/2006/main" xmlns:r="http://schemas.openxmlformats.org/officeDocument/2006/relationships">
   <a:themeElements>
     <a:clrScheme name="Default">
@@ -10345,283 +10804,4 @@
     </a:fmtScheme>
   </a:themeElements>
 </a:theme>
-</file>
-
-<file path=ppt/theme/theme2.xml><?xml version="1.0" encoding="utf-8"?>
-<a:theme xmlns:a="http://schemas.openxmlformats.org/drawingml/2006/main" xmlns:r="http://schemas.openxmlformats.org/officeDocument/2006/relationships" name="DHIS2 Default">
-  <a:themeElements>
-    <a:clrScheme name="Simple Light">
-      <a:dk1>
-        <a:srgbClr val="000000"/>
-      </a:dk1>
-      <a:lt1>
-        <a:srgbClr val="FFFFFF"/>
-      </a:lt1>
-      <a:dk2>
-        <a:srgbClr val="595959"/>
-      </a:dk2>
-      <a:lt2>
-        <a:srgbClr val="EEEEEE"/>
-      </a:lt2>
-      <a:accent1>
-        <a:srgbClr val="FFAB40"/>
-      </a:accent1>
-      <a:accent2>
-        <a:srgbClr val="212121"/>
-      </a:accent2>
-      <a:accent3>
-        <a:srgbClr val="78909C"/>
-      </a:accent3>
-      <a:accent4>
-        <a:srgbClr val="FFAB40"/>
-      </a:accent4>
-      <a:accent5>
-        <a:srgbClr val="0097A7"/>
-      </a:accent5>
-      <a:accent6>
-        <a:srgbClr val="EEFF41"/>
-      </a:accent6>
-      <a:hlink>
-        <a:srgbClr val="0097A7"/>
-      </a:hlink>
-      <a:folHlink>
-        <a:srgbClr val="0097A7"/>
-      </a:folHlink>
-    </a:clrScheme>
-    <a:fontScheme name="Office">
-      <a:majorFont>
-        <a:latin typeface="Arial"/>
-        <a:ea typeface=""/>
-        <a:cs typeface=""/>
-        <a:font script="Jpan" typeface="ＭＳ Ｐゴシック"/>
-        <a:font script="Hang" typeface="맑은 고딕"/>
-        <a:font script="Hans" typeface="宋体"/>
-        <a:font script="Hant" typeface="新細明體"/>
-        <a:font script="Arab" typeface="Times New Roman"/>
-        <a:font script="Hebr" typeface="Times New Roman"/>
-        <a:font script="Thai" typeface="Angsana New"/>
-        <a:font script="Ethi" typeface="Nyala"/>
-        <a:font script="Beng" typeface="Vrinda"/>
-        <a:font script="Gujr" typeface="Shruti"/>
-        <a:font script="Khmr" typeface="MoolBoran"/>
-        <a:font script="Knda" typeface="Tunga"/>
-        <a:font script="Guru" typeface="Raavi"/>
-        <a:font script="Cans" typeface="Euphemia"/>
-        <a:font script="Cher" typeface="Plantagenet Cherokee"/>
-        <a:font script="Yiii" typeface="Microsoft Yi Baiti"/>
-        <a:font script="Tibt" typeface="Microsoft Himalaya"/>
-        <a:font script="Thaa" typeface="MV Boli"/>
-        <a:font script="Deva" typeface="Mangal"/>
-        <a:font script="Telu" typeface="Gautami"/>
-        <a:font script="Taml" typeface="Latha"/>
-        <a:font script="Syrc" typeface="Estrangelo Edessa"/>
-        <a:font script="Orya" typeface="Kalinga"/>
-        <a:font script="Mlym" typeface="Kartika"/>
-        <a:font script="Laoo" typeface="DokChampa"/>
-        <a:font script="Sinh" typeface="Iskoola Pota"/>
-        <a:font script="Mong" typeface="Mongolian Baiti"/>
-        <a:font script="Viet" typeface="Times New Roman"/>
-        <a:font script="Uigh" typeface="Microsoft Uighur"/>
-        <a:font script="Geor" typeface="Sylfaen"/>
-      </a:majorFont>
-      <a:minorFont>
-        <a:latin typeface="Arial"/>
-        <a:ea typeface=""/>
-        <a:cs typeface=""/>
-        <a:font script="Jpan" typeface="ＭＳ Ｐゴシック"/>
-        <a:font script="Hang" typeface="맑은 고딕"/>
-        <a:font script="Hans" typeface="宋体"/>
-        <a:font script="Hant" typeface="新細明體"/>
-        <a:font script="Arab" typeface="Arial"/>
-        <a:font script="Hebr" typeface="Arial"/>
-        <a:font script="Thai" typeface="Cordia New"/>
-        <a:font script="Ethi" typeface="Nyala"/>
-        <a:font script="Beng" typeface="Vrinda"/>
-        <a:font script="Gujr" typeface="Shruti"/>
-        <a:font script="Khmr" typeface="DaunPenh"/>
-        <a:font script="Knda" typeface="Tunga"/>
-        <a:font script="Guru" typeface="Raavi"/>
-        <a:font script="Cans" typeface="Euphemia"/>
-        <a:font script="Cher" typeface="Plantagenet Cherokee"/>
-        <a:font script="Yiii" typeface="Microsoft Yi Baiti"/>
-        <a:font script="Tibt" typeface="Microsoft Himalaya"/>
-        <a:font script="Thaa" typeface="MV Boli"/>
-        <a:font script="Deva" typeface="Mangal"/>
-        <a:font script="Telu" typeface="Gautami"/>
-        <a:font script="Taml" typeface="Latha"/>
-        <a:font script="Syrc" typeface="Estrangelo Edessa"/>
-        <a:font script="Orya" typeface="Kalinga"/>
-        <a:font script="Mlym" typeface="Kartika"/>
-        <a:font script="Laoo" typeface="DokChampa"/>
-        <a:font script="Sinh" typeface="Iskoola Pota"/>
-        <a:font script="Mong" typeface="Mongolian Baiti"/>
-        <a:font script="Viet" typeface="Arial"/>
-        <a:font script="Uigh" typeface="Microsoft Uighur"/>
-        <a:font script="Geor" typeface="Sylfaen"/>
-      </a:minorFont>
-    </a:fontScheme>
-    <a:fmtScheme name="Office">
-      <a:fillStyleLst>
-        <a:solidFill>
-          <a:schemeClr val="phClr"/>
-        </a:solidFill>
-        <a:gradFill rotWithShape="1">
-          <a:gsLst>
-            <a:gs pos="0">
-              <a:schemeClr val="phClr">
-                <a:tint val="50000"/>
-                <a:satMod val="300000"/>
-              </a:schemeClr>
-            </a:gs>
-            <a:gs pos="35000">
-              <a:schemeClr val="phClr">
-                <a:tint val="37000"/>
-                <a:satMod val="300000"/>
-              </a:schemeClr>
-            </a:gs>
-            <a:gs pos="100000">
-              <a:schemeClr val="phClr">
-                <a:tint val="15000"/>
-                <a:satMod val="350000"/>
-              </a:schemeClr>
-            </a:gs>
-          </a:gsLst>
-          <a:lin ang="16200000" scaled="1"/>
-        </a:gradFill>
-        <a:gradFill rotWithShape="1">
-          <a:gsLst>
-            <a:gs pos="0">
-              <a:schemeClr val="phClr">
-                <a:tint val="100000"/>
-                <a:shade val="100000"/>
-                <a:satMod val="130000"/>
-              </a:schemeClr>
-            </a:gs>
-            <a:gs pos="100000">
-              <a:schemeClr val="phClr">
-                <a:tint val="50000"/>
-                <a:shade val="100000"/>
-                <a:satMod val="350000"/>
-              </a:schemeClr>
-            </a:gs>
-          </a:gsLst>
-          <a:lin ang="16200000" scaled="0"/>
-        </a:gradFill>
-      </a:fillStyleLst>
-      <a:lnStyleLst>
-        <a:ln w="9525" cap="flat" cmpd="sng" algn="ctr">
-          <a:solidFill>
-            <a:schemeClr val="phClr">
-              <a:shade val="95000"/>
-              <a:satMod val="105000"/>
-            </a:schemeClr>
-          </a:solidFill>
-          <a:prstDash val="solid"/>
-        </a:ln>
-        <a:ln w="25400" cap="flat" cmpd="sng" algn="ctr">
-          <a:solidFill>
-            <a:schemeClr val="phClr"/>
-          </a:solidFill>
-          <a:prstDash val="solid"/>
-        </a:ln>
-        <a:ln w="38100" cap="flat" cmpd="sng" algn="ctr">
-          <a:solidFill>
-            <a:schemeClr val="phClr"/>
-          </a:solidFill>
-          <a:prstDash val="solid"/>
-        </a:ln>
-      </a:lnStyleLst>
-      <a:effectStyleLst>
-        <a:effectStyle>
-          <a:effectLst>
-            <a:outerShdw blurRad="40000" dist="20000" dir="5400000" rotWithShape="0">
-              <a:srgbClr val="000000">
-                <a:alpha val="38000"/>
-              </a:srgbClr>
-            </a:outerShdw>
-          </a:effectLst>
-        </a:effectStyle>
-        <a:effectStyle>
-          <a:effectLst>
-            <a:outerShdw blurRad="40000" dist="23000" dir="5400000" rotWithShape="0">
-              <a:srgbClr val="000000">
-                <a:alpha val="35000"/>
-              </a:srgbClr>
-            </a:outerShdw>
-          </a:effectLst>
-        </a:effectStyle>
-        <a:effectStyle>
-          <a:effectLst>
-            <a:outerShdw blurRad="40000" dist="23000" dir="5400000" rotWithShape="0">
-              <a:srgbClr val="000000">
-                <a:alpha val="35000"/>
-              </a:srgbClr>
-            </a:outerShdw>
-          </a:effectLst>
-          <a:scene3d>
-            <a:camera prst="orthographicFront">
-              <a:rot lat="0" lon="0" rev="0"/>
-            </a:camera>
-            <a:lightRig rig="threePt" dir="t">
-              <a:rot lat="0" lon="0" rev="1200000"/>
-            </a:lightRig>
-          </a:scene3d>
-          <a:sp3d>
-            <a:bevelT w="63500" h="25400"/>
-          </a:sp3d>
-        </a:effectStyle>
-      </a:effectStyleLst>
-      <a:bgFillStyleLst>
-        <a:solidFill>
-          <a:schemeClr val="phClr"/>
-        </a:solidFill>
-        <a:gradFill rotWithShape="1">
-          <a:gsLst>
-            <a:gs pos="0">
-              <a:schemeClr val="phClr">
-                <a:tint val="40000"/>
-                <a:satMod val="350000"/>
-              </a:schemeClr>
-            </a:gs>
-            <a:gs pos="40000">
-              <a:schemeClr val="phClr">
-                <a:tint val="45000"/>
-                <a:shade val="99000"/>
-                <a:satMod val="350000"/>
-              </a:schemeClr>
-            </a:gs>
-            <a:gs pos="100000">
-              <a:schemeClr val="phClr">
-                <a:shade val="20000"/>
-                <a:satMod val="255000"/>
-              </a:schemeClr>
-            </a:gs>
-          </a:gsLst>
-          <a:path path="circle">
-            <a:fillToRect l="50000" t="-80000" r="50000" b="180000"/>
-          </a:path>
-        </a:gradFill>
-        <a:gradFill rotWithShape="1">
-          <a:gsLst>
-            <a:gs pos="0">
-              <a:schemeClr val="phClr">
-                <a:tint val="80000"/>
-                <a:satMod val="300000"/>
-              </a:schemeClr>
-            </a:gs>
-            <a:gs pos="100000">
-              <a:schemeClr val="phClr">
-                <a:shade val="30000"/>
-                <a:satMod val="200000"/>
-              </a:schemeClr>
-            </a:gs>
-          </a:gsLst>
-          <a:path path="circle">
-            <a:fillToRect l="50000" t="50000" r="50000" b="50000"/>
-          </a:path>
-        </a:gradFill>
-      </a:bgFillStyleLst>
-    </a:fmtScheme>
-  </a:themeElements>
-</a:theme>
 </file>
--- a/docs/DHIS_2_FHIR_Adapter_-_An_Overview.pptx
+++ b/docs/DHIS_2_FHIR_Adapter_-_An_Overview.pptx
@@ -1,36 +1,38 @@
 
 <file path=ppt/presentation.xml><?xml version="1.0" encoding="utf-8"?>
-<p:presentation xmlns:a="http://schemas.openxmlformats.org/drawingml/2006/main" xmlns:r="http://schemas.openxmlformats.org/officeDocument/2006/relationships" xmlns:mc="http://schemas.openxmlformats.org/markup-compatibility/2006" xmlns:mv="urn:schemas-microsoft-com:mac:vml" xmlns:p="http://schemas.openxmlformats.org/presentationml/2006/main" xmlns:c="http://schemas.openxmlformats.org/drawingml/2006/chart" xmlns:dgm="http://schemas.openxmlformats.org/drawingml/2006/diagram" xmlns:o="urn:schemas-microsoft-com:office:office" xmlns:v="urn:schemas-microsoft-com:vml" xmlns:pvml="urn:schemas-microsoft-com:office:powerpoint" xmlns:com="http://schemas.openxmlformats.org/drawingml/2006/compatibility" xmlns:p14="http://schemas.microsoft.com/office/powerpoint/2010/main" xmlns:p15="http://schemas.microsoft.com/office/powerpoint/2012/main" autoCompressPictures="0" embedTrueTypeFonts="1" strictFirstAndLastChars="0" saveSubsetFonts="1">
+<p:presentation xmlns:a="http://schemas.openxmlformats.org/drawingml/2006/main" xmlns:r="http://schemas.openxmlformats.org/officeDocument/2006/relationships" xmlns:p="http://schemas.openxmlformats.org/presentationml/2006/main" strictFirstAndLastChars="0" embedTrueTypeFonts="1" saveSubsetFonts="1" autoCompressPictures="0">
   <p:sldMasterIdLst>
-    <p:sldMasterId id="2147483659" r:id="rId3"/>
+    <p:sldMasterId id="2147483659" r:id="rId1"/>
   </p:sldMasterIdLst>
   <p:notesMasterIdLst>
-    <p:notesMasterId r:id="rId4"/>
+    <p:notesMasterId r:id="rId21"/>
   </p:notesMasterIdLst>
   <p:sldIdLst>
-    <p:sldId id="256" r:id="rId5"/>
-    <p:sldId id="257" r:id="rId6"/>
-    <p:sldId id="258" r:id="rId7"/>
-    <p:sldId id="259" r:id="rId8"/>
-    <p:sldId id="260" r:id="rId9"/>
-    <p:sldId id="261" r:id="rId10"/>
-    <p:sldId id="262" r:id="rId11"/>
-    <p:sldId id="263" r:id="rId12"/>
-    <p:sldId id="264" r:id="rId13"/>
-    <p:sldId id="265" r:id="rId14"/>
-    <p:sldId id="266" r:id="rId15"/>
-    <p:sldId id="267" r:id="rId16"/>
-    <p:sldId id="268" r:id="rId17"/>
-    <p:sldId id="269" r:id="rId18"/>
-    <p:sldId id="270" r:id="rId19"/>
-    <p:sldId id="271" r:id="rId20"/>
-    <p:sldId id="272" r:id="rId21"/>
+    <p:sldId id="256" r:id="rId2"/>
+    <p:sldId id="257" r:id="rId3"/>
+    <p:sldId id="258" r:id="rId4"/>
+    <p:sldId id="259" r:id="rId5"/>
+    <p:sldId id="260" r:id="rId6"/>
+    <p:sldId id="261" r:id="rId7"/>
+    <p:sldId id="262" r:id="rId8"/>
+    <p:sldId id="263" r:id="rId9"/>
+    <p:sldId id="264" r:id="rId10"/>
+    <p:sldId id="265" r:id="rId11"/>
+    <p:sldId id="266" r:id="rId12"/>
+    <p:sldId id="267" r:id="rId13"/>
+    <p:sldId id="268" r:id="rId14"/>
+    <p:sldId id="269" r:id="rId15"/>
+    <p:sldId id="270" r:id="rId16"/>
+    <p:sldId id="271" r:id="rId17"/>
+    <p:sldId id="272" r:id="rId18"/>
+    <p:sldId id="273" r:id="rId19"/>
+    <p:sldId id="274" r:id="rId20"/>
   </p:sldIdLst>
-  <p:sldSz cy="5143500" cx="9144000"/>
+  <p:sldSz cx="9144000" cy="5143500" type="screen16x9"/>
   <p:notesSz cx="6858000" cy="9144000"/>
   <p:embeddedFontLst>
     <p:embeddedFont>
-      <p:font typeface="Rubik"/>
+      <p:font typeface="Rubik" panose="020B0604020202020204" charset="-79"/>
       <p:regular r:id="rId22"/>
       <p:bold r:id="rId23"/>
       <p:italic r:id="rId24"/>
@@ -38,7 +40,7 @@
     </p:embeddedFont>
   </p:embeddedFontLst>
   <p:defaultTextStyle>
-    <a:defPPr lvl="0" marR="0" rtl="0" algn="l">
+    <a:defPPr marR="0" lvl="0" algn="l" rtl="0">
       <a:lnSpc>
         <a:spcPct val="100000"/>
       </a:lnSpc>
@@ -49,7 +51,7 @@
         <a:spcPts val="0"/>
       </a:spcAft>
     </a:defPPr>
-    <a:lvl1pPr lvl="0" marR="0" rtl="0" algn="l">
+    <a:lvl1pPr marR="0" lvl="0" algn="l" rtl="0">
       <a:lnSpc>
         <a:spcPct val="100000"/>
       </a:lnSpc>
@@ -63,7 +65,7 @@
         <a:srgbClr val="000000"/>
       </a:buClr>
       <a:buFont typeface="Arial"/>
-      <a:defRPr b="0" i="0" sz="1400" u="none" cap="none" strike="noStrike">
+      <a:defRPr sz="1400" b="0" i="0" u="none" strike="noStrike" cap="none">
         <a:solidFill>
           <a:srgbClr val="000000"/>
         </a:solidFill>
@@ -73,7 +75,7 @@
         <a:sym typeface="Arial"/>
       </a:defRPr>
     </a:lvl1pPr>
-    <a:lvl2pPr lvl="1" marR="0" rtl="0" algn="l">
+    <a:lvl2pPr marR="0" lvl="1" algn="l" rtl="0">
       <a:lnSpc>
         <a:spcPct val="100000"/>
       </a:lnSpc>
@@ -87,7 +89,7 @@
         <a:srgbClr val="000000"/>
       </a:buClr>
       <a:buFont typeface="Arial"/>
-      <a:defRPr b="0" i="0" sz="1400" u="none" cap="none" strike="noStrike">
+      <a:defRPr sz="1400" b="0" i="0" u="none" strike="noStrike" cap="none">
         <a:solidFill>
           <a:srgbClr val="000000"/>
         </a:solidFill>
@@ -97,7 +99,7 @@
         <a:sym typeface="Arial"/>
       </a:defRPr>
     </a:lvl2pPr>
-    <a:lvl3pPr lvl="2" marR="0" rtl="0" algn="l">
+    <a:lvl3pPr marR="0" lvl="2" algn="l" rtl="0">
       <a:lnSpc>
         <a:spcPct val="100000"/>
       </a:lnSpc>
@@ -111,7 +113,7 @@
         <a:srgbClr val="000000"/>
       </a:buClr>
       <a:buFont typeface="Arial"/>
-      <a:defRPr b="0" i="0" sz="1400" u="none" cap="none" strike="noStrike">
+      <a:defRPr sz="1400" b="0" i="0" u="none" strike="noStrike" cap="none">
         <a:solidFill>
           <a:srgbClr val="000000"/>
         </a:solidFill>
@@ -121,7 +123,7 @@
         <a:sym typeface="Arial"/>
       </a:defRPr>
     </a:lvl3pPr>
-    <a:lvl4pPr lvl="3" marR="0" rtl="0" algn="l">
+    <a:lvl4pPr marR="0" lvl="3" algn="l" rtl="0">
       <a:lnSpc>
         <a:spcPct val="100000"/>
       </a:lnSpc>
@@ -135,7 +137,7 @@
         <a:srgbClr val="000000"/>
       </a:buClr>
       <a:buFont typeface="Arial"/>
-      <a:defRPr b="0" i="0" sz="1400" u="none" cap="none" strike="noStrike">
+      <a:defRPr sz="1400" b="0" i="0" u="none" strike="noStrike" cap="none">
         <a:solidFill>
           <a:srgbClr val="000000"/>
         </a:solidFill>
@@ -145,7 +147,7 @@
         <a:sym typeface="Arial"/>
       </a:defRPr>
     </a:lvl4pPr>
-    <a:lvl5pPr lvl="4" marR="0" rtl="0" algn="l">
+    <a:lvl5pPr marR="0" lvl="4" algn="l" rtl="0">
       <a:lnSpc>
         <a:spcPct val="100000"/>
       </a:lnSpc>
@@ -159,7 +161,7 @@
         <a:srgbClr val="000000"/>
       </a:buClr>
       <a:buFont typeface="Arial"/>
-      <a:defRPr b="0" i="0" sz="1400" u="none" cap="none" strike="noStrike">
+      <a:defRPr sz="1400" b="0" i="0" u="none" strike="noStrike" cap="none">
         <a:solidFill>
           <a:srgbClr val="000000"/>
         </a:solidFill>
@@ -169,7 +171,7 @@
         <a:sym typeface="Arial"/>
       </a:defRPr>
     </a:lvl5pPr>
-    <a:lvl6pPr lvl="5" marR="0" rtl="0" algn="l">
+    <a:lvl6pPr marR="0" lvl="5" algn="l" rtl="0">
       <a:lnSpc>
         <a:spcPct val="100000"/>
       </a:lnSpc>
@@ -183,7 +185,7 @@
         <a:srgbClr val="000000"/>
       </a:buClr>
       <a:buFont typeface="Arial"/>
-      <a:defRPr b="0" i="0" sz="1400" u="none" cap="none" strike="noStrike">
+      <a:defRPr sz="1400" b="0" i="0" u="none" strike="noStrike" cap="none">
         <a:solidFill>
           <a:srgbClr val="000000"/>
         </a:solidFill>
@@ -193,7 +195,7 @@
         <a:sym typeface="Arial"/>
       </a:defRPr>
     </a:lvl6pPr>
-    <a:lvl7pPr lvl="6" marR="0" rtl="0" algn="l">
+    <a:lvl7pPr marR="0" lvl="6" algn="l" rtl="0">
       <a:lnSpc>
         <a:spcPct val="100000"/>
       </a:lnSpc>
@@ -207,7 +209,7 @@
         <a:srgbClr val="000000"/>
       </a:buClr>
       <a:buFont typeface="Arial"/>
-      <a:defRPr b="0" i="0" sz="1400" u="none" cap="none" strike="noStrike">
+      <a:defRPr sz="1400" b="0" i="0" u="none" strike="noStrike" cap="none">
         <a:solidFill>
           <a:srgbClr val="000000"/>
         </a:solidFill>
@@ -217,7 +219,7 @@
         <a:sym typeface="Arial"/>
       </a:defRPr>
     </a:lvl7pPr>
-    <a:lvl8pPr lvl="7" marR="0" rtl="0" algn="l">
+    <a:lvl8pPr marR="0" lvl="7" algn="l" rtl="0">
       <a:lnSpc>
         <a:spcPct val="100000"/>
       </a:lnSpc>
@@ -231,7 +233,7 @@
         <a:srgbClr val="000000"/>
       </a:buClr>
       <a:buFont typeface="Arial"/>
-      <a:defRPr b="0" i="0" sz="1400" u="none" cap="none" strike="noStrike">
+      <a:defRPr sz="1400" b="0" i="0" u="none" strike="noStrike" cap="none">
         <a:solidFill>
           <a:srgbClr val="000000"/>
         </a:solidFill>
@@ -241,7 +243,7 @@
         <a:sym typeface="Arial"/>
       </a:defRPr>
     </a:lvl8pPr>
-    <a:lvl9pPr lvl="8" marR="0" rtl="0" algn="l">
+    <a:lvl9pPr marR="0" lvl="8" algn="l" rtl="0">
       <a:lnSpc>
         <a:spcPct val="100000"/>
       </a:lnSpc>
@@ -255,7 +257,7 @@
         <a:srgbClr val="000000"/>
       </a:buClr>
       <a:buFont typeface="Arial"/>
-      <a:defRPr b="0" i="0" sz="1400" u="none" cap="none" strike="noStrike">
+      <a:defRPr sz="1400" b="0" i="0" u="none" strike="noStrike" cap="none">
         <a:solidFill>
           <a:srgbClr val="000000"/>
         </a:solidFill>
@@ -270,11 +272,16 @@
 </file>
 
 <file path=ppt/notesMasters/notesMaster1.xml><?xml version="1.0" encoding="utf-8"?>
-<p:notesMaster xmlns:a="http://schemas.openxmlformats.org/drawingml/2006/main" xmlns:r="http://schemas.openxmlformats.org/officeDocument/2006/relationships" xmlns:mc="http://schemas.openxmlformats.org/markup-compatibility/2006" xmlns:mv="urn:schemas-microsoft-com:mac:vml" xmlns:p="http://schemas.openxmlformats.org/presentationml/2006/main" xmlns:c="http://schemas.openxmlformats.org/drawingml/2006/chart" xmlns:dgm="http://schemas.openxmlformats.org/drawingml/2006/diagram" xmlns:o="urn:schemas-microsoft-com:office:office" xmlns:v="urn:schemas-microsoft-com:vml" xmlns:pvml="urn:schemas-microsoft-com:office:powerpoint" xmlns:com="http://schemas.openxmlformats.org/drawingml/2006/compatibility" xmlns:p14="http://schemas.microsoft.com/office/powerpoint/2010/main" xmlns:p15="http://schemas.microsoft.com/office/powerpoint/2012/main">
+<p:notesMaster xmlns:a="http://schemas.openxmlformats.org/drawingml/2006/main" xmlns:r="http://schemas.openxmlformats.org/officeDocument/2006/relationships" xmlns:p="http://schemas.openxmlformats.org/presentationml/2006/main">
   <p:cSld>
+    <p:bg>
+      <p:bgRef idx="1001">
+        <a:schemeClr val="bg1"/>
+      </p:bgRef>
+    </p:bg>
     <p:spTree>
       <p:nvGrpSpPr>
-        <p:cNvPr id="2" name="Shape 2"/>
+        <p:cNvPr id="1" name="Shape 2"/>
         <p:cNvGrpSpPr/>
         <p:nvPr/>
       </p:nvGrpSpPr>
@@ -289,9 +296,11 @@
       <p:sp>
         <p:nvSpPr>
           <p:cNvPr id="3" name="Google Shape;3;n"/>
-          <p:cNvSpPr/>
+          <p:cNvSpPr>
+            <a:spLocks noGrp="1" noRot="1" noChangeAspect="1"/>
+          </p:cNvSpPr>
           <p:nvPr>
-            <p:ph idx="2" type="sldImg"/>
+            <p:ph type="sldImg" idx="2"/>
           </p:nvPr>
         </p:nvSpPr>
         <p:spPr>
@@ -300,9 +309,13 @@
             <a:ext cx="6096000" cy="3429000"/>
           </a:xfrm>
           <a:custGeom>
-            <a:rect b="b" l="l" r="r" t="t"/>
+            <a:avLst/>
+            <a:gdLst/>
+            <a:ahLst/>
+            <a:cxnLst/>
+            <a:rect l="l" t="t" r="r" b="b"/>
             <a:pathLst>
-              <a:path extrusionOk="0" h="120000" w="120000">
+              <a:path w="120000" h="120000" extrusionOk="0">
                 <a:moveTo>
                   <a:pt x="0" y="0"/>
                 </a:moveTo>
@@ -320,23 +333,25 @@
             </a:pathLst>
           </a:custGeom>
           <a:noFill/>
-          <a:ln cap="flat" cmpd="sng" w="9525">
+          <a:ln w="9525" cap="flat" cmpd="sng">
             <a:solidFill>
               <a:srgbClr val="000000"/>
             </a:solidFill>
             <a:prstDash val="solid"/>
             <a:round/>
-            <a:headEnd len="sm" w="sm" type="none"/>
-            <a:tailEnd len="sm" w="sm" type="none"/>
+            <a:headEnd type="none" w="sm" len="sm"/>
+            <a:tailEnd type="none" w="sm" len="sm"/>
           </a:ln>
         </p:spPr>
       </p:sp>
       <p:sp>
         <p:nvSpPr>
           <p:cNvPr id="4" name="Google Shape;4;n"/>
-          <p:cNvSpPr txBox="1"/>
+          <p:cNvSpPr txBox="1">
+            <a:spLocks noGrp="1"/>
+          </p:cNvSpPr>
           <p:nvPr>
-            <p:ph idx="1" type="body"/>
+            <p:ph type="body" idx="1"/>
           </p:nvPr>
         </p:nvSpPr>
         <p:spPr>
@@ -353,9 +368,9 @@
           </a:ln>
         </p:spPr>
         <p:txBody>
-          <a:bodyPr anchorCtr="0" anchor="t" bIns="91425" lIns="91425" spcFirstLastPara="1" rIns="91425" wrap="square" tIns="91425"/>
+          <a:bodyPr spcFirstLastPara="1" wrap="square" lIns="91425" tIns="91425" rIns="91425" bIns="91425" anchor="t" anchorCtr="0"/>
           <a:lstStyle>
-            <a:lvl1pPr indent="-298450" lvl="0" marL="457200">
+            <a:lvl1pPr marL="457200" lvl="0" indent="-298450">
               <a:spcBef>
                 <a:spcPts val="0"/>
               </a:spcBef>
@@ -366,7 +381,7 @@
               <a:buChar char="●"/>
               <a:defRPr sz="1100"/>
             </a:lvl1pPr>
-            <a:lvl2pPr indent="-298450" lvl="1" marL="914400">
+            <a:lvl2pPr marL="914400" lvl="1" indent="-298450">
               <a:spcBef>
                 <a:spcPts val="0"/>
               </a:spcBef>
@@ -377,7 +392,7 @@
               <a:buChar char="○"/>
               <a:defRPr sz="1100"/>
             </a:lvl2pPr>
-            <a:lvl3pPr indent="-298450" lvl="2" marL="1371600">
+            <a:lvl3pPr marL="1371600" lvl="2" indent="-298450">
               <a:spcBef>
                 <a:spcPts val="0"/>
               </a:spcBef>
@@ -388,7 +403,7 @@
               <a:buChar char="■"/>
               <a:defRPr sz="1100"/>
             </a:lvl3pPr>
-            <a:lvl4pPr indent="-298450" lvl="3" marL="1828800">
+            <a:lvl4pPr marL="1828800" lvl="3" indent="-298450">
               <a:spcBef>
                 <a:spcPts val="0"/>
               </a:spcBef>
@@ -399,7 +414,7 @@
               <a:buChar char="●"/>
               <a:defRPr sz="1100"/>
             </a:lvl4pPr>
-            <a:lvl5pPr indent="-298450" lvl="4" marL="2286000">
+            <a:lvl5pPr marL="2286000" lvl="4" indent="-298450">
               <a:spcBef>
                 <a:spcPts val="0"/>
               </a:spcBef>
@@ -410,7 +425,7 @@
               <a:buChar char="○"/>
               <a:defRPr sz="1100"/>
             </a:lvl5pPr>
-            <a:lvl6pPr indent="-298450" lvl="5" marL="2743200">
+            <a:lvl6pPr marL="2743200" lvl="5" indent="-298450">
               <a:spcBef>
                 <a:spcPts val="0"/>
               </a:spcBef>
@@ -421,7 +436,7 @@
               <a:buChar char="■"/>
               <a:defRPr sz="1100"/>
             </a:lvl6pPr>
-            <a:lvl7pPr indent="-298450" lvl="6" marL="3200400">
+            <a:lvl7pPr marL="3200400" lvl="6" indent="-298450">
               <a:spcBef>
                 <a:spcPts val="0"/>
               </a:spcBef>
@@ -432,7 +447,7 @@
               <a:buChar char="●"/>
               <a:defRPr sz="1100"/>
             </a:lvl7pPr>
-            <a:lvl8pPr indent="-298450" lvl="7" marL="3657600">
+            <a:lvl8pPr marL="3657600" lvl="7" indent="-298450">
               <a:spcBef>
                 <a:spcPts val="0"/>
               </a:spcBef>
@@ -443,7 +458,7 @@
               <a:buChar char="○"/>
               <a:defRPr sz="1100"/>
             </a:lvl8pPr>
-            <a:lvl9pPr indent="-298450" lvl="8" marL="4114800">
+            <a:lvl9pPr marL="4114800" lvl="8" indent="-298450">
               <a:spcBef>
                 <a:spcPts val="0"/>
               </a:spcBef>
@@ -455,14 +470,16 @@
               <a:defRPr sz="1100"/>
             </a:lvl9pPr>
           </a:lstStyle>
-          <a:p/>
+          <a:p>
+            <a:endParaRPr/>
+          </a:p>
         </p:txBody>
       </p:sp>
     </p:spTree>
   </p:cSld>
-  <p:clrMap accent1="accent1" accent2="accent2" accent3="accent3" accent4="accent4" accent5="accent5" accent6="accent6" bg1="lt1" bg2="dk2" tx1="dk1" tx2="lt2" folHlink="folHlink" hlink="hlink"/>
+  <p:clrMap bg1="lt1" tx1="dk1" bg2="dk2" tx2="lt2" accent1="accent1" accent2="accent2" accent3="accent3" accent4="accent4" accent5="accent5" accent6="accent6" hlink="hlink" folHlink="folHlink"/>
   <p:notesStyle>
-    <a:defPPr lvl="0" marR="0" rtl="0" algn="l">
+    <a:defPPr marR="0" lvl="0" algn="l" rtl="0">
       <a:lnSpc>
         <a:spcPct val="100000"/>
       </a:lnSpc>
@@ -473,7 +490,7 @@
         <a:spcPts val="0"/>
       </a:spcAft>
     </a:defPPr>
-    <a:lvl1pPr lvl="0" marR="0" rtl="0" algn="l">
+    <a:lvl1pPr marR="0" lvl="0" algn="l" rtl="0">
       <a:lnSpc>
         <a:spcPct val="100000"/>
       </a:lnSpc>
@@ -487,7 +504,7 @@
         <a:srgbClr val="000000"/>
       </a:buClr>
       <a:buFont typeface="Arial"/>
-      <a:defRPr b="0" i="0" sz="1400" u="none" cap="none" strike="noStrike">
+      <a:defRPr sz="1400" b="0" i="0" u="none" strike="noStrike" cap="none">
         <a:solidFill>
           <a:srgbClr val="000000"/>
         </a:solidFill>
@@ -497,7 +514,7 @@
         <a:sym typeface="Arial"/>
       </a:defRPr>
     </a:lvl1pPr>
-    <a:lvl2pPr lvl="1" marR="0" rtl="0" algn="l">
+    <a:lvl2pPr marR="0" lvl="1" algn="l" rtl="0">
       <a:lnSpc>
         <a:spcPct val="100000"/>
       </a:lnSpc>
@@ -511,7 +528,7 @@
         <a:srgbClr val="000000"/>
       </a:buClr>
       <a:buFont typeface="Arial"/>
-      <a:defRPr b="0" i="0" sz="1400" u="none" cap="none" strike="noStrike">
+      <a:defRPr sz="1400" b="0" i="0" u="none" strike="noStrike" cap="none">
         <a:solidFill>
           <a:srgbClr val="000000"/>
         </a:solidFill>
@@ -521,7 +538,7 @@
         <a:sym typeface="Arial"/>
       </a:defRPr>
     </a:lvl2pPr>
-    <a:lvl3pPr lvl="2" marR="0" rtl="0" algn="l">
+    <a:lvl3pPr marR="0" lvl="2" algn="l" rtl="0">
       <a:lnSpc>
         <a:spcPct val="100000"/>
       </a:lnSpc>
@@ -535,7 +552,7 @@
         <a:srgbClr val="000000"/>
       </a:buClr>
       <a:buFont typeface="Arial"/>
-      <a:defRPr b="0" i="0" sz="1400" u="none" cap="none" strike="noStrike">
+      <a:defRPr sz="1400" b="0" i="0" u="none" strike="noStrike" cap="none">
         <a:solidFill>
           <a:srgbClr val="000000"/>
         </a:solidFill>
@@ -545,7 +562,7 @@
         <a:sym typeface="Arial"/>
       </a:defRPr>
     </a:lvl3pPr>
-    <a:lvl4pPr lvl="3" marR="0" rtl="0" algn="l">
+    <a:lvl4pPr marR="0" lvl="3" algn="l" rtl="0">
       <a:lnSpc>
         <a:spcPct val="100000"/>
       </a:lnSpc>
@@ -559,7 +576,7 @@
         <a:srgbClr val="000000"/>
       </a:buClr>
       <a:buFont typeface="Arial"/>
-      <a:defRPr b="0" i="0" sz="1400" u="none" cap="none" strike="noStrike">
+      <a:defRPr sz="1400" b="0" i="0" u="none" strike="noStrike" cap="none">
         <a:solidFill>
           <a:srgbClr val="000000"/>
         </a:solidFill>
@@ -569,7 +586,7 @@
         <a:sym typeface="Arial"/>
       </a:defRPr>
     </a:lvl4pPr>
-    <a:lvl5pPr lvl="4" marR="0" rtl="0" algn="l">
+    <a:lvl5pPr marR="0" lvl="4" algn="l" rtl="0">
       <a:lnSpc>
         <a:spcPct val="100000"/>
       </a:lnSpc>
@@ -583,7 +600,7 @@
         <a:srgbClr val="000000"/>
       </a:buClr>
       <a:buFont typeface="Arial"/>
-      <a:defRPr b="0" i="0" sz="1400" u="none" cap="none" strike="noStrike">
+      <a:defRPr sz="1400" b="0" i="0" u="none" strike="noStrike" cap="none">
         <a:solidFill>
           <a:srgbClr val="000000"/>
         </a:solidFill>
@@ -593,7 +610,7 @@
         <a:sym typeface="Arial"/>
       </a:defRPr>
     </a:lvl5pPr>
-    <a:lvl6pPr lvl="5" marR="0" rtl="0" algn="l">
+    <a:lvl6pPr marR="0" lvl="5" algn="l" rtl="0">
       <a:lnSpc>
         <a:spcPct val="100000"/>
       </a:lnSpc>
@@ -607,7 +624,7 @@
         <a:srgbClr val="000000"/>
       </a:buClr>
       <a:buFont typeface="Arial"/>
-      <a:defRPr b="0" i="0" sz="1400" u="none" cap="none" strike="noStrike">
+      <a:defRPr sz="1400" b="0" i="0" u="none" strike="noStrike" cap="none">
         <a:solidFill>
           <a:srgbClr val="000000"/>
         </a:solidFill>
@@ -617,7 +634,7 @@
         <a:sym typeface="Arial"/>
       </a:defRPr>
     </a:lvl6pPr>
-    <a:lvl7pPr lvl="6" marR="0" rtl="0" algn="l">
+    <a:lvl7pPr marR="0" lvl="6" algn="l" rtl="0">
       <a:lnSpc>
         <a:spcPct val="100000"/>
       </a:lnSpc>
@@ -631,7 +648,7 @@
         <a:srgbClr val="000000"/>
       </a:buClr>
       <a:buFont typeface="Arial"/>
-      <a:defRPr b="0" i="0" sz="1400" u="none" cap="none" strike="noStrike">
+      <a:defRPr sz="1400" b="0" i="0" u="none" strike="noStrike" cap="none">
         <a:solidFill>
           <a:srgbClr val="000000"/>
         </a:solidFill>
@@ -641,7 +658,7 @@
         <a:sym typeface="Arial"/>
       </a:defRPr>
     </a:lvl7pPr>
-    <a:lvl8pPr lvl="7" marR="0" rtl="0" algn="l">
+    <a:lvl8pPr marR="0" lvl="7" algn="l" rtl="0">
       <a:lnSpc>
         <a:spcPct val="100000"/>
       </a:lnSpc>
@@ -655,7 +672,7 @@
         <a:srgbClr val="000000"/>
       </a:buClr>
       <a:buFont typeface="Arial"/>
-      <a:defRPr b="0" i="0" sz="1400" u="none" cap="none" strike="noStrike">
+      <a:defRPr sz="1400" b="0" i="0" u="none" strike="noStrike" cap="none">
         <a:solidFill>
           <a:srgbClr val="000000"/>
         </a:solidFill>
@@ -665,7 +682,7 @@
         <a:sym typeface="Arial"/>
       </a:defRPr>
     </a:lvl8pPr>
-    <a:lvl9pPr lvl="8" marR="0" rtl="0" algn="l">
+    <a:lvl9pPr marR="0" lvl="8" algn="l" rtl="0">
       <a:lnSpc>
         <a:spcPct val="100000"/>
       </a:lnSpc>
@@ -679,7 +696,7 @@
         <a:srgbClr val="000000"/>
       </a:buClr>
       <a:buFont typeface="Arial"/>
-      <a:defRPr b="0" i="0" sz="1400" u="none" cap="none" strike="noStrike">
+      <a:defRPr sz="1400" b="0" i="0" u="none" strike="noStrike" cap="none">
         <a:solidFill>
           <a:srgbClr val="000000"/>
         </a:solidFill>
@@ -694,11 +711,11 @@
 </file>
 
 <file path=ppt/notesSlides/notesSlide1.xml><?xml version="1.0" encoding="utf-8"?>
-<p:notes xmlns:a="http://schemas.openxmlformats.org/drawingml/2006/main" xmlns:r="http://schemas.openxmlformats.org/officeDocument/2006/relationships" xmlns:mc="http://schemas.openxmlformats.org/markup-compatibility/2006" xmlns:mv="urn:schemas-microsoft-com:mac:vml" xmlns:p="http://schemas.openxmlformats.org/presentationml/2006/main" xmlns:c="http://schemas.openxmlformats.org/drawingml/2006/chart" xmlns:dgm="http://schemas.openxmlformats.org/drawingml/2006/diagram" xmlns:o="urn:schemas-microsoft-com:office:office" xmlns:v="urn:schemas-microsoft-com:vml" xmlns:pvml="urn:schemas-microsoft-com:office:powerpoint" xmlns:com="http://schemas.openxmlformats.org/drawingml/2006/compatibility" xmlns:p14="http://schemas.microsoft.com/office/powerpoint/2010/main" xmlns:p15="http://schemas.microsoft.com/office/powerpoint/2012/main" showMasterPhAnim="0" showMasterSp="0">
+<p:notes xmlns:a="http://schemas.openxmlformats.org/drawingml/2006/main" xmlns:r="http://schemas.openxmlformats.org/officeDocument/2006/relationships" xmlns:p="http://schemas.openxmlformats.org/presentationml/2006/main" showMasterSp="0" showMasterPhAnim="0">
   <p:cSld>
     <p:spTree>
       <p:nvGrpSpPr>
-        <p:cNvPr id="52" name="Shape 52"/>
+        <p:cNvPr id="1" name="Shape 52"/>
         <p:cNvGrpSpPr/>
         <p:nvPr/>
       </p:nvGrpSpPr>
@@ -713,20 +730,26 @@
       <p:sp>
         <p:nvSpPr>
           <p:cNvPr id="53" name="Google Shape;53;p:notes"/>
-          <p:cNvSpPr/>
+          <p:cNvSpPr>
+            <a:spLocks noGrp="1" noRot="1" noChangeAspect="1"/>
+          </p:cNvSpPr>
           <p:nvPr>
-            <p:ph idx="2" type="sldImg"/>
+            <p:ph type="sldImg" idx="2"/>
           </p:nvPr>
         </p:nvSpPr>
         <p:spPr>
           <a:xfrm>
-            <a:off x="381309" y="685800"/>
+            <a:off x="381000" y="685800"/>
             <a:ext cx="6096000" cy="3429000"/>
           </a:xfrm>
           <a:custGeom>
-            <a:rect b="b" l="l" r="r" t="t"/>
+            <a:avLst/>
+            <a:gdLst/>
+            <a:ahLst/>
+            <a:cxnLst/>
+            <a:rect l="l" t="t" r="r" b="b"/>
             <a:pathLst>
-              <a:path extrusionOk="0" h="120000" w="120000">
+              <a:path w="120000" h="120000" extrusionOk="0">
                 <a:moveTo>
                   <a:pt x="0" y="0"/>
                 </a:moveTo>
@@ -748,9 +771,11 @@
       <p:sp>
         <p:nvSpPr>
           <p:cNvPr id="54" name="Google Shape;54;p:notes"/>
-          <p:cNvSpPr txBox="1"/>
+          <p:cNvSpPr txBox="1">
+            <a:spLocks noGrp="1"/>
+          </p:cNvSpPr>
           <p:nvPr>
-            <p:ph idx="1" type="body"/>
+            <p:ph type="body" idx="1"/>
           </p:nvPr>
         </p:nvSpPr>
         <p:spPr>
@@ -763,23 +788,20 @@
           </a:prstGeom>
         </p:spPr>
         <p:txBody>
-          <a:bodyPr anchorCtr="0" anchor="t" bIns="91425" lIns="91425" spcFirstLastPara="1" rIns="91425" wrap="square" tIns="91425">
+          <a:bodyPr spcFirstLastPara="1" wrap="square" lIns="91425" tIns="91425" rIns="91425" bIns="91425" anchor="t" anchorCtr="0">
             <a:noAutofit/>
           </a:bodyPr>
           <a:lstStyle/>
           <a:p>
-            <a:pPr indent="0" lvl="0" marL="0" rtl="0" algn="l">
-              <a:spcBef>
-                <a:spcPts val="0"/>
-              </a:spcBef>
-              <a:spcAft>
-                <a:spcPts val="0"/>
-              </a:spcAft>
-              <a:buNone/>
-            </a:pPr>
-            <a:r>
-              <a:t/>
-            </a:r>
+            <a:pPr marL="0" lvl="0" indent="0" algn="l" rtl="0">
+              <a:spcBef>
+                <a:spcPts val="0"/>
+              </a:spcBef>
+              <a:spcAft>
+                <a:spcPts val="0"/>
+              </a:spcAft>
+              <a:buNone/>
+            </a:pPr>
             <a:endParaRPr/>
           </a:p>
         </p:txBody>
@@ -793,11 +815,11 @@
 </file>
 
 <file path=ppt/notesSlides/notesSlide10.xml><?xml version="1.0" encoding="utf-8"?>
-<p:notes xmlns:a="http://schemas.openxmlformats.org/drawingml/2006/main" xmlns:r="http://schemas.openxmlformats.org/officeDocument/2006/relationships" xmlns:mc="http://schemas.openxmlformats.org/markup-compatibility/2006" xmlns:mv="urn:schemas-microsoft-com:mac:vml" xmlns:p="http://schemas.openxmlformats.org/presentationml/2006/main" xmlns:c="http://schemas.openxmlformats.org/drawingml/2006/chart" xmlns:dgm="http://schemas.openxmlformats.org/drawingml/2006/diagram" xmlns:o="urn:schemas-microsoft-com:office:office" xmlns:v="urn:schemas-microsoft-com:vml" xmlns:pvml="urn:schemas-microsoft-com:office:powerpoint" xmlns:com="http://schemas.openxmlformats.org/drawingml/2006/compatibility" xmlns:p14="http://schemas.microsoft.com/office/powerpoint/2010/main" xmlns:p15="http://schemas.microsoft.com/office/powerpoint/2012/main" showMasterPhAnim="0" showMasterSp="0">
+<p:notes xmlns:a="http://schemas.openxmlformats.org/drawingml/2006/main" xmlns:r="http://schemas.openxmlformats.org/officeDocument/2006/relationships" xmlns:p="http://schemas.openxmlformats.org/presentationml/2006/main" showMasterSp="0" showMasterPhAnim="0">
   <p:cSld>
     <p:spTree>
       <p:nvGrpSpPr>
-        <p:cNvPr id="104" name="Shape 104"/>
+        <p:cNvPr id="1" name="Shape 103"/>
         <p:cNvGrpSpPr/>
         <p:nvPr/>
       </p:nvGrpSpPr>
@@ -811,21 +833,27 @@
       </p:grpSpPr>
       <p:sp>
         <p:nvSpPr>
-          <p:cNvPr id="105" name="Google Shape;105;g4f417ecd79_1_169:notes"/>
-          <p:cNvSpPr/>
+          <p:cNvPr id="104" name="Google Shape;104;g4f417ecd79_1_184:notes"/>
+          <p:cNvSpPr>
+            <a:spLocks noGrp="1" noRot="1" noChangeAspect="1"/>
+          </p:cNvSpPr>
           <p:nvPr>
-            <p:ph idx="2" type="sldImg"/>
+            <p:ph type="sldImg" idx="2"/>
           </p:nvPr>
         </p:nvSpPr>
         <p:spPr>
           <a:xfrm>
-            <a:off x="381309" y="685800"/>
+            <a:off x="381000" y="685800"/>
             <a:ext cx="6096000" cy="3429000"/>
           </a:xfrm>
           <a:custGeom>
-            <a:rect b="b" l="l" r="r" t="t"/>
+            <a:avLst/>
+            <a:gdLst/>
+            <a:ahLst/>
+            <a:cxnLst/>
+            <a:rect l="l" t="t" r="r" b="b"/>
             <a:pathLst>
-              <a:path extrusionOk="0" h="120000" w="120000">
+              <a:path w="120000" h="120000" extrusionOk="0">
                 <a:moveTo>
                   <a:pt x="0" y="0"/>
                 </a:moveTo>
@@ -846,10 +874,12 @@
       </p:sp>
       <p:sp>
         <p:nvSpPr>
-          <p:cNvPr id="106" name="Google Shape;106;g4f417ecd79_1_169:notes"/>
-          <p:cNvSpPr txBox="1"/>
+          <p:cNvPr id="105" name="Google Shape;105;g4f417ecd79_1_184:notes"/>
+          <p:cNvSpPr txBox="1">
+            <a:spLocks noGrp="1"/>
+          </p:cNvSpPr>
           <p:nvPr>
-            <p:ph idx="1" type="body"/>
+            <p:ph type="body" idx="1"/>
           </p:nvPr>
         </p:nvSpPr>
         <p:spPr>
@@ -862,23 +892,20 @@
           </a:prstGeom>
         </p:spPr>
         <p:txBody>
-          <a:bodyPr anchorCtr="0" anchor="t" bIns="91425" lIns="91425" spcFirstLastPara="1" rIns="91425" wrap="square" tIns="91425">
+          <a:bodyPr spcFirstLastPara="1" wrap="square" lIns="91425" tIns="91425" rIns="91425" bIns="91425" anchor="t" anchorCtr="0">
             <a:noAutofit/>
           </a:bodyPr>
           <a:lstStyle/>
           <a:p>
-            <a:pPr indent="0" lvl="0" marL="0" rtl="0" algn="l">
-              <a:spcBef>
-                <a:spcPts val="0"/>
-              </a:spcBef>
-              <a:spcAft>
-                <a:spcPts val="0"/>
-              </a:spcAft>
-              <a:buNone/>
-            </a:pPr>
-            <a:r>
-              <a:t/>
-            </a:r>
+            <a:pPr marL="0" lvl="0" indent="0" algn="l" rtl="0">
+              <a:spcBef>
+                <a:spcPts val="0"/>
+              </a:spcBef>
+              <a:spcAft>
+                <a:spcPts val="0"/>
+              </a:spcAft>
+              <a:buNone/>
+            </a:pPr>
             <a:endParaRPr/>
           </a:p>
         </p:txBody>
@@ -892,11 +919,11 @@
 </file>
 
 <file path=ppt/notesSlides/notesSlide11.xml><?xml version="1.0" encoding="utf-8"?>
-<p:notes xmlns:a="http://schemas.openxmlformats.org/drawingml/2006/main" xmlns:r="http://schemas.openxmlformats.org/officeDocument/2006/relationships" xmlns:mc="http://schemas.openxmlformats.org/markup-compatibility/2006" xmlns:mv="urn:schemas-microsoft-com:mac:vml" xmlns:p="http://schemas.openxmlformats.org/presentationml/2006/main" xmlns:c="http://schemas.openxmlformats.org/drawingml/2006/chart" xmlns:dgm="http://schemas.openxmlformats.org/drawingml/2006/diagram" xmlns:o="urn:schemas-microsoft-com:office:office" xmlns:v="urn:schemas-microsoft-com:vml" xmlns:pvml="urn:schemas-microsoft-com:office:powerpoint" xmlns:com="http://schemas.openxmlformats.org/drawingml/2006/compatibility" xmlns:p14="http://schemas.microsoft.com/office/powerpoint/2010/main" xmlns:p15="http://schemas.microsoft.com/office/powerpoint/2012/main" showMasterPhAnim="0" showMasterSp="0">
+<p:notes xmlns:a="http://schemas.openxmlformats.org/drawingml/2006/main" xmlns:r="http://schemas.openxmlformats.org/officeDocument/2006/relationships" xmlns:p="http://schemas.openxmlformats.org/presentationml/2006/main" showMasterSp="0" showMasterPhAnim="0">
   <p:cSld>
     <p:spTree>
       <p:nvGrpSpPr>
-        <p:cNvPr id="110" name="Shape 110"/>
+        <p:cNvPr id="1" name="Shape 109"/>
         <p:cNvGrpSpPr/>
         <p:nvPr/>
       </p:nvGrpSpPr>
@@ -910,21 +937,27 @@
       </p:grpSpPr>
       <p:sp>
         <p:nvSpPr>
-          <p:cNvPr id="111" name="Google Shape;111;g4f417ecd79_1_174:notes"/>
-          <p:cNvSpPr/>
+          <p:cNvPr id="110" name="Google Shape;110;g4f417ecd79_1_194:notes"/>
+          <p:cNvSpPr>
+            <a:spLocks noGrp="1" noRot="1" noChangeAspect="1"/>
+          </p:cNvSpPr>
           <p:nvPr>
-            <p:ph idx="2" type="sldImg"/>
+            <p:ph type="sldImg" idx="2"/>
           </p:nvPr>
         </p:nvSpPr>
         <p:spPr>
           <a:xfrm>
-            <a:off x="381309" y="685800"/>
+            <a:off x="381000" y="685800"/>
             <a:ext cx="6096000" cy="3429000"/>
           </a:xfrm>
           <a:custGeom>
-            <a:rect b="b" l="l" r="r" t="t"/>
+            <a:avLst/>
+            <a:gdLst/>
+            <a:ahLst/>
+            <a:cxnLst/>
+            <a:rect l="l" t="t" r="r" b="b"/>
             <a:pathLst>
-              <a:path extrusionOk="0" h="120000" w="120000">
+              <a:path w="120000" h="120000" extrusionOk="0">
                 <a:moveTo>
                   <a:pt x="0" y="0"/>
                 </a:moveTo>
@@ -945,10 +978,12 @@
       </p:sp>
       <p:sp>
         <p:nvSpPr>
-          <p:cNvPr id="112" name="Google Shape;112;g4f417ecd79_1_174:notes"/>
-          <p:cNvSpPr txBox="1"/>
+          <p:cNvPr id="111" name="Google Shape;111;g4f417ecd79_1_194:notes"/>
+          <p:cNvSpPr txBox="1">
+            <a:spLocks noGrp="1"/>
+          </p:cNvSpPr>
           <p:nvPr>
-            <p:ph idx="1" type="body"/>
+            <p:ph type="body" idx="1"/>
           </p:nvPr>
         </p:nvSpPr>
         <p:spPr>
@@ -961,23 +996,20 @@
           </a:prstGeom>
         </p:spPr>
         <p:txBody>
-          <a:bodyPr anchorCtr="0" anchor="t" bIns="91425" lIns="91425" spcFirstLastPara="1" rIns="91425" wrap="square" tIns="91425">
+          <a:bodyPr spcFirstLastPara="1" wrap="square" lIns="91425" tIns="91425" rIns="91425" bIns="91425" anchor="t" anchorCtr="0">
             <a:noAutofit/>
           </a:bodyPr>
           <a:lstStyle/>
           <a:p>
-            <a:pPr indent="0" lvl="0" marL="0" rtl="0" algn="l">
-              <a:spcBef>
-                <a:spcPts val="0"/>
-              </a:spcBef>
-              <a:spcAft>
-                <a:spcPts val="0"/>
-              </a:spcAft>
-              <a:buNone/>
-            </a:pPr>
-            <a:r>
-              <a:t/>
-            </a:r>
+            <a:pPr marL="0" lvl="0" indent="0" algn="l" rtl="0">
+              <a:spcBef>
+                <a:spcPts val="0"/>
+              </a:spcBef>
+              <a:spcAft>
+                <a:spcPts val="0"/>
+              </a:spcAft>
+              <a:buNone/>
+            </a:pPr>
             <a:endParaRPr/>
           </a:p>
         </p:txBody>
@@ -991,11 +1023,11 @@
 </file>
 
 <file path=ppt/notesSlides/notesSlide12.xml><?xml version="1.0" encoding="utf-8"?>
-<p:notes xmlns:a="http://schemas.openxmlformats.org/drawingml/2006/main" xmlns:r="http://schemas.openxmlformats.org/officeDocument/2006/relationships" xmlns:mc="http://schemas.openxmlformats.org/markup-compatibility/2006" xmlns:mv="urn:schemas-microsoft-com:mac:vml" xmlns:p="http://schemas.openxmlformats.org/presentationml/2006/main" xmlns:c="http://schemas.openxmlformats.org/drawingml/2006/chart" xmlns:dgm="http://schemas.openxmlformats.org/drawingml/2006/diagram" xmlns:o="urn:schemas-microsoft-com:office:office" xmlns:v="urn:schemas-microsoft-com:vml" xmlns:pvml="urn:schemas-microsoft-com:office:powerpoint" xmlns:com="http://schemas.openxmlformats.org/drawingml/2006/compatibility" xmlns:p14="http://schemas.microsoft.com/office/powerpoint/2010/main" xmlns:p15="http://schemas.microsoft.com/office/powerpoint/2012/main" showMasterPhAnim="0" showMasterSp="0">
+<p:notes xmlns:a="http://schemas.openxmlformats.org/drawingml/2006/main" xmlns:r="http://schemas.openxmlformats.org/officeDocument/2006/relationships" xmlns:p="http://schemas.openxmlformats.org/presentationml/2006/main" showMasterSp="0" showMasterPhAnim="0">
   <p:cSld>
     <p:spTree>
       <p:nvGrpSpPr>
-        <p:cNvPr id="116" name="Shape 116"/>
+        <p:cNvPr id="1" name="Shape 115"/>
         <p:cNvGrpSpPr/>
         <p:nvPr/>
       </p:nvGrpSpPr>
@@ -1009,21 +1041,27 @@
       </p:grpSpPr>
       <p:sp>
         <p:nvSpPr>
-          <p:cNvPr id="117" name="Google Shape;117;g4f417ecd79_1_221:notes"/>
-          <p:cNvSpPr/>
+          <p:cNvPr id="116" name="Google Shape;116;g4f417ecd79_1_169:notes"/>
+          <p:cNvSpPr>
+            <a:spLocks noGrp="1" noRot="1" noChangeAspect="1"/>
+          </p:cNvSpPr>
           <p:nvPr>
-            <p:ph idx="2" type="sldImg"/>
+            <p:ph type="sldImg" idx="2"/>
           </p:nvPr>
         </p:nvSpPr>
         <p:spPr>
           <a:xfrm>
-            <a:off x="381309" y="685800"/>
+            <a:off x="381000" y="685800"/>
             <a:ext cx="6096000" cy="3429000"/>
           </a:xfrm>
           <a:custGeom>
-            <a:rect b="b" l="l" r="r" t="t"/>
+            <a:avLst/>
+            <a:gdLst/>
+            <a:ahLst/>
+            <a:cxnLst/>
+            <a:rect l="l" t="t" r="r" b="b"/>
             <a:pathLst>
-              <a:path extrusionOk="0" h="120000" w="120000">
+              <a:path w="120000" h="120000" extrusionOk="0">
                 <a:moveTo>
                   <a:pt x="0" y="0"/>
                 </a:moveTo>
@@ -1044,10 +1082,12 @@
       </p:sp>
       <p:sp>
         <p:nvSpPr>
-          <p:cNvPr id="118" name="Google Shape;118;g4f417ecd79_1_221:notes"/>
-          <p:cNvSpPr txBox="1"/>
+          <p:cNvPr id="117" name="Google Shape;117;g4f417ecd79_1_169:notes"/>
+          <p:cNvSpPr txBox="1">
+            <a:spLocks noGrp="1"/>
+          </p:cNvSpPr>
           <p:nvPr>
-            <p:ph idx="1" type="body"/>
+            <p:ph type="body" idx="1"/>
           </p:nvPr>
         </p:nvSpPr>
         <p:spPr>
@@ -1060,23 +1100,20 @@
           </a:prstGeom>
         </p:spPr>
         <p:txBody>
-          <a:bodyPr anchorCtr="0" anchor="t" bIns="91425" lIns="91425" spcFirstLastPara="1" rIns="91425" wrap="square" tIns="91425">
+          <a:bodyPr spcFirstLastPara="1" wrap="square" lIns="91425" tIns="91425" rIns="91425" bIns="91425" anchor="t" anchorCtr="0">
             <a:noAutofit/>
           </a:bodyPr>
           <a:lstStyle/>
           <a:p>
-            <a:pPr indent="0" lvl="0" marL="0" rtl="0" algn="l">
-              <a:spcBef>
-                <a:spcPts val="0"/>
-              </a:spcBef>
-              <a:spcAft>
-                <a:spcPts val="0"/>
-              </a:spcAft>
-              <a:buNone/>
-            </a:pPr>
-            <a:r>
-              <a:t/>
-            </a:r>
+            <a:pPr marL="0" lvl="0" indent="0" algn="l" rtl="0">
+              <a:spcBef>
+                <a:spcPts val="0"/>
+              </a:spcBef>
+              <a:spcAft>
+                <a:spcPts val="0"/>
+              </a:spcAft>
+              <a:buNone/>
+            </a:pPr>
             <a:endParaRPr/>
           </a:p>
         </p:txBody>
@@ -1090,11 +1127,11 @@
 </file>
 
 <file path=ppt/notesSlides/notesSlide13.xml><?xml version="1.0" encoding="utf-8"?>
-<p:notes xmlns:a="http://schemas.openxmlformats.org/drawingml/2006/main" xmlns:r="http://schemas.openxmlformats.org/officeDocument/2006/relationships" xmlns:mc="http://schemas.openxmlformats.org/markup-compatibility/2006" xmlns:mv="urn:schemas-microsoft-com:mac:vml" xmlns:p="http://schemas.openxmlformats.org/presentationml/2006/main" xmlns:c="http://schemas.openxmlformats.org/drawingml/2006/chart" xmlns:dgm="http://schemas.openxmlformats.org/drawingml/2006/diagram" xmlns:o="urn:schemas-microsoft-com:office:office" xmlns:v="urn:schemas-microsoft-com:vml" xmlns:pvml="urn:schemas-microsoft-com:office:powerpoint" xmlns:com="http://schemas.openxmlformats.org/drawingml/2006/compatibility" xmlns:p14="http://schemas.microsoft.com/office/powerpoint/2010/main" xmlns:p15="http://schemas.microsoft.com/office/powerpoint/2012/main" showMasterPhAnim="0" showMasterSp="0">
+<p:notes xmlns:a="http://schemas.openxmlformats.org/drawingml/2006/main" xmlns:r="http://schemas.openxmlformats.org/officeDocument/2006/relationships" xmlns:p="http://schemas.openxmlformats.org/presentationml/2006/main" showMasterSp="0" showMasterPhAnim="0">
   <p:cSld>
     <p:spTree>
       <p:nvGrpSpPr>
-        <p:cNvPr id="123" name="Shape 123"/>
+        <p:cNvPr id="1" name="Shape 121"/>
         <p:cNvGrpSpPr/>
         <p:nvPr/>
       </p:nvGrpSpPr>
@@ -1108,21 +1145,27 @@
       </p:grpSpPr>
       <p:sp>
         <p:nvSpPr>
-          <p:cNvPr id="124" name="Google Shape;124;g4f417ecd79_1_208:notes"/>
-          <p:cNvSpPr/>
+          <p:cNvPr id="122" name="Google Shape;122;g4f417ecd79_1_174:notes"/>
+          <p:cNvSpPr>
+            <a:spLocks noGrp="1" noRot="1" noChangeAspect="1"/>
+          </p:cNvSpPr>
           <p:nvPr>
-            <p:ph idx="2" type="sldImg"/>
+            <p:ph type="sldImg" idx="2"/>
           </p:nvPr>
         </p:nvSpPr>
         <p:spPr>
           <a:xfrm>
-            <a:off x="381309" y="685800"/>
+            <a:off x="381000" y="685800"/>
             <a:ext cx="6096000" cy="3429000"/>
           </a:xfrm>
           <a:custGeom>
-            <a:rect b="b" l="l" r="r" t="t"/>
+            <a:avLst/>
+            <a:gdLst/>
+            <a:ahLst/>
+            <a:cxnLst/>
+            <a:rect l="l" t="t" r="r" b="b"/>
             <a:pathLst>
-              <a:path extrusionOk="0" h="120000" w="120000">
+              <a:path w="120000" h="120000" extrusionOk="0">
                 <a:moveTo>
                   <a:pt x="0" y="0"/>
                 </a:moveTo>
@@ -1143,10 +1186,12 @@
       </p:sp>
       <p:sp>
         <p:nvSpPr>
-          <p:cNvPr id="125" name="Google Shape;125;g4f417ecd79_1_208:notes"/>
-          <p:cNvSpPr txBox="1"/>
+          <p:cNvPr id="123" name="Google Shape;123;g4f417ecd79_1_174:notes"/>
+          <p:cNvSpPr txBox="1">
+            <a:spLocks noGrp="1"/>
+          </p:cNvSpPr>
           <p:nvPr>
-            <p:ph idx="1" type="body"/>
+            <p:ph type="body" idx="1"/>
           </p:nvPr>
         </p:nvSpPr>
         <p:spPr>
@@ -1159,23 +1204,20 @@
           </a:prstGeom>
         </p:spPr>
         <p:txBody>
-          <a:bodyPr anchorCtr="0" anchor="t" bIns="91425" lIns="91425" spcFirstLastPara="1" rIns="91425" wrap="square" tIns="91425">
+          <a:bodyPr spcFirstLastPara="1" wrap="square" lIns="91425" tIns="91425" rIns="91425" bIns="91425" anchor="t" anchorCtr="0">
             <a:noAutofit/>
           </a:bodyPr>
           <a:lstStyle/>
           <a:p>
-            <a:pPr indent="0" lvl="0" marL="0" rtl="0" algn="l">
-              <a:spcBef>
-                <a:spcPts val="0"/>
-              </a:spcBef>
-              <a:spcAft>
-                <a:spcPts val="0"/>
-              </a:spcAft>
-              <a:buNone/>
-            </a:pPr>
-            <a:r>
-              <a:t/>
-            </a:r>
+            <a:pPr marL="0" lvl="0" indent="0" algn="l" rtl="0">
+              <a:spcBef>
+                <a:spcPts val="0"/>
+              </a:spcBef>
+              <a:spcAft>
+                <a:spcPts val="0"/>
+              </a:spcAft>
+              <a:buNone/>
+            </a:pPr>
             <a:endParaRPr/>
           </a:p>
         </p:txBody>
@@ -1189,11 +1231,11 @@
 </file>
 
 <file path=ppt/notesSlides/notesSlide14.xml><?xml version="1.0" encoding="utf-8"?>
-<p:notes xmlns:a="http://schemas.openxmlformats.org/drawingml/2006/main" xmlns:r="http://schemas.openxmlformats.org/officeDocument/2006/relationships" xmlns:mc="http://schemas.openxmlformats.org/markup-compatibility/2006" xmlns:mv="urn:schemas-microsoft-com:mac:vml" xmlns:p="http://schemas.openxmlformats.org/presentationml/2006/main" xmlns:c="http://schemas.openxmlformats.org/drawingml/2006/chart" xmlns:dgm="http://schemas.openxmlformats.org/drawingml/2006/diagram" xmlns:o="urn:schemas-microsoft-com:office:office" xmlns:v="urn:schemas-microsoft-com:vml" xmlns:pvml="urn:schemas-microsoft-com:office:powerpoint" xmlns:com="http://schemas.openxmlformats.org/drawingml/2006/compatibility" xmlns:p14="http://schemas.microsoft.com/office/powerpoint/2010/main" xmlns:p15="http://schemas.microsoft.com/office/powerpoint/2012/main" showMasterPhAnim="0" showMasterSp="0">
+<p:notes xmlns:a="http://schemas.openxmlformats.org/drawingml/2006/main" xmlns:r="http://schemas.openxmlformats.org/officeDocument/2006/relationships" xmlns:p="http://schemas.openxmlformats.org/presentationml/2006/main" showMasterSp="0" showMasterPhAnim="0">
   <p:cSld>
     <p:spTree>
       <p:nvGrpSpPr>
-        <p:cNvPr id="129" name="Shape 129"/>
+        <p:cNvPr id="1" name="Shape 127"/>
         <p:cNvGrpSpPr/>
         <p:nvPr/>
       </p:nvGrpSpPr>
@@ -1207,21 +1249,27 @@
       </p:grpSpPr>
       <p:sp>
         <p:nvSpPr>
-          <p:cNvPr id="130" name="Google Shape;130;g4f417ecd79_1_179:notes"/>
-          <p:cNvSpPr/>
+          <p:cNvPr id="128" name="Google Shape;128;g4f417ecd79_1_221:notes"/>
+          <p:cNvSpPr>
+            <a:spLocks noGrp="1" noRot="1" noChangeAspect="1"/>
+          </p:cNvSpPr>
           <p:nvPr>
-            <p:ph idx="2" type="sldImg"/>
+            <p:ph type="sldImg" idx="2"/>
           </p:nvPr>
         </p:nvSpPr>
         <p:spPr>
           <a:xfrm>
-            <a:off x="381309" y="685800"/>
+            <a:off x="381000" y="685800"/>
             <a:ext cx="6096000" cy="3429000"/>
           </a:xfrm>
           <a:custGeom>
-            <a:rect b="b" l="l" r="r" t="t"/>
+            <a:avLst/>
+            <a:gdLst/>
+            <a:ahLst/>
+            <a:cxnLst/>
+            <a:rect l="l" t="t" r="r" b="b"/>
             <a:pathLst>
-              <a:path extrusionOk="0" h="120000" w="120000">
+              <a:path w="120000" h="120000" extrusionOk="0">
                 <a:moveTo>
                   <a:pt x="0" y="0"/>
                 </a:moveTo>
@@ -1242,10 +1290,12 @@
       </p:sp>
       <p:sp>
         <p:nvSpPr>
-          <p:cNvPr id="131" name="Google Shape;131;g4f417ecd79_1_179:notes"/>
-          <p:cNvSpPr txBox="1"/>
+          <p:cNvPr id="129" name="Google Shape;129;g4f417ecd79_1_221:notes"/>
+          <p:cNvSpPr txBox="1">
+            <a:spLocks noGrp="1"/>
+          </p:cNvSpPr>
           <p:nvPr>
-            <p:ph idx="1" type="body"/>
+            <p:ph type="body" idx="1"/>
           </p:nvPr>
         </p:nvSpPr>
         <p:spPr>
@@ -1258,23 +1308,20 @@
           </a:prstGeom>
         </p:spPr>
         <p:txBody>
-          <a:bodyPr anchorCtr="0" anchor="t" bIns="91425" lIns="91425" spcFirstLastPara="1" rIns="91425" wrap="square" tIns="91425">
+          <a:bodyPr spcFirstLastPara="1" wrap="square" lIns="91425" tIns="91425" rIns="91425" bIns="91425" anchor="t" anchorCtr="0">
             <a:noAutofit/>
           </a:bodyPr>
           <a:lstStyle/>
           <a:p>
-            <a:pPr indent="0" lvl="0" marL="0" rtl="0" algn="l">
-              <a:spcBef>
-                <a:spcPts val="0"/>
-              </a:spcBef>
-              <a:spcAft>
-                <a:spcPts val="0"/>
-              </a:spcAft>
-              <a:buNone/>
-            </a:pPr>
-            <a:r>
-              <a:t/>
-            </a:r>
+            <a:pPr marL="0" lvl="0" indent="0" algn="l" rtl="0">
+              <a:spcBef>
+                <a:spcPts val="0"/>
+              </a:spcBef>
+              <a:spcAft>
+                <a:spcPts val="0"/>
+              </a:spcAft>
+              <a:buNone/>
+            </a:pPr>
             <a:endParaRPr/>
           </a:p>
         </p:txBody>
@@ -1288,11 +1335,11 @@
 </file>
 
 <file path=ppt/notesSlides/notesSlide15.xml><?xml version="1.0" encoding="utf-8"?>
-<p:notes xmlns:a="http://schemas.openxmlformats.org/drawingml/2006/main" xmlns:r="http://schemas.openxmlformats.org/officeDocument/2006/relationships" xmlns:mc="http://schemas.openxmlformats.org/markup-compatibility/2006" xmlns:mv="urn:schemas-microsoft-com:mac:vml" xmlns:p="http://schemas.openxmlformats.org/presentationml/2006/main" xmlns:c="http://schemas.openxmlformats.org/drawingml/2006/chart" xmlns:dgm="http://schemas.openxmlformats.org/drawingml/2006/diagram" xmlns:o="urn:schemas-microsoft-com:office:office" xmlns:v="urn:schemas-microsoft-com:vml" xmlns:pvml="urn:schemas-microsoft-com:office:powerpoint" xmlns:com="http://schemas.openxmlformats.org/drawingml/2006/compatibility" xmlns:p14="http://schemas.microsoft.com/office/powerpoint/2010/main" xmlns:p15="http://schemas.microsoft.com/office/powerpoint/2012/main" showMasterPhAnim="0" showMasterSp="0">
+<p:notes xmlns:a="http://schemas.openxmlformats.org/drawingml/2006/main" xmlns:r="http://schemas.openxmlformats.org/officeDocument/2006/relationships" xmlns:p="http://schemas.openxmlformats.org/presentationml/2006/main" showMasterSp="0" showMasterPhAnim="0">
   <p:cSld>
     <p:spTree>
       <p:nvGrpSpPr>
-        <p:cNvPr id="135" name="Shape 135"/>
+        <p:cNvPr id="1" name="Shape 134"/>
         <p:cNvGrpSpPr/>
         <p:nvPr/>
       </p:nvGrpSpPr>
@@ -1306,21 +1353,27 @@
       </p:grpSpPr>
       <p:sp>
         <p:nvSpPr>
-          <p:cNvPr id="136" name="Google Shape;136;g4f417ecd79_1_189:notes"/>
-          <p:cNvSpPr/>
+          <p:cNvPr id="135" name="Google Shape;135;g4f417ecd79_1_208:notes"/>
+          <p:cNvSpPr>
+            <a:spLocks noGrp="1" noRot="1" noChangeAspect="1"/>
+          </p:cNvSpPr>
           <p:nvPr>
-            <p:ph idx="2" type="sldImg"/>
+            <p:ph type="sldImg" idx="2"/>
           </p:nvPr>
         </p:nvSpPr>
         <p:spPr>
           <a:xfrm>
-            <a:off x="381309" y="685800"/>
+            <a:off x="381000" y="685800"/>
             <a:ext cx="6096000" cy="3429000"/>
           </a:xfrm>
           <a:custGeom>
-            <a:rect b="b" l="l" r="r" t="t"/>
+            <a:avLst/>
+            <a:gdLst/>
+            <a:ahLst/>
+            <a:cxnLst/>
+            <a:rect l="l" t="t" r="r" b="b"/>
             <a:pathLst>
-              <a:path extrusionOk="0" h="120000" w="120000">
+              <a:path w="120000" h="120000" extrusionOk="0">
                 <a:moveTo>
                   <a:pt x="0" y="0"/>
                 </a:moveTo>
@@ -1341,10 +1394,12 @@
       </p:sp>
       <p:sp>
         <p:nvSpPr>
-          <p:cNvPr id="137" name="Google Shape;137;g4f417ecd79_1_189:notes"/>
-          <p:cNvSpPr txBox="1"/>
+          <p:cNvPr id="136" name="Google Shape;136;g4f417ecd79_1_208:notes"/>
+          <p:cNvSpPr txBox="1">
+            <a:spLocks noGrp="1"/>
+          </p:cNvSpPr>
           <p:nvPr>
-            <p:ph idx="1" type="body"/>
+            <p:ph type="body" idx="1"/>
           </p:nvPr>
         </p:nvSpPr>
         <p:spPr>
@@ -1357,23 +1412,20 @@
           </a:prstGeom>
         </p:spPr>
         <p:txBody>
-          <a:bodyPr anchorCtr="0" anchor="t" bIns="91425" lIns="91425" spcFirstLastPara="1" rIns="91425" wrap="square" tIns="91425">
+          <a:bodyPr spcFirstLastPara="1" wrap="square" lIns="91425" tIns="91425" rIns="91425" bIns="91425" anchor="t" anchorCtr="0">
             <a:noAutofit/>
           </a:bodyPr>
           <a:lstStyle/>
           <a:p>
-            <a:pPr indent="0" lvl="0" marL="0" rtl="0" algn="l">
-              <a:spcBef>
-                <a:spcPts val="0"/>
-              </a:spcBef>
-              <a:spcAft>
-                <a:spcPts val="0"/>
-              </a:spcAft>
-              <a:buNone/>
-            </a:pPr>
-            <a:r>
-              <a:t/>
-            </a:r>
+            <a:pPr marL="0" lvl="0" indent="0" algn="l" rtl="0">
+              <a:spcBef>
+                <a:spcPts val="0"/>
+              </a:spcBef>
+              <a:spcAft>
+                <a:spcPts val="0"/>
+              </a:spcAft>
+              <a:buNone/>
+            </a:pPr>
             <a:endParaRPr/>
           </a:p>
         </p:txBody>
@@ -1387,11 +1439,11 @@
 </file>
 
 <file path=ppt/notesSlides/notesSlide16.xml><?xml version="1.0" encoding="utf-8"?>
-<p:notes xmlns:a="http://schemas.openxmlformats.org/drawingml/2006/main" xmlns:r="http://schemas.openxmlformats.org/officeDocument/2006/relationships" xmlns:mc="http://schemas.openxmlformats.org/markup-compatibility/2006" xmlns:mv="urn:schemas-microsoft-com:mac:vml" xmlns:p="http://schemas.openxmlformats.org/presentationml/2006/main" xmlns:c="http://schemas.openxmlformats.org/drawingml/2006/chart" xmlns:dgm="http://schemas.openxmlformats.org/drawingml/2006/diagram" xmlns:o="urn:schemas-microsoft-com:office:office" xmlns:v="urn:schemas-microsoft-com:vml" xmlns:pvml="urn:schemas-microsoft-com:office:powerpoint" xmlns:com="http://schemas.openxmlformats.org/drawingml/2006/compatibility" xmlns:p14="http://schemas.microsoft.com/office/powerpoint/2010/main" xmlns:p15="http://schemas.microsoft.com/office/powerpoint/2012/main" showMasterPhAnim="0" showMasterSp="0">
+<p:notes xmlns:a="http://schemas.openxmlformats.org/drawingml/2006/main" xmlns:r="http://schemas.openxmlformats.org/officeDocument/2006/relationships" xmlns:p="http://schemas.openxmlformats.org/presentationml/2006/main" showMasterSp="0" showMasterPhAnim="0">
   <p:cSld>
     <p:spTree>
       <p:nvGrpSpPr>
-        <p:cNvPr id="141" name="Shape 141"/>
+        <p:cNvPr id="1" name="Shape 140"/>
         <p:cNvGrpSpPr/>
         <p:nvPr/>
       </p:nvGrpSpPr>
@@ -1405,21 +1457,27 @@
       </p:grpSpPr>
       <p:sp>
         <p:nvSpPr>
-          <p:cNvPr id="142" name="Google Shape;142;g4f417ecd79_1_199:notes"/>
-          <p:cNvSpPr/>
+          <p:cNvPr id="141" name="Google Shape;141;g4f417ecd79_1_179:notes"/>
+          <p:cNvSpPr>
+            <a:spLocks noGrp="1" noRot="1" noChangeAspect="1"/>
+          </p:cNvSpPr>
           <p:nvPr>
-            <p:ph idx="2" type="sldImg"/>
+            <p:ph type="sldImg" idx="2"/>
           </p:nvPr>
         </p:nvSpPr>
         <p:spPr>
           <a:xfrm>
-            <a:off x="381309" y="685800"/>
+            <a:off x="381000" y="685800"/>
             <a:ext cx="6096000" cy="3429000"/>
           </a:xfrm>
           <a:custGeom>
-            <a:rect b="b" l="l" r="r" t="t"/>
+            <a:avLst/>
+            <a:gdLst/>
+            <a:ahLst/>
+            <a:cxnLst/>
+            <a:rect l="l" t="t" r="r" b="b"/>
             <a:pathLst>
-              <a:path extrusionOk="0" h="120000" w="120000">
+              <a:path w="120000" h="120000" extrusionOk="0">
                 <a:moveTo>
                   <a:pt x="0" y="0"/>
                 </a:moveTo>
@@ -1440,10 +1498,12 @@
       </p:sp>
       <p:sp>
         <p:nvSpPr>
-          <p:cNvPr id="143" name="Google Shape;143;g4f417ecd79_1_199:notes"/>
-          <p:cNvSpPr txBox="1"/>
+          <p:cNvPr id="142" name="Google Shape;142;g4f417ecd79_1_179:notes"/>
+          <p:cNvSpPr txBox="1">
+            <a:spLocks noGrp="1"/>
+          </p:cNvSpPr>
           <p:nvPr>
-            <p:ph idx="1" type="body"/>
+            <p:ph type="body" idx="1"/>
           </p:nvPr>
         </p:nvSpPr>
         <p:spPr>
@@ -1456,23 +1516,20 @@
           </a:prstGeom>
         </p:spPr>
         <p:txBody>
-          <a:bodyPr anchorCtr="0" anchor="t" bIns="91425" lIns="91425" spcFirstLastPara="1" rIns="91425" wrap="square" tIns="91425">
+          <a:bodyPr spcFirstLastPara="1" wrap="square" lIns="91425" tIns="91425" rIns="91425" bIns="91425" anchor="t" anchorCtr="0">
             <a:noAutofit/>
           </a:bodyPr>
           <a:lstStyle/>
           <a:p>
-            <a:pPr indent="0" lvl="0" marL="0" rtl="0" algn="l">
-              <a:spcBef>
-                <a:spcPts val="0"/>
-              </a:spcBef>
-              <a:spcAft>
-                <a:spcPts val="0"/>
-              </a:spcAft>
-              <a:buNone/>
-            </a:pPr>
-            <a:r>
-              <a:t/>
-            </a:r>
+            <a:pPr marL="0" lvl="0" indent="0" algn="l" rtl="0">
+              <a:spcBef>
+                <a:spcPts val="0"/>
+              </a:spcBef>
+              <a:spcAft>
+                <a:spcPts val="0"/>
+              </a:spcAft>
+              <a:buNone/>
+            </a:pPr>
             <a:endParaRPr/>
           </a:p>
         </p:txBody>
@@ -1486,11 +1543,11 @@
 </file>
 
 <file path=ppt/notesSlides/notesSlide17.xml><?xml version="1.0" encoding="utf-8"?>
-<p:notes xmlns:a="http://schemas.openxmlformats.org/drawingml/2006/main" xmlns:r="http://schemas.openxmlformats.org/officeDocument/2006/relationships" xmlns:mc="http://schemas.openxmlformats.org/markup-compatibility/2006" xmlns:mv="urn:schemas-microsoft-com:mac:vml" xmlns:p="http://schemas.openxmlformats.org/presentationml/2006/main" xmlns:c="http://schemas.openxmlformats.org/drawingml/2006/chart" xmlns:dgm="http://schemas.openxmlformats.org/drawingml/2006/diagram" xmlns:o="urn:schemas-microsoft-com:office:office" xmlns:v="urn:schemas-microsoft-com:vml" xmlns:pvml="urn:schemas-microsoft-com:office:powerpoint" xmlns:com="http://schemas.openxmlformats.org/drawingml/2006/compatibility" xmlns:p14="http://schemas.microsoft.com/office/powerpoint/2010/main" xmlns:p15="http://schemas.microsoft.com/office/powerpoint/2012/main" showMasterPhAnim="0" showMasterSp="0">
+<p:notes xmlns:a="http://schemas.openxmlformats.org/drawingml/2006/main" xmlns:r="http://schemas.openxmlformats.org/officeDocument/2006/relationships" xmlns:p="http://schemas.openxmlformats.org/presentationml/2006/main" showMasterSp="0" showMasterPhAnim="0">
   <p:cSld>
     <p:spTree>
       <p:nvGrpSpPr>
-        <p:cNvPr id="149" name="Shape 149"/>
+        <p:cNvPr id="1" name="Shape 146"/>
         <p:cNvGrpSpPr/>
         <p:nvPr/>
       </p:nvGrpSpPr>
@@ -1504,21 +1561,27 @@
       </p:grpSpPr>
       <p:sp>
         <p:nvSpPr>
-          <p:cNvPr id="150" name="Google Shape;150;g4f417ecd79_1_213:notes"/>
-          <p:cNvSpPr/>
+          <p:cNvPr id="147" name="Google Shape;147;g4f417ecd79_1_189:notes"/>
+          <p:cNvSpPr>
+            <a:spLocks noGrp="1" noRot="1" noChangeAspect="1"/>
+          </p:cNvSpPr>
           <p:nvPr>
-            <p:ph idx="2" type="sldImg"/>
+            <p:ph type="sldImg" idx="2"/>
           </p:nvPr>
         </p:nvSpPr>
         <p:spPr>
           <a:xfrm>
-            <a:off x="381309" y="685800"/>
+            <a:off x="381000" y="685800"/>
             <a:ext cx="6096000" cy="3429000"/>
           </a:xfrm>
           <a:custGeom>
-            <a:rect b="b" l="l" r="r" t="t"/>
+            <a:avLst/>
+            <a:gdLst/>
+            <a:ahLst/>
+            <a:cxnLst/>
+            <a:rect l="l" t="t" r="r" b="b"/>
             <a:pathLst>
-              <a:path extrusionOk="0" h="120000" w="120000">
+              <a:path w="120000" h="120000" extrusionOk="0">
                 <a:moveTo>
                   <a:pt x="0" y="0"/>
                 </a:moveTo>
@@ -1539,10 +1602,12 @@
       </p:sp>
       <p:sp>
         <p:nvSpPr>
-          <p:cNvPr id="151" name="Google Shape;151;g4f417ecd79_1_213:notes"/>
-          <p:cNvSpPr txBox="1"/>
+          <p:cNvPr id="148" name="Google Shape;148;g4f417ecd79_1_189:notes"/>
+          <p:cNvSpPr txBox="1">
+            <a:spLocks noGrp="1"/>
+          </p:cNvSpPr>
           <p:nvPr>
-            <p:ph idx="1" type="body"/>
+            <p:ph type="body" idx="1"/>
           </p:nvPr>
         </p:nvSpPr>
         <p:spPr>
@@ -1555,23 +1620,228 @@
           </a:prstGeom>
         </p:spPr>
         <p:txBody>
-          <a:bodyPr anchorCtr="0" anchor="t" bIns="91425" lIns="91425" spcFirstLastPara="1" rIns="91425" wrap="square" tIns="91425">
+          <a:bodyPr spcFirstLastPara="1" wrap="square" lIns="91425" tIns="91425" rIns="91425" bIns="91425" anchor="t" anchorCtr="0">
             <a:noAutofit/>
           </a:bodyPr>
           <a:lstStyle/>
           <a:p>
-            <a:pPr indent="0" lvl="0" marL="0" rtl="0" algn="l">
-              <a:spcBef>
-                <a:spcPts val="0"/>
-              </a:spcBef>
-              <a:spcAft>
-                <a:spcPts val="0"/>
-              </a:spcAft>
-              <a:buNone/>
-            </a:pPr>
-            <a:r>
-              <a:t/>
-            </a:r>
+            <a:pPr marL="0" lvl="0" indent="0" algn="l" rtl="0">
+              <a:spcBef>
+                <a:spcPts val="0"/>
+              </a:spcBef>
+              <a:spcAft>
+                <a:spcPts val="0"/>
+              </a:spcAft>
+              <a:buNone/>
+            </a:pPr>
+            <a:endParaRPr/>
+          </a:p>
+        </p:txBody>
+      </p:sp>
+    </p:spTree>
+  </p:cSld>
+  <p:clrMapOvr>
+    <a:masterClrMapping/>
+  </p:clrMapOvr>
+</p:notes>
+</file>
+
+<file path=ppt/notesSlides/notesSlide18.xml><?xml version="1.0" encoding="utf-8"?>
+<p:notes xmlns:a="http://schemas.openxmlformats.org/drawingml/2006/main" xmlns:r="http://schemas.openxmlformats.org/officeDocument/2006/relationships" xmlns:p="http://schemas.openxmlformats.org/presentationml/2006/main" showMasterSp="0" showMasterPhAnim="0">
+  <p:cSld>
+    <p:spTree>
+      <p:nvGrpSpPr>
+        <p:cNvPr id="1" name="Shape 152"/>
+        <p:cNvGrpSpPr/>
+        <p:nvPr/>
+      </p:nvGrpSpPr>
+      <p:grpSpPr>
+        <a:xfrm>
+          <a:off x="0" y="0"/>
+          <a:ext cx="0" cy="0"/>
+          <a:chOff x="0" y="0"/>
+          <a:chExt cx="0" cy="0"/>
+        </a:xfrm>
+      </p:grpSpPr>
+      <p:sp>
+        <p:nvSpPr>
+          <p:cNvPr id="153" name="Google Shape;153;g4f417ecd79_1_199:notes"/>
+          <p:cNvSpPr>
+            <a:spLocks noGrp="1" noRot="1" noChangeAspect="1"/>
+          </p:cNvSpPr>
+          <p:nvPr>
+            <p:ph type="sldImg" idx="2"/>
+          </p:nvPr>
+        </p:nvSpPr>
+        <p:spPr>
+          <a:xfrm>
+            <a:off x="381000" y="685800"/>
+            <a:ext cx="6096000" cy="3429000"/>
+          </a:xfrm>
+          <a:custGeom>
+            <a:avLst/>
+            <a:gdLst/>
+            <a:ahLst/>
+            <a:cxnLst/>
+            <a:rect l="l" t="t" r="r" b="b"/>
+            <a:pathLst>
+              <a:path w="120000" h="120000" extrusionOk="0">
+                <a:moveTo>
+                  <a:pt x="0" y="0"/>
+                </a:moveTo>
+                <a:lnTo>
+                  <a:pt x="120000" y="0"/>
+                </a:lnTo>
+                <a:lnTo>
+                  <a:pt x="120000" y="120000"/>
+                </a:lnTo>
+                <a:lnTo>
+                  <a:pt x="0" y="120000"/>
+                </a:lnTo>
+                <a:close/>
+              </a:path>
+            </a:pathLst>
+          </a:custGeom>
+        </p:spPr>
+      </p:sp>
+      <p:sp>
+        <p:nvSpPr>
+          <p:cNvPr id="154" name="Google Shape;154;g4f417ecd79_1_199:notes"/>
+          <p:cNvSpPr txBox="1">
+            <a:spLocks noGrp="1"/>
+          </p:cNvSpPr>
+          <p:nvPr>
+            <p:ph type="body" idx="1"/>
+          </p:nvPr>
+        </p:nvSpPr>
+        <p:spPr>
+          <a:xfrm>
+            <a:off x="685800" y="4343400"/>
+            <a:ext cx="5486400" cy="4114800"/>
+          </a:xfrm>
+          <a:prstGeom prst="rect">
+            <a:avLst/>
+          </a:prstGeom>
+        </p:spPr>
+        <p:txBody>
+          <a:bodyPr spcFirstLastPara="1" wrap="square" lIns="91425" tIns="91425" rIns="91425" bIns="91425" anchor="t" anchorCtr="0">
+            <a:noAutofit/>
+          </a:bodyPr>
+          <a:lstStyle/>
+          <a:p>
+            <a:pPr marL="0" lvl="0" indent="0" algn="l" rtl="0">
+              <a:spcBef>
+                <a:spcPts val="0"/>
+              </a:spcBef>
+              <a:spcAft>
+                <a:spcPts val="0"/>
+              </a:spcAft>
+              <a:buNone/>
+            </a:pPr>
+            <a:endParaRPr/>
+          </a:p>
+        </p:txBody>
+      </p:sp>
+    </p:spTree>
+  </p:cSld>
+  <p:clrMapOvr>
+    <a:masterClrMapping/>
+  </p:clrMapOvr>
+</p:notes>
+</file>
+
+<file path=ppt/notesSlides/notesSlide19.xml><?xml version="1.0" encoding="utf-8"?>
+<p:notes xmlns:a="http://schemas.openxmlformats.org/drawingml/2006/main" xmlns:r="http://schemas.openxmlformats.org/officeDocument/2006/relationships" xmlns:p="http://schemas.openxmlformats.org/presentationml/2006/main" showMasterSp="0" showMasterPhAnim="0">
+  <p:cSld>
+    <p:spTree>
+      <p:nvGrpSpPr>
+        <p:cNvPr id="1" name="Shape 160"/>
+        <p:cNvGrpSpPr/>
+        <p:nvPr/>
+      </p:nvGrpSpPr>
+      <p:grpSpPr>
+        <a:xfrm>
+          <a:off x="0" y="0"/>
+          <a:ext cx="0" cy="0"/>
+          <a:chOff x="0" y="0"/>
+          <a:chExt cx="0" cy="0"/>
+        </a:xfrm>
+      </p:grpSpPr>
+      <p:sp>
+        <p:nvSpPr>
+          <p:cNvPr id="161" name="Google Shape;161;g4f417ecd79_1_213:notes"/>
+          <p:cNvSpPr>
+            <a:spLocks noGrp="1" noRot="1" noChangeAspect="1"/>
+          </p:cNvSpPr>
+          <p:nvPr>
+            <p:ph type="sldImg" idx="2"/>
+          </p:nvPr>
+        </p:nvSpPr>
+        <p:spPr>
+          <a:xfrm>
+            <a:off x="381000" y="685800"/>
+            <a:ext cx="6096000" cy="3429000"/>
+          </a:xfrm>
+          <a:custGeom>
+            <a:avLst/>
+            <a:gdLst/>
+            <a:ahLst/>
+            <a:cxnLst/>
+            <a:rect l="l" t="t" r="r" b="b"/>
+            <a:pathLst>
+              <a:path w="120000" h="120000" extrusionOk="0">
+                <a:moveTo>
+                  <a:pt x="0" y="0"/>
+                </a:moveTo>
+                <a:lnTo>
+                  <a:pt x="120000" y="0"/>
+                </a:lnTo>
+                <a:lnTo>
+                  <a:pt x="120000" y="120000"/>
+                </a:lnTo>
+                <a:lnTo>
+                  <a:pt x="0" y="120000"/>
+                </a:lnTo>
+                <a:close/>
+              </a:path>
+            </a:pathLst>
+          </a:custGeom>
+        </p:spPr>
+      </p:sp>
+      <p:sp>
+        <p:nvSpPr>
+          <p:cNvPr id="162" name="Google Shape;162;g4f417ecd79_1_213:notes"/>
+          <p:cNvSpPr txBox="1">
+            <a:spLocks noGrp="1"/>
+          </p:cNvSpPr>
+          <p:nvPr>
+            <p:ph type="body" idx="1"/>
+          </p:nvPr>
+        </p:nvSpPr>
+        <p:spPr>
+          <a:xfrm>
+            <a:off x="685800" y="4343400"/>
+            <a:ext cx="5486400" cy="4114800"/>
+          </a:xfrm>
+          <a:prstGeom prst="rect">
+            <a:avLst/>
+          </a:prstGeom>
+        </p:spPr>
+        <p:txBody>
+          <a:bodyPr spcFirstLastPara="1" wrap="square" lIns="91425" tIns="91425" rIns="91425" bIns="91425" anchor="t" anchorCtr="0">
+            <a:noAutofit/>
+          </a:bodyPr>
+          <a:lstStyle/>
+          <a:p>
+            <a:pPr marL="0" lvl="0" indent="0" algn="l" rtl="0">
+              <a:spcBef>
+                <a:spcPts val="0"/>
+              </a:spcBef>
+              <a:spcAft>
+                <a:spcPts val="0"/>
+              </a:spcAft>
+              <a:buNone/>
+            </a:pPr>
             <a:endParaRPr/>
           </a:p>
         </p:txBody>
@@ -1585,11 +1855,11 @@
 </file>
 
 <file path=ppt/notesSlides/notesSlide2.xml><?xml version="1.0" encoding="utf-8"?>
-<p:notes xmlns:a="http://schemas.openxmlformats.org/drawingml/2006/main" xmlns:r="http://schemas.openxmlformats.org/officeDocument/2006/relationships" xmlns:mc="http://schemas.openxmlformats.org/markup-compatibility/2006" xmlns:mv="urn:schemas-microsoft-com:mac:vml" xmlns:p="http://schemas.openxmlformats.org/presentationml/2006/main" xmlns:c="http://schemas.openxmlformats.org/drawingml/2006/chart" xmlns:dgm="http://schemas.openxmlformats.org/drawingml/2006/diagram" xmlns:o="urn:schemas-microsoft-com:office:office" xmlns:v="urn:schemas-microsoft-com:vml" xmlns:pvml="urn:schemas-microsoft-com:office:powerpoint" xmlns:com="http://schemas.openxmlformats.org/drawingml/2006/compatibility" xmlns:p14="http://schemas.microsoft.com/office/powerpoint/2010/main" xmlns:p15="http://schemas.microsoft.com/office/powerpoint/2012/main" showMasterPhAnim="0" showMasterSp="0">
+<p:notes xmlns:a="http://schemas.openxmlformats.org/drawingml/2006/main" xmlns:r="http://schemas.openxmlformats.org/officeDocument/2006/relationships" xmlns:p="http://schemas.openxmlformats.org/presentationml/2006/main" showMasterSp="0" showMasterPhAnim="0">
   <p:cSld>
     <p:spTree>
       <p:nvGrpSpPr>
-        <p:cNvPr id="58" name="Shape 58"/>
+        <p:cNvPr id="1" name="Shape 58"/>
         <p:cNvGrpSpPr/>
         <p:nvPr/>
       </p:nvGrpSpPr>
@@ -1604,20 +1874,26 @@
       <p:sp>
         <p:nvSpPr>
           <p:cNvPr id="59" name="Google Shape;59;g4f417ecd79_1_10:notes"/>
-          <p:cNvSpPr/>
+          <p:cNvSpPr>
+            <a:spLocks noGrp="1" noRot="1" noChangeAspect="1"/>
+          </p:cNvSpPr>
           <p:nvPr>
-            <p:ph idx="2" type="sldImg"/>
+            <p:ph type="sldImg" idx="2"/>
           </p:nvPr>
         </p:nvSpPr>
         <p:spPr>
           <a:xfrm>
-            <a:off x="381309" y="685800"/>
+            <a:off x="381000" y="685800"/>
             <a:ext cx="6096000" cy="3429000"/>
           </a:xfrm>
           <a:custGeom>
-            <a:rect b="b" l="l" r="r" t="t"/>
+            <a:avLst/>
+            <a:gdLst/>
+            <a:ahLst/>
+            <a:cxnLst/>
+            <a:rect l="l" t="t" r="r" b="b"/>
             <a:pathLst>
-              <a:path extrusionOk="0" h="120000" w="120000">
+              <a:path w="120000" h="120000" extrusionOk="0">
                 <a:moveTo>
                   <a:pt x="0" y="0"/>
                 </a:moveTo>
@@ -1639,9 +1915,11 @@
       <p:sp>
         <p:nvSpPr>
           <p:cNvPr id="60" name="Google Shape;60;g4f417ecd79_1_10:notes"/>
-          <p:cNvSpPr txBox="1"/>
+          <p:cNvSpPr txBox="1">
+            <a:spLocks noGrp="1"/>
+          </p:cNvSpPr>
           <p:nvPr>
-            <p:ph idx="1" type="body"/>
+            <p:ph type="body" idx="1"/>
           </p:nvPr>
         </p:nvSpPr>
         <p:spPr>
@@ -1654,23 +1932,20 @@
           </a:prstGeom>
         </p:spPr>
         <p:txBody>
-          <a:bodyPr anchorCtr="0" anchor="t" bIns="91425" lIns="91425" spcFirstLastPara="1" rIns="91425" wrap="square" tIns="91425">
+          <a:bodyPr spcFirstLastPara="1" wrap="square" lIns="91425" tIns="91425" rIns="91425" bIns="91425" anchor="t" anchorCtr="0">
             <a:noAutofit/>
           </a:bodyPr>
           <a:lstStyle/>
           <a:p>
-            <a:pPr indent="0" lvl="0" marL="0" rtl="0" algn="l">
-              <a:spcBef>
-                <a:spcPts val="0"/>
-              </a:spcBef>
-              <a:spcAft>
-                <a:spcPts val="0"/>
-              </a:spcAft>
-              <a:buNone/>
-            </a:pPr>
-            <a:r>
-              <a:t/>
-            </a:r>
+            <a:pPr marL="0" lvl="0" indent="0" algn="l" rtl="0">
+              <a:spcBef>
+                <a:spcPts val="0"/>
+              </a:spcBef>
+              <a:spcAft>
+                <a:spcPts val="0"/>
+              </a:spcAft>
+              <a:buNone/>
+            </a:pPr>
             <a:endParaRPr/>
           </a:p>
         </p:txBody>
@@ -1684,11 +1959,11 @@
 </file>
 
 <file path=ppt/notesSlides/notesSlide3.xml><?xml version="1.0" encoding="utf-8"?>
-<p:notes xmlns:a="http://schemas.openxmlformats.org/drawingml/2006/main" xmlns:r="http://schemas.openxmlformats.org/officeDocument/2006/relationships" xmlns:mc="http://schemas.openxmlformats.org/markup-compatibility/2006" xmlns:mv="urn:schemas-microsoft-com:mac:vml" xmlns:p="http://schemas.openxmlformats.org/presentationml/2006/main" xmlns:c="http://schemas.openxmlformats.org/drawingml/2006/chart" xmlns:dgm="http://schemas.openxmlformats.org/drawingml/2006/diagram" xmlns:o="urn:schemas-microsoft-com:office:office" xmlns:v="urn:schemas-microsoft-com:vml" xmlns:pvml="urn:schemas-microsoft-com:office:powerpoint" xmlns:com="http://schemas.openxmlformats.org/drawingml/2006/compatibility" xmlns:p14="http://schemas.microsoft.com/office/powerpoint/2010/main" xmlns:p15="http://schemas.microsoft.com/office/powerpoint/2012/main" showMasterPhAnim="0" showMasterSp="0">
+<p:notes xmlns:a="http://schemas.openxmlformats.org/drawingml/2006/main" xmlns:r="http://schemas.openxmlformats.org/officeDocument/2006/relationships" xmlns:p="http://schemas.openxmlformats.org/presentationml/2006/main" showMasterSp="0" showMasterPhAnim="0">
   <p:cSld>
     <p:spTree>
       <p:nvGrpSpPr>
-        <p:cNvPr id="63" name="Shape 63"/>
+        <p:cNvPr id="1" name="Shape 63"/>
         <p:cNvGrpSpPr/>
         <p:nvPr/>
       </p:nvGrpSpPr>
@@ -1703,20 +1978,26 @@
       <p:sp>
         <p:nvSpPr>
           <p:cNvPr id="64" name="Google Shape;64;g4f417ecd79_1_152:notes"/>
-          <p:cNvSpPr/>
+          <p:cNvSpPr>
+            <a:spLocks noGrp="1" noRot="1" noChangeAspect="1"/>
+          </p:cNvSpPr>
           <p:nvPr>
-            <p:ph idx="2" type="sldImg"/>
+            <p:ph type="sldImg" idx="2"/>
           </p:nvPr>
         </p:nvSpPr>
         <p:spPr>
           <a:xfrm>
-            <a:off x="381309" y="685800"/>
+            <a:off x="381000" y="685800"/>
             <a:ext cx="6096000" cy="3429000"/>
           </a:xfrm>
           <a:custGeom>
-            <a:rect b="b" l="l" r="r" t="t"/>
+            <a:avLst/>
+            <a:gdLst/>
+            <a:ahLst/>
+            <a:cxnLst/>
+            <a:rect l="l" t="t" r="r" b="b"/>
             <a:pathLst>
-              <a:path extrusionOk="0" h="120000" w="120000">
+              <a:path w="120000" h="120000" extrusionOk="0">
                 <a:moveTo>
                   <a:pt x="0" y="0"/>
                 </a:moveTo>
@@ -1738,9 +2019,11 @@
       <p:sp>
         <p:nvSpPr>
           <p:cNvPr id="65" name="Google Shape;65;g4f417ecd79_1_152:notes"/>
-          <p:cNvSpPr txBox="1"/>
+          <p:cNvSpPr txBox="1">
+            <a:spLocks noGrp="1"/>
+          </p:cNvSpPr>
           <p:nvPr>
-            <p:ph idx="1" type="body"/>
+            <p:ph type="body" idx="1"/>
           </p:nvPr>
         </p:nvSpPr>
         <p:spPr>
@@ -1753,23 +2036,20 @@
           </a:prstGeom>
         </p:spPr>
         <p:txBody>
-          <a:bodyPr anchorCtr="0" anchor="t" bIns="91425" lIns="91425" spcFirstLastPara="1" rIns="91425" wrap="square" tIns="91425">
+          <a:bodyPr spcFirstLastPara="1" wrap="square" lIns="91425" tIns="91425" rIns="91425" bIns="91425" anchor="t" anchorCtr="0">
             <a:noAutofit/>
           </a:bodyPr>
           <a:lstStyle/>
           <a:p>
-            <a:pPr indent="0" lvl="0" marL="0" rtl="0" algn="l">
-              <a:spcBef>
-                <a:spcPts val="0"/>
-              </a:spcBef>
-              <a:spcAft>
-                <a:spcPts val="0"/>
-              </a:spcAft>
-              <a:buNone/>
-            </a:pPr>
-            <a:r>
-              <a:t/>
-            </a:r>
+            <a:pPr marL="0" lvl="0" indent="0" algn="l" rtl="0">
+              <a:spcBef>
+                <a:spcPts val="0"/>
+              </a:spcBef>
+              <a:spcAft>
+                <a:spcPts val="0"/>
+              </a:spcAft>
+              <a:buNone/>
+            </a:pPr>
             <a:endParaRPr/>
           </a:p>
         </p:txBody>
@@ -1783,11 +2063,11 @@
 </file>
 
 <file path=ppt/notesSlides/notesSlide4.xml><?xml version="1.0" encoding="utf-8"?>
-<p:notes xmlns:a="http://schemas.openxmlformats.org/drawingml/2006/main" xmlns:r="http://schemas.openxmlformats.org/officeDocument/2006/relationships" xmlns:mc="http://schemas.openxmlformats.org/markup-compatibility/2006" xmlns:mv="urn:schemas-microsoft-com:mac:vml" xmlns:p="http://schemas.openxmlformats.org/presentationml/2006/main" xmlns:c="http://schemas.openxmlformats.org/drawingml/2006/chart" xmlns:dgm="http://schemas.openxmlformats.org/drawingml/2006/diagram" xmlns:o="urn:schemas-microsoft-com:office:office" xmlns:v="urn:schemas-microsoft-com:vml" xmlns:pvml="urn:schemas-microsoft-com:office:powerpoint" xmlns:com="http://schemas.openxmlformats.org/drawingml/2006/compatibility" xmlns:p14="http://schemas.microsoft.com/office/powerpoint/2010/main" xmlns:p15="http://schemas.microsoft.com/office/powerpoint/2012/main" showMasterPhAnim="0" showMasterSp="0">
+<p:notes xmlns:a="http://schemas.openxmlformats.org/drawingml/2006/main" xmlns:r="http://schemas.openxmlformats.org/officeDocument/2006/relationships" xmlns:p="http://schemas.openxmlformats.org/presentationml/2006/main" showMasterSp="0" showMasterPhAnim="0">
   <p:cSld>
     <p:spTree>
       <p:nvGrpSpPr>
-        <p:cNvPr id="69" name="Shape 69"/>
+        <p:cNvPr id="1" name="Shape 69"/>
         <p:cNvGrpSpPr/>
         <p:nvPr/>
       </p:nvGrpSpPr>
@@ -1802,20 +2082,26 @@
       <p:sp>
         <p:nvSpPr>
           <p:cNvPr id="70" name="Google Shape;70;g4f417ecd79_1_14:notes"/>
-          <p:cNvSpPr/>
+          <p:cNvSpPr>
+            <a:spLocks noGrp="1" noRot="1" noChangeAspect="1"/>
+          </p:cNvSpPr>
           <p:nvPr>
-            <p:ph idx="2" type="sldImg"/>
+            <p:ph type="sldImg" idx="2"/>
           </p:nvPr>
         </p:nvSpPr>
         <p:spPr>
           <a:xfrm>
-            <a:off x="381309" y="685800"/>
+            <a:off x="381000" y="685800"/>
             <a:ext cx="6096000" cy="3429000"/>
           </a:xfrm>
           <a:custGeom>
-            <a:rect b="b" l="l" r="r" t="t"/>
+            <a:avLst/>
+            <a:gdLst/>
+            <a:ahLst/>
+            <a:cxnLst/>
+            <a:rect l="l" t="t" r="r" b="b"/>
             <a:pathLst>
-              <a:path extrusionOk="0" h="120000" w="120000">
+              <a:path w="120000" h="120000" extrusionOk="0">
                 <a:moveTo>
                   <a:pt x="0" y="0"/>
                 </a:moveTo>
@@ -1837,9 +2123,11 @@
       <p:sp>
         <p:nvSpPr>
           <p:cNvPr id="71" name="Google Shape;71;g4f417ecd79_1_14:notes"/>
-          <p:cNvSpPr txBox="1"/>
+          <p:cNvSpPr txBox="1">
+            <a:spLocks noGrp="1"/>
+          </p:cNvSpPr>
           <p:nvPr>
-            <p:ph idx="1" type="body"/>
+            <p:ph type="body" idx="1"/>
           </p:nvPr>
         </p:nvSpPr>
         <p:spPr>
@@ -1852,23 +2140,20 @@
           </a:prstGeom>
         </p:spPr>
         <p:txBody>
-          <a:bodyPr anchorCtr="0" anchor="t" bIns="91425" lIns="91425" spcFirstLastPara="1" rIns="91425" wrap="square" tIns="91425">
+          <a:bodyPr spcFirstLastPara="1" wrap="square" lIns="91425" tIns="91425" rIns="91425" bIns="91425" anchor="t" anchorCtr="0">
             <a:noAutofit/>
           </a:bodyPr>
           <a:lstStyle/>
           <a:p>
-            <a:pPr indent="0" lvl="0" marL="0" rtl="0" algn="l">
-              <a:spcBef>
-                <a:spcPts val="0"/>
-              </a:spcBef>
-              <a:spcAft>
-                <a:spcPts val="0"/>
-              </a:spcAft>
-              <a:buNone/>
-            </a:pPr>
-            <a:r>
-              <a:t/>
-            </a:r>
+            <a:pPr marL="0" lvl="0" indent="0" algn="l" rtl="0">
+              <a:spcBef>
+                <a:spcPts val="0"/>
+              </a:spcBef>
+              <a:spcAft>
+                <a:spcPts val="0"/>
+              </a:spcAft>
+              <a:buNone/>
+            </a:pPr>
             <a:endParaRPr/>
           </a:p>
         </p:txBody>
@@ -1882,11 +2167,11 @@
 </file>
 
 <file path=ppt/notesSlides/notesSlide5.xml><?xml version="1.0" encoding="utf-8"?>
-<p:notes xmlns:a="http://schemas.openxmlformats.org/drawingml/2006/main" xmlns:r="http://schemas.openxmlformats.org/officeDocument/2006/relationships" xmlns:mc="http://schemas.openxmlformats.org/markup-compatibility/2006" xmlns:mv="urn:schemas-microsoft-com:mac:vml" xmlns:p="http://schemas.openxmlformats.org/presentationml/2006/main" xmlns:c="http://schemas.openxmlformats.org/drawingml/2006/chart" xmlns:dgm="http://schemas.openxmlformats.org/drawingml/2006/diagram" xmlns:o="urn:schemas-microsoft-com:office:office" xmlns:v="urn:schemas-microsoft-com:vml" xmlns:pvml="urn:schemas-microsoft-com:office:powerpoint" xmlns:com="http://schemas.openxmlformats.org/drawingml/2006/compatibility" xmlns:p14="http://schemas.microsoft.com/office/powerpoint/2010/main" xmlns:p15="http://schemas.microsoft.com/office/powerpoint/2012/main" showMasterPhAnim="0" showMasterSp="0">
+<p:notes xmlns:a="http://schemas.openxmlformats.org/drawingml/2006/main" xmlns:r="http://schemas.openxmlformats.org/officeDocument/2006/relationships" xmlns:p="http://schemas.openxmlformats.org/presentationml/2006/main" showMasterSp="0" showMasterPhAnim="0">
   <p:cSld>
     <p:spTree>
       <p:nvGrpSpPr>
-        <p:cNvPr id="75" name="Shape 75"/>
+        <p:cNvPr id="1" name="Shape 75"/>
         <p:cNvGrpSpPr/>
         <p:nvPr/>
       </p:nvGrpSpPr>
@@ -1901,20 +2186,26 @@
       <p:sp>
         <p:nvSpPr>
           <p:cNvPr id="76" name="Google Shape;76;g4f417ecd79_1_157:notes"/>
-          <p:cNvSpPr/>
+          <p:cNvSpPr>
+            <a:spLocks noGrp="1" noRot="1" noChangeAspect="1"/>
+          </p:cNvSpPr>
           <p:nvPr>
-            <p:ph idx="2" type="sldImg"/>
+            <p:ph type="sldImg" idx="2"/>
           </p:nvPr>
         </p:nvSpPr>
         <p:spPr>
           <a:xfrm>
-            <a:off x="381309" y="685800"/>
+            <a:off x="381000" y="685800"/>
             <a:ext cx="6096000" cy="3429000"/>
           </a:xfrm>
           <a:custGeom>
-            <a:rect b="b" l="l" r="r" t="t"/>
+            <a:avLst/>
+            <a:gdLst/>
+            <a:ahLst/>
+            <a:cxnLst/>
+            <a:rect l="l" t="t" r="r" b="b"/>
             <a:pathLst>
-              <a:path extrusionOk="0" h="120000" w="120000">
+              <a:path w="120000" h="120000" extrusionOk="0">
                 <a:moveTo>
                   <a:pt x="0" y="0"/>
                 </a:moveTo>
@@ -1936,9 +2227,11 @@
       <p:sp>
         <p:nvSpPr>
           <p:cNvPr id="77" name="Google Shape;77;g4f417ecd79_1_157:notes"/>
-          <p:cNvSpPr txBox="1"/>
+          <p:cNvSpPr txBox="1">
+            <a:spLocks noGrp="1"/>
+          </p:cNvSpPr>
           <p:nvPr>
-            <p:ph idx="1" type="body"/>
+            <p:ph type="body" idx="1"/>
           </p:nvPr>
         </p:nvSpPr>
         <p:spPr>
@@ -1951,23 +2244,20 @@
           </a:prstGeom>
         </p:spPr>
         <p:txBody>
-          <a:bodyPr anchorCtr="0" anchor="t" bIns="91425" lIns="91425" spcFirstLastPara="1" rIns="91425" wrap="square" tIns="91425">
+          <a:bodyPr spcFirstLastPara="1" wrap="square" lIns="91425" tIns="91425" rIns="91425" bIns="91425" anchor="t" anchorCtr="0">
             <a:noAutofit/>
           </a:bodyPr>
           <a:lstStyle/>
           <a:p>
-            <a:pPr indent="0" lvl="0" marL="0" rtl="0" algn="l">
-              <a:spcBef>
-                <a:spcPts val="0"/>
-              </a:spcBef>
-              <a:spcAft>
-                <a:spcPts val="0"/>
-              </a:spcAft>
-              <a:buNone/>
-            </a:pPr>
-            <a:r>
-              <a:t/>
-            </a:r>
+            <a:pPr marL="0" lvl="0" indent="0" algn="l" rtl="0">
+              <a:spcBef>
+                <a:spcPts val="0"/>
+              </a:spcBef>
+              <a:spcAft>
+                <a:spcPts val="0"/>
+              </a:spcAft>
+              <a:buNone/>
+            </a:pPr>
             <a:endParaRPr/>
           </a:p>
         </p:txBody>
@@ -1981,11 +2271,11 @@
 </file>
 
 <file path=ppt/notesSlides/notesSlide6.xml><?xml version="1.0" encoding="utf-8"?>
-<p:notes xmlns:a="http://schemas.openxmlformats.org/drawingml/2006/main" xmlns:r="http://schemas.openxmlformats.org/officeDocument/2006/relationships" xmlns:mc="http://schemas.openxmlformats.org/markup-compatibility/2006" xmlns:mv="urn:schemas-microsoft-com:mac:vml" xmlns:p="http://schemas.openxmlformats.org/presentationml/2006/main" xmlns:c="http://schemas.openxmlformats.org/drawingml/2006/chart" xmlns:dgm="http://schemas.openxmlformats.org/drawingml/2006/diagram" xmlns:o="urn:schemas-microsoft-com:office:office" xmlns:v="urn:schemas-microsoft-com:vml" xmlns:pvml="urn:schemas-microsoft-com:office:powerpoint" xmlns:com="http://schemas.openxmlformats.org/drawingml/2006/compatibility" xmlns:p14="http://schemas.microsoft.com/office/powerpoint/2010/main" xmlns:p15="http://schemas.microsoft.com/office/powerpoint/2012/main" showMasterPhAnim="0" showMasterSp="0">
+<p:notes xmlns:a="http://schemas.openxmlformats.org/drawingml/2006/main" xmlns:r="http://schemas.openxmlformats.org/officeDocument/2006/relationships" xmlns:p="http://schemas.openxmlformats.org/presentationml/2006/main" showMasterSp="0" showMasterPhAnim="0">
   <p:cSld>
     <p:spTree>
       <p:nvGrpSpPr>
-        <p:cNvPr id="81" name="Shape 81"/>
+        <p:cNvPr id="1" name="Shape 81"/>
         <p:cNvGrpSpPr/>
         <p:nvPr/>
       </p:nvGrpSpPr>
@@ -1999,21 +2289,27 @@
       </p:grpSpPr>
       <p:sp>
         <p:nvSpPr>
-          <p:cNvPr id="82" name="Google Shape;82;g4f417ecd79_1_204:notes"/>
-          <p:cNvSpPr/>
+          <p:cNvPr id="82" name="Google Shape;82;g4fc1d68c7b_0_0:notes"/>
+          <p:cNvSpPr>
+            <a:spLocks noGrp="1" noRot="1" noChangeAspect="1"/>
+          </p:cNvSpPr>
           <p:nvPr>
-            <p:ph idx="2" type="sldImg"/>
+            <p:ph type="sldImg" idx="2"/>
           </p:nvPr>
         </p:nvSpPr>
         <p:spPr>
           <a:xfrm>
-            <a:off x="381309" y="685800"/>
+            <a:off x="381000" y="685800"/>
             <a:ext cx="6096000" cy="3429000"/>
           </a:xfrm>
           <a:custGeom>
-            <a:rect b="b" l="l" r="r" t="t"/>
+            <a:avLst/>
+            <a:gdLst/>
+            <a:ahLst/>
+            <a:cxnLst/>
+            <a:rect l="l" t="t" r="r" b="b"/>
             <a:pathLst>
-              <a:path extrusionOk="0" h="120000" w="120000">
+              <a:path w="120000" h="120000" extrusionOk="0">
                 <a:moveTo>
                   <a:pt x="0" y="0"/>
                 </a:moveTo>
@@ -2034,10 +2330,12 @@
       </p:sp>
       <p:sp>
         <p:nvSpPr>
-          <p:cNvPr id="83" name="Google Shape;83;g4f417ecd79_1_204:notes"/>
-          <p:cNvSpPr txBox="1"/>
+          <p:cNvPr id="83" name="Google Shape;83;g4fc1d68c7b_0_0:notes"/>
+          <p:cNvSpPr txBox="1">
+            <a:spLocks noGrp="1"/>
+          </p:cNvSpPr>
           <p:nvPr>
-            <p:ph idx="1" type="body"/>
+            <p:ph type="body" idx="1"/>
           </p:nvPr>
         </p:nvSpPr>
         <p:spPr>
@@ -2050,23 +2348,20 @@
           </a:prstGeom>
         </p:spPr>
         <p:txBody>
-          <a:bodyPr anchorCtr="0" anchor="t" bIns="91425" lIns="91425" spcFirstLastPara="1" rIns="91425" wrap="square" tIns="91425">
+          <a:bodyPr spcFirstLastPara="1" wrap="square" lIns="91425" tIns="91425" rIns="91425" bIns="91425" anchor="t" anchorCtr="0">
             <a:noAutofit/>
           </a:bodyPr>
           <a:lstStyle/>
           <a:p>
-            <a:pPr indent="0" lvl="0" marL="0" rtl="0" algn="l">
-              <a:spcBef>
-                <a:spcPts val="0"/>
-              </a:spcBef>
-              <a:spcAft>
-                <a:spcPts val="0"/>
-              </a:spcAft>
-              <a:buNone/>
-            </a:pPr>
-            <a:r>
-              <a:t/>
-            </a:r>
+            <a:pPr marL="0" lvl="0" indent="0" algn="l" rtl="0">
+              <a:spcBef>
+                <a:spcPts val="0"/>
+              </a:spcBef>
+              <a:spcAft>
+                <a:spcPts val="0"/>
+              </a:spcAft>
+              <a:buNone/>
+            </a:pPr>
             <a:endParaRPr/>
           </a:p>
         </p:txBody>
@@ -2080,11 +2375,11 @@
 </file>
 
 <file path=ppt/notesSlides/notesSlide7.xml><?xml version="1.0" encoding="utf-8"?>
-<p:notes xmlns:a="http://schemas.openxmlformats.org/drawingml/2006/main" xmlns:r="http://schemas.openxmlformats.org/officeDocument/2006/relationships" xmlns:mc="http://schemas.openxmlformats.org/markup-compatibility/2006" xmlns:mv="urn:schemas-microsoft-com:mac:vml" xmlns:p="http://schemas.openxmlformats.org/presentationml/2006/main" xmlns:c="http://schemas.openxmlformats.org/drawingml/2006/chart" xmlns:dgm="http://schemas.openxmlformats.org/drawingml/2006/diagram" xmlns:o="urn:schemas-microsoft-com:office:office" xmlns:v="urn:schemas-microsoft-com:vml" xmlns:pvml="urn:schemas-microsoft-com:office:powerpoint" xmlns:com="http://schemas.openxmlformats.org/drawingml/2006/compatibility" xmlns:p14="http://schemas.microsoft.com/office/powerpoint/2010/main" xmlns:p15="http://schemas.microsoft.com/office/powerpoint/2012/main" showMasterPhAnim="0" showMasterSp="0">
+<p:notes xmlns:a="http://schemas.openxmlformats.org/drawingml/2006/main" xmlns:r="http://schemas.openxmlformats.org/officeDocument/2006/relationships" xmlns:p="http://schemas.openxmlformats.org/presentationml/2006/main" showMasterSp="0" showMasterPhAnim="0">
   <p:cSld>
     <p:spTree>
       <p:nvGrpSpPr>
-        <p:cNvPr id="86" name="Shape 86"/>
+        <p:cNvPr id="1" name="Shape 86"/>
         <p:cNvGrpSpPr/>
         <p:nvPr/>
       </p:nvGrpSpPr>
@@ -2098,21 +2393,27 @@
       </p:grpSpPr>
       <p:sp>
         <p:nvSpPr>
-          <p:cNvPr id="87" name="Google Shape;87;g4f417ecd79_1_162:notes"/>
-          <p:cNvSpPr/>
+          <p:cNvPr id="87" name="Google Shape;87;g4fc1d68c7b_0_4:notes"/>
+          <p:cNvSpPr>
+            <a:spLocks noGrp="1" noRot="1" noChangeAspect="1"/>
+          </p:cNvSpPr>
           <p:nvPr>
-            <p:ph idx="2" type="sldImg"/>
+            <p:ph type="sldImg" idx="2"/>
           </p:nvPr>
         </p:nvSpPr>
         <p:spPr>
           <a:xfrm>
-            <a:off x="381309" y="685800"/>
+            <a:off x="381000" y="685800"/>
             <a:ext cx="6096000" cy="3429000"/>
           </a:xfrm>
           <a:custGeom>
-            <a:rect b="b" l="l" r="r" t="t"/>
+            <a:avLst/>
+            <a:gdLst/>
+            <a:ahLst/>
+            <a:cxnLst/>
+            <a:rect l="l" t="t" r="r" b="b"/>
             <a:pathLst>
-              <a:path extrusionOk="0" h="120000" w="120000">
+              <a:path w="120000" h="120000" extrusionOk="0">
                 <a:moveTo>
                   <a:pt x="0" y="0"/>
                 </a:moveTo>
@@ -2133,10 +2434,12 @@
       </p:sp>
       <p:sp>
         <p:nvSpPr>
-          <p:cNvPr id="88" name="Google Shape;88;g4f417ecd79_1_162:notes"/>
-          <p:cNvSpPr txBox="1"/>
+          <p:cNvPr id="88" name="Google Shape;88;g4fc1d68c7b_0_4:notes"/>
+          <p:cNvSpPr txBox="1">
+            <a:spLocks noGrp="1"/>
+          </p:cNvSpPr>
           <p:nvPr>
-            <p:ph idx="1" type="body"/>
+            <p:ph type="body" idx="1"/>
           </p:nvPr>
         </p:nvSpPr>
         <p:spPr>
@@ -2149,23 +2452,20 @@
           </a:prstGeom>
         </p:spPr>
         <p:txBody>
-          <a:bodyPr anchorCtr="0" anchor="t" bIns="91425" lIns="91425" spcFirstLastPara="1" rIns="91425" wrap="square" tIns="91425">
+          <a:bodyPr spcFirstLastPara="1" wrap="square" lIns="91425" tIns="91425" rIns="91425" bIns="91425" anchor="t" anchorCtr="0">
             <a:noAutofit/>
           </a:bodyPr>
           <a:lstStyle/>
           <a:p>
-            <a:pPr indent="0" lvl="0" marL="0" rtl="0" algn="l">
-              <a:spcBef>
-                <a:spcPts val="0"/>
-              </a:spcBef>
-              <a:spcAft>
-                <a:spcPts val="0"/>
-              </a:spcAft>
-              <a:buNone/>
-            </a:pPr>
-            <a:r>
-              <a:t/>
-            </a:r>
+            <a:pPr marL="0" lvl="0" indent="0" algn="l" rtl="0">
+              <a:spcBef>
+                <a:spcPts val="0"/>
+              </a:spcBef>
+              <a:spcAft>
+                <a:spcPts val="0"/>
+              </a:spcAft>
+              <a:buNone/>
+            </a:pPr>
             <a:endParaRPr/>
           </a:p>
         </p:txBody>
@@ -2179,11 +2479,11 @@
 </file>
 
 <file path=ppt/notesSlides/notesSlide8.xml><?xml version="1.0" encoding="utf-8"?>
-<p:notes xmlns:a="http://schemas.openxmlformats.org/drawingml/2006/main" xmlns:r="http://schemas.openxmlformats.org/officeDocument/2006/relationships" xmlns:mc="http://schemas.openxmlformats.org/markup-compatibility/2006" xmlns:mv="urn:schemas-microsoft-com:mac:vml" xmlns:p="http://schemas.openxmlformats.org/presentationml/2006/main" xmlns:c="http://schemas.openxmlformats.org/drawingml/2006/chart" xmlns:dgm="http://schemas.openxmlformats.org/drawingml/2006/diagram" xmlns:o="urn:schemas-microsoft-com:office:office" xmlns:v="urn:schemas-microsoft-com:vml" xmlns:pvml="urn:schemas-microsoft-com:office:powerpoint" xmlns:com="http://schemas.openxmlformats.org/drawingml/2006/compatibility" xmlns:p14="http://schemas.microsoft.com/office/powerpoint/2010/main" xmlns:p15="http://schemas.microsoft.com/office/powerpoint/2012/main" showMasterPhAnim="0" showMasterSp="0">
+<p:notes xmlns:a="http://schemas.openxmlformats.org/drawingml/2006/main" xmlns:r="http://schemas.openxmlformats.org/officeDocument/2006/relationships" xmlns:p="http://schemas.openxmlformats.org/presentationml/2006/main" showMasterSp="0" showMasterPhAnim="0">
   <p:cSld>
     <p:spTree>
       <p:nvGrpSpPr>
-        <p:cNvPr id="92" name="Shape 92"/>
+        <p:cNvPr id="1" name="Shape 92"/>
         <p:cNvGrpSpPr/>
         <p:nvPr/>
       </p:nvGrpSpPr>
@@ -2197,21 +2497,27 @@
       </p:grpSpPr>
       <p:sp>
         <p:nvSpPr>
-          <p:cNvPr id="93" name="Google Shape;93;g4f417ecd79_1_184:notes"/>
-          <p:cNvSpPr/>
+          <p:cNvPr id="93" name="Google Shape;93;g4f417ecd79_1_204:notes"/>
+          <p:cNvSpPr>
+            <a:spLocks noGrp="1" noRot="1" noChangeAspect="1"/>
+          </p:cNvSpPr>
           <p:nvPr>
-            <p:ph idx="2" type="sldImg"/>
+            <p:ph type="sldImg" idx="2"/>
           </p:nvPr>
         </p:nvSpPr>
         <p:spPr>
           <a:xfrm>
-            <a:off x="381309" y="685800"/>
+            <a:off x="381000" y="685800"/>
             <a:ext cx="6096000" cy="3429000"/>
           </a:xfrm>
           <a:custGeom>
-            <a:rect b="b" l="l" r="r" t="t"/>
+            <a:avLst/>
+            <a:gdLst/>
+            <a:ahLst/>
+            <a:cxnLst/>
+            <a:rect l="l" t="t" r="r" b="b"/>
             <a:pathLst>
-              <a:path extrusionOk="0" h="120000" w="120000">
+              <a:path w="120000" h="120000" extrusionOk="0">
                 <a:moveTo>
                   <a:pt x="0" y="0"/>
                 </a:moveTo>
@@ -2232,10 +2538,12 @@
       </p:sp>
       <p:sp>
         <p:nvSpPr>
-          <p:cNvPr id="94" name="Google Shape;94;g4f417ecd79_1_184:notes"/>
-          <p:cNvSpPr txBox="1"/>
+          <p:cNvPr id="94" name="Google Shape;94;g4f417ecd79_1_204:notes"/>
+          <p:cNvSpPr txBox="1">
+            <a:spLocks noGrp="1"/>
+          </p:cNvSpPr>
           <p:nvPr>
-            <p:ph idx="1" type="body"/>
+            <p:ph type="body" idx="1"/>
           </p:nvPr>
         </p:nvSpPr>
         <p:spPr>
@@ -2248,23 +2556,20 @@
           </a:prstGeom>
         </p:spPr>
         <p:txBody>
-          <a:bodyPr anchorCtr="0" anchor="t" bIns="91425" lIns="91425" spcFirstLastPara="1" rIns="91425" wrap="square" tIns="91425">
+          <a:bodyPr spcFirstLastPara="1" wrap="square" lIns="91425" tIns="91425" rIns="91425" bIns="91425" anchor="t" anchorCtr="0">
             <a:noAutofit/>
           </a:bodyPr>
           <a:lstStyle/>
           <a:p>
-            <a:pPr indent="0" lvl="0" marL="0" rtl="0" algn="l">
-              <a:spcBef>
-                <a:spcPts val="0"/>
-              </a:spcBef>
-              <a:spcAft>
-                <a:spcPts val="0"/>
-              </a:spcAft>
-              <a:buNone/>
-            </a:pPr>
-            <a:r>
-              <a:t/>
-            </a:r>
+            <a:pPr marL="0" lvl="0" indent="0" algn="l" rtl="0">
+              <a:spcBef>
+                <a:spcPts val="0"/>
+              </a:spcBef>
+              <a:spcAft>
+                <a:spcPts val="0"/>
+              </a:spcAft>
+              <a:buNone/>
+            </a:pPr>
             <a:endParaRPr/>
           </a:p>
         </p:txBody>
@@ -2278,11 +2583,11 @@
 </file>
 
 <file path=ppt/notesSlides/notesSlide9.xml><?xml version="1.0" encoding="utf-8"?>
-<p:notes xmlns:a="http://schemas.openxmlformats.org/drawingml/2006/main" xmlns:r="http://schemas.openxmlformats.org/officeDocument/2006/relationships" xmlns:mc="http://schemas.openxmlformats.org/markup-compatibility/2006" xmlns:mv="urn:schemas-microsoft-com:mac:vml" xmlns:p="http://schemas.openxmlformats.org/presentationml/2006/main" xmlns:c="http://schemas.openxmlformats.org/drawingml/2006/chart" xmlns:dgm="http://schemas.openxmlformats.org/drawingml/2006/diagram" xmlns:o="urn:schemas-microsoft-com:office:office" xmlns:v="urn:schemas-microsoft-com:vml" xmlns:pvml="urn:schemas-microsoft-com:office:powerpoint" xmlns:com="http://schemas.openxmlformats.org/drawingml/2006/compatibility" xmlns:p14="http://schemas.microsoft.com/office/powerpoint/2010/main" xmlns:p15="http://schemas.microsoft.com/office/powerpoint/2012/main" showMasterPhAnim="0" showMasterSp="0">
+<p:notes xmlns:a="http://schemas.openxmlformats.org/drawingml/2006/main" xmlns:r="http://schemas.openxmlformats.org/officeDocument/2006/relationships" xmlns:p="http://schemas.openxmlformats.org/presentationml/2006/main" showMasterSp="0" showMasterPhAnim="0">
   <p:cSld>
     <p:spTree>
       <p:nvGrpSpPr>
-        <p:cNvPr id="98" name="Shape 98"/>
+        <p:cNvPr id="1" name="Shape 97"/>
         <p:cNvGrpSpPr/>
         <p:nvPr/>
       </p:nvGrpSpPr>
@@ -2296,21 +2601,27 @@
       </p:grpSpPr>
       <p:sp>
         <p:nvSpPr>
-          <p:cNvPr id="99" name="Google Shape;99;g4f417ecd79_1_194:notes"/>
-          <p:cNvSpPr/>
+          <p:cNvPr id="98" name="Google Shape;98;g4f417ecd79_1_162:notes"/>
+          <p:cNvSpPr>
+            <a:spLocks noGrp="1" noRot="1" noChangeAspect="1"/>
+          </p:cNvSpPr>
           <p:nvPr>
-            <p:ph idx="2" type="sldImg"/>
+            <p:ph type="sldImg" idx="2"/>
           </p:nvPr>
         </p:nvSpPr>
         <p:spPr>
           <a:xfrm>
-            <a:off x="381309" y="685800"/>
+            <a:off x="381000" y="685800"/>
             <a:ext cx="6096000" cy="3429000"/>
           </a:xfrm>
           <a:custGeom>
-            <a:rect b="b" l="l" r="r" t="t"/>
+            <a:avLst/>
+            <a:gdLst/>
+            <a:ahLst/>
+            <a:cxnLst/>
+            <a:rect l="l" t="t" r="r" b="b"/>
             <a:pathLst>
-              <a:path extrusionOk="0" h="120000" w="120000">
+              <a:path w="120000" h="120000" extrusionOk="0">
                 <a:moveTo>
                   <a:pt x="0" y="0"/>
                 </a:moveTo>
@@ -2331,10 +2642,12 @@
       </p:sp>
       <p:sp>
         <p:nvSpPr>
-          <p:cNvPr id="100" name="Google Shape;100;g4f417ecd79_1_194:notes"/>
-          <p:cNvSpPr txBox="1"/>
+          <p:cNvPr id="99" name="Google Shape;99;g4f417ecd79_1_162:notes"/>
+          <p:cNvSpPr txBox="1">
+            <a:spLocks noGrp="1"/>
+          </p:cNvSpPr>
           <p:nvPr>
-            <p:ph idx="1" type="body"/>
+            <p:ph type="body" idx="1"/>
           </p:nvPr>
         </p:nvSpPr>
         <p:spPr>
@@ -2347,23 +2660,20 @@
           </a:prstGeom>
         </p:spPr>
         <p:txBody>
-          <a:bodyPr anchorCtr="0" anchor="t" bIns="91425" lIns="91425" spcFirstLastPara="1" rIns="91425" wrap="square" tIns="91425">
+          <a:bodyPr spcFirstLastPara="1" wrap="square" lIns="91425" tIns="91425" rIns="91425" bIns="91425" anchor="t" anchorCtr="0">
             <a:noAutofit/>
           </a:bodyPr>
           <a:lstStyle/>
           <a:p>
-            <a:pPr indent="0" lvl="0" marL="0" rtl="0" algn="l">
-              <a:spcBef>
-                <a:spcPts val="0"/>
-              </a:spcBef>
-              <a:spcAft>
-                <a:spcPts val="0"/>
-              </a:spcAft>
-              <a:buNone/>
-            </a:pPr>
-            <a:r>
-              <a:t/>
-            </a:r>
+            <a:pPr marL="0" lvl="0" indent="0" algn="l" rtl="0">
+              <a:spcBef>
+                <a:spcPts val="0"/>
+              </a:spcBef>
+              <a:spcAft>
+                <a:spcPts val="0"/>
+              </a:spcAft>
+              <a:buNone/>
+            </a:pPr>
             <a:endParaRPr/>
           </a:p>
         </p:txBody>
@@ -2377,11 +2687,11 @@
 </file>
 
 <file path=ppt/slideLayouts/slideLayout1.xml><?xml version="1.0" encoding="utf-8"?>
-<p:sldLayout xmlns:a="http://schemas.openxmlformats.org/drawingml/2006/main" xmlns:r="http://schemas.openxmlformats.org/officeDocument/2006/relationships" xmlns:mc="http://schemas.openxmlformats.org/markup-compatibility/2006" xmlns:mv="urn:schemas-microsoft-com:mac:vml" xmlns:p="http://schemas.openxmlformats.org/presentationml/2006/main" xmlns:c="http://schemas.openxmlformats.org/drawingml/2006/chart" xmlns:dgm="http://schemas.openxmlformats.org/drawingml/2006/diagram" xmlns:o="urn:schemas-microsoft-com:office:office" xmlns:v="urn:schemas-microsoft-com:vml" xmlns:pvml="urn:schemas-microsoft-com:office:powerpoint" xmlns:com="http://schemas.openxmlformats.org/drawingml/2006/compatibility" xmlns:p14="http://schemas.microsoft.com/office/powerpoint/2010/main" xmlns:p15="http://schemas.microsoft.com/office/powerpoint/2012/main" matchingName="Title slide" type="title">
+<p:sldLayout xmlns:a="http://schemas.openxmlformats.org/drawingml/2006/main" xmlns:r="http://schemas.openxmlformats.org/officeDocument/2006/relationships" xmlns:p="http://schemas.openxmlformats.org/presentationml/2006/main" matchingName="Title slide" type="title">
   <p:cSld name="TITLE">
     <p:spTree>
       <p:nvGrpSpPr>
-        <p:cNvPr id="10" name="Shape 10"/>
+        <p:cNvPr id="1" name="Shape 10"/>
         <p:cNvGrpSpPr/>
         <p:nvPr/>
       </p:nvGrpSpPr>
@@ -2396,7 +2706,9 @@
       <p:sp>
         <p:nvSpPr>
           <p:cNvPr id="11" name="Google Shape;11;p2"/>
-          <p:cNvSpPr txBox="1"/>
+          <p:cNvSpPr txBox="1">
+            <a:spLocks noGrp="1"/>
+          </p:cNvSpPr>
           <p:nvPr>
             <p:ph type="ctrTitle"/>
           </p:nvPr>
@@ -2411,7 +2723,7 @@
           </a:prstGeom>
         </p:spPr>
         <p:txBody>
-          <a:bodyPr anchorCtr="0" anchor="t" bIns="0" lIns="0" spcFirstLastPara="1" rIns="0" wrap="square" tIns="0"/>
+          <a:bodyPr spcFirstLastPara="1" wrap="square" lIns="0" tIns="0" rIns="0" bIns="0" anchor="t" anchorCtr="0"/>
           <a:lstStyle>
             <a:lvl1pPr lvl="0">
               <a:lnSpc>
@@ -2603,15 +2915,19 @@
               </a:defRPr>
             </a:lvl9pPr>
           </a:lstStyle>
-          <a:p/>
+          <a:p>
+            <a:endParaRPr/>
+          </a:p>
         </p:txBody>
       </p:sp>
       <p:sp>
         <p:nvSpPr>
           <p:cNvPr id="12" name="Google Shape;12;p2"/>
-          <p:cNvSpPr txBox="1"/>
+          <p:cNvSpPr txBox="1">
+            <a:spLocks noGrp="1"/>
+          </p:cNvSpPr>
           <p:nvPr>
-            <p:ph idx="1" type="subTitle"/>
+            <p:ph type="subTitle" idx="1"/>
           </p:nvPr>
         </p:nvSpPr>
         <p:spPr>
@@ -2624,7 +2940,7 @@
           </a:prstGeom>
         </p:spPr>
         <p:txBody>
-          <a:bodyPr anchorCtr="0" anchor="t" bIns="0" lIns="0" spcFirstLastPara="1" rIns="0" wrap="square" tIns="0"/>
+          <a:bodyPr spcFirstLastPara="1" wrap="square" lIns="0" tIns="0" rIns="0" bIns="0" anchor="t" anchorCtr="0"/>
           <a:lstStyle>
             <a:lvl1pPr lvl="0">
               <a:lnSpc>
@@ -2816,15 +3132,19 @@
               </a:defRPr>
             </a:lvl9pPr>
           </a:lstStyle>
-          <a:p/>
+          <a:p>
+            <a:endParaRPr/>
+          </a:p>
         </p:txBody>
       </p:sp>
       <p:sp>
         <p:nvSpPr>
           <p:cNvPr id="13" name="Google Shape;13;p2"/>
-          <p:cNvSpPr txBox="1"/>
+          <p:cNvSpPr txBox="1">
+            <a:spLocks noGrp="1"/>
+          </p:cNvSpPr>
           <p:nvPr>
-            <p:ph idx="12" type="sldNum"/>
+            <p:ph type="sldNum" idx="12"/>
           </p:nvPr>
         </p:nvSpPr>
         <p:spPr>
@@ -2837,7 +3157,7 @@
           </a:prstGeom>
         </p:spPr>
         <p:txBody>
-          <a:bodyPr anchorCtr="0" anchor="ctr" bIns="91425" lIns="91425" spcFirstLastPara="1" rIns="91425" wrap="square" tIns="91425">
+          <a:bodyPr spcFirstLastPara="1" wrap="square" lIns="91425" tIns="91425" rIns="91425" bIns="91425" anchor="ctr" anchorCtr="0">
             <a:noAutofit/>
           </a:bodyPr>
           <a:lstStyle>
@@ -2879,7 +3199,7 @@
             </a:lvl9pPr>
           </a:lstStyle>
           <a:p>
-            <a:pPr indent="0" lvl="0" marL="0" rtl="0" algn="r">
+            <a:pPr marL="0" lvl="0" indent="0" algn="r" rtl="0">
               <a:spcBef>
                 <a:spcPts val="0"/>
               </a:spcBef>
@@ -2933,11 +3253,11 @@
 </file>
 
 <file path=ppt/slideLayouts/slideLayout10.xml><?xml version="1.0" encoding="utf-8"?>
-<p:sldLayout xmlns:a="http://schemas.openxmlformats.org/drawingml/2006/main" xmlns:r="http://schemas.openxmlformats.org/officeDocument/2006/relationships" xmlns:mc="http://schemas.openxmlformats.org/markup-compatibility/2006" xmlns:mv="urn:schemas-microsoft-com:mac:vml" xmlns:p="http://schemas.openxmlformats.org/presentationml/2006/main" xmlns:c="http://schemas.openxmlformats.org/drawingml/2006/chart" xmlns:dgm="http://schemas.openxmlformats.org/drawingml/2006/diagram" xmlns:o="urn:schemas-microsoft-com:office:office" xmlns:v="urn:schemas-microsoft-com:vml" xmlns:pvml="urn:schemas-microsoft-com:office:powerpoint" xmlns:com="http://schemas.openxmlformats.org/drawingml/2006/compatibility" xmlns:p14="http://schemas.microsoft.com/office/powerpoint/2010/main" xmlns:p15="http://schemas.microsoft.com/office/powerpoint/2012/main" matchingName="Big number">
+<p:sldLayout xmlns:a="http://schemas.openxmlformats.org/drawingml/2006/main" xmlns:r="http://schemas.openxmlformats.org/officeDocument/2006/relationships" xmlns:p="http://schemas.openxmlformats.org/presentationml/2006/main" matchingName="Big number">
   <p:cSld name="BIG_NUMBER">
     <p:spTree>
       <p:nvGrpSpPr>
-        <p:cNvPr id="46" name="Shape 46"/>
+        <p:cNvPr id="1" name="Shape 46"/>
         <p:cNvGrpSpPr/>
         <p:nvPr/>
       </p:nvGrpSpPr>
@@ -2952,9 +3272,11 @@
       <p:sp>
         <p:nvSpPr>
           <p:cNvPr id="47" name="Google Shape;47;p11"/>
-          <p:cNvSpPr txBox="1"/>
+          <p:cNvSpPr txBox="1">
+            <a:spLocks noGrp="1"/>
+          </p:cNvSpPr>
           <p:nvPr>
-            <p:ph hasCustomPrompt="1" type="title"/>
+            <p:ph type="title" hasCustomPrompt="1"/>
           </p:nvPr>
         </p:nvSpPr>
         <p:spPr>
@@ -2967,7 +3289,7 @@
           </a:prstGeom>
         </p:spPr>
         <p:txBody>
-          <a:bodyPr anchorCtr="0" anchor="b" bIns="91425" lIns="91425" spcFirstLastPara="1" rIns="91425" wrap="square" tIns="91425"/>
+          <a:bodyPr spcFirstLastPara="1" wrap="square" lIns="91425" tIns="91425" rIns="91425" bIns="91425" anchor="b" anchorCtr="0"/>
           <a:lstStyle>
             <a:lvl1pPr lvl="0" algn="ctr">
               <a:spcBef>
@@ -3079,9 +3401,11 @@
       <p:sp>
         <p:nvSpPr>
           <p:cNvPr id="48" name="Google Shape;48;p11"/>
-          <p:cNvSpPr txBox="1"/>
+          <p:cNvSpPr txBox="1">
+            <a:spLocks noGrp="1"/>
+          </p:cNvSpPr>
           <p:nvPr>
-            <p:ph idx="1" type="body"/>
+            <p:ph type="body" idx="1"/>
           </p:nvPr>
         </p:nvSpPr>
         <p:spPr>
@@ -3094,9 +3418,9 @@
           </a:prstGeom>
         </p:spPr>
         <p:txBody>
-          <a:bodyPr anchorCtr="0" anchor="t" bIns="91425" lIns="91425" spcFirstLastPara="1" rIns="91425" wrap="square" tIns="91425"/>
+          <a:bodyPr spcFirstLastPara="1" wrap="square" lIns="91425" tIns="91425" rIns="91425" bIns="91425" anchor="t" anchorCtr="0"/>
           <a:lstStyle>
-            <a:lvl1pPr indent="-342900" lvl="0" marL="457200" algn="ctr">
+            <a:lvl1pPr marL="457200" lvl="0" indent="-342900" algn="ctr">
               <a:spcBef>
                 <a:spcPts val="0"/>
               </a:spcBef>
@@ -3107,7 +3431,7 @@
               <a:buChar char="●"/>
               <a:defRPr/>
             </a:lvl1pPr>
-            <a:lvl2pPr indent="-317500" lvl="1" marL="914400" algn="ctr">
+            <a:lvl2pPr marL="914400" lvl="1" indent="-317500" algn="ctr">
               <a:spcBef>
                 <a:spcPts val="1600"/>
               </a:spcBef>
@@ -3118,7 +3442,7 @@
               <a:buChar char="○"/>
               <a:defRPr/>
             </a:lvl2pPr>
-            <a:lvl3pPr indent="-317500" lvl="2" marL="1371600" algn="ctr">
+            <a:lvl3pPr marL="1371600" lvl="2" indent="-317500" algn="ctr">
               <a:spcBef>
                 <a:spcPts val="1600"/>
               </a:spcBef>
@@ -3129,7 +3453,7 @@
               <a:buChar char="■"/>
               <a:defRPr/>
             </a:lvl3pPr>
-            <a:lvl4pPr indent="-317500" lvl="3" marL="1828800" algn="ctr">
+            <a:lvl4pPr marL="1828800" lvl="3" indent="-317500" algn="ctr">
               <a:spcBef>
                 <a:spcPts val="1600"/>
               </a:spcBef>
@@ -3140,7 +3464,7 @@
               <a:buChar char="●"/>
               <a:defRPr/>
             </a:lvl4pPr>
-            <a:lvl5pPr indent="-317500" lvl="4" marL="2286000" algn="ctr">
+            <a:lvl5pPr marL="2286000" lvl="4" indent="-317500" algn="ctr">
               <a:spcBef>
                 <a:spcPts val="1600"/>
               </a:spcBef>
@@ -3151,7 +3475,7 @@
               <a:buChar char="○"/>
               <a:defRPr/>
             </a:lvl5pPr>
-            <a:lvl6pPr indent="-317500" lvl="5" marL="2743200" algn="ctr">
+            <a:lvl6pPr marL="2743200" lvl="5" indent="-317500" algn="ctr">
               <a:spcBef>
                 <a:spcPts val="1600"/>
               </a:spcBef>
@@ -3162,7 +3486,7 @@
               <a:buChar char="■"/>
               <a:defRPr/>
             </a:lvl6pPr>
-            <a:lvl7pPr indent="-317500" lvl="6" marL="3200400" algn="ctr">
+            <a:lvl7pPr marL="3200400" lvl="6" indent="-317500" algn="ctr">
               <a:spcBef>
                 <a:spcPts val="1600"/>
               </a:spcBef>
@@ -3173,7 +3497,7 @@
               <a:buChar char="●"/>
               <a:defRPr/>
             </a:lvl7pPr>
-            <a:lvl8pPr indent="-317500" lvl="7" marL="3657600" algn="ctr">
+            <a:lvl8pPr marL="3657600" lvl="7" indent="-317500" algn="ctr">
               <a:spcBef>
                 <a:spcPts val="1600"/>
               </a:spcBef>
@@ -3184,7 +3508,7 @@
               <a:buChar char="○"/>
               <a:defRPr/>
             </a:lvl8pPr>
-            <a:lvl9pPr indent="-317500" lvl="8" marL="4114800" algn="ctr">
+            <a:lvl9pPr marL="4114800" lvl="8" indent="-317500" algn="ctr">
               <a:spcBef>
                 <a:spcPts val="1600"/>
               </a:spcBef>
@@ -3196,15 +3520,19 @@
               <a:defRPr/>
             </a:lvl9pPr>
           </a:lstStyle>
-          <a:p/>
+          <a:p>
+            <a:endParaRPr/>
+          </a:p>
         </p:txBody>
       </p:sp>
       <p:sp>
         <p:nvSpPr>
           <p:cNvPr id="49" name="Google Shape;49;p11"/>
-          <p:cNvSpPr txBox="1"/>
+          <p:cNvSpPr txBox="1">
+            <a:spLocks noGrp="1"/>
+          </p:cNvSpPr>
           <p:nvPr>
-            <p:ph idx="12" type="sldNum"/>
+            <p:ph type="sldNum" idx="12"/>
           </p:nvPr>
         </p:nvSpPr>
         <p:spPr>
@@ -3217,7 +3545,7 @@
           </a:prstGeom>
         </p:spPr>
         <p:txBody>
-          <a:bodyPr anchorCtr="0" anchor="ctr" bIns="91425" lIns="91425" spcFirstLastPara="1" rIns="91425" wrap="square" tIns="91425">
+          <a:bodyPr spcFirstLastPara="1" wrap="square" lIns="91425" tIns="91425" rIns="91425" bIns="91425" anchor="ctr" anchorCtr="0">
             <a:noAutofit/>
           </a:bodyPr>
           <a:lstStyle>
@@ -3259,7 +3587,7 @@
             </a:lvl9pPr>
           </a:lstStyle>
           <a:p>
-            <a:pPr indent="0" lvl="0" marL="0" rtl="0" algn="r">
+            <a:pPr marL="0" lvl="0" indent="0" algn="r" rtl="0">
               <a:spcBef>
                 <a:spcPts val="0"/>
               </a:spcBef>
@@ -3285,11 +3613,11 @@
 </file>
 
 <file path=ppt/slideLayouts/slideLayout11.xml><?xml version="1.0" encoding="utf-8"?>
-<p:sldLayout xmlns:a="http://schemas.openxmlformats.org/drawingml/2006/main" xmlns:r="http://schemas.openxmlformats.org/officeDocument/2006/relationships" xmlns:mc="http://schemas.openxmlformats.org/markup-compatibility/2006" xmlns:mv="urn:schemas-microsoft-com:mac:vml" xmlns:p="http://schemas.openxmlformats.org/presentationml/2006/main" xmlns:c="http://schemas.openxmlformats.org/drawingml/2006/chart" xmlns:dgm="http://schemas.openxmlformats.org/drawingml/2006/diagram" xmlns:o="urn:schemas-microsoft-com:office:office" xmlns:v="urn:schemas-microsoft-com:vml" xmlns:pvml="urn:schemas-microsoft-com:office:powerpoint" xmlns:com="http://schemas.openxmlformats.org/drawingml/2006/compatibility" xmlns:p14="http://schemas.microsoft.com/office/powerpoint/2010/main" xmlns:p15="http://schemas.microsoft.com/office/powerpoint/2012/main" matchingName="Blank" type="blank">
+<p:sldLayout xmlns:a="http://schemas.openxmlformats.org/drawingml/2006/main" xmlns:r="http://schemas.openxmlformats.org/officeDocument/2006/relationships" xmlns:p="http://schemas.openxmlformats.org/presentationml/2006/main" matchingName="Blank" type="blank">
   <p:cSld name="BLANK">
     <p:spTree>
       <p:nvGrpSpPr>
-        <p:cNvPr id="50" name="Shape 50"/>
+        <p:cNvPr id="1" name="Shape 50"/>
         <p:cNvGrpSpPr/>
         <p:nvPr/>
       </p:nvGrpSpPr>
@@ -3304,9 +3632,11 @@
       <p:sp>
         <p:nvSpPr>
           <p:cNvPr id="51" name="Google Shape;51;p12"/>
-          <p:cNvSpPr txBox="1"/>
+          <p:cNvSpPr txBox="1">
+            <a:spLocks noGrp="1"/>
+          </p:cNvSpPr>
           <p:nvPr>
-            <p:ph idx="12" type="sldNum"/>
+            <p:ph type="sldNum" idx="12"/>
           </p:nvPr>
         </p:nvSpPr>
         <p:spPr>
@@ -3319,7 +3649,7 @@
           </a:prstGeom>
         </p:spPr>
         <p:txBody>
-          <a:bodyPr anchorCtr="0" anchor="ctr" bIns="91425" lIns="91425" spcFirstLastPara="1" rIns="91425" wrap="square" tIns="91425">
+          <a:bodyPr spcFirstLastPara="1" wrap="square" lIns="91425" tIns="91425" rIns="91425" bIns="91425" anchor="ctr" anchorCtr="0">
             <a:noAutofit/>
           </a:bodyPr>
           <a:lstStyle>
@@ -3361,7 +3691,7 @@
             </a:lvl9pPr>
           </a:lstStyle>
           <a:p>
-            <a:pPr indent="0" lvl="0" marL="0" rtl="0" algn="r">
+            <a:pPr marL="0" lvl="0" indent="0" algn="r" rtl="0">
               <a:spcBef>
                 <a:spcPts val="0"/>
               </a:spcBef>
@@ -3387,11 +3717,11 @@
 </file>
 
 <file path=ppt/slideLayouts/slideLayout2.xml><?xml version="1.0" encoding="utf-8"?>
-<p:sldLayout xmlns:a="http://schemas.openxmlformats.org/drawingml/2006/main" xmlns:r="http://schemas.openxmlformats.org/officeDocument/2006/relationships" xmlns:mc="http://schemas.openxmlformats.org/markup-compatibility/2006" xmlns:mv="urn:schemas-microsoft-com:mac:vml" xmlns:p="http://schemas.openxmlformats.org/presentationml/2006/main" xmlns:c="http://schemas.openxmlformats.org/drawingml/2006/chart" xmlns:dgm="http://schemas.openxmlformats.org/drawingml/2006/diagram" xmlns:o="urn:schemas-microsoft-com:office:office" xmlns:v="urn:schemas-microsoft-com:vml" xmlns:pvml="urn:schemas-microsoft-com:office:powerpoint" xmlns:com="http://schemas.openxmlformats.org/drawingml/2006/compatibility" xmlns:p14="http://schemas.microsoft.com/office/powerpoint/2010/main" xmlns:p15="http://schemas.microsoft.com/office/powerpoint/2012/main" matchingName="Section header" type="secHead">
+<p:sldLayout xmlns:a="http://schemas.openxmlformats.org/drawingml/2006/main" xmlns:r="http://schemas.openxmlformats.org/officeDocument/2006/relationships" xmlns:p="http://schemas.openxmlformats.org/presentationml/2006/main" matchingName="Section header" type="secHead">
   <p:cSld name="SECTION_HEADER">
     <p:spTree>
       <p:nvGrpSpPr>
-        <p:cNvPr id="15" name="Shape 15"/>
+        <p:cNvPr id="1" name="Shape 15"/>
         <p:cNvGrpSpPr/>
         <p:nvPr/>
       </p:nvGrpSpPr>
@@ -3406,7 +3736,9 @@
       <p:sp>
         <p:nvSpPr>
           <p:cNvPr id="16" name="Google Shape;16;p3"/>
-          <p:cNvSpPr txBox="1"/>
+          <p:cNvSpPr txBox="1">
+            <a:spLocks noGrp="1"/>
+          </p:cNvSpPr>
           <p:nvPr>
             <p:ph type="title"/>
           </p:nvPr>
@@ -3421,7 +3753,7 @@
           </a:prstGeom>
         </p:spPr>
         <p:txBody>
-          <a:bodyPr anchorCtr="0" anchor="ctr" bIns="91425" lIns="91425" spcFirstLastPara="1" rIns="91425" wrap="square" tIns="91425"/>
+          <a:bodyPr spcFirstLastPara="1" wrap="square" lIns="91425" tIns="91425" rIns="91425" bIns="91425" anchor="ctr" anchorCtr="0"/>
           <a:lstStyle>
             <a:lvl1pPr lvl="0" algn="ctr">
               <a:spcBef>
@@ -3523,15 +3855,19 @@
               <a:defRPr sz="3600"/>
             </a:lvl9pPr>
           </a:lstStyle>
-          <a:p/>
+          <a:p>
+            <a:endParaRPr/>
+          </a:p>
         </p:txBody>
       </p:sp>
       <p:sp>
         <p:nvSpPr>
           <p:cNvPr id="17" name="Google Shape;17;p3"/>
-          <p:cNvSpPr txBox="1"/>
+          <p:cNvSpPr txBox="1">
+            <a:spLocks noGrp="1"/>
+          </p:cNvSpPr>
           <p:nvPr>
-            <p:ph idx="12" type="sldNum"/>
+            <p:ph type="sldNum" idx="12"/>
           </p:nvPr>
         </p:nvSpPr>
         <p:spPr>
@@ -3544,7 +3880,7 @@
           </a:prstGeom>
         </p:spPr>
         <p:txBody>
-          <a:bodyPr anchorCtr="0" anchor="ctr" bIns="91425" lIns="91425" spcFirstLastPara="1" rIns="91425" wrap="square" tIns="91425">
+          <a:bodyPr spcFirstLastPara="1" wrap="square" lIns="91425" tIns="91425" rIns="91425" bIns="91425" anchor="ctr" anchorCtr="0">
             <a:noAutofit/>
           </a:bodyPr>
           <a:lstStyle>
@@ -3586,7 +3922,7 @@
             </a:lvl9pPr>
           </a:lstStyle>
           <a:p>
-            <a:pPr indent="0" lvl="0" marL="0" rtl="0" algn="r">
+            <a:pPr marL="0" lvl="0" indent="0" algn="r" rtl="0">
               <a:spcBef>
                 <a:spcPts val="0"/>
               </a:spcBef>
@@ -3612,11 +3948,11 @@
 </file>
 
 <file path=ppt/slideLayouts/slideLayout3.xml><?xml version="1.0" encoding="utf-8"?>
-<p:sldLayout xmlns:a="http://schemas.openxmlformats.org/drawingml/2006/main" xmlns:r="http://schemas.openxmlformats.org/officeDocument/2006/relationships" xmlns:mc="http://schemas.openxmlformats.org/markup-compatibility/2006" xmlns:mv="urn:schemas-microsoft-com:mac:vml" xmlns:p="http://schemas.openxmlformats.org/presentationml/2006/main" xmlns:c="http://schemas.openxmlformats.org/drawingml/2006/chart" xmlns:dgm="http://schemas.openxmlformats.org/drawingml/2006/diagram" xmlns:o="urn:schemas-microsoft-com:office:office" xmlns:v="urn:schemas-microsoft-com:vml" xmlns:pvml="urn:schemas-microsoft-com:office:powerpoint" xmlns:com="http://schemas.openxmlformats.org/drawingml/2006/compatibility" xmlns:p14="http://schemas.microsoft.com/office/powerpoint/2010/main" xmlns:p15="http://schemas.microsoft.com/office/powerpoint/2012/main" matchingName="Title and body" type="tx">
+<p:sldLayout xmlns:a="http://schemas.openxmlformats.org/drawingml/2006/main" xmlns:r="http://schemas.openxmlformats.org/officeDocument/2006/relationships" xmlns:p="http://schemas.openxmlformats.org/presentationml/2006/main" matchingName="Title and body" type="tx">
   <p:cSld name="TITLE_AND_BODY">
     <p:spTree>
       <p:nvGrpSpPr>
-        <p:cNvPr id="18" name="Shape 18"/>
+        <p:cNvPr id="1" name="Shape 18"/>
         <p:cNvGrpSpPr/>
         <p:nvPr/>
       </p:nvGrpSpPr>
@@ -3631,7 +3967,9 @@
       <p:sp>
         <p:nvSpPr>
           <p:cNvPr id="19" name="Google Shape;19;p4"/>
-          <p:cNvSpPr txBox="1"/>
+          <p:cNvSpPr txBox="1">
+            <a:spLocks noGrp="1"/>
+          </p:cNvSpPr>
           <p:nvPr>
             <p:ph type="title"/>
           </p:nvPr>
@@ -3646,7 +3984,7 @@
           </a:prstGeom>
         </p:spPr>
         <p:txBody>
-          <a:bodyPr anchorCtr="0" anchor="t" bIns="91425" lIns="91425" spcFirstLastPara="1" rIns="91425" wrap="square" tIns="91425"/>
+          <a:bodyPr spcFirstLastPara="1" wrap="square" lIns="91425" tIns="91425" rIns="91425" bIns="91425" anchor="t" anchorCtr="0"/>
           <a:lstStyle>
             <a:lvl1pPr lvl="0">
               <a:spcBef>
@@ -3748,15 +4086,19 @@
               <a:defRPr/>
             </a:lvl9pPr>
           </a:lstStyle>
-          <a:p/>
+          <a:p>
+            <a:endParaRPr/>
+          </a:p>
         </p:txBody>
       </p:sp>
       <p:sp>
         <p:nvSpPr>
           <p:cNvPr id="20" name="Google Shape;20;p4"/>
-          <p:cNvSpPr txBox="1"/>
+          <p:cNvSpPr txBox="1">
+            <a:spLocks noGrp="1"/>
+          </p:cNvSpPr>
           <p:nvPr>
-            <p:ph idx="1" type="body"/>
+            <p:ph type="body" idx="1"/>
           </p:nvPr>
         </p:nvSpPr>
         <p:spPr>
@@ -3769,9 +4111,9 @@
           </a:prstGeom>
         </p:spPr>
         <p:txBody>
-          <a:bodyPr anchorCtr="0" anchor="t" bIns="91425" lIns="91425" spcFirstLastPara="1" rIns="91425" wrap="square" tIns="91425"/>
+          <a:bodyPr spcFirstLastPara="1" wrap="square" lIns="91425" tIns="91425" rIns="91425" bIns="91425" anchor="t" anchorCtr="0"/>
           <a:lstStyle>
-            <a:lvl1pPr indent="-342900" lvl="0" marL="457200">
+            <a:lvl1pPr marL="457200" lvl="0" indent="-342900">
               <a:spcBef>
                 <a:spcPts val="0"/>
               </a:spcBef>
@@ -3782,7 +4124,7 @@
               <a:buChar char="●"/>
               <a:defRPr/>
             </a:lvl1pPr>
-            <a:lvl2pPr indent="-317500" lvl="1" marL="914400">
+            <a:lvl2pPr marL="914400" lvl="1" indent="-317500">
               <a:spcBef>
                 <a:spcPts val="1600"/>
               </a:spcBef>
@@ -3793,7 +4135,7 @@
               <a:buChar char="○"/>
               <a:defRPr/>
             </a:lvl2pPr>
-            <a:lvl3pPr indent="-317500" lvl="2" marL="1371600">
+            <a:lvl3pPr marL="1371600" lvl="2" indent="-317500">
               <a:spcBef>
                 <a:spcPts val="1600"/>
               </a:spcBef>
@@ -3804,7 +4146,7 @@
               <a:buChar char="■"/>
               <a:defRPr/>
             </a:lvl3pPr>
-            <a:lvl4pPr indent="-317500" lvl="3" marL="1828800">
+            <a:lvl4pPr marL="1828800" lvl="3" indent="-317500">
               <a:spcBef>
                 <a:spcPts val="1600"/>
               </a:spcBef>
@@ -3815,7 +4157,7 @@
               <a:buChar char="●"/>
               <a:defRPr/>
             </a:lvl4pPr>
-            <a:lvl5pPr indent="-317500" lvl="4" marL="2286000">
+            <a:lvl5pPr marL="2286000" lvl="4" indent="-317500">
               <a:spcBef>
                 <a:spcPts val="1600"/>
               </a:spcBef>
@@ -3826,7 +4168,7 @@
               <a:buChar char="○"/>
               <a:defRPr/>
             </a:lvl5pPr>
-            <a:lvl6pPr indent="-317500" lvl="5" marL="2743200">
+            <a:lvl6pPr marL="2743200" lvl="5" indent="-317500">
               <a:spcBef>
                 <a:spcPts val="1600"/>
               </a:spcBef>
@@ -3837,7 +4179,7 @@
               <a:buChar char="■"/>
               <a:defRPr/>
             </a:lvl6pPr>
-            <a:lvl7pPr indent="-317500" lvl="6" marL="3200400">
+            <a:lvl7pPr marL="3200400" lvl="6" indent="-317500">
               <a:spcBef>
                 <a:spcPts val="1600"/>
               </a:spcBef>
@@ -3848,7 +4190,7 @@
               <a:buChar char="●"/>
               <a:defRPr/>
             </a:lvl7pPr>
-            <a:lvl8pPr indent="-317500" lvl="7" marL="3657600">
+            <a:lvl8pPr marL="3657600" lvl="7" indent="-317500">
               <a:spcBef>
                 <a:spcPts val="1600"/>
               </a:spcBef>
@@ -3859,7 +4201,7 @@
               <a:buChar char="○"/>
               <a:defRPr/>
             </a:lvl8pPr>
-            <a:lvl9pPr indent="-317500" lvl="8" marL="4114800">
+            <a:lvl9pPr marL="4114800" lvl="8" indent="-317500">
               <a:spcBef>
                 <a:spcPts val="1600"/>
               </a:spcBef>
@@ -3871,15 +4213,19 @@
               <a:defRPr/>
             </a:lvl9pPr>
           </a:lstStyle>
-          <a:p/>
+          <a:p>
+            <a:endParaRPr/>
+          </a:p>
         </p:txBody>
       </p:sp>
       <p:sp>
         <p:nvSpPr>
           <p:cNvPr id="21" name="Google Shape;21;p4"/>
-          <p:cNvSpPr txBox="1"/>
+          <p:cNvSpPr txBox="1">
+            <a:spLocks noGrp="1"/>
+          </p:cNvSpPr>
           <p:nvPr>
-            <p:ph idx="12" type="sldNum"/>
+            <p:ph type="sldNum" idx="12"/>
           </p:nvPr>
         </p:nvSpPr>
         <p:spPr>
@@ -3892,7 +4238,7 @@
           </a:prstGeom>
         </p:spPr>
         <p:txBody>
-          <a:bodyPr anchorCtr="0" anchor="ctr" bIns="91425" lIns="91425" spcFirstLastPara="1" rIns="91425" wrap="square" tIns="91425">
+          <a:bodyPr spcFirstLastPara="1" wrap="square" lIns="91425" tIns="91425" rIns="91425" bIns="91425" anchor="ctr" anchorCtr="0">
             <a:noAutofit/>
           </a:bodyPr>
           <a:lstStyle>
@@ -3934,7 +4280,7 @@
             </a:lvl9pPr>
           </a:lstStyle>
           <a:p>
-            <a:pPr indent="0" lvl="0" marL="0" rtl="0" algn="r">
+            <a:pPr marL="0" lvl="0" indent="0" algn="r" rtl="0">
               <a:spcBef>
                 <a:spcPts val="0"/>
               </a:spcBef>
@@ -3960,11 +4306,11 @@
 </file>
 
 <file path=ppt/slideLayouts/slideLayout4.xml><?xml version="1.0" encoding="utf-8"?>
-<p:sldLayout xmlns:a="http://schemas.openxmlformats.org/drawingml/2006/main" xmlns:r="http://schemas.openxmlformats.org/officeDocument/2006/relationships" xmlns:mc="http://schemas.openxmlformats.org/markup-compatibility/2006" xmlns:mv="urn:schemas-microsoft-com:mac:vml" xmlns:p="http://schemas.openxmlformats.org/presentationml/2006/main" xmlns:c="http://schemas.openxmlformats.org/drawingml/2006/chart" xmlns:dgm="http://schemas.openxmlformats.org/drawingml/2006/diagram" xmlns:o="urn:schemas-microsoft-com:office:office" xmlns:v="urn:schemas-microsoft-com:vml" xmlns:pvml="urn:schemas-microsoft-com:office:powerpoint" xmlns:com="http://schemas.openxmlformats.org/drawingml/2006/compatibility" xmlns:p14="http://schemas.microsoft.com/office/powerpoint/2010/main" xmlns:p15="http://schemas.microsoft.com/office/powerpoint/2012/main" matchingName="Title and two columns" type="twoColTx">
+<p:sldLayout xmlns:a="http://schemas.openxmlformats.org/drawingml/2006/main" xmlns:r="http://schemas.openxmlformats.org/officeDocument/2006/relationships" xmlns:p="http://schemas.openxmlformats.org/presentationml/2006/main" matchingName="Title and two columns" type="twoColTx">
   <p:cSld name="TITLE_AND_TWO_COLUMNS">
     <p:spTree>
       <p:nvGrpSpPr>
-        <p:cNvPr id="22" name="Shape 22"/>
+        <p:cNvPr id="1" name="Shape 22"/>
         <p:cNvGrpSpPr/>
         <p:nvPr/>
       </p:nvGrpSpPr>
@@ -3979,7 +4325,9 @@
       <p:sp>
         <p:nvSpPr>
           <p:cNvPr id="23" name="Google Shape;23;p5"/>
-          <p:cNvSpPr txBox="1"/>
+          <p:cNvSpPr txBox="1">
+            <a:spLocks noGrp="1"/>
+          </p:cNvSpPr>
           <p:nvPr>
             <p:ph type="title"/>
           </p:nvPr>
@@ -3994,7 +4342,7 @@
           </a:prstGeom>
         </p:spPr>
         <p:txBody>
-          <a:bodyPr anchorCtr="0" anchor="t" bIns="91425" lIns="91425" spcFirstLastPara="1" rIns="91425" wrap="square" tIns="91425"/>
+          <a:bodyPr spcFirstLastPara="1" wrap="square" lIns="91425" tIns="91425" rIns="91425" bIns="91425" anchor="t" anchorCtr="0"/>
           <a:lstStyle>
             <a:lvl1pPr lvl="0">
               <a:spcBef>
@@ -4096,15 +4444,19 @@
               <a:defRPr/>
             </a:lvl9pPr>
           </a:lstStyle>
-          <a:p/>
+          <a:p>
+            <a:endParaRPr/>
+          </a:p>
         </p:txBody>
       </p:sp>
       <p:sp>
         <p:nvSpPr>
           <p:cNvPr id="24" name="Google Shape;24;p5"/>
-          <p:cNvSpPr txBox="1"/>
+          <p:cNvSpPr txBox="1">
+            <a:spLocks noGrp="1"/>
+          </p:cNvSpPr>
           <p:nvPr>
-            <p:ph idx="1" type="body"/>
+            <p:ph type="body" idx="1"/>
           </p:nvPr>
         </p:nvSpPr>
         <p:spPr>
@@ -4117,9 +4469,9 @@
           </a:prstGeom>
         </p:spPr>
         <p:txBody>
-          <a:bodyPr anchorCtr="0" anchor="t" bIns="91425" lIns="91425" spcFirstLastPara="1" rIns="91425" wrap="square" tIns="91425"/>
+          <a:bodyPr spcFirstLastPara="1" wrap="square" lIns="91425" tIns="91425" rIns="91425" bIns="91425" anchor="t" anchorCtr="0"/>
           <a:lstStyle>
-            <a:lvl1pPr indent="-317500" lvl="0" marL="457200">
+            <a:lvl1pPr marL="457200" lvl="0" indent="-317500">
               <a:spcBef>
                 <a:spcPts val="0"/>
               </a:spcBef>
@@ -4130,7 +4482,7 @@
               <a:buChar char="●"/>
               <a:defRPr sz="1400"/>
             </a:lvl1pPr>
-            <a:lvl2pPr indent="-304800" lvl="1" marL="914400">
+            <a:lvl2pPr marL="914400" lvl="1" indent="-304800">
               <a:spcBef>
                 <a:spcPts val="1600"/>
               </a:spcBef>
@@ -4141,7 +4493,7 @@
               <a:buChar char="○"/>
               <a:defRPr sz="1200"/>
             </a:lvl2pPr>
-            <a:lvl3pPr indent="-304800" lvl="2" marL="1371600">
+            <a:lvl3pPr marL="1371600" lvl="2" indent="-304800">
               <a:spcBef>
                 <a:spcPts val="1600"/>
               </a:spcBef>
@@ -4152,7 +4504,7 @@
               <a:buChar char="■"/>
               <a:defRPr sz="1200"/>
             </a:lvl3pPr>
-            <a:lvl4pPr indent="-304800" lvl="3" marL="1828800">
+            <a:lvl4pPr marL="1828800" lvl="3" indent="-304800">
               <a:spcBef>
                 <a:spcPts val="1600"/>
               </a:spcBef>
@@ -4163,7 +4515,7 @@
               <a:buChar char="●"/>
               <a:defRPr sz="1200"/>
             </a:lvl4pPr>
-            <a:lvl5pPr indent="-304800" lvl="4" marL="2286000">
+            <a:lvl5pPr marL="2286000" lvl="4" indent="-304800">
               <a:spcBef>
                 <a:spcPts val="1600"/>
               </a:spcBef>
@@ -4174,7 +4526,7 @@
               <a:buChar char="○"/>
               <a:defRPr sz="1200"/>
             </a:lvl5pPr>
-            <a:lvl6pPr indent="-304800" lvl="5" marL="2743200">
+            <a:lvl6pPr marL="2743200" lvl="5" indent="-304800">
               <a:spcBef>
                 <a:spcPts val="1600"/>
               </a:spcBef>
@@ -4185,7 +4537,7 @@
               <a:buChar char="■"/>
               <a:defRPr sz="1200"/>
             </a:lvl6pPr>
-            <a:lvl7pPr indent="-304800" lvl="6" marL="3200400">
+            <a:lvl7pPr marL="3200400" lvl="6" indent="-304800">
               <a:spcBef>
                 <a:spcPts val="1600"/>
               </a:spcBef>
@@ -4196,7 +4548,7 @@
               <a:buChar char="●"/>
               <a:defRPr sz="1200"/>
             </a:lvl7pPr>
-            <a:lvl8pPr indent="-304800" lvl="7" marL="3657600">
+            <a:lvl8pPr marL="3657600" lvl="7" indent="-304800">
               <a:spcBef>
                 <a:spcPts val="1600"/>
               </a:spcBef>
@@ -4207,7 +4559,7 @@
               <a:buChar char="○"/>
               <a:defRPr sz="1200"/>
             </a:lvl8pPr>
-            <a:lvl9pPr indent="-304800" lvl="8" marL="4114800">
+            <a:lvl9pPr marL="4114800" lvl="8" indent="-304800">
               <a:spcBef>
                 <a:spcPts val="1600"/>
               </a:spcBef>
@@ -4219,15 +4571,19 @@
               <a:defRPr sz="1200"/>
             </a:lvl9pPr>
           </a:lstStyle>
-          <a:p/>
+          <a:p>
+            <a:endParaRPr/>
+          </a:p>
         </p:txBody>
       </p:sp>
       <p:sp>
         <p:nvSpPr>
           <p:cNvPr id="25" name="Google Shape;25;p5"/>
-          <p:cNvSpPr txBox="1"/>
+          <p:cNvSpPr txBox="1">
+            <a:spLocks noGrp="1"/>
+          </p:cNvSpPr>
           <p:nvPr>
-            <p:ph idx="2" type="body"/>
+            <p:ph type="body" idx="2"/>
           </p:nvPr>
         </p:nvSpPr>
         <p:spPr>
@@ -4240,9 +4596,9 @@
           </a:prstGeom>
         </p:spPr>
         <p:txBody>
-          <a:bodyPr anchorCtr="0" anchor="t" bIns="91425" lIns="91425" spcFirstLastPara="1" rIns="91425" wrap="square" tIns="91425"/>
+          <a:bodyPr spcFirstLastPara="1" wrap="square" lIns="91425" tIns="91425" rIns="91425" bIns="91425" anchor="t" anchorCtr="0"/>
           <a:lstStyle>
-            <a:lvl1pPr indent="-317500" lvl="0" marL="457200">
+            <a:lvl1pPr marL="457200" lvl="0" indent="-317500">
               <a:spcBef>
                 <a:spcPts val="0"/>
               </a:spcBef>
@@ -4253,7 +4609,7 @@
               <a:buChar char="●"/>
               <a:defRPr sz="1400"/>
             </a:lvl1pPr>
-            <a:lvl2pPr indent="-304800" lvl="1" marL="914400">
+            <a:lvl2pPr marL="914400" lvl="1" indent="-304800">
               <a:spcBef>
                 <a:spcPts val="1600"/>
               </a:spcBef>
@@ -4264,7 +4620,7 @@
               <a:buChar char="○"/>
               <a:defRPr sz="1200"/>
             </a:lvl2pPr>
-            <a:lvl3pPr indent="-304800" lvl="2" marL="1371600">
+            <a:lvl3pPr marL="1371600" lvl="2" indent="-304800">
               <a:spcBef>
                 <a:spcPts val="1600"/>
               </a:spcBef>
@@ -4275,7 +4631,7 @@
               <a:buChar char="■"/>
               <a:defRPr sz="1200"/>
             </a:lvl3pPr>
-            <a:lvl4pPr indent="-304800" lvl="3" marL="1828800">
+            <a:lvl4pPr marL="1828800" lvl="3" indent="-304800">
               <a:spcBef>
                 <a:spcPts val="1600"/>
               </a:spcBef>
@@ -4286,7 +4642,7 @@
               <a:buChar char="●"/>
               <a:defRPr sz="1200"/>
             </a:lvl4pPr>
-            <a:lvl5pPr indent="-304800" lvl="4" marL="2286000">
+            <a:lvl5pPr marL="2286000" lvl="4" indent="-304800">
               <a:spcBef>
                 <a:spcPts val="1600"/>
               </a:spcBef>
@@ -4297,7 +4653,7 @@
               <a:buChar char="○"/>
               <a:defRPr sz="1200"/>
             </a:lvl5pPr>
-            <a:lvl6pPr indent="-304800" lvl="5" marL="2743200">
+            <a:lvl6pPr marL="2743200" lvl="5" indent="-304800">
               <a:spcBef>
                 <a:spcPts val="1600"/>
               </a:spcBef>
@@ -4308,7 +4664,7 @@
               <a:buChar char="■"/>
               <a:defRPr sz="1200"/>
             </a:lvl6pPr>
-            <a:lvl7pPr indent="-304800" lvl="6" marL="3200400">
+            <a:lvl7pPr marL="3200400" lvl="6" indent="-304800">
               <a:spcBef>
                 <a:spcPts val="1600"/>
               </a:spcBef>
@@ -4319,7 +4675,7 @@
               <a:buChar char="●"/>
               <a:defRPr sz="1200"/>
             </a:lvl7pPr>
-            <a:lvl8pPr indent="-304800" lvl="7" marL="3657600">
+            <a:lvl8pPr marL="3657600" lvl="7" indent="-304800">
               <a:spcBef>
                 <a:spcPts val="1600"/>
               </a:spcBef>
@@ -4330,7 +4686,7 @@
               <a:buChar char="○"/>
               <a:defRPr sz="1200"/>
             </a:lvl8pPr>
-            <a:lvl9pPr indent="-304800" lvl="8" marL="4114800">
+            <a:lvl9pPr marL="4114800" lvl="8" indent="-304800">
               <a:spcBef>
                 <a:spcPts val="1600"/>
               </a:spcBef>
@@ -4342,15 +4698,19 @@
               <a:defRPr sz="1200"/>
             </a:lvl9pPr>
           </a:lstStyle>
-          <a:p/>
+          <a:p>
+            <a:endParaRPr/>
+          </a:p>
         </p:txBody>
       </p:sp>
       <p:sp>
         <p:nvSpPr>
           <p:cNvPr id="26" name="Google Shape;26;p5"/>
-          <p:cNvSpPr txBox="1"/>
+          <p:cNvSpPr txBox="1">
+            <a:spLocks noGrp="1"/>
+          </p:cNvSpPr>
           <p:nvPr>
-            <p:ph idx="12" type="sldNum"/>
+            <p:ph type="sldNum" idx="12"/>
           </p:nvPr>
         </p:nvSpPr>
         <p:spPr>
@@ -4363,7 +4723,7 @@
           </a:prstGeom>
         </p:spPr>
         <p:txBody>
-          <a:bodyPr anchorCtr="0" anchor="ctr" bIns="91425" lIns="91425" spcFirstLastPara="1" rIns="91425" wrap="square" tIns="91425">
+          <a:bodyPr spcFirstLastPara="1" wrap="square" lIns="91425" tIns="91425" rIns="91425" bIns="91425" anchor="ctr" anchorCtr="0">
             <a:noAutofit/>
           </a:bodyPr>
           <a:lstStyle>
@@ -4405,7 +4765,7 @@
             </a:lvl9pPr>
           </a:lstStyle>
           <a:p>
-            <a:pPr indent="0" lvl="0" marL="0" rtl="0" algn="r">
+            <a:pPr marL="0" lvl="0" indent="0" algn="r" rtl="0">
               <a:spcBef>
                 <a:spcPts val="0"/>
               </a:spcBef>
@@ -4431,11 +4791,11 @@
 </file>
 
 <file path=ppt/slideLayouts/slideLayout5.xml><?xml version="1.0" encoding="utf-8"?>
-<p:sldLayout xmlns:a="http://schemas.openxmlformats.org/drawingml/2006/main" xmlns:r="http://schemas.openxmlformats.org/officeDocument/2006/relationships" xmlns:mc="http://schemas.openxmlformats.org/markup-compatibility/2006" xmlns:mv="urn:schemas-microsoft-com:mac:vml" xmlns:p="http://schemas.openxmlformats.org/presentationml/2006/main" xmlns:c="http://schemas.openxmlformats.org/drawingml/2006/chart" xmlns:dgm="http://schemas.openxmlformats.org/drawingml/2006/diagram" xmlns:o="urn:schemas-microsoft-com:office:office" xmlns:v="urn:schemas-microsoft-com:vml" xmlns:pvml="urn:schemas-microsoft-com:office:powerpoint" xmlns:com="http://schemas.openxmlformats.org/drawingml/2006/compatibility" xmlns:p14="http://schemas.microsoft.com/office/powerpoint/2010/main" xmlns:p15="http://schemas.microsoft.com/office/powerpoint/2012/main" matchingName="Title only" type="titleOnly">
+<p:sldLayout xmlns:a="http://schemas.openxmlformats.org/drawingml/2006/main" xmlns:r="http://schemas.openxmlformats.org/officeDocument/2006/relationships" xmlns:p="http://schemas.openxmlformats.org/presentationml/2006/main" matchingName="Title only" type="titleOnly">
   <p:cSld name="TITLE_ONLY">
     <p:spTree>
       <p:nvGrpSpPr>
-        <p:cNvPr id="27" name="Shape 27"/>
+        <p:cNvPr id="1" name="Shape 27"/>
         <p:cNvGrpSpPr/>
         <p:nvPr/>
       </p:nvGrpSpPr>
@@ -4450,7 +4810,9 @@
       <p:sp>
         <p:nvSpPr>
           <p:cNvPr id="28" name="Google Shape;28;p6"/>
-          <p:cNvSpPr txBox="1"/>
+          <p:cNvSpPr txBox="1">
+            <a:spLocks noGrp="1"/>
+          </p:cNvSpPr>
           <p:nvPr>
             <p:ph type="title"/>
           </p:nvPr>
@@ -4465,7 +4827,7 @@
           </a:prstGeom>
         </p:spPr>
         <p:txBody>
-          <a:bodyPr anchorCtr="0" anchor="t" bIns="91425" lIns="91425" spcFirstLastPara="1" rIns="91425" wrap="square" tIns="91425"/>
+          <a:bodyPr spcFirstLastPara="1" wrap="square" lIns="91425" tIns="91425" rIns="91425" bIns="91425" anchor="t" anchorCtr="0"/>
           <a:lstStyle>
             <a:lvl1pPr lvl="0">
               <a:spcBef>
@@ -4567,15 +4929,19 @@
               <a:defRPr/>
             </a:lvl9pPr>
           </a:lstStyle>
-          <a:p/>
+          <a:p>
+            <a:endParaRPr/>
+          </a:p>
         </p:txBody>
       </p:sp>
       <p:sp>
         <p:nvSpPr>
           <p:cNvPr id="29" name="Google Shape;29;p6"/>
-          <p:cNvSpPr txBox="1"/>
+          <p:cNvSpPr txBox="1">
+            <a:spLocks noGrp="1"/>
+          </p:cNvSpPr>
           <p:nvPr>
-            <p:ph idx="12" type="sldNum"/>
+            <p:ph type="sldNum" idx="12"/>
           </p:nvPr>
         </p:nvSpPr>
         <p:spPr>
@@ -4588,7 +4954,7 @@
           </a:prstGeom>
         </p:spPr>
         <p:txBody>
-          <a:bodyPr anchorCtr="0" anchor="ctr" bIns="91425" lIns="91425" spcFirstLastPara="1" rIns="91425" wrap="square" tIns="91425">
+          <a:bodyPr spcFirstLastPara="1" wrap="square" lIns="91425" tIns="91425" rIns="91425" bIns="91425" anchor="ctr" anchorCtr="0">
             <a:noAutofit/>
           </a:bodyPr>
           <a:lstStyle>
@@ -4630,7 +4996,7 @@
             </a:lvl9pPr>
           </a:lstStyle>
           <a:p>
-            <a:pPr indent="0" lvl="0" marL="0" rtl="0" algn="r">
+            <a:pPr marL="0" lvl="0" indent="0" algn="r" rtl="0">
               <a:spcBef>
                 <a:spcPts val="0"/>
               </a:spcBef>
@@ -4656,11 +5022,11 @@
 </file>
 
 <file path=ppt/slideLayouts/slideLayout6.xml><?xml version="1.0" encoding="utf-8"?>
-<p:sldLayout xmlns:a="http://schemas.openxmlformats.org/drawingml/2006/main" xmlns:r="http://schemas.openxmlformats.org/officeDocument/2006/relationships" xmlns:mc="http://schemas.openxmlformats.org/markup-compatibility/2006" xmlns:mv="urn:schemas-microsoft-com:mac:vml" xmlns:p="http://schemas.openxmlformats.org/presentationml/2006/main" xmlns:c="http://schemas.openxmlformats.org/drawingml/2006/chart" xmlns:dgm="http://schemas.openxmlformats.org/drawingml/2006/diagram" xmlns:o="urn:schemas-microsoft-com:office:office" xmlns:v="urn:schemas-microsoft-com:vml" xmlns:pvml="urn:schemas-microsoft-com:office:powerpoint" xmlns:com="http://schemas.openxmlformats.org/drawingml/2006/compatibility" xmlns:p14="http://schemas.microsoft.com/office/powerpoint/2010/main" xmlns:p15="http://schemas.microsoft.com/office/powerpoint/2012/main" matchingName="One column text">
+<p:sldLayout xmlns:a="http://schemas.openxmlformats.org/drawingml/2006/main" xmlns:r="http://schemas.openxmlformats.org/officeDocument/2006/relationships" xmlns:p="http://schemas.openxmlformats.org/presentationml/2006/main" matchingName="One column text">
   <p:cSld name="ONE_COLUMN_TEXT">
     <p:spTree>
       <p:nvGrpSpPr>
-        <p:cNvPr id="30" name="Shape 30"/>
+        <p:cNvPr id="1" name="Shape 30"/>
         <p:cNvGrpSpPr/>
         <p:nvPr/>
       </p:nvGrpSpPr>
@@ -4675,9 +5041,11 @@
       <p:sp>
         <p:nvSpPr>
           <p:cNvPr id="31" name="Google Shape;31;p7"/>
-          <p:cNvSpPr txBox="1"/>
+          <p:cNvSpPr txBox="1">
+            <a:spLocks noGrp="1"/>
+          </p:cNvSpPr>
           <p:nvPr>
-            <p:ph idx="1" type="body"/>
+            <p:ph type="body" idx="1"/>
           </p:nvPr>
         </p:nvSpPr>
         <p:spPr>
@@ -4690,9 +5058,9 @@
           </a:prstGeom>
         </p:spPr>
         <p:txBody>
-          <a:bodyPr anchorCtr="0" anchor="t" bIns="91425" lIns="91425" spcFirstLastPara="1" rIns="91425" wrap="square" tIns="91425"/>
+          <a:bodyPr spcFirstLastPara="1" wrap="square" lIns="91425" tIns="91425" rIns="91425" bIns="91425" anchor="t" anchorCtr="0"/>
           <a:lstStyle>
-            <a:lvl1pPr indent="-317500" lvl="0" marL="457200">
+            <a:lvl1pPr marL="457200" lvl="0" indent="-317500">
               <a:spcBef>
                 <a:spcPts val="1000"/>
               </a:spcBef>
@@ -4703,7 +5071,7 @@
               <a:buChar char="●"/>
               <a:defRPr sz="1400"/>
             </a:lvl1pPr>
-            <a:lvl2pPr indent="-317500" lvl="1" marL="914400">
+            <a:lvl2pPr marL="914400" lvl="1" indent="-317500">
               <a:spcBef>
                 <a:spcPts val="1600"/>
               </a:spcBef>
@@ -4714,7 +5082,7 @@
               <a:buChar char="○"/>
               <a:defRPr/>
             </a:lvl2pPr>
-            <a:lvl3pPr indent="-317500" lvl="2" marL="1371600">
+            <a:lvl3pPr marL="1371600" lvl="2" indent="-317500">
               <a:spcBef>
                 <a:spcPts val="1600"/>
               </a:spcBef>
@@ -4725,7 +5093,7 @@
               <a:buChar char="■"/>
               <a:defRPr/>
             </a:lvl3pPr>
-            <a:lvl4pPr indent="-317500" lvl="3" marL="1828800">
+            <a:lvl4pPr marL="1828800" lvl="3" indent="-317500">
               <a:spcBef>
                 <a:spcPts val="1600"/>
               </a:spcBef>
@@ -4736,7 +5104,7 @@
               <a:buChar char="●"/>
               <a:defRPr/>
             </a:lvl4pPr>
-            <a:lvl5pPr indent="-317500" lvl="4" marL="2286000">
+            <a:lvl5pPr marL="2286000" lvl="4" indent="-317500">
               <a:spcBef>
                 <a:spcPts val="1600"/>
               </a:spcBef>
@@ -4747,7 +5115,7 @@
               <a:buChar char="○"/>
               <a:defRPr/>
             </a:lvl5pPr>
-            <a:lvl6pPr indent="-317500" lvl="5" marL="2743200">
+            <a:lvl6pPr marL="2743200" lvl="5" indent="-317500">
               <a:spcBef>
                 <a:spcPts val="1600"/>
               </a:spcBef>
@@ -4758,7 +5126,7 @@
               <a:buChar char="■"/>
               <a:defRPr/>
             </a:lvl6pPr>
-            <a:lvl7pPr indent="-317500" lvl="6" marL="3200400">
+            <a:lvl7pPr marL="3200400" lvl="6" indent="-317500">
               <a:spcBef>
                 <a:spcPts val="1600"/>
               </a:spcBef>
@@ -4769,7 +5137,7 @@
               <a:buChar char="●"/>
               <a:defRPr/>
             </a:lvl7pPr>
-            <a:lvl8pPr indent="-317500" lvl="7" marL="3657600">
+            <a:lvl8pPr marL="3657600" lvl="7" indent="-317500">
               <a:spcBef>
                 <a:spcPts val="1600"/>
               </a:spcBef>
@@ -4780,7 +5148,7 @@
               <a:buChar char="○"/>
               <a:defRPr/>
             </a:lvl8pPr>
-            <a:lvl9pPr indent="-317500" lvl="8" marL="4114800">
+            <a:lvl9pPr marL="4114800" lvl="8" indent="-317500">
               <a:spcBef>
                 <a:spcPts val="1600"/>
               </a:spcBef>
@@ -4792,15 +5160,19 @@
               <a:defRPr/>
             </a:lvl9pPr>
           </a:lstStyle>
-          <a:p/>
+          <a:p>
+            <a:endParaRPr/>
+          </a:p>
         </p:txBody>
       </p:sp>
       <p:sp>
         <p:nvSpPr>
           <p:cNvPr id="32" name="Google Shape;32;p7"/>
-          <p:cNvSpPr txBox="1"/>
+          <p:cNvSpPr txBox="1">
+            <a:spLocks noGrp="1"/>
+          </p:cNvSpPr>
           <p:nvPr>
-            <p:ph idx="12" type="sldNum"/>
+            <p:ph type="sldNum" idx="12"/>
           </p:nvPr>
         </p:nvSpPr>
         <p:spPr>
@@ -4813,7 +5185,7 @@
           </a:prstGeom>
         </p:spPr>
         <p:txBody>
-          <a:bodyPr anchorCtr="0" anchor="ctr" bIns="91425" lIns="91425" spcFirstLastPara="1" rIns="91425" wrap="square" tIns="91425">
+          <a:bodyPr spcFirstLastPara="1" wrap="square" lIns="91425" tIns="91425" rIns="91425" bIns="91425" anchor="ctr" anchorCtr="0">
             <a:noAutofit/>
           </a:bodyPr>
           <a:lstStyle>
@@ -4855,7 +5227,7 @@
             </a:lvl9pPr>
           </a:lstStyle>
           <a:p>
-            <a:pPr indent="0" lvl="0" marL="0" rtl="0" algn="r">
+            <a:pPr marL="0" lvl="0" indent="0" algn="r" rtl="0">
               <a:spcBef>
                 <a:spcPts val="0"/>
               </a:spcBef>
@@ -4875,7 +5247,9 @@
       <p:sp>
         <p:nvSpPr>
           <p:cNvPr id="33" name="Google Shape;33;p7"/>
-          <p:cNvSpPr txBox="1"/>
+          <p:cNvSpPr txBox="1">
+            <a:spLocks noGrp="1"/>
+          </p:cNvSpPr>
           <p:nvPr>
             <p:ph type="title"/>
           </p:nvPr>
@@ -4890,7 +5264,7 @@
           </a:prstGeom>
         </p:spPr>
         <p:txBody>
-          <a:bodyPr anchorCtr="0" anchor="t" bIns="91425" lIns="91425" spcFirstLastPara="1" rIns="91425" wrap="square" tIns="91425"/>
+          <a:bodyPr spcFirstLastPara="1" wrap="square" lIns="91425" tIns="91425" rIns="91425" bIns="91425" anchor="t" anchorCtr="0"/>
           <a:lstStyle>
             <a:lvl1pPr lvl="0" rtl="0">
               <a:spcBef>
@@ -4992,7 +5366,9 @@
               <a:defRPr/>
             </a:lvl9pPr>
           </a:lstStyle>
-          <a:p/>
+          <a:p>
+            <a:endParaRPr/>
+          </a:p>
         </p:txBody>
       </p:sp>
     </p:spTree>
@@ -5004,11 +5380,11 @@
 </file>
 
 <file path=ppt/slideLayouts/slideLayout7.xml><?xml version="1.0" encoding="utf-8"?>
-<p:sldLayout xmlns:a="http://schemas.openxmlformats.org/drawingml/2006/main" xmlns:r="http://schemas.openxmlformats.org/officeDocument/2006/relationships" xmlns:mc="http://schemas.openxmlformats.org/markup-compatibility/2006" xmlns:mv="urn:schemas-microsoft-com:mac:vml" xmlns:p="http://schemas.openxmlformats.org/presentationml/2006/main" xmlns:c="http://schemas.openxmlformats.org/drawingml/2006/chart" xmlns:dgm="http://schemas.openxmlformats.org/drawingml/2006/diagram" xmlns:o="urn:schemas-microsoft-com:office:office" xmlns:v="urn:schemas-microsoft-com:vml" xmlns:pvml="urn:schemas-microsoft-com:office:powerpoint" xmlns:com="http://schemas.openxmlformats.org/drawingml/2006/compatibility" xmlns:p14="http://schemas.microsoft.com/office/powerpoint/2010/main" xmlns:p15="http://schemas.microsoft.com/office/powerpoint/2012/main" matchingName="Main point">
+<p:sldLayout xmlns:a="http://schemas.openxmlformats.org/drawingml/2006/main" xmlns:r="http://schemas.openxmlformats.org/officeDocument/2006/relationships" xmlns:p="http://schemas.openxmlformats.org/presentationml/2006/main" matchingName="Main point">
   <p:cSld name="MAIN_POINT">
     <p:spTree>
       <p:nvGrpSpPr>
-        <p:cNvPr id="34" name="Shape 34"/>
+        <p:cNvPr id="1" name="Shape 34"/>
         <p:cNvGrpSpPr/>
         <p:nvPr/>
       </p:nvGrpSpPr>
@@ -5023,7 +5399,9 @@
       <p:sp>
         <p:nvSpPr>
           <p:cNvPr id="35" name="Google Shape;35;p8"/>
-          <p:cNvSpPr txBox="1"/>
+          <p:cNvSpPr txBox="1">
+            <a:spLocks noGrp="1"/>
+          </p:cNvSpPr>
           <p:nvPr>
             <p:ph type="title"/>
           </p:nvPr>
@@ -5038,7 +5416,7 @@
           </a:prstGeom>
         </p:spPr>
         <p:txBody>
-          <a:bodyPr anchorCtr="0" anchor="ctr" bIns="91425" lIns="91425" spcFirstLastPara="1" rIns="91425" wrap="square" tIns="91425"/>
+          <a:bodyPr spcFirstLastPara="1" wrap="square" lIns="91425" tIns="91425" rIns="91425" bIns="91425" anchor="ctr" anchorCtr="0"/>
           <a:lstStyle>
             <a:lvl1pPr lvl="0">
               <a:spcBef>
@@ -5140,15 +5518,19 @@
               <a:defRPr sz="4800"/>
             </a:lvl9pPr>
           </a:lstStyle>
-          <a:p/>
+          <a:p>
+            <a:endParaRPr/>
+          </a:p>
         </p:txBody>
       </p:sp>
       <p:sp>
         <p:nvSpPr>
           <p:cNvPr id="36" name="Google Shape;36;p8"/>
-          <p:cNvSpPr txBox="1"/>
+          <p:cNvSpPr txBox="1">
+            <a:spLocks noGrp="1"/>
+          </p:cNvSpPr>
           <p:nvPr>
-            <p:ph idx="12" type="sldNum"/>
+            <p:ph type="sldNum" idx="12"/>
           </p:nvPr>
         </p:nvSpPr>
         <p:spPr>
@@ -5161,7 +5543,7 @@
           </a:prstGeom>
         </p:spPr>
         <p:txBody>
-          <a:bodyPr anchorCtr="0" anchor="ctr" bIns="91425" lIns="91425" spcFirstLastPara="1" rIns="91425" wrap="square" tIns="91425">
+          <a:bodyPr spcFirstLastPara="1" wrap="square" lIns="91425" tIns="91425" rIns="91425" bIns="91425" anchor="ctr" anchorCtr="0">
             <a:noAutofit/>
           </a:bodyPr>
           <a:lstStyle>
@@ -5203,7 +5585,7 @@
             </a:lvl9pPr>
           </a:lstStyle>
           <a:p>
-            <a:pPr indent="0" lvl="0" marL="0" rtl="0" algn="r">
+            <a:pPr marL="0" lvl="0" indent="0" algn="r" rtl="0">
               <a:spcBef>
                 <a:spcPts val="0"/>
               </a:spcBef>
@@ -5229,11 +5611,11 @@
 </file>
 
 <file path=ppt/slideLayouts/slideLayout8.xml><?xml version="1.0" encoding="utf-8"?>
-<p:sldLayout xmlns:a="http://schemas.openxmlformats.org/drawingml/2006/main" xmlns:r="http://schemas.openxmlformats.org/officeDocument/2006/relationships" xmlns:mc="http://schemas.openxmlformats.org/markup-compatibility/2006" xmlns:mv="urn:schemas-microsoft-com:mac:vml" xmlns:p="http://schemas.openxmlformats.org/presentationml/2006/main" xmlns:c="http://schemas.openxmlformats.org/drawingml/2006/chart" xmlns:dgm="http://schemas.openxmlformats.org/drawingml/2006/diagram" xmlns:o="urn:schemas-microsoft-com:office:office" xmlns:v="urn:schemas-microsoft-com:vml" xmlns:pvml="urn:schemas-microsoft-com:office:powerpoint" xmlns:com="http://schemas.openxmlformats.org/drawingml/2006/compatibility" xmlns:p14="http://schemas.microsoft.com/office/powerpoint/2010/main" xmlns:p15="http://schemas.microsoft.com/office/powerpoint/2012/main" matchingName="Section title and description">
+<p:sldLayout xmlns:a="http://schemas.openxmlformats.org/drawingml/2006/main" xmlns:r="http://schemas.openxmlformats.org/officeDocument/2006/relationships" xmlns:p="http://schemas.openxmlformats.org/presentationml/2006/main" matchingName="Section title and description">
   <p:cSld name="SECTION_TITLE_AND_DESCRIPTION">
     <p:spTree>
       <p:nvGrpSpPr>
-        <p:cNvPr id="37" name="Shape 37"/>
+        <p:cNvPr id="1" name="Shape 37"/>
         <p:cNvGrpSpPr/>
         <p:nvPr/>
       </p:nvGrpSpPr>
@@ -5267,23 +5649,20 @@
           </a:ln>
         </p:spPr>
         <p:txBody>
-          <a:bodyPr anchorCtr="0" anchor="ctr" bIns="91425" lIns="91425" spcFirstLastPara="1" rIns="91425" wrap="square" tIns="91425">
+          <a:bodyPr spcFirstLastPara="1" wrap="square" lIns="91425" tIns="91425" rIns="91425" bIns="91425" anchor="ctr" anchorCtr="0">
             <a:noAutofit/>
           </a:bodyPr>
           <a:lstStyle/>
           <a:p>
-            <a:pPr indent="0" lvl="0" marL="0" rtl="0" algn="l">
-              <a:spcBef>
-                <a:spcPts val="0"/>
-              </a:spcBef>
-              <a:spcAft>
-                <a:spcPts val="0"/>
-              </a:spcAft>
-              <a:buNone/>
-            </a:pPr>
-            <a:r>
-              <a:t/>
-            </a:r>
+            <a:pPr marL="0" lvl="0" indent="0" algn="l" rtl="0">
+              <a:spcBef>
+                <a:spcPts val="0"/>
+              </a:spcBef>
+              <a:spcAft>
+                <a:spcPts val="0"/>
+              </a:spcAft>
+              <a:buNone/>
+            </a:pPr>
             <a:endParaRPr/>
           </a:p>
         </p:txBody>
@@ -5291,7 +5670,9 @@
       <p:sp>
         <p:nvSpPr>
           <p:cNvPr id="39" name="Google Shape;39;p9"/>
-          <p:cNvSpPr txBox="1"/>
+          <p:cNvSpPr txBox="1">
+            <a:spLocks noGrp="1"/>
+          </p:cNvSpPr>
           <p:nvPr>
             <p:ph type="title"/>
           </p:nvPr>
@@ -5306,7 +5687,7 @@
           </a:prstGeom>
         </p:spPr>
         <p:txBody>
-          <a:bodyPr anchorCtr="0" anchor="b" bIns="91425" lIns="91425" spcFirstLastPara="1" rIns="91425" wrap="square" tIns="91425"/>
+          <a:bodyPr spcFirstLastPara="1" wrap="square" lIns="91425" tIns="91425" rIns="91425" bIns="91425" anchor="b" anchorCtr="0"/>
           <a:lstStyle>
             <a:lvl1pPr lvl="0" algn="ctr">
               <a:spcBef>
@@ -5408,15 +5789,19 @@
               <a:defRPr sz="4200"/>
             </a:lvl9pPr>
           </a:lstStyle>
-          <a:p/>
+          <a:p>
+            <a:endParaRPr/>
+          </a:p>
         </p:txBody>
       </p:sp>
       <p:sp>
         <p:nvSpPr>
           <p:cNvPr id="40" name="Google Shape;40;p9"/>
-          <p:cNvSpPr txBox="1"/>
+          <p:cNvSpPr txBox="1">
+            <a:spLocks noGrp="1"/>
+          </p:cNvSpPr>
           <p:nvPr>
-            <p:ph idx="1" type="subTitle"/>
+            <p:ph type="subTitle" idx="1"/>
           </p:nvPr>
         </p:nvSpPr>
         <p:spPr>
@@ -5429,7 +5814,7 @@
           </a:prstGeom>
         </p:spPr>
         <p:txBody>
-          <a:bodyPr anchorCtr="0" anchor="t" bIns="91425" lIns="91425" spcFirstLastPara="1" rIns="91425" wrap="square" tIns="91425"/>
+          <a:bodyPr spcFirstLastPara="1" wrap="square" lIns="91425" tIns="91425" rIns="91425" bIns="91425" anchor="t" anchorCtr="0"/>
           <a:lstStyle>
             <a:lvl1pPr lvl="0" algn="ctr">
               <a:lnSpc>
@@ -5558,15 +5943,19 @@
               <a:defRPr sz="2100"/>
             </a:lvl9pPr>
           </a:lstStyle>
-          <a:p/>
+          <a:p>
+            <a:endParaRPr/>
+          </a:p>
         </p:txBody>
       </p:sp>
       <p:sp>
         <p:nvSpPr>
           <p:cNvPr id="41" name="Google Shape;41;p9"/>
-          <p:cNvSpPr txBox="1"/>
+          <p:cNvSpPr txBox="1">
+            <a:spLocks noGrp="1"/>
+          </p:cNvSpPr>
           <p:nvPr>
-            <p:ph idx="2" type="body"/>
+            <p:ph type="body" idx="2"/>
           </p:nvPr>
         </p:nvSpPr>
         <p:spPr>
@@ -5579,9 +5968,9 @@
           </a:prstGeom>
         </p:spPr>
         <p:txBody>
-          <a:bodyPr anchorCtr="0" anchor="ctr" bIns="91425" lIns="91425" spcFirstLastPara="1" rIns="91425" wrap="square" tIns="91425"/>
+          <a:bodyPr spcFirstLastPara="1" wrap="square" lIns="91425" tIns="91425" rIns="91425" bIns="91425" anchor="ctr" anchorCtr="0"/>
           <a:lstStyle>
-            <a:lvl1pPr indent="-342900" lvl="0" marL="457200">
+            <a:lvl1pPr marL="457200" lvl="0" indent="-342900">
               <a:spcBef>
                 <a:spcPts val="0"/>
               </a:spcBef>
@@ -5599,7 +5988,7 @@
                 </a:solidFill>
               </a:defRPr>
             </a:lvl1pPr>
-            <a:lvl2pPr indent="-317500" lvl="1" marL="914400">
+            <a:lvl2pPr marL="914400" lvl="1" indent="-317500">
               <a:spcBef>
                 <a:spcPts val="1600"/>
               </a:spcBef>
@@ -5617,7 +6006,7 @@
                 </a:solidFill>
               </a:defRPr>
             </a:lvl2pPr>
-            <a:lvl3pPr indent="-317500" lvl="2" marL="1371600">
+            <a:lvl3pPr marL="1371600" lvl="2" indent="-317500">
               <a:spcBef>
                 <a:spcPts val="1600"/>
               </a:spcBef>
@@ -5635,7 +6024,7 @@
                 </a:solidFill>
               </a:defRPr>
             </a:lvl3pPr>
-            <a:lvl4pPr indent="-317500" lvl="3" marL="1828800">
+            <a:lvl4pPr marL="1828800" lvl="3" indent="-317500">
               <a:spcBef>
                 <a:spcPts val="1600"/>
               </a:spcBef>
@@ -5653,7 +6042,7 @@
                 </a:solidFill>
               </a:defRPr>
             </a:lvl4pPr>
-            <a:lvl5pPr indent="-317500" lvl="4" marL="2286000">
+            <a:lvl5pPr marL="2286000" lvl="4" indent="-317500">
               <a:spcBef>
                 <a:spcPts val="1600"/>
               </a:spcBef>
@@ -5671,7 +6060,7 @@
                 </a:solidFill>
               </a:defRPr>
             </a:lvl5pPr>
-            <a:lvl6pPr indent="-317500" lvl="5" marL="2743200">
+            <a:lvl6pPr marL="2743200" lvl="5" indent="-317500">
               <a:spcBef>
                 <a:spcPts val="1600"/>
               </a:spcBef>
@@ -5689,7 +6078,7 @@
                 </a:solidFill>
               </a:defRPr>
             </a:lvl6pPr>
-            <a:lvl7pPr indent="-317500" lvl="6" marL="3200400">
+            <a:lvl7pPr marL="3200400" lvl="6" indent="-317500">
               <a:spcBef>
                 <a:spcPts val="1600"/>
               </a:spcBef>
@@ -5707,7 +6096,7 @@
                 </a:solidFill>
               </a:defRPr>
             </a:lvl7pPr>
-            <a:lvl8pPr indent="-317500" lvl="7" marL="3657600">
+            <a:lvl8pPr marL="3657600" lvl="7" indent="-317500">
               <a:spcBef>
                 <a:spcPts val="1600"/>
               </a:spcBef>
@@ -5725,7 +6114,7 @@
                 </a:solidFill>
               </a:defRPr>
             </a:lvl8pPr>
-            <a:lvl9pPr indent="-317500" lvl="8" marL="4114800">
+            <a:lvl9pPr marL="4114800" lvl="8" indent="-317500">
               <a:spcBef>
                 <a:spcPts val="1600"/>
               </a:spcBef>
@@ -5744,15 +6133,19 @@
               </a:defRPr>
             </a:lvl9pPr>
           </a:lstStyle>
-          <a:p/>
+          <a:p>
+            <a:endParaRPr/>
+          </a:p>
         </p:txBody>
       </p:sp>
       <p:sp>
         <p:nvSpPr>
           <p:cNvPr id="42" name="Google Shape;42;p9"/>
-          <p:cNvSpPr txBox="1"/>
+          <p:cNvSpPr txBox="1">
+            <a:spLocks noGrp="1"/>
+          </p:cNvSpPr>
           <p:nvPr>
-            <p:ph idx="12" type="sldNum"/>
+            <p:ph type="sldNum" idx="12"/>
           </p:nvPr>
         </p:nvSpPr>
         <p:spPr>
@@ -5765,7 +6158,7 @@
           </a:prstGeom>
         </p:spPr>
         <p:txBody>
-          <a:bodyPr anchorCtr="0" anchor="ctr" bIns="91425" lIns="91425" spcFirstLastPara="1" rIns="91425" wrap="square" tIns="91425">
+          <a:bodyPr spcFirstLastPara="1" wrap="square" lIns="91425" tIns="91425" rIns="91425" bIns="91425" anchor="ctr" anchorCtr="0">
             <a:noAutofit/>
           </a:bodyPr>
           <a:lstStyle>
@@ -5807,7 +6200,7 @@
             </a:lvl9pPr>
           </a:lstStyle>
           <a:p>
-            <a:pPr indent="0" lvl="0" marL="0" rtl="0" algn="r">
+            <a:pPr marL="0" lvl="0" indent="0" algn="r" rtl="0">
               <a:spcBef>
                 <a:spcPts val="0"/>
               </a:spcBef>
@@ -5833,11 +6226,11 @@
 </file>
 
 <file path=ppt/slideLayouts/slideLayout9.xml><?xml version="1.0" encoding="utf-8"?>
-<p:sldLayout xmlns:a="http://schemas.openxmlformats.org/drawingml/2006/main" xmlns:r="http://schemas.openxmlformats.org/officeDocument/2006/relationships" xmlns:mc="http://schemas.openxmlformats.org/markup-compatibility/2006" xmlns:mv="urn:schemas-microsoft-com:mac:vml" xmlns:p="http://schemas.openxmlformats.org/presentationml/2006/main" xmlns:c="http://schemas.openxmlformats.org/drawingml/2006/chart" xmlns:dgm="http://schemas.openxmlformats.org/drawingml/2006/diagram" xmlns:o="urn:schemas-microsoft-com:office:office" xmlns:v="urn:schemas-microsoft-com:vml" xmlns:pvml="urn:schemas-microsoft-com:office:powerpoint" xmlns:com="http://schemas.openxmlformats.org/drawingml/2006/compatibility" xmlns:p14="http://schemas.microsoft.com/office/powerpoint/2010/main" xmlns:p15="http://schemas.microsoft.com/office/powerpoint/2012/main" matchingName="Caption">
+<p:sldLayout xmlns:a="http://schemas.openxmlformats.org/drawingml/2006/main" xmlns:r="http://schemas.openxmlformats.org/officeDocument/2006/relationships" xmlns:p="http://schemas.openxmlformats.org/presentationml/2006/main" matchingName="Caption">
   <p:cSld name="CAPTION_ONLY">
     <p:spTree>
       <p:nvGrpSpPr>
-        <p:cNvPr id="43" name="Shape 43"/>
+        <p:cNvPr id="1" name="Shape 43"/>
         <p:cNvGrpSpPr/>
         <p:nvPr/>
       </p:nvGrpSpPr>
@@ -5852,9 +6245,11 @@
       <p:sp>
         <p:nvSpPr>
           <p:cNvPr id="44" name="Google Shape;44;p10"/>
-          <p:cNvSpPr txBox="1"/>
+          <p:cNvSpPr txBox="1">
+            <a:spLocks noGrp="1"/>
+          </p:cNvSpPr>
           <p:nvPr>
-            <p:ph idx="1" type="body"/>
+            <p:ph type="body" idx="1"/>
           </p:nvPr>
         </p:nvSpPr>
         <p:spPr>
@@ -5867,9 +6262,9 @@
           </a:prstGeom>
         </p:spPr>
         <p:txBody>
-          <a:bodyPr anchorCtr="0" anchor="t" bIns="91425" lIns="91425" spcFirstLastPara="1" rIns="91425" wrap="square" tIns="91425"/>
+          <a:bodyPr spcFirstLastPara="1" wrap="square" lIns="91425" tIns="91425" rIns="91425" bIns="91425" anchor="t" anchorCtr="0"/>
           <a:lstStyle>
-            <a:lvl1pPr indent="-228600" lvl="0" marL="457200">
+            <a:lvl1pPr marL="457200" lvl="0" indent="-228600">
               <a:lnSpc>
                 <a:spcPct val="100000"/>
               </a:lnSpc>
@@ -5884,15 +6279,19 @@
               <a:defRPr sz="1600"/>
             </a:lvl1pPr>
           </a:lstStyle>
-          <a:p/>
+          <a:p>
+            <a:endParaRPr/>
+          </a:p>
         </p:txBody>
       </p:sp>
       <p:sp>
         <p:nvSpPr>
           <p:cNvPr id="45" name="Google Shape;45;p10"/>
-          <p:cNvSpPr txBox="1"/>
+          <p:cNvSpPr txBox="1">
+            <a:spLocks noGrp="1"/>
+          </p:cNvSpPr>
           <p:nvPr>
-            <p:ph idx="12" type="sldNum"/>
+            <p:ph type="sldNum" idx="12"/>
           </p:nvPr>
         </p:nvSpPr>
         <p:spPr>
@@ -5905,7 +6304,7 @@
           </a:prstGeom>
         </p:spPr>
         <p:txBody>
-          <a:bodyPr anchorCtr="0" anchor="ctr" bIns="91425" lIns="91425" spcFirstLastPara="1" rIns="91425" wrap="square" tIns="91425">
+          <a:bodyPr spcFirstLastPara="1" wrap="square" lIns="91425" tIns="91425" rIns="91425" bIns="91425" anchor="ctr" anchorCtr="0">
             <a:noAutofit/>
           </a:bodyPr>
           <a:lstStyle>
@@ -5947,7 +6346,7 @@
             </a:lvl9pPr>
           </a:lstStyle>
           <a:p>
-            <a:pPr indent="0" lvl="0" marL="0" rtl="0" algn="r">
+            <a:pPr marL="0" lvl="0" indent="0" algn="r" rtl="0">
               <a:spcBef>
                 <a:spcPts val="0"/>
               </a:spcBef>
@@ -5973,18 +6372,19 @@
 </file>
 
 <file path=ppt/slideMasters/slideMaster1.xml><?xml version="1.0" encoding="utf-8"?>
-<p:sldMaster xmlns:a="http://schemas.openxmlformats.org/drawingml/2006/main" xmlns:r="http://schemas.openxmlformats.org/officeDocument/2006/relationships" xmlns:mc="http://schemas.openxmlformats.org/markup-compatibility/2006" xmlns:mv="urn:schemas-microsoft-com:mac:vml" xmlns:p="http://schemas.openxmlformats.org/presentationml/2006/main" xmlns:c="http://schemas.openxmlformats.org/drawingml/2006/chart" xmlns:dgm="http://schemas.openxmlformats.org/drawingml/2006/diagram" xmlns:o="urn:schemas-microsoft-com:office:office" xmlns:v="urn:schemas-microsoft-com:vml" xmlns:pvml="urn:schemas-microsoft-com:office:powerpoint" xmlns:com="http://schemas.openxmlformats.org/drawingml/2006/compatibility" xmlns:p14="http://schemas.microsoft.com/office/powerpoint/2010/main" xmlns:p15="http://schemas.microsoft.com/office/powerpoint/2012/main">
+<p:sldMaster xmlns:a="http://schemas.openxmlformats.org/drawingml/2006/main" xmlns:r="http://schemas.openxmlformats.org/officeDocument/2006/relationships" xmlns:p="http://schemas.openxmlformats.org/presentationml/2006/main">
   <p:cSld name="simple-light-2">
     <p:bg>
       <p:bgPr>
         <a:solidFill>
           <a:schemeClr val="lt1"/>
         </a:solidFill>
+        <a:effectLst/>
       </p:bgPr>
     </p:bg>
     <p:spTree>
       <p:nvGrpSpPr>
-        <p:cNvPr id="5" name="Shape 5"/>
+        <p:cNvPr id="1" name="Shape 5"/>
         <p:cNvGrpSpPr/>
         <p:nvPr/>
       </p:nvGrpSpPr>
@@ -5999,7 +6399,9 @@
       <p:sp>
         <p:nvSpPr>
           <p:cNvPr id="6" name="Google Shape;6;p1"/>
-          <p:cNvSpPr txBox="1"/>
+          <p:cNvSpPr txBox="1">
+            <a:spLocks noGrp="1"/>
+          </p:cNvSpPr>
           <p:nvPr>
             <p:ph type="title"/>
           </p:nvPr>
@@ -6018,7 +6420,7 @@
           </a:ln>
         </p:spPr>
         <p:txBody>
-          <a:bodyPr anchorCtr="0" anchor="t" bIns="91425" lIns="91425" spcFirstLastPara="1" rIns="91425" wrap="square" tIns="91425"/>
+          <a:bodyPr spcFirstLastPara="1" wrap="square" lIns="91425" tIns="91425" rIns="91425" bIns="91425" anchor="t" anchorCtr="0"/>
           <a:lstStyle>
             <a:lvl1pPr lvl="0">
               <a:spcBef>
@@ -6228,15 +6630,19 @@
               </a:defRPr>
             </a:lvl9pPr>
           </a:lstStyle>
-          <a:p/>
+          <a:p>
+            <a:endParaRPr/>
+          </a:p>
         </p:txBody>
       </p:sp>
       <p:sp>
         <p:nvSpPr>
           <p:cNvPr id="7" name="Google Shape;7;p1"/>
-          <p:cNvSpPr txBox="1"/>
+          <p:cNvSpPr txBox="1">
+            <a:spLocks noGrp="1"/>
+          </p:cNvSpPr>
           <p:nvPr>
-            <p:ph idx="1" type="body"/>
+            <p:ph type="body" idx="1"/>
           </p:nvPr>
         </p:nvSpPr>
         <p:spPr>
@@ -6253,9 +6659,9 @@
           </a:ln>
         </p:spPr>
         <p:txBody>
-          <a:bodyPr anchorCtr="0" anchor="t" bIns="91425" lIns="91425" spcFirstLastPara="1" rIns="91425" wrap="square" tIns="91425"/>
+          <a:bodyPr spcFirstLastPara="1" wrap="square" lIns="91425" tIns="91425" rIns="91425" bIns="91425" anchor="t" anchorCtr="0"/>
           <a:lstStyle>
-            <a:lvl1pPr indent="-342900" lvl="0" marL="457200">
+            <a:lvl1pPr marL="457200" lvl="0" indent="-342900">
               <a:lnSpc>
                 <a:spcPct val="115000"/>
               </a:lnSpc>
@@ -6281,7 +6687,7 @@
                 <a:sym typeface="Rubik"/>
               </a:defRPr>
             </a:lvl1pPr>
-            <a:lvl2pPr indent="-317500" lvl="1" marL="914400">
+            <a:lvl2pPr marL="914400" lvl="1" indent="-317500">
               <a:lnSpc>
                 <a:spcPct val="115000"/>
               </a:lnSpc>
@@ -6307,7 +6713,7 @@
                 <a:sym typeface="Rubik"/>
               </a:defRPr>
             </a:lvl2pPr>
-            <a:lvl3pPr indent="-317500" lvl="2" marL="1371600">
+            <a:lvl3pPr marL="1371600" lvl="2" indent="-317500">
               <a:lnSpc>
                 <a:spcPct val="115000"/>
               </a:lnSpc>
@@ -6333,7 +6739,7 @@
                 <a:sym typeface="Rubik"/>
               </a:defRPr>
             </a:lvl3pPr>
-            <a:lvl4pPr indent="-317500" lvl="3" marL="1828800">
+            <a:lvl4pPr marL="1828800" lvl="3" indent="-317500">
               <a:lnSpc>
                 <a:spcPct val="115000"/>
               </a:lnSpc>
@@ -6359,7 +6765,7 @@
                 <a:sym typeface="Rubik"/>
               </a:defRPr>
             </a:lvl4pPr>
-            <a:lvl5pPr indent="-317500" lvl="4" marL="2286000">
+            <a:lvl5pPr marL="2286000" lvl="4" indent="-317500">
               <a:lnSpc>
                 <a:spcPct val="115000"/>
               </a:lnSpc>
@@ -6385,7 +6791,7 @@
                 <a:sym typeface="Rubik"/>
               </a:defRPr>
             </a:lvl5pPr>
-            <a:lvl6pPr indent="-317500" lvl="5" marL="2743200">
+            <a:lvl6pPr marL="2743200" lvl="5" indent="-317500">
               <a:lnSpc>
                 <a:spcPct val="115000"/>
               </a:lnSpc>
@@ -6411,7 +6817,7 @@
                 <a:sym typeface="Rubik"/>
               </a:defRPr>
             </a:lvl6pPr>
-            <a:lvl7pPr indent="-317500" lvl="6" marL="3200400">
+            <a:lvl7pPr marL="3200400" lvl="6" indent="-317500">
               <a:lnSpc>
                 <a:spcPct val="115000"/>
               </a:lnSpc>
@@ -6437,7 +6843,7 @@
                 <a:sym typeface="Rubik"/>
               </a:defRPr>
             </a:lvl7pPr>
-            <a:lvl8pPr indent="-317500" lvl="7" marL="3657600">
+            <a:lvl8pPr marL="3657600" lvl="7" indent="-317500">
               <a:lnSpc>
                 <a:spcPct val="115000"/>
               </a:lnSpc>
@@ -6463,7 +6869,7 @@
                 <a:sym typeface="Rubik"/>
               </a:defRPr>
             </a:lvl8pPr>
-            <a:lvl9pPr indent="-317500" lvl="8" marL="4114800">
+            <a:lvl9pPr marL="4114800" lvl="8" indent="-317500">
               <a:lnSpc>
                 <a:spcPct val="115000"/>
               </a:lnSpc>
@@ -6490,15 +6896,19 @@
               </a:defRPr>
             </a:lvl9pPr>
           </a:lstStyle>
-          <a:p/>
+          <a:p>
+            <a:endParaRPr/>
+          </a:p>
         </p:txBody>
       </p:sp>
       <p:sp>
         <p:nvSpPr>
           <p:cNvPr id="8" name="Google Shape;8;p1"/>
-          <p:cNvSpPr txBox="1"/>
+          <p:cNvSpPr txBox="1">
+            <a:spLocks noGrp="1"/>
+          </p:cNvSpPr>
           <p:nvPr>
-            <p:ph idx="12" type="sldNum"/>
+            <p:ph type="sldNum" idx="12"/>
           </p:nvPr>
         </p:nvSpPr>
         <p:spPr>
@@ -6515,7 +6925,7 @@
           </a:ln>
         </p:spPr>
         <p:txBody>
-          <a:bodyPr anchorCtr="0" anchor="ctr" bIns="91425" lIns="91425" spcFirstLastPara="1" rIns="91425" wrap="square" tIns="91425">
+          <a:bodyPr spcFirstLastPara="1" wrap="square" lIns="91425" tIns="91425" rIns="91425" bIns="91425" anchor="ctr" anchorCtr="0">
             <a:noAutofit/>
           </a:bodyPr>
           <a:lstStyle>
@@ -6593,7 +7003,7 @@
             </a:lvl9pPr>
           </a:lstStyle>
           <a:p>
-            <a:pPr indent="0" lvl="0" marL="0" rtl="0" algn="r">
+            <a:pPr marL="0" lvl="0" indent="0" algn="r" rtl="0">
               <a:spcBef>
                 <a:spcPts val="0"/>
               </a:spcBef>
@@ -6617,7 +7027,7 @@
           <p:nvPr/>
         </p:nvPicPr>
         <p:blipFill>
-          <a:blip r:embed="rId1">
+          <a:blip r:embed="rId13">
             <a:alphaModFix/>
           </a:blip>
           <a:stretch>
@@ -6640,24 +7050,24 @@
       </p:pic>
     </p:spTree>
   </p:cSld>
-  <p:clrMap accent1="accent1" accent2="accent2" accent3="accent3" accent4="accent4" accent5="accent5" accent6="accent6" bg1="lt1" bg2="dk2" tx1="dk1" tx2="lt2" folHlink="folHlink" hlink="hlink"/>
+  <p:clrMap bg1="lt1" tx1="dk1" bg2="dk2" tx2="lt2" accent1="accent1" accent2="accent2" accent3="accent3" accent4="accent4" accent5="accent5" accent6="accent6" hlink="hlink" folHlink="folHlink"/>
   <p:sldLayoutIdLst>
-    <p:sldLayoutId id="2147483648" r:id="rId2"/>
-    <p:sldLayoutId id="2147483649" r:id="rId3"/>
-    <p:sldLayoutId id="2147483650" r:id="rId4"/>
-    <p:sldLayoutId id="2147483651" r:id="rId5"/>
-    <p:sldLayoutId id="2147483652" r:id="rId6"/>
-    <p:sldLayoutId id="2147483653" r:id="rId7"/>
-    <p:sldLayoutId id="2147483654" r:id="rId8"/>
-    <p:sldLayoutId id="2147483655" r:id="rId9"/>
-    <p:sldLayoutId id="2147483656" r:id="rId10"/>
-    <p:sldLayoutId id="2147483657" r:id="rId11"/>
-    <p:sldLayoutId id="2147483658" r:id="rId12"/>
+    <p:sldLayoutId id="2147483648" r:id="rId1"/>
+    <p:sldLayoutId id="2147483649" r:id="rId2"/>
+    <p:sldLayoutId id="2147483650" r:id="rId3"/>
+    <p:sldLayoutId id="2147483651" r:id="rId4"/>
+    <p:sldLayoutId id="2147483652" r:id="rId5"/>
+    <p:sldLayoutId id="2147483653" r:id="rId6"/>
+    <p:sldLayoutId id="2147483654" r:id="rId7"/>
+    <p:sldLayoutId id="2147483655" r:id="rId8"/>
+    <p:sldLayoutId id="2147483656" r:id="rId9"/>
+    <p:sldLayoutId id="2147483657" r:id="rId10"/>
+    <p:sldLayoutId id="2147483658" r:id="rId11"/>
   </p:sldLayoutIdLst>
-  <p:hf dt="0" ftr="0" hdr="0" sldNum="0"/>
+  <p:hf sldNum="0" hdr="0" ftr="0" dt="0"/>
   <p:txStyles>
     <p:titleStyle>
-      <a:defPPr lvl="0" marR="0" rtl="0" algn="l">
+      <a:defPPr marR="0" lvl="0" algn="l" rtl="0">
         <a:lnSpc>
           <a:spcPct val="100000"/>
         </a:lnSpc>
@@ -6668,7 +7078,7 @@
           <a:spcPts val="0"/>
         </a:spcAft>
       </a:defPPr>
-      <a:lvl1pPr lvl="0" marR="0" rtl="0" algn="l">
+      <a:lvl1pPr marR="0" lvl="0" algn="l" rtl="0">
         <a:lnSpc>
           <a:spcPct val="100000"/>
         </a:lnSpc>
@@ -6682,7 +7092,7 @@
           <a:srgbClr val="000000"/>
         </a:buClr>
         <a:buFont typeface="Arial"/>
-        <a:defRPr b="0" i="0" sz="1400" u="none" cap="none" strike="noStrike">
+        <a:defRPr sz="1400" b="0" i="0" u="none" strike="noStrike" cap="none">
           <a:solidFill>
             <a:srgbClr val="000000"/>
           </a:solidFill>
@@ -6692,7 +7102,7 @@
           <a:sym typeface="Arial"/>
         </a:defRPr>
       </a:lvl1pPr>
-      <a:lvl2pPr lvl="1" marR="0" rtl="0" algn="l">
+      <a:lvl2pPr marR="0" lvl="1" algn="l" rtl="0">
         <a:lnSpc>
           <a:spcPct val="100000"/>
         </a:lnSpc>
@@ -6706,7 +7116,7 @@
           <a:srgbClr val="000000"/>
         </a:buClr>
         <a:buFont typeface="Arial"/>
-        <a:defRPr b="0" i="0" sz="1400" u="none" cap="none" strike="noStrike">
+        <a:defRPr sz="1400" b="0" i="0" u="none" strike="noStrike" cap="none">
           <a:solidFill>
             <a:srgbClr val="000000"/>
           </a:solidFill>
@@ -6716,7 +7126,7 @@
           <a:sym typeface="Arial"/>
         </a:defRPr>
       </a:lvl2pPr>
-      <a:lvl3pPr lvl="2" marR="0" rtl="0" algn="l">
+      <a:lvl3pPr marR="0" lvl="2" algn="l" rtl="0">
         <a:lnSpc>
           <a:spcPct val="100000"/>
         </a:lnSpc>
@@ -6730,7 +7140,7 @@
           <a:srgbClr val="000000"/>
         </a:buClr>
         <a:buFont typeface="Arial"/>
-        <a:defRPr b="0" i="0" sz="1400" u="none" cap="none" strike="noStrike">
+        <a:defRPr sz="1400" b="0" i="0" u="none" strike="noStrike" cap="none">
           <a:solidFill>
             <a:srgbClr val="000000"/>
           </a:solidFill>
@@ -6740,7 +7150,7 @@
           <a:sym typeface="Arial"/>
         </a:defRPr>
       </a:lvl3pPr>
-      <a:lvl4pPr lvl="3" marR="0" rtl="0" algn="l">
+      <a:lvl4pPr marR="0" lvl="3" algn="l" rtl="0">
         <a:lnSpc>
           <a:spcPct val="100000"/>
         </a:lnSpc>
@@ -6754,7 +7164,7 @@
           <a:srgbClr val="000000"/>
         </a:buClr>
         <a:buFont typeface="Arial"/>
-        <a:defRPr b="0" i="0" sz="1400" u="none" cap="none" strike="noStrike">
+        <a:defRPr sz="1400" b="0" i="0" u="none" strike="noStrike" cap="none">
           <a:solidFill>
             <a:srgbClr val="000000"/>
           </a:solidFill>
@@ -6764,7 +7174,7 @@
           <a:sym typeface="Arial"/>
         </a:defRPr>
       </a:lvl4pPr>
-      <a:lvl5pPr lvl="4" marR="0" rtl="0" algn="l">
+      <a:lvl5pPr marR="0" lvl="4" algn="l" rtl="0">
         <a:lnSpc>
           <a:spcPct val="100000"/>
         </a:lnSpc>
@@ -6778,7 +7188,7 @@
           <a:srgbClr val="000000"/>
         </a:buClr>
         <a:buFont typeface="Arial"/>
-        <a:defRPr b="0" i="0" sz="1400" u="none" cap="none" strike="noStrike">
+        <a:defRPr sz="1400" b="0" i="0" u="none" strike="noStrike" cap="none">
           <a:solidFill>
             <a:srgbClr val="000000"/>
           </a:solidFill>
@@ -6788,7 +7198,7 @@
           <a:sym typeface="Arial"/>
         </a:defRPr>
       </a:lvl5pPr>
-      <a:lvl6pPr lvl="5" marR="0" rtl="0" algn="l">
+      <a:lvl6pPr marR="0" lvl="5" algn="l" rtl="0">
         <a:lnSpc>
           <a:spcPct val="100000"/>
         </a:lnSpc>
@@ -6802,7 +7212,7 @@
           <a:srgbClr val="000000"/>
         </a:buClr>
         <a:buFont typeface="Arial"/>
-        <a:defRPr b="0" i="0" sz="1400" u="none" cap="none" strike="noStrike">
+        <a:defRPr sz="1400" b="0" i="0" u="none" strike="noStrike" cap="none">
           <a:solidFill>
             <a:srgbClr val="000000"/>
           </a:solidFill>
@@ -6812,7 +7222,7 @@
           <a:sym typeface="Arial"/>
         </a:defRPr>
       </a:lvl6pPr>
-      <a:lvl7pPr lvl="6" marR="0" rtl="0" algn="l">
+      <a:lvl7pPr marR="0" lvl="6" algn="l" rtl="0">
         <a:lnSpc>
           <a:spcPct val="100000"/>
         </a:lnSpc>
@@ -6826,7 +7236,7 @@
           <a:srgbClr val="000000"/>
         </a:buClr>
         <a:buFont typeface="Arial"/>
-        <a:defRPr b="0" i="0" sz="1400" u="none" cap="none" strike="noStrike">
+        <a:defRPr sz="1400" b="0" i="0" u="none" strike="noStrike" cap="none">
           <a:solidFill>
             <a:srgbClr val="000000"/>
           </a:solidFill>
@@ -6836,7 +7246,7 @@
           <a:sym typeface="Arial"/>
         </a:defRPr>
       </a:lvl7pPr>
-      <a:lvl8pPr lvl="7" marR="0" rtl="0" algn="l">
+      <a:lvl8pPr marR="0" lvl="7" algn="l" rtl="0">
         <a:lnSpc>
           <a:spcPct val="100000"/>
         </a:lnSpc>
@@ -6850,7 +7260,7 @@
           <a:srgbClr val="000000"/>
         </a:buClr>
         <a:buFont typeface="Arial"/>
-        <a:defRPr b="0" i="0" sz="1400" u="none" cap="none" strike="noStrike">
+        <a:defRPr sz="1400" b="0" i="0" u="none" strike="noStrike" cap="none">
           <a:solidFill>
             <a:srgbClr val="000000"/>
           </a:solidFill>
@@ -6860,7 +7270,7 @@
           <a:sym typeface="Arial"/>
         </a:defRPr>
       </a:lvl8pPr>
-      <a:lvl9pPr lvl="8" marR="0" rtl="0" algn="l">
+      <a:lvl9pPr marR="0" lvl="8" algn="l" rtl="0">
         <a:lnSpc>
           <a:spcPct val="100000"/>
         </a:lnSpc>
@@ -6874,7 +7284,7 @@
           <a:srgbClr val="000000"/>
         </a:buClr>
         <a:buFont typeface="Arial"/>
-        <a:defRPr b="0" i="0" sz="1400" u="none" cap="none" strike="noStrike">
+        <a:defRPr sz="1400" b="0" i="0" u="none" strike="noStrike" cap="none">
           <a:solidFill>
             <a:srgbClr val="000000"/>
           </a:solidFill>
@@ -6886,7 +7296,7 @@
       </a:lvl9pPr>
     </p:titleStyle>
     <p:bodyStyle>
-      <a:defPPr lvl="0" marR="0" rtl="0" algn="l">
+      <a:defPPr marR="0" lvl="0" algn="l" rtl="0">
         <a:lnSpc>
           <a:spcPct val="100000"/>
         </a:lnSpc>
@@ -6897,7 +7307,7 @@
           <a:spcPts val="0"/>
         </a:spcAft>
       </a:defPPr>
-      <a:lvl1pPr lvl="0" marR="0" rtl="0" algn="l">
+      <a:lvl1pPr marR="0" lvl="0" algn="l" rtl="0">
         <a:lnSpc>
           <a:spcPct val="100000"/>
         </a:lnSpc>
@@ -6911,7 +7321,7 @@
           <a:srgbClr val="000000"/>
         </a:buClr>
         <a:buFont typeface="Arial"/>
-        <a:defRPr b="0" i="0" sz="1400" u="none" cap="none" strike="noStrike">
+        <a:defRPr sz="1400" b="0" i="0" u="none" strike="noStrike" cap="none">
           <a:solidFill>
             <a:srgbClr val="000000"/>
           </a:solidFill>
@@ -6921,7 +7331,7 @@
           <a:sym typeface="Arial"/>
         </a:defRPr>
       </a:lvl1pPr>
-      <a:lvl2pPr lvl="1" marR="0" rtl="0" algn="l">
+      <a:lvl2pPr marR="0" lvl="1" algn="l" rtl="0">
         <a:lnSpc>
           <a:spcPct val="100000"/>
         </a:lnSpc>
@@ -6935,7 +7345,7 @@
           <a:srgbClr val="000000"/>
         </a:buClr>
         <a:buFont typeface="Arial"/>
-        <a:defRPr b="0" i="0" sz="1400" u="none" cap="none" strike="noStrike">
+        <a:defRPr sz="1400" b="0" i="0" u="none" strike="noStrike" cap="none">
           <a:solidFill>
             <a:srgbClr val="000000"/>
           </a:solidFill>
@@ -6945,7 +7355,7 @@
           <a:sym typeface="Arial"/>
         </a:defRPr>
       </a:lvl2pPr>
-      <a:lvl3pPr lvl="2" marR="0" rtl="0" algn="l">
+      <a:lvl3pPr marR="0" lvl="2" algn="l" rtl="0">
         <a:lnSpc>
           <a:spcPct val="100000"/>
         </a:lnSpc>
@@ -6959,7 +7369,7 @@
           <a:srgbClr val="000000"/>
         </a:buClr>
         <a:buFont typeface="Arial"/>
-        <a:defRPr b="0" i="0" sz="1400" u="none" cap="none" strike="noStrike">
+        <a:defRPr sz="1400" b="0" i="0" u="none" strike="noStrike" cap="none">
           <a:solidFill>
             <a:srgbClr val="000000"/>
           </a:solidFill>
@@ -6969,7 +7379,7 @@
           <a:sym typeface="Arial"/>
         </a:defRPr>
       </a:lvl3pPr>
-      <a:lvl4pPr lvl="3" marR="0" rtl="0" algn="l">
+      <a:lvl4pPr marR="0" lvl="3" algn="l" rtl="0">
         <a:lnSpc>
           <a:spcPct val="100000"/>
         </a:lnSpc>
@@ -6983,7 +7393,7 @@
           <a:srgbClr val="000000"/>
         </a:buClr>
         <a:buFont typeface="Arial"/>
-        <a:defRPr b="0" i="0" sz="1400" u="none" cap="none" strike="noStrike">
+        <a:defRPr sz="1400" b="0" i="0" u="none" strike="noStrike" cap="none">
           <a:solidFill>
             <a:srgbClr val="000000"/>
           </a:solidFill>
@@ -6993,7 +7403,7 @@
           <a:sym typeface="Arial"/>
         </a:defRPr>
       </a:lvl4pPr>
-      <a:lvl5pPr lvl="4" marR="0" rtl="0" algn="l">
+      <a:lvl5pPr marR="0" lvl="4" algn="l" rtl="0">
         <a:lnSpc>
           <a:spcPct val="100000"/>
         </a:lnSpc>
@@ -7007,7 +7417,7 @@
           <a:srgbClr val="000000"/>
         </a:buClr>
         <a:buFont typeface="Arial"/>
-        <a:defRPr b="0" i="0" sz="1400" u="none" cap="none" strike="noStrike">
+        <a:defRPr sz="1400" b="0" i="0" u="none" strike="noStrike" cap="none">
           <a:solidFill>
             <a:srgbClr val="000000"/>
           </a:solidFill>
@@ -7017,7 +7427,7 @@
           <a:sym typeface="Arial"/>
         </a:defRPr>
       </a:lvl5pPr>
-      <a:lvl6pPr lvl="5" marR="0" rtl="0" algn="l">
+      <a:lvl6pPr marR="0" lvl="5" algn="l" rtl="0">
         <a:lnSpc>
           <a:spcPct val="100000"/>
         </a:lnSpc>
@@ -7031,7 +7441,7 @@
           <a:srgbClr val="000000"/>
         </a:buClr>
         <a:buFont typeface="Arial"/>
-        <a:defRPr b="0" i="0" sz="1400" u="none" cap="none" strike="noStrike">
+        <a:defRPr sz="1400" b="0" i="0" u="none" strike="noStrike" cap="none">
           <a:solidFill>
             <a:srgbClr val="000000"/>
           </a:solidFill>
@@ -7041,7 +7451,7 @@
           <a:sym typeface="Arial"/>
         </a:defRPr>
       </a:lvl6pPr>
-      <a:lvl7pPr lvl="6" marR="0" rtl="0" algn="l">
+      <a:lvl7pPr marR="0" lvl="6" algn="l" rtl="0">
         <a:lnSpc>
           <a:spcPct val="100000"/>
         </a:lnSpc>
@@ -7055,7 +7465,7 @@
           <a:srgbClr val="000000"/>
         </a:buClr>
         <a:buFont typeface="Arial"/>
-        <a:defRPr b="0" i="0" sz="1400" u="none" cap="none" strike="noStrike">
+        <a:defRPr sz="1400" b="0" i="0" u="none" strike="noStrike" cap="none">
           <a:solidFill>
             <a:srgbClr val="000000"/>
           </a:solidFill>
@@ -7065,7 +7475,7 @@
           <a:sym typeface="Arial"/>
         </a:defRPr>
       </a:lvl7pPr>
-      <a:lvl8pPr lvl="7" marR="0" rtl="0" algn="l">
+      <a:lvl8pPr marR="0" lvl="7" algn="l" rtl="0">
         <a:lnSpc>
           <a:spcPct val="100000"/>
         </a:lnSpc>
@@ -7079,7 +7489,7 @@
           <a:srgbClr val="000000"/>
         </a:buClr>
         <a:buFont typeface="Arial"/>
-        <a:defRPr b="0" i="0" sz="1400" u="none" cap="none" strike="noStrike">
+        <a:defRPr sz="1400" b="0" i="0" u="none" strike="noStrike" cap="none">
           <a:solidFill>
             <a:srgbClr val="000000"/>
           </a:solidFill>
@@ -7089,7 +7499,7 @@
           <a:sym typeface="Arial"/>
         </a:defRPr>
       </a:lvl8pPr>
-      <a:lvl9pPr lvl="8" marR="0" rtl="0" algn="l">
+      <a:lvl9pPr marR="0" lvl="8" algn="l" rtl="0">
         <a:lnSpc>
           <a:spcPct val="100000"/>
         </a:lnSpc>
@@ -7103,7 +7513,7 @@
           <a:srgbClr val="000000"/>
         </a:buClr>
         <a:buFont typeface="Arial"/>
-        <a:defRPr b="0" i="0" sz="1400" u="none" cap="none" strike="noStrike">
+        <a:defRPr sz="1400" b="0" i="0" u="none" strike="noStrike" cap="none">
           <a:solidFill>
             <a:srgbClr val="000000"/>
           </a:solidFill>
@@ -7115,7 +7525,7 @@
       </a:lvl9pPr>
     </p:bodyStyle>
     <p:otherStyle>
-      <a:defPPr lvl="0" marR="0" rtl="0" algn="l">
+      <a:defPPr marR="0" lvl="0" algn="l" rtl="0">
         <a:lnSpc>
           <a:spcPct val="100000"/>
         </a:lnSpc>
@@ -7126,7 +7536,7 @@
           <a:spcPts val="0"/>
         </a:spcAft>
       </a:defPPr>
-      <a:lvl1pPr lvl="0" marR="0" rtl="0" algn="l">
+      <a:lvl1pPr marR="0" lvl="0" algn="l" rtl="0">
         <a:lnSpc>
           <a:spcPct val="100000"/>
         </a:lnSpc>
@@ -7140,7 +7550,7 @@
           <a:srgbClr val="000000"/>
         </a:buClr>
         <a:buFont typeface="Arial"/>
-        <a:defRPr b="0" i="0" sz="1400" u="none" cap="none" strike="noStrike">
+        <a:defRPr sz="1400" b="0" i="0" u="none" strike="noStrike" cap="none">
           <a:solidFill>
             <a:srgbClr val="000000"/>
           </a:solidFill>
@@ -7150,7 +7560,7 @@
           <a:sym typeface="Arial"/>
         </a:defRPr>
       </a:lvl1pPr>
-      <a:lvl2pPr lvl="1" marR="0" rtl="0" algn="l">
+      <a:lvl2pPr marR="0" lvl="1" algn="l" rtl="0">
         <a:lnSpc>
           <a:spcPct val="100000"/>
         </a:lnSpc>
@@ -7164,7 +7574,7 @@
           <a:srgbClr val="000000"/>
         </a:buClr>
         <a:buFont typeface="Arial"/>
-        <a:defRPr b="0" i="0" sz="1400" u="none" cap="none" strike="noStrike">
+        <a:defRPr sz="1400" b="0" i="0" u="none" strike="noStrike" cap="none">
           <a:solidFill>
             <a:srgbClr val="000000"/>
           </a:solidFill>
@@ -7174,7 +7584,7 @@
           <a:sym typeface="Arial"/>
         </a:defRPr>
       </a:lvl2pPr>
-      <a:lvl3pPr lvl="2" marR="0" rtl="0" algn="l">
+      <a:lvl3pPr marR="0" lvl="2" algn="l" rtl="0">
         <a:lnSpc>
           <a:spcPct val="100000"/>
         </a:lnSpc>
@@ -7188,7 +7598,7 @@
           <a:srgbClr val="000000"/>
         </a:buClr>
         <a:buFont typeface="Arial"/>
-        <a:defRPr b="0" i="0" sz="1400" u="none" cap="none" strike="noStrike">
+        <a:defRPr sz="1400" b="0" i="0" u="none" strike="noStrike" cap="none">
           <a:solidFill>
             <a:srgbClr val="000000"/>
           </a:solidFill>
@@ -7198,7 +7608,7 @@
           <a:sym typeface="Arial"/>
         </a:defRPr>
       </a:lvl3pPr>
-      <a:lvl4pPr lvl="3" marR="0" rtl="0" algn="l">
+      <a:lvl4pPr marR="0" lvl="3" algn="l" rtl="0">
         <a:lnSpc>
           <a:spcPct val="100000"/>
         </a:lnSpc>
@@ -7212,7 +7622,7 @@
           <a:srgbClr val="000000"/>
         </a:buClr>
         <a:buFont typeface="Arial"/>
-        <a:defRPr b="0" i="0" sz="1400" u="none" cap="none" strike="noStrike">
+        <a:defRPr sz="1400" b="0" i="0" u="none" strike="noStrike" cap="none">
           <a:solidFill>
             <a:srgbClr val="000000"/>
           </a:solidFill>
@@ -7222,7 +7632,7 @@
           <a:sym typeface="Arial"/>
         </a:defRPr>
       </a:lvl4pPr>
-      <a:lvl5pPr lvl="4" marR="0" rtl="0" algn="l">
+      <a:lvl5pPr marR="0" lvl="4" algn="l" rtl="0">
         <a:lnSpc>
           <a:spcPct val="100000"/>
         </a:lnSpc>
@@ -7236,7 +7646,7 @@
           <a:srgbClr val="000000"/>
         </a:buClr>
         <a:buFont typeface="Arial"/>
-        <a:defRPr b="0" i="0" sz="1400" u="none" cap="none" strike="noStrike">
+        <a:defRPr sz="1400" b="0" i="0" u="none" strike="noStrike" cap="none">
           <a:solidFill>
             <a:srgbClr val="000000"/>
           </a:solidFill>
@@ -7246,7 +7656,7 @@
           <a:sym typeface="Arial"/>
         </a:defRPr>
       </a:lvl5pPr>
-      <a:lvl6pPr lvl="5" marR="0" rtl="0" algn="l">
+      <a:lvl6pPr marR="0" lvl="5" algn="l" rtl="0">
         <a:lnSpc>
           <a:spcPct val="100000"/>
         </a:lnSpc>
@@ -7260,7 +7670,7 @@
           <a:srgbClr val="000000"/>
         </a:buClr>
         <a:buFont typeface="Arial"/>
-        <a:defRPr b="0" i="0" sz="1400" u="none" cap="none" strike="noStrike">
+        <a:defRPr sz="1400" b="0" i="0" u="none" strike="noStrike" cap="none">
           <a:solidFill>
             <a:srgbClr val="000000"/>
           </a:solidFill>
@@ -7270,7 +7680,7 @@
           <a:sym typeface="Arial"/>
         </a:defRPr>
       </a:lvl6pPr>
-      <a:lvl7pPr lvl="6" marR="0" rtl="0" algn="l">
+      <a:lvl7pPr marR="0" lvl="6" algn="l" rtl="0">
         <a:lnSpc>
           <a:spcPct val="100000"/>
         </a:lnSpc>
@@ -7284,7 +7694,7 @@
           <a:srgbClr val="000000"/>
         </a:buClr>
         <a:buFont typeface="Arial"/>
-        <a:defRPr b="0" i="0" sz="1400" u="none" cap="none" strike="noStrike">
+        <a:defRPr sz="1400" b="0" i="0" u="none" strike="noStrike" cap="none">
           <a:solidFill>
             <a:srgbClr val="000000"/>
           </a:solidFill>
@@ -7294,7 +7704,7 @@
           <a:sym typeface="Arial"/>
         </a:defRPr>
       </a:lvl7pPr>
-      <a:lvl8pPr lvl="7" marR="0" rtl="0" algn="l">
+      <a:lvl8pPr marR="0" lvl="7" algn="l" rtl="0">
         <a:lnSpc>
           <a:spcPct val="100000"/>
         </a:lnSpc>
@@ -7308,7 +7718,7 @@
           <a:srgbClr val="000000"/>
         </a:buClr>
         <a:buFont typeface="Arial"/>
-        <a:defRPr b="0" i="0" sz="1400" u="none" cap="none" strike="noStrike">
+        <a:defRPr sz="1400" b="0" i="0" u="none" strike="noStrike" cap="none">
           <a:solidFill>
             <a:srgbClr val="000000"/>
           </a:solidFill>
@@ -7318,7 +7728,7 @@
           <a:sym typeface="Arial"/>
         </a:defRPr>
       </a:lvl8pPr>
-      <a:lvl9pPr lvl="8" marR="0" rtl="0" algn="l">
+      <a:lvl9pPr marR="0" lvl="8" algn="l" rtl="0">
         <a:lnSpc>
           <a:spcPct val="100000"/>
         </a:lnSpc>
@@ -7332,7 +7742,7 @@
           <a:srgbClr val="000000"/>
         </a:buClr>
         <a:buFont typeface="Arial"/>
-        <a:defRPr b="0" i="0" sz="1400" u="none" cap="none" strike="noStrike">
+        <a:defRPr sz="1400" b="0" i="0" u="none" strike="noStrike" cap="none">
           <a:solidFill>
             <a:srgbClr val="000000"/>
           </a:solidFill>
@@ -7346,7 +7756,7 @@
   </p:txStyles>
   <p:extLst>
     <p:ext uri="{27BBF7A9-308A-43DC-89C8-2F10F3537804}">
-      <p15:sldGuideLst>
+      <p15:sldGuideLst xmlns:p15="http://schemas.microsoft.com/office/powerpoint/2012/main">
         <p15:guide id="1" pos="256">
           <p15:clr>
             <a:srgbClr val="F06B4A"/>
@@ -7364,11 +7774,11 @@
 </file>
 
 <file path=ppt/slides/slide1.xml><?xml version="1.0" encoding="utf-8"?>
-<p:sld xmlns:a="http://schemas.openxmlformats.org/drawingml/2006/main" xmlns:r="http://schemas.openxmlformats.org/officeDocument/2006/relationships" xmlns:mc="http://schemas.openxmlformats.org/markup-compatibility/2006" xmlns:mv="urn:schemas-microsoft-com:mac:vml" xmlns:p="http://schemas.openxmlformats.org/presentationml/2006/main" xmlns:c="http://schemas.openxmlformats.org/drawingml/2006/chart" xmlns:dgm="http://schemas.openxmlformats.org/drawingml/2006/diagram" xmlns:o="urn:schemas-microsoft-com:office:office" xmlns:v="urn:schemas-microsoft-com:vml" xmlns:pvml="urn:schemas-microsoft-com:office:powerpoint" xmlns:com="http://schemas.openxmlformats.org/drawingml/2006/compatibility" xmlns:p14="http://schemas.microsoft.com/office/powerpoint/2010/main" xmlns:p15="http://schemas.microsoft.com/office/powerpoint/2012/main">
+<p:sld xmlns:a="http://schemas.openxmlformats.org/drawingml/2006/main" xmlns:r="http://schemas.openxmlformats.org/officeDocument/2006/relationships" xmlns:p="http://schemas.openxmlformats.org/presentationml/2006/main">
   <p:cSld>
     <p:spTree>
       <p:nvGrpSpPr>
-        <p:cNvPr id="55" name="Shape 55"/>
+        <p:cNvPr id="1" name="Shape 55"/>
         <p:cNvGrpSpPr/>
         <p:nvPr/>
       </p:nvGrpSpPr>
@@ -7383,7 +7793,9 @@
       <p:sp>
         <p:nvSpPr>
           <p:cNvPr id="56" name="Google Shape;56;p13"/>
-          <p:cNvSpPr txBox="1"/>
+          <p:cNvSpPr txBox="1">
+            <a:spLocks noGrp="1"/>
+          </p:cNvSpPr>
           <p:nvPr>
             <p:ph type="ctrTitle"/>
           </p:nvPr>
@@ -7398,12 +7810,12 @@
           </a:prstGeom>
         </p:spPr>
         <p:txBody>
-          <a:bodyPr anchorCtr="0" anchor="t" bIns="0" lIns="0" spcFirstLastPara="1" rIns="0" wrap="square" tIns="0">
+          <a:bodyPr spcFirstLastPara="1" wrap="square" lIns="0" tIns="0" rIns="0" bIns="0" anchor="t" anchorCtr="0">
             <a:noAutofit/>
           </a:bodyPr>
           <a:lstStyle/>
           <a:p>
-            <a:pPr indent="0" lvl="0" marL="0" rtl="0" algn="l">
+            <a:pPr marL="0" lvl="0" indent="0" algn="l" rtl="0">
               <a:lnSpc>
                 <a:spcPct val="110000"/>
               </a:lnSpc>
@@ -7422,7 +7834,7 @@
             <a:endParaRPr/>
           </a:p>
           <a:p>
-            <a:pPr indent="0" lvl="0" marL="0" rtl="0" algn="l">
+            <a:pPr marL="0" lvl="0" indent="0" algn="l" rtl="0">
               <a:lnSpc>
                 <a:spcPct val="110000"/>
               </a:lnSpc>
@@ -7445,9 +7857,11 @@
       <p:sp>
         <p:nvSpPr>
           <p:cNvPr id="57" name="Google Shape;57;p13"/>
-          <p:cNvSpPr txBox="1"/>
+          <p:cNvSpPr txBox="1">
+            <a:spLocks noGrp="1"/>
+          </p:cNvSpPr>
           <p:nvPr>
-            <p:ph idx="1" type="subTitle"/>
+            <p:ph type="subTitle" idx="1"/>
           </p:nvPr>
         </p:nvSpPr>
         <p:spPr>
@@ -7460,12 +7874,12 @@
           </a:prstGeom>
         </p:spPr>
         <p:txBody>
-          <a:bodyPr anchorCtr="0" anchor="t" bIns="0" lIns="0" spcFirstLastPara="1" rIns="0" wrap="square" tIns="0">
+          <a:bodyPr spcFirstLastPara="1" wrap="square" lIns="0" tIns="0" rIns="0" bIns="0" anchor="t" anchorCtr="0">
             <a:noAutofit/>
           </a:bodyPr>
           <a:lstStyle/>
           <a:p>
-            <a:pPr indent="0" lvl="0" marL="0" rtl="0" algn="l">
+            <a:pPr marL="0" lvl="0" indent="0" algn="l" rtl="0">
               <a:spcBef>
                 <a:spcPts val="0"/>
               </a:spcBef>
@@ -7481,7 +7895,7 @@
             <a:endParaRPr/>
           </a:p>
           <a:p>
-            <a:pPr indent="0" lvl="0" marL="0" rtl="0" algn="l">
+            <a:pPr marL="0" lvl="0" indent="0" algn="l" rtl="0">
               <a:spcBef>
                 <a:spcPts val="0"/>
               </a:spcBef>
@@ -7492,7 +7906,7 @@
             </a:pPr>
             <a:r>
               <a:rPr lang="en"/>
-              <a:t>19 February 2019</a:t>
+              <a:t>20 February 2019</a:t>
             </a:r>
             <a:endParaRPr/>
           </a:p>
@@ -7507,11 +7921,11 @@
 </file>
 
 <file path=ppt/slides/slide10.xml><?xml version="1.0" encoding="utf-8"?>
-<p:sld xmlns:a="http://schemas.openxmlformats.org/drawingml/2006/main" xmlns:r="http://schemas.openxmlformats.org/officeDocument/2006/relationships" xmlns:mc="http://schemas.openxmlformats.org/markup-compatibility/2006" xmlns:mv="urn:schemas-microsoft-com:mac:vml" xmlns:p="http://schemas.openxmlformats.org/presentationml/2006/main" xmlns:c="http://schemas.openxmlformats.org/drawingml/2006/chart" xmlns:dgm="http://schemas.openxmlformats.org/drawingml/2006/diagram" xmlns:o="urn:schemas-microsoft-com:office:office" xmlns:v="urn:schemas-microsoft-com:vml" xmlns:pvml="urn:schemas-microsoft-com:office:powerpoint" xmlns:com="http://schemas.openxmlformats.org/drawingml/2006/compatibility" xmlns:p14="http://schemas.microsoft.com/office/powerpoint/2010/main" xmlns:p15="http://schemas.microsoft.com/office/powerpoint/2012/main">
+<p:sld xmlns:a="http://schemas.openxmlformats.org/drawingml/2006/main" xmlns:r="http://schemas.openxmlformats.org/officeDocument/2006/relationships" xmlns:p="http://schemas.openxmlformats.org/presentationml/2006/main">
   <p:cSld>
     <p:spTree>
       <p:nvGrpSpPr>
-        <p:cNvPr id="107" name="Shape 107"/>
+        <p:cNvPr id="1" name="Shape 106"/>
         <p:cNvGrpSpPr/>
         <p:nvPr/>
       </p:nvGrpSpPr>
@@ -7525,8 +7939,10 @@
       </p:grpSpPr>
       <p:sp>
         <p:nvSpPr>
-          <p:cNvPr id="108" name="Google Shape;108;p22"/>
-          <p:cNvSpPr txBox="1"/>
+          <p:cNvPr id="107" name="Google Shape;107;p22"/>
+          <p:cNvSpPr txBox="1">
+            <a:spLocks noGrp="1"/>
+          </p:cNvSpPr>
           <p:nvPr>
             <p:ph type="title"/>
           </p:nvPr>
@@ -7541,12 +7957,12 @@
           </a:prstGeom>
         </p:spPr>
         <p:txBody>
-          <a:bodyPr anchorCtr="0" anchor="t" bIns="91425" lIns="91425" spcFirstLastPara="1" rIns="91425" wrap="square" tIns="91425">
+          <a:bodyPr spcFirstLastPara="1" wrap="square" lIns="91425" tIns="91425" rIns="91425" bIns="91425" anchor="t" anchorCtr="0">
             <a:noAutofit/>
           </a:bodyPr>
           <a:lstStyle/>
           <a:p>
-            <a:pPr indent="0" lvl="0" marL="0" rtl="0" algn="l">
+            <a:pPr marL="0" lvl="0" indent="0" algn="l" rtl="0">
               <a:spcBef>
                 <a:spcPts val="0"/>
               </a:spcBef>
@@ -7557,19 +7973,7 @@
             </a:pPr>
             <a:r>
               <a:rPr lang="en"/>
-              <a:t>Interoperability</a:t>
-            </a:r>
-            <a:r>
-              <a:rPr lang="en"/>
-              <a:t> between </a:t>
-            </a:r>
-            <a:r>
-              <a:rPr lang="en"/>
-              <a:t>HL7® FHIR® </a:t>
-            </a:r>
-            <a:r>
-              <a:rPr lang="en"/>
-              <a:t>and DHIS 2</a:t>
+              <a:t>DHIS 2 FHIR Adapter Components</a:t>
             </a:r>
             <a:endParaRPr/>
           </a:p>
@@ -7577,10 +7981,12 @@
       </p:sp>
       <p:sp>
         <p:nvSpPr>
-          <p:cNvPr id="109" name="Google Shape;109;p22"/>
-          <p:cNvSpPr txBox="1"/>
+          <p:cNvPr id="108" name="Google Shape;108;p22"/>
+          <p:cNvSpPr txBox="1">
+            <a:spLocks noGrp="1"/>
+          </p:cNvSpPr>
           <p:nvPr>
-            <p:ph idx="1" type="body"/>
+            <p:ph type="body" idx="1"/>
           </p:nvPr>
         </p:nvSpPr>
         <p:spPr>
@@ -7593,39 +7999,92 @@
           </a:prstGeom>
         </p:spPr>
         <p:txBody>
-          <a:bodyPr anchorCtr="0" anchor="t" bIns="91425" lIns="91425" spcFirstLastPara="1" rIns="91425" wrap="square" tIns="91425">
+          <a:bodyPr spcFirstLastPara="1" wrap="square" lIns="91425" tIns="91425" rIns="91425" bIns="91425" anchor="t" anchorCtr="0">
             <a:noAutofit/>
           </a:bodyPr>
           <a:lstStyle/>
           <a:p>
-            <a:pPr indent="0" lvl="0" marL="0" rtl="0" algn="l">
-              <a:spcBef>
-                <a:spcPts val="0"/>
-              </a:spcBef>
-              <a:spcAft>
-                <a:spcPts val="0"/>
-              </a:spcAft>
-              <a:buNone/>
+            <a:pPr marL="457200" lvl="0" indent="-342900" algn="l" rtl="0">
+              <a:spcBef>
+                <a:spcPts val="0"/>
+              </a:spcBef>
+              <a:spcAft>
+                <a:spcPts val="0"/>
+              </a:spcAft>
+              <a:buSzPts val="1800"/>
+              <a:buChar char="-"/>
             </a:pPr>
             <a:r>
               <a:rPr lang="en"/>
-              <a:t>HL7® FHIR® contain well defined extensible definitions of healthcare related resources (like a patient or an immunization). E.g. the blood pressure of a Patient can be collected an unrestricted amount of times per day.</a:t>
+              <a:t>Receives HL7® FHIR® Resource by subscription notification payloads or by polling them based on subscription notifications.</a:t>
             </a:r>
             <a:endParaRPr/>
           </a:p>
           <a:p>
-            <a:pPr indent="0" lvl="0" marL="0" rtl="0" algn="l">
-              <a:spcBef>
-                <a:spcPts val="1600"/>
-              </a:spcBef>
-              <a:spcAft>
-                <a:spcPts val="1600"/>
-              </a:spcAft>
-              <a:buNone/>
+            <a:pPr marL="457200" lvl="0" indent="-342900" algn="l" rtl="0">
+              <a:spcBef>
+                <a:spcPts val="0"/>
+              </a:spcBef>
+              <a:spcAft>
+                <a:spcPts val="0"/>
+              </a:spcAft>
+              <a:buSzPts val="1800"/>
+              <a:buChar char="-"/>
             </a:pPr>
             <a:r>
               <a:rPr lang="en"/>
-              <a:t>DHIS 2 Tracker is a highly flexible system that may not be used for healthcare related resources only. Resources are defined as needed (e.g. Tracked Entity Types that may be a Patient or even a Borehole). Data of a Tracked Entity Instance is collected in a structured way that is defined on a specific system installation by DHIS 2 Tracker Programs and their Stages. E.g. the blood pressure of a Patient can only be collected when a DHIS 2 Tracker Program includes it and only as many times as a DHIS 2 Tracker Program allows it.</a:t>
+              <a:t>Accesses mapping and processing data from a PostgreSQL database.</a:t>
+            </a:r>
+            <a:endParaRPr/>
+          </a:p>
+          <a:p>
+            <a:pPr marL="457200" lvl="0" indent="-342900" algn="l" rtl="0">
+              <a:spcBef>
+                <a:spcPts val="0"/>
+              </a:spcBef>
+              <a:spcAft>
+                <a:spcPts val="0"/>
+              </a:spcAft>
+              <a:buSzPts val="1800"/>
+              <a:buChar char="-"/>
+            </a:pPr>
+            <a:r>
+              <a:rPr lang="en"/>
+              <a:t>Uses PostgreSQL advisory locks for distributed pessimistic locking (optimistic locking not appropriate for this use case).</a:t>
+            </a:r>
+            <a:endParaRPr/>
+          </a:p>
+          <a:p>
+            <a:pPr marL="457200" lvl="0" indent="-342900" algn="l" rtl="0">
+              <a:spcBef>
+                <a:spcPts val="0"/>
+              </a:spcBef>
+              <a:spcAft>
+                <a:spcPts val="0"/>
+              </a:spcAft>
+              <a:buSzPts val="1800"/>
+              <a:buChar char="-"/>
+            </a:pPr>
+            <a:r>
+              <a:rPr lang="en"/>
+              <a:t>Uses an embedded or external Apache Artemis Message Queue for handling big amount of received data that cannot be processed immediately by DHIS 2 and to retry failed processings.</a:t>
+            </a:r>
+            <a:endParaRPr/>
+          </a:p>
+          <a:p>
+            <a:pPr marL="457200" lvl="0" indent="-342900" algn="l" rtl="0">
+              <a:spcBef>
+                <a:spcPts val="0"/>
+              </a:spcBef>
+              <a:spcAft>
+                <a:spcPts val="0"/>
+              </a:spcAft>
+              <a:buSzPts val="1800"/>
+              <a:buChar char="-"/>
+            </a:pPr>
+            <a:r>
+              <a:rPr lang="en"/>
+              <a:t>Caches frequently accessed data in-memory or in Redis for three different cache use cases.</a:t>
             </a:r>
             <a:endParaRPr/>
           </a:p>
@@ -7640,11 +8099,11 @@
 </file>
 
 <file path=ppt/slides/slide11.xml><?xml version="1.0" encoding="utf-8"?>
-<p:sld xmlns:a="http://schemas.openxmlformats.org/drawingml/2006/main" xmlns:r="http://schemas.openxmlformats.org/officeDocument/2006/relationships" xmlns:mc="http://schemas.openxmlformats.org/markup-compatibility/2006" xmlns:mv="urn:schemas-microsoft-com:mac:vml" xmlns:p="http://schemas.openxmlformats.org/presentationml/2006/main" xmlns:c="http://schemas.openxmlformats.org/drawingml/2006/chart" xmlns:dgm="http://schemas.openxmlformats.org/drawingml/2006/diagram" xmlns:o="urn:schemas-microsoft-com:office:office" xmlns:v="urn:schemas-microsoft-com:vml" xmlns:pvml="urn:schemas-microsoft-com:office:powerpoint" xmlns:com="http://schemas.openxmlformats.org/drawingml/2006/compatibility" xmlns:p14="http://schemas.microsoft.com/office/powerpoint/2010/main" xmlns:p15="http://schemas.microsoft.com/office/powerpoint/2012/main">
+<p:sld xmlns:a="http://schemas.openxmlformats.org/drawingml/2006/main" xmlns:r="http://schemas.openxmlformats.org/officeDocument/2006/relationships" xmlns:p="http://schemas.openxmlformats.org/presentationml/2006/main">
   <p:cSld>
     <p:spTree>
       <p:nvGrpSpPr>
-        <p:cNvPr id="113" name="Shape 113"/>
+        <p:cNvPr id="1" name="Shape 112"/>
         <p:cNvGrpSpPr/>
         <p:nvPr/>
       </p:nvGrpSpPr>
@@ -7658,8 +8117,10 @@
       </p:grpSpPr>
       <p:sp>
         <p:nvSpPr>
-          <p:cNvPr id="114" name="Google Shape;114;p23"/>
-          <p:cNvSpPr txBox="1"/>
+          <p:cNvPr id="113" name="Google Shape;113;p23"/>
+          <p:cNvSpPr txBox="1">
+            <a:spLocks noGrp="1"/>
+          </p:cNvSpPr>
           <p:nvPr>
             <p:ph type="title"/>
           </p:nvPr>
@@ -7674,12 +8135,12 @@
           </a:prstGeom>
         </p:spPr>
         <p:txBody>
-          <a:bodyPr anchorCtr="0" anchor="t" bIns="91425" lIns="91425" spcFirstLastPara="1" rIns="91425" wrap="square" tIns="91425">
+          <a:bodyPr spcFirstLastPara="1" wrap="square" lIns="91425" tIns="91425" rIns="91425" bIns="91425" anchor="t" anchorCtr="0">
             <a:noAutofit/>
           </a:bodyPr>
           <a:lstStyle/>
           <a:p>
-            <a:pPr indent="0" lvl="0" marL="0" rtl="0" algn="l">
+            <a:pPr marL="0" lvl="0" indent="0" algn="l" rtl="0">
               <a:spcBef>
                 <a:spcPts val="0"/>
               </a:spcBef>
@@ -7690,11 +8151,7 @@
             </a:pPr>
             <a:r>
               <a:rPr lang="en"/>
-              <a:t>Mapping between </a:t>
-            </a:r>
-            <a:r>
-              <a:rPr lang="en"/>
-              <a:t>HL7® FHIR® and DHIS 2</a:t>
+              <a:t>Persisted Data</a:t>
             </a:r>
             <a:endParaRPr/>
           </a:p>
@@ -7702,30 +8159,48 @@
       </p:sp>
       <p:sp>
         <p:nvSpPr>
-          <p:cNvPr id="115" name="Google Shape;115;p23"/>
-          <p:cNvSpPr txBox="1"/>
+          <p:cNvPr id="114" name="Google Shape;114;p23"/>
+          <p:cNvSpPr txBox="1">
+            <a:spLocks noGrp="1"/>
+          </p:cNvSpPr>
           <p:nvPr>
-            <p:ph idx="1" type="body"/>
+            <p:ph type="body" idx="1"/>
           </p:nvPr>
         </p:nvSpPr>
         <p:spPr>
           <a:xfrm>
             <a:off x="311700" y="1152475"/>
-            <a:ext cx="8520600" cy="3656100"/>
+            <a:ext cx="8520600" cy="3416400"/>
           </a:xfrm>
           <a:prstGeom prst="rect">
             <a:avLst/>
           </a:prstGeom>
         </p:spPr>
         <p:txBody>
-          <a:bodyPr anchorCtr="0" anchor="t" bIns="91425" lIns="91425" spcFirstLastPara="1" rIns="91425" wrap="square" tIns="91425">
+          <a:bodyPr spcFirstLastPara="1" wrap="square" lIns="91425" tIns="91425" rIns="91425" bIns="91425" anchor="t" anchorCtr="0">
             <a:noAutofit/>
           </a:bodyPr>
           <a:lstStyle/>
           <a:p>
-            <a:pPr indent="-342900" lvl="0" marL="457200" rtl="0" algn="l">
-              <a:spcBef>
-                <a:spcPts val="0"/>
+            <a:pPr marL="0" lvl="0" indent="0" algn="l" rtl="0">
+              <a:spcBef>
+                <a:spcPts val="0"/>
+              </a:spcBef>
+              <a:spcAft>
+                <a:spcPts val="0"/>
+              </a:spcAft>
+              <a:buNone/>
+            </a:pPr>
+            <a:r>
+              <a:rPr lang="en"/>
+              <a:t>The database contains different types of persisted data:</a:t>
+            </a:r>
+            <a:endParaRPr/>
+          </a:p>
+          <a:p>
+            <a:pPr marL="457200" lvl="0" indent="-342900" algn="l" rtl="0">
+              <a:spcBef>
+                <a:spcPts val="1600"/>
               </a:spcBef>
               <a:spcAft>
                 <a:spcPts val="0"/>
@@ -7735,89 +8210,82 @@
             </a:pPr>
             <a:r>
               <a:rPr lang="en"/>
-              <a:t>Static mapping only for static DHIS 2 resources </a:t>
+              <a:t>Administration data (e.g. connected HL7® FHIR® systems).</a:t>
+            </a:r>
+            <a:endParaRPr/>
+          </a:p>
+          <a:p>
+            <a:pPr marL="457200" lvl="0" indent="-342900" algn="l" rtl="0">
+              <a:spcBef>
+                <a:spcPts val="0"/>
+              </a:spcBef>
+              <a:spcAft>
+                <a:spcPts val="0"/>
+              </a:spcAft>
+              <a:buSzPts val="1800"/>
+              <a:buChar char="-"/>
+            </a:pPr>
+            <a:r>
+              <a:rPr lang="en"/>
+              <a:t>Coding data (e.g. system dependent codes for body weight)</a:t>
+            </a:r>
+            <a:endParaRPr/>
+          </a:p>
+          <a:p>
+            <a:pPr marL="457200" lvl="0" indent="-342900" algn="l" rtl="0">
+              <a:spcBef>
+                <a:spcPts val="0"/>
+              </a:spcBef>
+              <a:spcAft>
+                <a:spcPts val="0"/>
+              </a:spcAft>
+              <a:buSzPts val="1800"/>
+              <a:buChar char="-"/>
+            </a:pPr>
+            <a:r>
+              <a:rPr lang="en"/>
+              <a:t>Mapping data (e.g. rules and transformations).</a:t>
+            </a:r>
+            <a:endParaRPr/>
+          </a:p>
+          <a:p>
+            <a:pPr marL="457200" lvl="0" indent="-342900" algn="l" rtl="0">
+              <a:spcBef>
+                <a:spcPts val="0"/>
+              </a:spcBef>
+              <a:spcAft>
+                <a:spcPts val="0"/>
+              </a:spcAft>
+              <a:buSzPts val="1800"/>
+              <a:buChar char="-"/>
+            </a:pPr>
+            <a:r>
+              <a:rPr lang="en"/>
+              <a:t>Processing data (short term, e.g. already processed resources).</a:t>
+            </a:r>
+            <a:endParaRPr/>
+          </a:p>
+          <a:p>
+            <a:pPr marL="457200" lvl="0" indent="-342900" algn="l" rtl="0">
+              <a:spcBef>
+                <a:spcPts val="0"/>
+              </a:spcBef>
+              <a:spcAft>
+                <a:spcPts val="0"/>
+              </a:spcAft>
+              <a:buSzPts val="1800"/>
+              <a:buChar char="-"/>
+            </a:pPr>
+            <a:r>
+              <a:rPr lang="en"/>
+              <a:t>Assignment data (permanent, e.g. rule based assignments of </a:t>
             </a:r>
             <a:br>
               <a:rPr lang="en"/>
             </a:br>
             <a:r>
               <a:rPr lang="en"/>
-              <a:t>(e.g. DHIS 2 Organisation Units).</a:t>
-            </a:r>
-            <a:endParaRPr/>
-          </a:p>
-          <a:p>
-            <a:pPr indent="-342900" lvl="0" marL="457200" rtl="0" algn="l">
-              <a:spcBef>
-                <a:spcPts val="0"/>
-              </a:spcBef>
-              <a:spcAft>
-                <a:spcPts val="0"/>
-              </a:spcAft>
-              <a:buSzPts val="1800"/>
-              <a:buChar char="-"/>
-            </a:pPr>
-            <a:r>
-              <a:rPr lang="en"/>
-              <a:t>Highly dynamic mapping for highly dynamic DHIS 2 resources </a:t>
-            </a:r>
-            <a:br>
-              <a:rPr lang="en"/>
-            </a:br>
-            <a:r>
-              <a:rPr lang="en"/>
-              <a:t>(DHIS 2 Tracked Entity Types and DHIS 2 Tracker Programs).</a:t>
-            </a:r>
-            <a:endParaRPr/>
-          </a:p>
-          <a:p>
-            <a:pPr indent="-342900" lvl="0" marL="457200" rtl="0" algn="l">
-              <a:spcBef>
-                <a:spcPts val="0"/>
-              </a:spcBef>
-              <a:spcAft>
-                <a:spcPts val="0"/>
-              </a:spcAft>
-              <a:buSzPts val="1800"/>
-              <a:buChar char="-"/>
-            </a:pPr>
-            <a:r>
-              <a:rPr lang="en"/>
-              <a:t>Dynamic mappings are triggered by rules that define when the rule can be used and how to perform the mapping.</a:t>
-            </a:r>
-            <a:endParaRPr/>
-          </a:p>
-          <a:p>
-            <a:pPr indent="-342900" lvl="0" marL="457200" rtl="0" algn="l">
-              <a:spcBef>
-                <a:spcPts val="0"/>
-              </a:spcBef>
-              <a:spcAft>
-                <a:spcPts val="0"/>
-              </a:spcAft>
-              <a:buSzPts val="1800"/>
-              <a:buChar char="-"/>
-            </a:pPr>
-            <a:r>
-              <a:rPr lang="en"/>
-              <a:t>Dynamic mappings are performed by reusable domain specific JavaScripts snippets that can be parameterized for different use cases.</a:t>
-            </a:r>
-            <a:endParaRPr/>
-          </a:p>
-          <a:p>
-            <a:pPr indent="-342900" lvl="0" marL="457200" rtl="0" algn="l">
-              <a:spcBef>
-                <a:spcPts val="0"/>
-              </a:spcBef>
-              <a:spcAft>
-                <a:spcPts val="0"/>
-              </a:spcAft>
-              <a:buSzPts val="1800"/>
-              <a:buChar char="-"/>
-            </a:pPr>
-            <a:r>
-              <a:rPr lang="en"/>
-              <a:t>Separate FHIR resource related mappings of DHIS 2 Tracked Entity Instance, Organisation Unit, GEO Location and various dates (e.g. enrollment date or effective date).</a:t>
+              <a:t>HL7® FHIR® Resources to DHIS 2 Resouces).</a:t>
             </a:r>
             <a:endParaRPr/>
           </a:p>
@@ -7832,11 +8300,11 @@
 </file>
 
 <file path=ppt/slides/slide12.xml><?xml version="1.0" encoding="utf-8"?>
-<p:sld xmlns:a="http://schemas.openxmlformats.org/drawingml/2006/main" xmlns:r="http://schemas.openxmlformats.org/officeDocument/2006/relationships" xmlns:mc="http://schemas.openxmlformats.org/markup-compatibility/2006" xmlns:mv="urn:schemas-microsoft-com:mac:vml" xmlns:p="http://schemas.openxmlformats.org/presentationml/2006/main" xmlns:c="http://schemas.openxmlformats.org/drawingml/2006/chart" xmlns:dgm="http://schemas.openxmlformats.org/drawingml/2006/diagram" xmlns:o="urn:schemas-microsoft-com:office:office" xmlns:v="urn:schemas-microsoft-com:vml" xmlns:pvml="urn:schemas-microsoft-com:office:powerpoint" xmlns:com="http://schemas.openxmlformats.org/drawingml/2006/compatibility" xmlns:p14="http://schemas.microsoft.com/office/powerpoint/2010/main" xmlns:p15="http://schemas.microsoft.com/office/powerpoint/2012/main">
+<p:sld xmlns:a="http://schemas.openxmlformats.org/drawingml/2006/main" xmlns:r="http://schemas.openxmlformats.org/officeDocument/2006/relationships" xmlns:p="http://schemas.openxmlformats.org/presentationml/2006/main">
   <p:cSld>
     <p:spTree>
       <p:nvGrpSpPr>
-        <p:cNvPr id="119" name="Shape 119"/>
+        <p:cNvPr id="1" name="Shape 118"/>
         <p:cNvGrpSpPr/>
         <p:nvPr/>
       </p:nvGrpSpPr>
@@ -7850,8 +8318,10 @@
       </p:grpSpPr>
       <p:sp>
         <p:nvSpPr>
-          <p:cNvPr id="120" name="Google Shape;120;p24"/>
-          <p:cNvSpPr txBox="1"/>
+          <p:cNvPr id="119" name="Google Shape;119;p24"/>
+          <p:cNvSpPr txBox="1">
+            <a:spLocks noGrp="1"/>
+          </p:cNvSpPr>
           <p:nvPr>
             <p:ph type="title"/>
           </p:nvPr>
@@ -7866,12 +8336,329 @@
           </a:prstGeom>
         </p:spPr>
         <p:txBody>
-          <a:bodyPr anchorCtr="0" anchor="t" bIns="91425" lIns="91425" spcFirstLastPara="1" rIns="91425" wrap="square" tIns="91425">
+          <a:bodyPr spcFirstLastPara="1" wrap="square" lIns="91425" tIns="91425" rIns="91425" bIns="91425" anchor="t" anchorCtr="0">
             <a:noAutofit/>
           </a:bodyPr>
           <a:lstStyle/>
           <a:p>
-            <a:pPr indent="0" lvl="0" marL="0" rtl="0" algn="l">
+            <a:pPr marL="0" lvl="0" indent="0" algn="l" rtl="0">
+              <a:spcBef>
+                <a:spcPts val="0"/>
+              </a:spcBef>
+              <a:spcAft>
+                <a:spcPts val="0"/>
+              </a:spcAft>
+              <a:buNone/>
+            </a:pPr>
+            <a:r>
+              <a:rPr lang="en"/>
+              <a:t>Interoperability between HL7® FHIR® and DHIS 2</a:t>
+            </a:r>
+            <a:endParaRPr/>
+          </a:p>
+        </p:txBody>
+      </p:sp>
+      <p:sp>
+        <p:nvSpPr>
+          <p:cNvPr id="120" name="Google Shape;120;p24"/>
+          <p:cNvSpPr txBox="1">
+            <a:spLocks noGrp="1"/>
+          </p:cNvSpPr>
+          <p:nvPr>
+            <p:ph type="body" idx="1"/>
+          </p:nvPr>
+        </p:nvSpPr>
+        <p:spPr>
+          <a:xfrm>
+            <a:off x="311700" y="1152475"/>
+            <a:ext cx="8520600" cy="3416400"/>
+          </a:xfrm>
+          <a:prstGeom prst="rect">
+            <a:avLst/>
+          </a:prstGeom>
+        </p:spPr>
+        <p:txBody>
+          <a:bodyPr spcFirstLastPara="1" wrap="square" lIns="91425" tIns="91425" rIns="91425" bIns="91425" anchor="t" anchorCtr="0">
+            <a:noAutofit/>
+          </a:bodyPr>
+          <a:lstStyle/>
+          <a:p>
+            <a:pPr marL="0" lvl="0" indent="0" algn="l" rtl="0">
+              <a:spcBef>
+                <a:spcPts val="0"/>
+              </a:spcBef>
+              <a:spcAft>
+                <a:spcPts val="0"/>
+              </a:spcAft>
+              <a:buNone/>
+            </a:pPr>
+            <a:r>
+              <a:rPr lang="en"/>
+              <a:t>HL7® FHIR® contain well defined extensible definitions of healthcare related resources (like a patient or an immunization). E.g. the blood pressure of a Patient can be collected an unrestricted amount of times per day.</a:t>
+            </a:r>
+            <a:endParaRPr/>
+          </a:p>
+          <a:p>
+            <a:pPr marL="0" lvl="0" indent="0" algn="l" rtl="0">
+              <a:spcBef>
+                <a:spcPts val="1600"/>
+              </a:spcBef>
+              <a:spcAft>
+                <a:spcPts val="1600"/>
+              </a:spcAft>
+              <a:buNone/>
+            </a:pPr>
+            <a:r>
+              <a:rPr lang="en"/>
+              <a:t>DHIS 2 Tracker is a highly flexible system that may not be used for healthcare related resources only. Resources are defined as needed (e.g. Tracked Entity Types that may be a Patient or even a Borehole). Data of a Tracked Entity Instance is collected in a structured way that is defined on a specific system installation by DHIS 2 Tracker Programs and their Stages. E.g. the blood pressure of a Patient can only be collected when a DHIS 2 Tracker Program includes it and only as many times as a DHIS 2 Tracker Program allows it.</a:t>
+            </a:r>
+            <a:endParaRPr/>
+          </a:p>
+        </p:txBody>
+      </p:sp>
+    </p:spTree>
+  </p:cSld>
+  <p:clrMapOvr>
+    <a:masterClrMapping/>
+  </p:clrMapOvr>
+</p:sld>
+</file>
+
+<file path=ppt/slides/slide13.xml><?xml version="1.0" encoding="utf-8"?>
+<p:sld xmlns:a="http://schemas.openxmlformats.org/drawingml/2006/main" xmlns:r="http://schemas.openxmlformats.org/officeDocument/2006/relationships" xmlns:p="http://schemas.openxmlformats.org/presentationml/2006/main">
+  <p:cSld>
+    <p:spTree>
+      <p:nvGrpSpPr>
+        <p:cNvPr id="1" name="Shape 124"/>
+        <p:cNvGrpSpPr/>
+        <p:nvPr/>
+      </p:nvGrpSpPr>
+      <p:grpSpPr>
+        <a:xfrm>
+          <a:off x="0" y="0"/>
+          <a:ext cx="0" cy="0"/>
+          <a:chOff x="0" y="0"/>
+          <a:chExt cx="0" cy="0"/>
+        </a:xfrm>
+      </p:grpSpPr>
+      <p:sp>
+        <p:nvSpPr>
+          <p:cNvPr id="125" name="Google Shape;125;p25"/>
+          <p:cNvSpPr txBox="1">
+            <a:spLocks noGrp="1"/>
+          </p:cNvSpPr>
+          <p:nvPr>
+            <p:ph type="title"/>
+          </p:nvPr>
+        </p:nvSpPr>
+        <p:spPr>
+          <a:xfrm>
+            <a:off x="311700" y="445025"/>
+            <a:ext cx="8520600" cy="572700"/>
+          </a:xfrm>
+          <a:prstGeom prst="rect">
+            <a:avLst/>
+          </a:prstGeom>
+        </p:spPr>
+        <p:txBody>
+          <a:bodyPr spcFirstLastPara="1" wrap="square" lIns="91425" tIns="91425" rIns="91425" bIns="91425" anchor="t" anchorCtr="0">
+            <a:noAutofit/>
+          </a:bodyPr>
+          <a:lstStyle/>
+          <a:p>
+            <a:pPr marL="0" lvl="0" indent="0" algn="l" rtl="0">
+              <a:spcBef>
+                <a:spcPts val="0"/>
+              </a:spcBef>
+              <a:spcAft>
+                <a:spcPts val="0"/>
+              </a:spcAft>
+              <a:buNone/>
+            </a:pPr>
+            <a:r>
+              <a:rPr lang="en"/>
+              <a:t>Mapping between HL7® FHIR® and DHIS 2</a:t>
+            </a:r>
+            <a:endParaRPr/>
+          </a:p>
+        </p:txBody>
+      </p:sp>
+      <p:sp>
+        <p:nvSpPr>
+          <p:cNvPr id="126" name="Google Shape;126;p25"/>
+          <p:cNvSpPr txBox="1">
+            <a:spLocks noGrp="1"/>
+          </p:cNvSpPr>
+          <p:nvPr>
+            <p:ph type="body" idx="1"/>
+          </p:nvPr>
+        </p:nvSpPr>
+        <p:spPr>
+          <a:xfrm>
+            <a:off x="311700" y="1152475"/>
+            <a:ext cx="8520600" cy="3656100"/>
+          </a:xfrm>
+          <a:prstGeom prst="rect">
+            <a:avLst/>
+          </a:prstGeom>
+        </p:spPr>
+        <p:txBody>
+          <a:bodyPr spcFirstLastPara="1" wrap="square" lIns="91425" tIns="91425" rIns="91425" bIns="91425" anchor="t" anchorCtr="0">
+            <a:noAutofit/>
+          </a:bodyPr>
+          <a:lstStyle/>
+          <a:p>
+            <a:pPr marL="457200" lvl="0" indent="-342900" algn="l" rtl="0">
+              <a:spcBef>
+                <a:spcPts val="0"/>
+              </a:spcBef>
+              <a:spcAft>
+                <a:spcPts val="0"/>
+              </a:spcAft>
+              <a:buSzPts val="1800"/>
+              <a:buChar char="-"/>
+            </a:pPr>
+            <a:r>
+              <a:rPr lang="en"/>
+              <a:t>Static mapping only for static DHIS 2 resources </a:t>
+            </a:r>
+            <a:br>
+              <a:rPr lang="en"/>
+            </a:br>
+            <a:r>
+              <a:rPr lang="en"/>
+              <a:t>(e.g. DHIS 2 Organisation Units).</a:t>
+            </a:r>
+            <a:endParaRPr/>
+          </a:p>
+          <a:p>
+            <a:pPr marL="457200" lvl="0" indent="-342900" algn="l" rtl="0">
+              <a:spcBef>
+                <a:spcPts val="0"/>
+              </a:spcBef>
+              <a:spcAft>
+                <a:spcPts val="0"/>
+              </a:spcAft>
+              <a:buSzPts val="1800"/>
+              <a:buChar char="-"/>
+            </a:pPr>
+            <a:r>
+              <a:rPr lang="en"/>
+              <a:t>Highly dynamic mapping for highly dynamic DHIS 2 resources </a:t>
+            </a:r>
+            <a:br>
+              <a:rPr lang="en"/>
+            </a:br>
+            <a:r>
+              <a:rPr lang="en"/>
+              <a:t>(DHIS 2 Tracked Entity Types and DHIS 2 Tracker Programs).</a:t>
+            </a:r>
+            <a:endParaRPr/>
+          </a:p>
+          <a:p>
+            <a:pPr marL="457200" lvl="0" indent="-342900" algn="l" rtl="0">
+              <a:spcBef>
+                <a:spcPts val="0"/>
+              </a:spcBef>
+              <a:spcAft>
+                <a:spcPts val="0"/>
+              </a:spcAft>
+              <a:buSzPts val="1800"/>
+              <a:buChar char="-"/>
+            </a:pPr>
+            <a:r>
+              <a:rPr lang="en"/>
+              <a:t>Dynamic mappings are triggered by rules that define when the rule can be used and how to perform the mapping.</a:t>
+            </a:r>
+            <a:endParaRPr/>
+          </a:p>
+          <a:p>
+            <a:pPr marL="457200" lvl="0" indent="-342900" algn="l" rtl="0">
+              <a:spcBef>
+                <a:spcPts val="0"/>
+              </a:spcBef>
+              <a:spcAft>
+                <a:spcPts val="0"/>
+              </a:spcAft>
+              <a:buSzPts val="1800"/>
+              <a:buChar char="-"/>
+            </a:pPr>
+            <a:r>
+              <a:rPr lang="en"/>
+              <a:t>Dynamic mappings are performed by reusable domain specific JavaScripts snippets that can be parameterized for different use cases.</a:t>
+            </a:r>
+            <a:endParaRPr/>
+          </a:p>
+          <a:p>
+            <a:pPr marL="457200" lvl="0" indent="-342900" algn="l" rtl="0">
+              <a:spcBef>
+                <a:spcPts val="0"/>
+              </a:spcBef>
+              <a:spcAft>
+                <a:spcPts val="0"/>
+              </a:spcAft>
+              <a:buSzPts val="1800"/>
+              <a:buChar char="-"/>
+            </a:pPr>
+            <a:r>
+              <a:rPr lang="en"/>
+              <a:t>Separate FHIR resource related mappings of DHIS 2 Tracked Entity Instance, Organisation Unit, GEO Location and various dates (e.g. enrollment date or effective date).</a:t>
+            </a:r>
+            <a:endParaRPr/>
+          </a:p>
+        </p:txBody>
+      </p:sp>
+    </p:spTree>
+  </p:cSld>
+  <p:clrMapOvr>
+    <a:masterClrMapping/>
+  </p:clrMapOvr>
+</p:sld>
+</file>
+
+<file path=ppt/slides/slide14.xml><?xml version="1.0" encoding="utf-8"?>
+<p:sld xmlns:a="http://schemas.openxmlformats.org/drawingml/2006/main" xmlns:r="http://schemas.openxmlformats.org/officeDocument/2006/relationships" xmlns:p="http://schemas.openxmlformats.org/presentationml/2006/main">
+  <p:cSld>
+    <p:spTree>
+      <p:nvGrpSpPr>
+        <p:cNvPr id="1" name="Shape 130"/>
+        <p:cNvGrpSpPr/>
+        <p:nvPr/>
+      </p:nvGrpSpPr>
+      <p:grpSpPr>
+        <a:xfrm>
+          <a:off x="0" y="0"/>
+          <a:ext cx="0" cy="0"/>
+          <a:chOff x="0" y="0"/>
+          <a:chExt cx="0" cy="0"/>
+        </a:xfrm>
+      </p:grpSpPr>
+      <p:sp>
+        <p:nvSpPr>
+          <p:cNvPr id="131" name="Google Shape;131;p26"/>
+          <p:cNvSpPr txBox="1">
+            <a:spLocks noGrp="1"/>
+          </p:cNvSpPr>
+          <p:nvPr>
+            <p:ph type="title"/>
+          </p:nvPr>
+        </p:nvSpPr>
+        <p:spPr>
+          <a:xfrm>
+            <a:off x="311700" y="445025"/>
+            <a:ext cx="8520600" cy="572700"/>
+          </a:xfrm>
+          <a:prstGeom prst="rect">
+            <a:avLst/>
+          </a:prstGeom>
+        </p:spPr>
+        <p:txBody>
+          <a:bodyPr spcFirstLastPara="1" wrap="square" lIns="91425" tIns="91425" rIns="91425" bIns="91425" anchor="t" anchorCtr="0">
+            <a:noAutofit/>
+          </a:bodyPr>
+          <a:lstStyle/>
+          <a:p>
+            <a:pPr marL="0" lvl="0" indent="0" algn="l" rtl="0">
               <a:spcBef>
                 <a:spcPts val="0"/>
               </a:spcBef>
@@ -7890,10 +8677,12 @@
       </p:sp>
       <p:sp>
         <p:nvSpPr>
-          <p:cNvPr id="121" name="Google Shape;121;p24"/>
-          <p:cNvSpPr txBox="1"/>
+          <p:cNvPr id="132" name="Google Shape;132;p26"/>
+          <p:cNvSpPr txBox="1">
+            <a:spLocks noGrp="1"/>
+          </p:cNvSpPr>
           <p:nvPr>
-            <p:ph idx="1" type="body"/>
+            <p:ph type="body" idx="1"/>
           </p:nvPr>
         </p:nvSpPr>
         <p:spPr>
@@ -7906,12 +8695,12 @@
           </a:prstGeom>
         </p:spPr>
         <p:txBody>
-          <a:bodyPr anchorCtr="0" anchor="t" bIns="91425" lIns="91425" spcFirstLastPara="1" rIns="91425" wrap="square" tIns="91425">
+          <a:bodyPr spcFirstLastPara="1" wrap="square" lIns="91425" tIns="91425" rIns="91425" bIns="91425" anchor="t" anchorCtr="0">
             <a:noAutofit/>
           </a:bodyPr>
           <a:lstStyle/>
           <a:p>
-            <a:pPr indent="0" lvl="0" marL="0" rtl="0" algn="l">
+            <a:pPr marL="0" lvl="0" indent="0" algn="l" rtl="0">
               <a:spcBef>
                 <a:spcPts val="0"/>
               </a:spcBef>
@@ -7921,14 +8710,14 @@
               <a:buNone/>
             </a:pPr>
             <a:r>
-              <a:rPr i="1" lang="en"/>
+              <a:rPr lang="en" i="1"/>
               <a:t>Simplified rough example of a mapping that uses </a:t>
             </a:r>
             <a:br>
-              <a:rPr i="1" lang="en"/>
+              <a:rPr lang="en" i="1"/>
             </a:br>
             <a:r>
-              <a:rPr i="1" lang="en"/>
+              <a:rPr lang="en" i="1"/>
               <a:t>the same reusable JavaScript snippet.</a:t>
             </a:r>
             <a:endParaRPr i="1"/>
@@ -7937,7 +8726,7 @@
       </p:sp>
       <p:pic>
         <p:nvPicPr>
-          <p:cNvPr id="122" name="Google Shape;122;p24"/>
+          <p:cNvPr id="133" name="Google Shape;133;p26"/>
           <p:cNvPicPr preferRelativeResize="0"/>
           <p:nvPr/>
         </p:nvPicPr>
@@ -7971,12 +8760,12 @@
 </p:sld>
 </file>
 
-<file path=ppt/slides/slide13.xml><?xml version="1.0" encoding="utf-8"?>
-<p:sld xmlns:a="http://schemas.openxmlformats.org/drawingml/2006/main" xmlns:r="http://schemas.openxmlformats.org/officeDocument/2006/relationships" xmlns:mc="http://schemas.openxmlformats.org/markup-compatibility/2006" xmlns:mv="urn:schemas-microsoft-com:mac:vml" xmlns:p="http://schemas.openxmlformats.org/presentationml/2006/main" xmlns:c="http://schemas.openxmlformats.org/drawingml/2006/chart" xmlns:dgm="http://schemas.openxmlformats.org/drawingml/2006/diagram" xmlns:o="urn:schemas-microsoft-com:office:office" xmlns:v="urn:schemas-microsoft-com:vml" xmlns:pvml="urn:schemas-microsoft-com:office:powerpoint" xmlns:com="http://schemas.openxmlformats.org/drawingml/2006/compatibility" xmlns:p14="http://schemas.microsoft.com/office/powerpoint/2010/main" xmlns:p15="http://schemas.microsoft.com/office/powerpoint/2012/main">
+<file path=ppt/slides/slide15.xml><?xml version="1.0" encoding="utf-8"?>
+<p:sld xmlns:a="http://schemas.openxmlformats.org/drawingml/2006/main" xmlns:r="http://schemas.openxmlformats.org/officeDocument/2006/relationships" xmlns:p="http://schemas.openxmlformats.org/presentationml/2006/main">
   <p:cSld>
     <p:spTree>
       <p:nvGrpSpPr>
-        <p:cNvPr id="126" name="Shape 126"/>
+        <p:cNvPr id="1" name="Shape 137"/>
         <p:cNvGrpSpPr/>
         <p:nvPr/>
       </p:nvGrpSpPr>
@@ -7990,8 +8779,10 @@
       </p:grpSpPr>
       <p:sp>
         <p:nvSpPr>
-          <p:cNvPr id="127" name="Google Shape;127;p25"/>
-          <p:cNvSpPr txBox="1"/>
+          <p:cNvPr id="138" name="Google Shape;138;p27"/>
+          <p:cNvSpPr txBox="1">
+            <a:spLocks noGrp="1"/>
+          </p:cNvSpPr>
           <p:nvPr>
             <p:ph type="title"/>
           </p:nvPr>
@@ -8006,12 +8797,12 @@
           </a:prstGeom>
         </p:spPr>
         <p:txBody>
-          <a:bodyPr anchorCtr="0" anchor="t" bIns="91425" lIns="91425" spcFirstLastPara="1" rIns="91425" wrap="square" tIns="91425">
+          <a:bodyPr spcFirstLastPara="1" wrap="square" lIns="91425" tIns="91425" rIns="91425" bIns="91425" anchor="t" anchorCtr="0">
             <a:noAutofit/>
           </a:bodyPr>
           <a:lstStyle/>
           <a:p>
-            <a:pPr indent="0" lvl="0" marL="0" rtl="0" algn="l">
+            <a:pPr marL="0" lvl="0" indent="0" algn="l" rtl="0">
               <a:spcBef>
                 <a:spcPts val="0"/>
               </a:spcBef>
@@ -8030,10 +8821,12 @@
       </p:sp>
       <p:sp>
         <p:nvSpPr>
-          <p:cNvPr id="128" name="Google Shape;128;p25"/>
-          <p:cNvSpPr txBox="1"/>
+          <p:cNvPr id="139" name="Google Shape;139;p27"/>
+          <p:cNvSpPr txBox="1">
+            <a:spLocks noGrp="1"/>
+          </p:cNvSpPr>
           <p:nvPr>
-            <p:ph idx="1" type="body"/>
+            <p:ph type="body" idx="1"/>
           </p:nvPr>
         </p:nvSpPr>
         <p:spPr>
@@ -8046,12 +8839,12 @@
           </a:prstGeom>
         </p:spPr>
         <p:txBody>
-          <a:bodyPr anchorCtr="0" anchor="t" bIns="91425" lIns="91425" spcFirstLastPara="1" rIns="91425" wrap="square" tIns="91425">
+          <a:bodyPr spcFirstLastPara="1" wrap="square" lIns="91425" tIns="91425" rIns="91425" bIns="91425" anchor="t" anchorCtr="0">
             <a:noAutofit/>
           </a:bodyPr>
           <a:lstStyle/>
           <a:p>
-            <a:pPr indent="-342900" lvl="0" marL="457200" rtl="0" algn="l">
+            <a:pPr marL="457200" lvl="0" indent="-342900" algn="l" rtl="0">
               <a:spcBef>
                 <a:spcPts val="0"/>
               </a:spcBef>
@@ -8063,24 +8856,12 @@
             </a:pPr>
             <a:r>
               <a:rPr lang="en"/>
-              <a:t>The adaptor should be able to participate in </a:t>
+              <a:t>The adaptor should be able to participate in interoperability use cases of tomorrow’s healthcare infrastructure and should support common adaptations of the HL7® FHIR® standard without the need of additional mediator services.</a:t>
             </a:r>
-            <a:r>
-              <a:rPr lang="en"/>
-              <a:t>interoperability</a:t>
-            </a:r>
-            <a:r>
-              <a:rPr lang="en"/>
-              <a:t> use cases of </a:t>
-            </a:r>
-            <a:r>
-              <a:rPr lang="en"/>
-              <a:t>tomorrow’s healthcare infrastructure and should support common adaptations of the HL7® FHIR® standard without the need of additional mediator services.</a:t>
-            </a:r>
-            <a:endParaRPr/>
-          </a:p>
-          <a:p>
-            <a:pPr indent="-342900" lvl="0" marL="457200" rtl="0" algn="l">
+            <a:endParaRPr/>
+          </a:p>
+          <a:p>
+            <a:pPr marL="457200" lvl="0" indent="-342900" algn="l" rtl="0">
               <a:spcBef>
                 <a:spcPts val="0"/>
               </a:spcBef>
@@ -8106,12 +8887,12 @@
 </p:sld>
 </file>
 
-<file path=ppt/slides/slide14.xml><?xml version="1.0" encoding="utf-8"?>
-<p:sld xmlns:a="http://schemas.openxmlformats.org/drawingml/2006/main" xmlns:r="http://schemas.openxmlformats.org/officeDocument/2006/relationships" xmlns:mc="http://schemas.openxmlformats.org/markup-compatibility/2006" xmlns:mv="urn:schemas-microsoft-com:mac:vml" xmlns:p="http://schemas.openxmlformats.org/presentationml/2006/main" xmlns:c="http://schemas.openxmlformats.org/drawingml/2006/chart" xmlns:dgm="http://schemas.openxmlformats.org/drawingml/2006/diagram" xmlns:o="urn:schemas-microsoft-com:office:office" xmlns:v="urn:schemas-microsoft-com:vml" xmlns:pvml="urn:schemas-microsoft-com:office:powerpoint" xmlns:com="http://schemas.openxmlformats.org/drawingml/2006/compatibility" xmlns:p14="http://schemas.microsoft.com/office/powerpoint/2010/main" xmlns:p15="http://schemas.microsoft.com/office/powerpoint/2012/main">
+<file path=ppt/slides/slide16.xml><?xml version="1.0" encoding="utf-8"?>
+<p:sld xmlns:a="http://schemas.openxmlformats.org/drawingml/2006/main" xmlns:r="http://schemas.openxmlformats.org/officeDocument/2006/relationships" xmlns:p="http://schemas.openxmlformats.org/presentationml/2006/main">
   <p:cSld>
     <p:spTree>
       <p:nvGrpSpPr>
-        <p:cNvPr id="132" name="Shape 132"/>
+        <p:cNvPr id="1" name="Shape 143"/>
         <p:cNvGrpSpPr/>
         <p:nvPr/>
       </p:nvGrpSpPr>
@@ -8125,8 +8906,10 @@
       </p:grpSpPr>
       <p:sp>
         <p:nvSpPr>
-          <p:cNvPr id="133" name="Google Shape;133;p26"/>
-          <p:cNvSpPr txBox="1"/>
+          <p:cNvPr id="144" name="Google Shape;144;p28"/>
+          <p:cNvSpPr txBox="1">
+            <a:spLocks noGrp="1"/>
+          </p:cNvSpPr>
           <p:nvPr>
             <p:ph type="title"/>
           </p:nvPr>
@@ -8141,12 +8924,12 @@
           </a:prstGeom>
         </p:spPr>
         <p:txBody>
-          <a:bodyPr anchorCtr="0" anchor="t" bIns="91425" lIns="91425" spcFirstLastPara="1" rIns="91425" wrap="square" tIns="91425">
+          <a:bodyPr spcFirstLastPara="1" wrap="square" lIns="91425" tIns="91425" rIns="91425" bIns="91425" anchor="t" anchorCtr="0">
             <a:noAutofit/>
           </a:bodyPr>
           <a:lstStyle/>
           <a:p>
-            <a:pPr indent="0" lvl="0" marL="0" rtl="0" algn="l">
+            <a:pPr marL="0" lvl="0" indent="0" algn="l" rtl="0">
               <a:spcBef>
                 <a:spcPts val="0"/>
               </a:spcBef>
@@ -8165,10 +8948,12 @@
       </p:sp>
       <p:sp>
         <p:nvSpPr>
-          <p:cNvPr id="134" name="Google Shape;134;p26"/>
-          <p:cNvSpPr txBox="1"/>
+          <p:cNvPr id="145" name="Google Shape;145;p28"/>
+          <p:cNvSpPr txBox="1">
+            <a:spLocks noGrp="1"/>
+          </p:cNvSpPr>
           <p:nvPr>
-            <p:ph idx="1" type="body"/>
+            <p:ph type="body" idx="1"/>
           </p:nvPr>
         </p:nvSpPr>
         <p:spPr>
@@ -8181,12 +8966,12 @@
           </a:prstGeom>
         </p:spPr>
         <p:txBody>
-          <a:bodyPr anchorCtr="0" anchor="t" bIns="91425" lIns="91425" spcFirstLastPara="1" rIns="91425" wrap="square" tIns="91425">
+          <a:bodyPr spcFirstLastPara="1" wrap="square" lIns="91425" tIns="91425" rIns="91425" bIns="91425" anchor="t" anchorCtr="0">
             <a:noAutofit/>
           </a:bodyPr>
           <a:lstStyle/>
           <a:p>
-            <a:pPr indent="-342900" lvl="0" marL="457200" rtl="0" algn="l">
+            <a:pPr marL="457200" lvl="0" indent="-342900" algn="l" rtl="0">
               <a:spcBef>
                 <a:spcPts val="0"/>
               </a:spcBef>
@@ -8198,27 +8983,36 @@
             </a:pPr>
             <a:r>
               <a:rPr lang="en"/>
-              <a:t>HL7® FHIR® system dependent e</a:t>
-            </a:r>
-            <a:r>
-              <a:rPr lang="en"/>
-              <a:t>nrichment of incoming </a:t>
+              <a:t>HL7® FHIR® system dependent enrichment of incoming </a:t>
             </a:r>
             <a:br>
               <a:rPr lang="en"/>
             </a:br>
             <a:r>
               <a:rPr lang="en"/>
-              <a:t>HL7® FHIR®</a:t>
+              <a:t>HL7® FHIR® Resource (e.g. enriching with managing organization).</a:t>
             </a:r>
+            <a:endParaRPr/>
+          </a:p>
+          <a:p>
+            <a:pPr marL="457200" lvl="0" indent="-342900" algn="l" rtl="0">
+              <a:spcBef>
+                <a:spcPts val="0"/>
+              </a:spcBef>
+              <a:spcAft>
+                <a:spcPts val="0"/>
+              </a:spcAft>
+              <a:buSzPts val="1800"/>
+              <a:buChar char="-"/>
+            </a:pPr>
             <a:r>
               <a:rPr lang="en"/>
-              <a:t> Resource (e.g. enriching with managing organization).</a:t>
+              <a:t>Accessing a basic Terminology Service that provides mapping of system independent codes and code sets (e.g. set of codes that define vaccines that cause an immunization for measles).</a:t>
             </a:r>
             <a:endParaRPr/>
           </a:p>
           <a:p>
-            <a:pPr indent="-342900" lvl="0" marL="457200" rtl="0" algn="l">
+            <a:pPr marL="457200" lvl="0" indent="-342900" algn="l" rtl="0">
               <a:spcBef>
                 <a:spcPts val="0"/>
               </a:spcBef>
@@ -8230,49 +9024,12 @@
             </a:pPr>
             <a:r>
               <a:rPr lang="en"/>
-              <a:t>Accessing a basic T</a:t>
+              <a:t>Various domain specific utilities (e.g. handling vital signs).</a:t>
             </a:r>
-            <a:r>
-              <a:rPr lang="en"/>
-              <a:t>erminology</a:t>
-            </a:r>
-            <a:r>
-              <a:rPr lang="en"/>
-              <a:t> Service that provides mapping of system independent codes and code sets (e.g. set of codes that define vaccines that cause an immunization for </a:t>
-            </a:r>
-            <a:r>
-              <a:rPr lang="en"/>
-              <a:t>measles</a:t>
-            </a:r>
-            <a:r>
-              <a:rPr lang="en"/>
-              <a:t>).</a:t>
-            </a:r>
-            <a:endParaRPr/>
-          </a:p>
-          <a:p>
-            <a:pPr indent="-342900" lvl="0" marL="457200" rtl="0" algn="l">
-              <a:spcBef>
-                <a:spcPts val="0"/>
-              </a:spcBef>
-              <a:spcAft>
-                <a:spcPts val="0"/>
-              </a:spcAft>
-              <a:buSzPts val="1800"/>
-              <a:buChar char="-"/>
-            </a:pPr>
-            <a:r>
-              <a:rPr lang="en"/>
-              <a:t>Various domain specific utilities (e.g. handling vital signs</a:t>
-            </a:r>
-            <a:r>
-              <a:rPr lang="en"/>
-              <a:t>).</a:t>
-            </a:r>
-            <a:endParaRPr/>
-          </a:p>
-          <a:p>
-            <a:pPr indent="-342900" lvl="0" marL="457200" rtl="0" algn="l">
+            <a:endParaRPr/>
+          </a:p>
+          <a:p>
+            <a:pPr marL="457200" lvl="0" indent="-342900" algn="l" rtl="0">
               <a:spcBef>
                 <a:spcPts val="0"/>
               </a:spcBef>
@@ -8289,7 +9046,7 @@
             <a:endParaRPr/>
           </a:p>
           <a:p>
-            <a:pPr indent="-342900" lvl="0" marL="457200" rtl="0" algn="l">
+            <a:pPr marL="457200" lvl="0" indent="-342900" algn="l" rtl="0">
               <a:spcBef>
                 <a:spcPts val="0"/>
               </a:spcBef>
@@ -8315,12 +9072,12 @@
 </p:sld>
 </file>
 
-<file path=ppt/slides/slide15.xml><?xml version="1.0" encoding="utf-8"?>
-<p:sld xmlns:a="http://schemas.openxmlformats.org/drawingml/2006/main" xmlns:r="http://schemas.openxmlformats.org/officeDocument/2006/relationships" xmlns:mc="http://schemas.openxmlformats.org/markup-compatibility/2006" xmlns:mv="urn:schemas-microsoft-com:mac:vml" xmlns:p="http://schemas.openxmlformats.org/presentationml/2006/main" xmlns:c="http://schemas.openxmlformats.org/drawingml/2006/chart" xmlns:dgm="http://schemas.openxmlformats.org/drawingml/2006/diagram" xmlns:o="urn:schemas-microsoft-com:office:office" xmlns:v="urn:schemas-microsoft-com:vml" xmlns:pvml="urn:schemas-microsoft-com:office:powerpoint" xmlns:com="http://schemas.openxmlformats.org/drawingml/2006/compatibility" xmlns:p14="http://schemas.microsoft.com/office/powerpoint/2010/main" xmlns:p15="http://schemas.microsoft.com/office/powerpoint/2012/main">
+<file path=ppt/slides/slide17.xml><?xml version="1.0" encoding="utf-8"?>
+<p:sld xmlns:a="http://schemas.openxmlformats.org/drawingml/2006/main" xmlns:r="http://schemas.openxmlformats.org/officeDocument/2006/relationships" xmlns:p="http://schemas.openxmlformats.org/presentationml/2006/main">
   <p:cSld>
     <p:spTree>
       <p:nvGrpSpPr>
-        <p:cNvPr id="138" name="Shape 138"/>
+        <p:cNvPr id="1" name="Shape 149"/>
         <p:cNvGrpSpPr/>
         <p:nvPr/>
       </p:nvGrpSpPr>
@@ -8334,8 +9091,10 @@
       </p:grpSpPr>
       <p:sp>
         <p:nvSpPr>
-          <p:cNvPr id="139" name="Google Shape;139;p27"/>
-          <p:cNvSpPr txBox="1"/>
+          <p:cNvPr id="150" name="Google Shape;150;p29"/>
+          <p:cNvSpPr txBox="1">
+            <a:spLocks noGrp="1"/>
+          </p:cNvSpPr>
           <p:nvPr>
             <p:ph type="title"/>
           </p:nvPr>
@@ -8350,12 +9109,12 @@
           </a:prstGeom>
         </p:spPr>
         <p:txBody>
-          <a:bodyPr anchorCtr="0" anchor="t" bIns="91425" lIns="91425" spcFirstLastPara="1" rIns="91425" wrap="square" tIns="91425">
+          <a:bodyPr spcFirstLastPara="1" wrap="square" lIns="91425" tIns="91425" rIns="91425" bIns="91425" anchor="t" anchorCtr="0">
             <a:noAutofit/>
           </a:bodyPr>
           <a:lstStyle/>
           <a:p>
-            <a:pPr indent="0" lvl="0" marL="0" rtl="0" algn="l">
+            <a:pPr marL="0" lvl="0" indent="0" algn="l" rtl="0">
               <a:spcBef>
                 <a:spcPts val="0"/>
               </a:spcBef>
@@ -8374,10 +9133,12 @@
       </p:sp>
       <p:sp>
         <p:nvSpPr>
-          <p:cNvPr id="140" name="Google Shape;140;p27"/>
-          <p:cNvSpPr txBox="1"/>
+          <p:cNvPr id="151" name="Google Shape;151;p29"/>
+          <p:cNvSpPr txBox="1">
+            <a:spLocks noGrp="1"/>
+          </p:cNvSpPr>
           <p:nvPr>
-            <p:ph idx="1" type="body"/>
+            <p:ph type="body" idx="1"/>
           </p:nvPr>
         </p:nvSpPr>
         <p:spPr>
@@ -8390,12 +9151,12 @@
           </a:prstGeom>
         </p:spPr>
         <p:txBody>
-          <a:bodyPr anchorCtr="0" anchor="t" bIns="91425" lIns="91425" spcFirstLastPara="1" rIns="91425" wrap="square" tIns="91425">
+          <a:bodyPr spcFirstLastPara="1" wrap="square" lIns="91425" tIns="91425" rIns="91425" bIns="91425" anchor="t" anchorCtr="0">
             <a:noAutofit/>
           </a:bodyPr>
           <a:lstStyle/>
           <a:p>
-            <a:pPr indent="-342900" lvl="0" marL="457200" rtl="0" algn="l">
+            <a:pPr marL="457200" lvl="0" indent="-342900" algn="l" rtl="0">
               <a:spcBef>
                 <a:spcPts val="0"/>
               </a:spcBef>
@@ -8407,11 +9168,7 @@
             </a:pPr>
             <a:r>
               <a:rPr lang="en"/>
-              <a:t>Import of </a:t>
-            </a:r>
-            <a:r>
-              <a:rPr lang="en"/>
-              <a:t>HL7® FHIR® Resources </a:t>
+              <a:t>Import of HL7® FHIR® Resources </a:t>
             </a:r>
             <a:br>
               <a:rPr lang="en"/>
@@ -8423,7 +9180,7 @@
             <a:endParaRPr/>
           </a:p>
           <a:p>
-            <a:pPr indent="-342900" lvl="0" marL="457200" rtl="0" algn="l">
+            <a:pPr marL="457200" lvl="0" indent="-342900" algn="l" rtl="0">
               <a:spcBef>
                 <a:spcPts val="0"/>
               </a:spcBef>
@@ -8440,7 +9197,7 @@
             <a:endParaRPr/>
           </a:p>
           <a:p>
-            <a:pPr indent="-342900" lvl="0" marL="457200" rtl="0" algn="l">
+            <a:pPr marL="457200" lvl="0" indent="-342900" algn="l" rtl="0">
               <a:spcBef>
                 <a:spcPts val="0"/>
               </a:spcBef>
@@ -8457,7 +9214,7 @@
             <a:endParaRPr/>
           </a:p>
           <a:p>
-            <a:pPr indent="-342900" lvl="0" marL="457200" rtl="0" algn="l">
+            <a:pPr marL="457200" lvl="0" indent="-342900" algn="l" rtl="0">
               <a:spcBef>
                 <a:spcPts val="0"/>
               </a:spcBef>
@@ -8481,7 +9238,7 @@
             <a:endParaRPr/>
           </a:p>
           <a:p>
-            <a:pPr indent="-342900" lvl="0" marL="457200" rtl="0" algn="l">
+            <a:pPr marL="457200" lvl="0" indent="-342900" algn="l" rtl="0">
               <a:spcBef>
                 <a:spcPts val="0"/>
               </a:spcBef>
@@ -8505,7 +9262,7 @@
             <a:endParaRPr/>
           </a:p>
           <a:p>
-            <a:pPr indent="-342900" lvl="0" marL="457200" rtl="0" algn="l">
+            <a:pPr marL="457200" lvl="0" indent="-342900" algn="l" rtl="0">
               <a:spcBef>
                 <a:spcPts val="0"/>
               </a:spcBef>
@@ -8538,12 +9295,12 @@
 </p:sld>
 </file>
 
-<file path=ppt/slides/slide16.xml><?xml version="1.0" encoding="utf-8"?>
-<p:sld xmlns:a="http://schemas.openxmlformats.org/drawingml/2006/main" xmlns:r="http://schemas.openxmlformats.org/officeDocument/2006/relationships" xmlns:mc="http://schemas.openxmlformats.org/markup-compatibility/2006" xmlns:mv="urn:schemas-microsoft-com:mac:vml" xmlns:p="http://schemas.openxmlformats.org/presentationml/2006/main" xmlns:c="http://schemas.openxmlformats.org/drawingml/2006/chart" xmlns:dgm="http://schemas.openxmlformats.org/drawingml/2006/diagram" xmlns:o="urn:schemas-microsoft-com:office:office" xmlns:v="urn:schemas-microsoft-com:vml" xmlns:pvml="urn:schemas-microsoft-com:office:powerpoint" xmlns:com="http://schemas.openxmlformats.org/drawingml/2006/compatibility" xmlns:p14="http://schemas.microsoft.com/office/powerpoint/2010/main" xmlns:p15="http://schemas.microsoft.com/office/powerpoint/2012/main">
+<file path=ppt/slides/slide18.xml><?xml version="1.0" encoding="utf-8"?>
+<p:sld xmlns:a="http://schemas.openxmlformats.org/drawingml/2006/main" xmlns:r="http://schemas.openxmlformats.org/officeDocument/2006/relationships" xmlns:p="http://schemas.openxmlformats.org/presentationml/2006/main">
   <p:cSld>
     <p:spTree>
       <p:nvGrpSpPr>
-        <p:cNvPr id="144" name="Shape 144"/>
+        <p:cNvPr id="1" name="Shape 155"/>
         <p:cNvGrpSpPr/>
         <p:nvPr/>
       </p:nvGrpSpPr>
@@ -8557,8 +9314,10 @@
       </p:grpSpPr>
       <p:sp>
         <p:nvSpPr>
-          <p:cNvPr id="145" name="Google Shape;145;p28"/>
-          <p:cNvSpPr txBox="1"/>
+          <p:cNvPr id="156" name="Google Shape;156;p30"/>
+          <p:cNvSpPr txBox="1">
+            <a:spLocks noGrp="1"/>
+          </p:cNvSpPr>
           <p:nvPr>
             <p:ph type="title"/>
           </p:nvPr>
@@ -8573,12 +9332,12 @@
           </a:prstGeom>
         </p:spPr>
         <p:txBody>
-          <a:bodyPr anchorCtr="0" anchor="t" bIns="91425" lIns="91425" spcFirstLastPara="1" rIns="91425" wrap="square" tIns="91425">
+          <a:bodyPr spcFirstLastPara="1" wrap="square" lIns="91425" tIns="91425" rIns="91425" bIns="91425" anchor="t" anchorCtr="0">
             <a:noAutofit/>
           </a:bodyPr>
           <a:lstStyle/>
           <a:p>
-            <a:pPr indent="0" lvl="0" marL="0" rtl="0" algn="l">
+            <a:pPr marL="0" lvl="0" indent="0" algn="l" rtl="0">
               <a:spcBef>
                 <a:spcPts val="0"/>
               </a:spcBef>
@@ -8597,10 +9356,12 @@
       </p:sp>
       <p:sp>
         <p:nvSpPr>
-          <p:cNvPr id="146" name="Google Shape;146;p28"/>
-          <p:cNvSpPr txBox="1"/>
+          <p:cNvPr id="157" name="Google Shape;157;p30"/>
+          <p:cNvSpPr txBox="1">
+            <a:spLocks noGrp="1"/>
+          </p:cNvSpPr>
           <p:nvPr>
-            <p:ph idx="1" type="body"/>
+            <p:ph type="body" idx="1"/>
           </p:nvPr>
         </p:nvSpPr>
         <p:spPr>
@@ -8613,12 +9374,12 @@
           </a:prstGeom>
         </p:spPr>
         <p:txBody>
-          <a:bodyPr anchorCtr="0" anchor="t" bIns="91425" lIns="91425" spcFirstLastPara="1" rIns="91425" wrap="square" tIns="91425">
+          <a:bodyPr spcFirstLastPara="1" wrap="square" lIns="91425" tIns="91425" rIns="91425" bIns="91425" anchor="t" anchorCtr="0">
             <a:noAutofit/>
           </a:bodyPr>
           <a:lstStyle/>
           <a:p>
-            <a:pPr indent="-342900" lvl="0" marL="457200" rtl="0" algn="l">
+            <a:pPr marL="457200" lvl="0" indent="-342900" algn="l" rtl="0">
               <a:spcBef>
                 <a:spcPts val="0"/>
               </a:spcBef>
@@ -8635,7 +9396,7 @@
             <a:endParaRPr/>
           </a:p>
           <a:p>
-            <a:pPr indent="-342900" lvl="0" marL="457200" rtl="0" algn="l">
+            <a:pPr marL="457200" lvl="0" indent="-342900" algn="l" rtl="0">
               <a:spcBef>
                 <a:spcPts val="0"/>
               </a:spcBef>
@@ -8652,7 +9413,7 @@
             <a:endParaRPr/>
           </a:p>
           <a:p>
-            <a:pPr indent="-342900" lvl="0" marL="457200" rtl="0" algn="l">
+            <a:pPr marL="457200" lvl="0" indent="-342900" algn="l" rtl="0">
               <a:spcBef>
                 <a:spcPts val="0"/>
               </a:spcBef>
@@ -8669,7 +9430,7 @@
             <a:endParaRPr/>
           </a:p>
           <a:p>
-            <a:pPr indent="-342900" lvl="0" marL="457200" rtl="0" algn="l">
+            <a:pPr marL="457200" lvl="0" indent="-342900" algn="l" rtl="0">
               <a:spcBef>
                 <a:spcPts val="0"/>
               </a:spcBef>
@@ -8686,7 +9447,7 @@
             <a:endParaRPr/>
           </a:p>
           <a:p>
-            <a:pPr indent="-342900" lvl="0" marL="457200" rtl="0" algn="l">
+            <a:pPr marL="457200" lvl="0" indent="-342900" algn="l" rtl="0">
               <a:spcBef>
                 <a:spcPts val="0"/>
               </a:spcBef>
@@ -8703,7 +9464,7 @@
             <a:endParaRPr/>
           </a:p>
           <a:p>
-            <a:pPr indent="-342900" lvl="0" marL="457200" rtl="0" algn="l">
+            <a:pPr marL="457200" lvl="0" indent="-342900" algn="l" rtl="0">
               <a:spcBef>
                 <a:spcPts val="0"/>
               </a:spcBef>
@@ -8720,7 +9481,7 @@
             <a:endParaRPr/>
           </a:p>
           <a:p>
-            <a:pPr indent="0" lvl="0" marL="0" rtl="0" algn="l">
+            <a:pPr marL="0" lvl="0" indent="0" algn="l" rtl="0">
               <a:spcBef>
                 <a:spcPts val="1600"/>
               </a:spcBef>
@@ -8729,19 +9490,18 @@
               </a:spcAft>
               <a:buNone/>
             </a:pPr>
-            <a:r>
-              <a:t/>
-            </a:r>
             <a:endParaRPr/>
           </a:p>
         </p:txBody>
       </p:sp>
       <p:sp>
         <p:nvSpPr>
-          <p:cNvPr id="147" name="Google Shape;147;p28"/>
-          <p:cNvSpPr txBox="1"/>
+          <p:cNvPr id="158" name="Google Shape;158;p30"/>
+          <p:cNvSpPr txBox="1">
+            <a:spLocks noGrp="1"/>
+          </p:cNvSpPr>
           <p:nvPr>
-            <p:ph idx="1" type="body"/>
+            <p:ph type="body" idx="1"/>
           </p:nvPr>
         </p:nvSpPr>
         <p:spPr>
@@ -8754,12 +9514,12 @@
           </a:prstGeom>
         </p:spPr>
         <p:txBody>
-          <a:bodyPr anchorCtr="0" anchor="t" bIns="91425" lIns="91425" spcFirstLastPara="1" rIns="91425" wrap="square" tIns="91425">
+          <a:bodyPr spcFirstLastPara="1" wrap="square" lIns="91425" tIns="91425" rIns="91425" bIns="91425" anchor="t" anchorCtr="0">
             <a:noAutofit/>
           </a:bodyPr>
           <a:lstStyle/>
           <a:p>
-            <a:pPr indent="-342900" lvl="0" marL="457200" rtl="0" algn="l">
+            <a:pPr marL="457200" lvl="0" indent="-342900" algn="l" rtl="0">
               <a:spcBef>
                 <a:spcPts val="0"/>
               </a:spcBef>
@@ -8776,7 +9536,7 @@
             <a:endParaRPr/>
           </a:p>
           <a:p>
-            <a:pPr indent="-342900" lvl="0" marL="457200" rtl="0" algn="l">
+            <a:pPr marL="457200" lvl="0" indent="-342900" algn="l" rtl="0">
               <a:spcBef>
                 <a:spcPts val="0"/>
               </a:spcBef>
@@ -8793,7 +9553,7 @@
             <a:endParaRPr/>
           </a:p>
           <a:p>
-            <a:pPr indent="-342900" lvl="0" marL="457200" rtl="0" algn="l">
+            <a:pPr marL="457200" lvl="0" indent="-342900" algn="l" rtl="0">
               <a:spcBef>
                 <a:spcPts val="0"/>
               </a:spcBef>
@@ -8810,7 +9570,7 @@
             <a:endParaRPr/>
           </a:p>
           <a:p>
-            <a:pPr indent="-342900" lvl="0" marL="457200" rtl="0" algn="l">
+            <a:pPr marL="457200" lvl="0" indent="-342900" algn="l" rtl="0">
               <a:spcBef>
                 <a:spcPts val="0"/>
               </a:spcBef>
@@ -8827,7 +9587,7 @@
             <a:endParaRPr/>
           </a:p>
           <a:p>
-            <a:pPr indent="-342900" lvl="0" marL="457200" rtl="0" algn="l">
+            <a:pPr marL="457200" lvl="0" indent="-342900" algn="l" rtl="0">
               <a:spcBef>
                 <a:spcPts val="0"/>
               </a:spcBef>
@@ -8844,7 +9604,7 @@
             <a:endParaRPr/>
           </a:p>
           <a:p>
-            <a:pPr indent="0" lvl="0" marL="0" rtl="0" algn="l">
+            <a:pPr marL="0" lvl="0" indent="0" algn="l" rtl="0">
               <a:spcBef>
                 <a:spcPts val="1600"/>
               </a:spcBef>
@@ -8853,16 +9613,13 @@
               </a:spcAft>
               <a:buNone/>
             </a:pPr>
-            <a:r>
-              <a:t/>
-            </a:r>
             <a:endParaRPr/>
           </a:p>
         </p:txBody>
       </p:sp>
       <p:sp>
         <p:nvSpPr>
-          <p:cNvPr id="148" name="Google Shape;148;p28"/>
+          <p:cNvPr id="159" name="Google Shape;159;p30"/>
           <p:cNvSpPr txBox="1"/>
           <p:nvPr/>
         </p:nvSpPr>
@@ -8880,12 +9637,12 @@
           </a:ln>
         </p:spPr>
         <p:txBody>
-          <a:bodyPr anchorCtr="0" anchor="t" bIns="91425" lIns="91425" spcFirstLastPara="1" rIns="91425" wrap="square" tIns="91425">
+          <a:bodyPr spcFirstLastPara="1" wrap="square" lIns="91425" tIns="91425" rIns="91425" bIns="91425" anchor="t" anchorCtr="0">
             <a:noAutofit/>
           </a:bodyPr>
           <a:lstStyle/>
           <a:p>
-            <a:pPr indent="0" lvl="0" marL="0" rtl="0" algn="l">
+            <a:pPr marL="0" lvl="0" indent="0" algn="l" rtl="0">
               <a:lnSpc>
                 <a:spcPct val="115000"/>
               </a:lnSpc>
@@ -8925,7 +9682,7 @@
             </a:endParaRPr>
           </a:p>
           <a:p>
-            <a:pPr indent="0" lvl="0" marL="0" rtl="0" algn="l">
+            <a:pPr marL="0" lvl="0" indent="0" algn="l" rtl="0">
               <a:spcBef>
                 <a:spcPts val="1600"/>
               </a:spcBef>
@@ -8934,9 +9691,6 @@
               </a:spcAft>
               <a:buNone/>
             </a:pPr>
-            <a:r>
-              <a:t/>
-            </a:r>
             <a:endParaRPr>
               <a:latin typeface="Rubik"/>
               <a:ea typeface="Rubik"/>
@@ -8954,12 +9708,12 @@
 </p:sld>
 </file>
 
-<file path=ppt/slides/slide17.xml><?xml version="1.0" encoding="utf-8"?>
-<p:sld xmlns:a="http://schemas.openxmlformats.org/drawingml/2006/main" xmlns:r="http://schemas.openxmlformats.org/officeDocument/2006/relationships" xmlns:mc="http://schemas.openxmlformats.org/markup-compatibility/2006" xmlns:mv="urn:schemas-microsoft-com:mac:vml" xmlns:p="http://schemas.openxmlformats.org/presentationml/2006/main" xmlns:c="http://schemas.openxmlformats.org/drawingml/2006/chart" xmlns:dgm="http://schemas.openxmlformats.org/drawingml/2006/diagram" xmlns:o="urn:schemas-microsoft-com:office:office" xmlns:v="urn:schemas-microsoft-com:vml" xmlns:pvml="urn:schemas-microsoft-com:office:powerpoint" xmlns:com="http://schemas.openxmlformats.org/drawingml/2006/compatibility" xmlns:p14="http://schemas.microsoft.com/office/powerpoint/2010/main" xmlns:p15="http://schemas.microsoft.com/office/powerpoint/2012/main">
+<file path=ppt/slides/slide19.xml><?xml version="1.0" encoding="utf-8"?>
+<p:sld xmlns:a="http://schemas.openxmlformats.org/drawingml/2006/main" xmlns:r="http://schemas.openxmlformats.org/officeDocument/2006/relationships" xmlns:p="http://schemas.openxmlformats.org/presentationml/2006/main">
   <p:cSld>
     <p:spTree>
       <p:nvGrpSpPr>
-        <p:cNvPr id="152" name="Shape 152"/>
+        <p:cNvPr id="1" name="Shape 163"/>
         <p:cNvGrpSpPr/>
         <p:nvPr/>
       </p:nvGrpSpPr>
@@ -8973,8 +9727,10 @@
       </p:grpSpPr>
       <p:sp>
         <p:nvSpPr>
-          <p:cNvPr id="153" name="Google Shape;153;p29"/>
-          <p:cNvSpPr txBox="1"/>
+          <p:cNvPr id="164" name="Google Shape;164;p31"/>
+          <p:cNvSpPr txBox="1">
+            <a:spLocks noGrp="1"/>
+          </p:cNvSpPr>
           <p:nvPr>
             <p:ph type="title"/>
           </p:nvPr>
@@ -8989,12 +9745,12 @@
           </a:prstGeom>
         </p:spPr>
         <p:txBody>
-          <a:bodyPr anchorCtr="0" anchor="t" bIns="91425" lIns="91425" spcFirstLastPara="1" rIns="91425" wrap="square" tIns="91425">
+          <a:bodyPr spcFirstLastPara="1" wrap="square" lIns="91425" tIns="91425" rIns="91425" bIns="91425" anchor="t" anchorCtr="0">
             <a:noAutofit/>
           </a:bodyPr>
           <a:lstStyle/>
           <a:p>
-            <a:pPr indent="0" lvl="0" marL="0" rtl="0" algn="l">
+            <a:pPr marL="0" lvl="0" indent="0" algn="l" rtl="0">
               <a:spcBef>
                 <a:spcPts val="0"/>
               </a:spcBef>
@@ -9013,10 +9769,12 @@
       </p:sp>
       <p:sp>
         <p:nvSpPr>
-          <p:cNvPr id="154" name="Google Shape;154;p29"/>
-          <p:cNvSpPr txBox="1"/>
+          <p:cNvPr id="165" name="Google Shape;165;p31"/>
+          <p:cNvSpPr txBox="1">
+            <a:spLocks noGrp="1"/>
+          </p:cNvSpPr>
           <p:nvPr>
-            <p:ph idx="1" type="body"/>
+            <p:ph type="body" idx="1"/>
           </p:nvPr>
         </p:nvSpPr>
         <p:spPr>
@@ -9029,12 +9787,12 @@
           </a:prstGeom>
         </p:spPr>
         <p:txBody>
-          <a:bodyPr anchorCtr="0" anchor="t" bIns="91425" lIns="91425" spcFirstLastPara="1" rIns="91425" wrap="square" tIns="91425">
+          <a:bodyPr spcFirstLastPara="1" wrap="square" lIns="91425" tIns="91425" rIns="91425" bIns="91425" anchor="t" anchorCtr="0">
             <a:noAutofit/>
           </a:bodyPr>
           <a:lstStyle/>
           <a:p>
-            <a:pPr indent="-342900" lvl="0" marL="457200" rtl="0" algn="l">
+            <a:pPr marL="457200" lvl="0" indent="-342900" algn="l" rtl="0">
               <a:spcBef>
                 <a:spcPts val="0"/>
               </a:spcBef>
@@ -9046,11 +9804,7 @@
             </a:pPr>
             <a:r>
               <a:rPr lang="en"/>
-              <a:t>Supported H</a:t>
-            </a:r>
-            <a:r>
-              <a:rPr lang="en"/>
-              <a:t>L7® FHIR® standard:</a:t>
+              <a:t>Supported HL7® FHIR® standard:</a:t>
             </a:r>
             <a:br>
               <a:rPr lang="en"/>
@@ -9079,7 +9833,7 @@
             <a:endParaRPr/>
           </a:p>
           <a:p>
-            <a:pPr indent="-342900" lvl="0" marL="457200" rtl="0" algn="l">
+            <a:pPr marL="457200" lvl="0" indent="-342900" algn="l" rtl="0">
               <a:spcBef>
                 <a:spcPts val="0"/>
               </a:spcBef>
@@ -9108,7 +9862,7 @@
             <a:endParaRPr/>
           </a:p>
           <a:p>
-            <a:pPr indent="0" lvl="0" marL="0" rtl="0" algn="l">
+            <a:pPr marL="0" lvl="0" indent="0" algn="l" rtl="0">
               <a:spcBef>
                 <a:spcPts val="1600"/>
               </a:spcBef>
@@ -9117,9 +9871,6 @@
               </a:spcAft>
               <a:buNone/>
             </a:pPr>
-            <a:r>
-              <a:t/>
-            </a:r>
             <a:endParaRPr/>
           </a:p>
         </p:txBody>
@@ -9133,11 +9884,11 @@
 </file>
 
 <file path=ppt/slides/slide2.xml><?xml version="1.0" encoding="utf-8"?>
-<p:sld xmlns:a="http://schemas.openxmlformats.org/drawingml/2006/main" xmlns:r="http://schemas.openxmlformats.org/officeDocument/2006/relationships" xmlns:mc="http://schemas.openxmlformats.org/markup-compatibility/2006" xmlns:mv="urn:schemas-microsoft-com:mac:vml" xmlns:p="http://schemas.openxmlformats.org/presentationml/2006/main" xmlns:c="http://schemas.openxmlformats.org/drawingml/2006/chart" xmlns:dgm="http://schemas.openxmlformats.org/drawingml/2006/diagram" xmlns:o="urn:schemas-microsoft-com:office:office" xmlns:v="urn:schemas-microsoft-com:vml" xmlns:pvml="urn:schemas-microsoft-com:office:powerpoint" xmlns:com="http://schemas.openxmlformats.org/drawingml/2006/compatibility" xmlns:p14="http://schemas.microsoft.com/office/powerpoint/2010/main" xmlns:p15="http://schemas.microsoft.com/office/powerpoint/2012/main">
+<p:sld xmlns:a="http://schemas.openxmlformats.org/drawingml/2006/main" xmlns:r="http://schemas.openxmlformats.org/officeDocument/2006/relationships" xmlns:p="http://schemas.openxmlformats.org/presentationml/2006/main">
   <p:cSld>
     <p:spTree>
       <p:nvGrpSpPr>
-        <p:cNvPr id="61" name="Shape 61"/>
+        <p:cNvPr id="1" name="Shape 61"/>
         <p:cNvGrpSpPr/>
         <p:nvPr/>
       </p:nvGrpSpPr>
@@ -9152,7 +9903,9 @@
       <p:sp>
         <p:nvSpPr>
           <p:cNvPr id="62" name="Google Shape;62;p14"/>
-          <p:cNvSpPr txBox="1"/>
+          <p:cNvSpPr txBox="1">
+            <a:spLocks noGrp="1"/>
+          </p:cNvSpPr>
           <p:nvPr>
             <p:ph type="title"/>
           </p:nvPr>
@@ -9167,12 +9920,12 @@
           </a:prstGeom>
         </p:spPr>
         <p:txBody>
-          <a:bodyPr anchorCtr="0" anchor="ctr" bIns="91425" lIns="91425" spcFirstLastPara="1" rIns="91425" wrap="square" tIns="91425">
+          <a:bodyPr spcFirstLastPara="1" wrap="square" lIns="91425" tIns="91425" rIns="91425" bIns="91425" anchor="ctr" anchorCtr="0">
             <a:noAutofit/>
           </a:bodyPr>
           <a:lstStyle/>
           <a:p>
-            <a:pPr indent="0" lvl="0" marL="0" rtl="0" algn="ctr">
+            <a:pPr marL="0" lvl="0" indent="0" algn="ctr" rtl="0">
               <a:spcBef>
                 <a:spcPts val="0"/>
               </a:spcBef>
@@ -9190,15 +9943,7 @@
             </a:br>
             <a:r>
               <a:rPr lang="en" sz="3000"/>
-              <a:t>(Fast Healthcare </a:t>
-            </a:r>
-            <a:r>
-              <a:rPr lang="en" sz="3000"/>
-              <a:t>Interoperability</a:t>
-            </a:r>
-            <a:r>
-              <a:rPr lang="en" sz="3000"/>
-              <a:t> Resources)</a:t>
+              <a:t>(Fast Healthcare Interoperability Resources)</a:t>
             </a:r>
             <a:endParaRPr sz="3000"/>
           </a:p>
@@ -9213,11 +9958,11 @@
 </file>
 
 <file path=ppt/slides/slide3.xml><?xml version="1.0" encoding="utf-8"?>
-<p:sld xmlns:a="http://schemas.openxmlformats.org/drawingml/2006/main" xmlns:r="http://schemas.openxmlformats.org/officeDocument/2006/relationships" xmlns:mc="http://schemas.openxmlformats.org/markup-compatibility/2006" xmlns:mv="urn:schemas-microsoft-com:mac:vml" xmlns:p="http://schemas.openxmlformats.org/presentationml/2006/main" xmlns:c="http://schemas.openxmlformats.org/drawingml/2006/chart" xmlns:dgm="http://schemas.openxmlformats.org/drawingml/2006/diagram" xmlns:o="urn:schemas-microsoft-com:office:office" xmlns:v="urn:schemas-microsoft-com:vml" xmlns:pvml="urn:schemas-microsoft-com:office:powerpoint" xmlns:com="http://schemas.openxmlformats.org/drawingml/2006/compatibility" xmlns:p14="http://schemas.microsoft.com/office/powerpoint/2010/main" xmlns:p15="http://schemas.microsoft.com/office/powerpoint/2012/main">
+<p:sld xmlns:a="http://schemas.openxmlformats.org/drawingml/2006/main" xmlns:r="http://schemas.openxmlformats.org/officeDocument/2006/relationships" xmlns:p="http://schemas.openxmlformats.org/presentationml/2006/main">
   <p:cSld>
     <p:spTree>
       <p:nvGrpSpPr>
-        <p:cNvPr id="66" name="Shape 66"/>
+        <p:cNvPr id="1" name="Shape 66"/>
         <p:cNvGrpSpPr/>
         <p:nvPr/>
       </p:nvGrpSpPr>
@@ -9232,7 +9977,9 @@
       <p:sp>
         <p:nvSpPr>
           <p:cNvPr id="67" name="Google Shape;67;p15"/>
-          <p:cNvSpPr txBox="1"/>
+          <p:cNvSpPr txBox="1">
+            <a:spLocks noGrp="1"/>
+          </p:cNvSpPr>
           <p:nvPr>
             <p:ph type="title"/>
           </p:nvPr>
@@ -9247,12 +9994,12 @@
           </a:prstGeom>
         </p:spPr>
         <p:txBody>
-          <a:bodyPr anchorCtr="0" anchor="t" bIns="91425" lIns="91425" spcFirstLastPara="1" rIns="91425" wrap="square" tIns="91425">
+          <a:bodyPr spcFirstLastPara="1" wrap="square" lIns="91425" tIns="91425" rIns="91425" bIns="91425" anchor="t" anchorCtr="0">
             <a:noAutofit/>
           </a:bodyPr>
           <a:lstStyle/>
           <a:p>
-            <a:pPr indent="0" lvl="0" marL="0" rtl="0" algn="l">
+            <a:pPr marL="0" lvl="0" indent="0" algn="l" rtl="0">
               <a:spcBef>
                 <a:spcPts val="0"/>
               </a:spcBef>
@@ -9273,18 +10020,15 @@
             <a:endParaRPr/>
           </a:p>
           <a:p>
-            <a:pPr indent="0" lvl="0" marL="0" rtl="0" algn="l">
-              <a:spcBef>
-                <a:spcPts val="0"/>
-              </a:spcBef>
-              <a:spcAft>
-                <a:spcPts val="0"/>
-              </a:spcAft>
-              <a:buNone/>
-            </a:pPr>
-            <a:r>
-              <a:t/>
-            </a:r>
+            <a:pPr marL="0" lvl="0" indent="0" algn="l" rtl="0">
+              <a:spcBef>
+                <a:spcPts val="0"/>
+              </a:spcBef>
+              <a:spcAft>
+                <a:spcPts val="0"/>
+              </a:spcAft>
+              <a:buNone/>
+            </a:pPr>
             <a:endParaRPr/>
           </a:p>
         </p:txBody>
@@ -9292,9 +10036,11 @@
       <p:sp>
         <p:nvSpPr>
           <p:cNvPr id="68" name="Google Shape;68;p15"/>
-          <p:cNvSpPr txBox="1"/>
+          <p:cNvSpPr txBox="1">
+            <a:spLocks noGrp="1"/>
+          </p:cNvSpPr>
           <p:nvPr>
-            <p:ph idx="1" type="body"/>
+            <p:ph type="body" idx="1"/>
           </p:nvPr>
         </p:nvSpPr>
         <p:spPr>
@@ -9307,12 +10053,12 @@
           </a:prstGeom>
         </p:spPr>
         <p:txBody>
-          <a:bodyPr anchorCtr="0" anchor="t" bIns="91425" lIns="91425" spcFirstLastPara="1" rIns="91425" wrap="square" tIns="91425">
+          <a:bodyPr spcFirstLastPara="1" wrap="square" lIns="91425" tIns="91425" rIns="91425" bIns="91425" anchor="t" anchorCtr="0">
             <a:noAutofit/>
           </a:bodyPr>
           <a:lstStyle/>
           <a:p>
-            <a:pPr indent="-342900" lvl="0" marL="457200" rtl="0" algn="l">
+            <a:pPr marL="457200" lvl="0" indent="-342900" algn="l" rtl="0">
               <a:spcBef>
                 <a:spcPts val="0"/>
               </a:spcBef>
@@ -9329,7 +10075,7 @@
             <a:endParaRPr/>
           </a:p>
           <a:p>
-            <a:pPr indent="-342900" lvl="0" marL="457200" rtl="0" algn="l">
+            <a:pPr marL="457200" lvl="0" indent="-342900" algn="l" rtl="0">
               <a:spcBef>
                 <a:spcPts val="0"/>
               </a:spcBef>
@@ -9346,7 +10092,7 @@
             <a:endParaRPr/>
           </a:p>
           <a:p>
-            <a:pPr indent="-342900" lvl="0" marL="457200" rtl="0" algn="l">
+            <a:pPr marL="457200" lvl="0" indent="-342900" algn="l" rtl="0">
               <a:spcBef>
                 <a:spcPts val="0"/>
               </a:spcBef>
@@ -9363,7 +10109,7 @@
             <a:endParaRPr/>
           </a:p>
           <a:p>
-            <a:pPr indent="0" lvl="0" marL="457200" rtl="0" algn="l">
+            <a:pPr marL="457200" lvl="0" indent="0" algn="l" rtl="0">
               <a:spcBef>
                 <a:spcPts val="1600"/>
               </a:spcBef>
@@ -9372,9 +10118,6 @@
               </a:spcAft>
               <a:buNone/>
             </a:pPr>
-            <a:r>
-              <a:t/>
-            </a:r>
             <a:endParaRPr/>
           </a:p>
         </p:txBody>
@@ -9388,11 +10131,11 @@
 </file>
 
 <file path=ppt/slides/slide4.xml><?xml version="1.0" encoding="utf-8"?>
-<p:sld xmlns:a="http://schemas.openxmlformats.org/drawingml/2006/main" xmlns:r="http://schemas.openxmlformats.org/officeDocument/2006/relationships" xmlns:mc="http://schemas.openxmlformats.org/markup-compatibility/2006" xmlns:mv="urn:schemas-microsoft-com:mac:vml" xmlns:p="http://schemas.openxmlformats.org/presentationml/2006/main" xmlns:c="http://schemas.openxmlformats.org/drawingml/2006/chart" xmlns:dgm="http://schemas.openxmlformats.org/drawingml/2006/diagram" xmlns:o="urn:schemas-microsoft-com:office:office" xmlns:v="urn:schemas-microsoft-com:vml" xmlns:pvml="urn:schemas-microsoft-com:office:powerpoint" xmlns:com="http://schemas.openxmlformats.org/drawingml/2006/compatibility" xmlns:p14="http://schemas.microsoft.com/office/powerpoint/2010/main" xmlns:p15="http://schemas.microsoft.com/office/powerpoint/2012/main">
+<p:sld xmlns:a="http://schemas.openxmlformats.org/drawingml/2006/main" xmlns:r="http://schemas.openxmlformats.org/officeDocument/2006/relationships" xmlns:p="http://schemas.openxmlformats.org/presentationml/2006/main">
   <p:cSld>
     <p:spTree>
       <p:nvGrpSpPr>
-        <p:cNvPr id="72" name="Shape 72"/>
+        <p:cNvPr id="1" name="Shape 72"/>
         <p:cNvGrpSpPr/>
         <p:nvPr/>
       </p:nvGrpSpPr>
@@ -9407,7 +10150,9 @@
       <p:sp>
         <p:nvSpPr>
           <p:cNvPr id="73" name="Google Shape;73;p16"/>
-          <p:cNvSpPr txBox="1"/>
+          <p:cNvSpPr txBox="1">
+            <a:spLocks noGrp="1"/>
+          </p:cNvSpPr>
           <p:nvPr>
             <p:ph type="title"/>
           </p:nvPr>
@@ -9422,12 +10167,12 @@
           </a:prstGeom>
         </p:spPr>
         <p:txBody>
-          <a:bodyPr anchorCtr="0" anchor="t" bIns="91425" lIns="91425" spcFirstLastPara="1" rIns="91425" wrap="square" tIns="91425">
+          <a:bodyPr spcFirstLastPara="1" wrap="square" lIns="91425" tIns="91425" rIns="91425" bIns="91425" anchor="t" anchorCtr="0">
             <a:noAutofit/>
           </a:bodyPr>
           <a:lstStyle/>
           <a:p>
-            <a:pPr indent="0" lvl="0" marL="0" rtl="0" algn="l">
+            <a:pPr marL="0" lvl="0" indent="0" algn="l" rtl="0">
               <a:spcBef>
                 <a:spcPts val="0"/>
               </a:spcBef>
@@ -9481,11 +10226,11 @@
 </file>
 
 <file path=ppt/slides/slide5.xml><?xml version="1.0" encoding="utf-8"?>
-<p:sld xmlns:a="http://schemas.openxmlformats.org/drawingml/2006/main" xmlns:r="http://schemas.openxmlformats.org/officeDocument/2006/relationships" xmlns:mc="http://schemas.openxmlformats.org/markup-compatibility/2006" xmlns:mv="urn:schemas-microsoft-com:mac:vml" xmlns:p="http://schemas.openxmlformats.org/presentationml/2006/main" xmlns:c="http://schemas.openxmlformats.org/drawingml/2006/chart" xmlns:dgm="http://schemas.openxmlformats.org/drawingml/2006/diagram" xmlns:o="urn:schemas-microsoft-com:office:office" xmlns:v="urn:schemas-microsoft-com:vml" xmlns:pvml="urn:schemas-microsoft-com:office:powerpoint" xmlns:com="http://schemas.openxmlformats.org/drawingml/2006/compatibility" xmlns:p14="http://schemas.microsoft.com/office/powerpoint/2010/main" xmlns:p15="http://schemas.microsoft.com/office/powerpoint/2012/main">
+<p:sld xmlns:a="http://schemas.openxmlformats.org/drawingml/2006/main" xmlns:r="http://schemas.openxmlformats.org/officeDocument/2006/relationships" xmlns:p="http://schemas.openxmlformats.org/presentationml/2006/main">
   <p:cSld>
     <p:spTree>
       <p:nvGrpSpPr>
-        <p:cNvPr id="78" name="Shape 78"/>
+        <p:cNvPr id="1" name="Shape 78"/>
         <p:cNvGrpSpPr/>
         <p:nvPr/>
       </p:nvGrpSpPr>
@@ -9500,7 +10245,9 @@
       <p:sp>
         <p:nvSpPr>
           <p:cNvPr id="79" name="Google Shape;79;p17"/>
-          <p:cNvSpPr txBox="1"/>
+          <p:cNvSpPr txBox="1">
+            <a:spLocks noGrp="1"/>
+          </p:cNvSpPr>
           <p:nvPr>
             <p:ph type="title"/>
           </p:nvPr>
@@ -9515,12 +10262,12 @@
           </a:prstGeom>
         </p:spPr>
         <p:txBody>
-          <a:bodyPr anchorCtr="0" anchor="t" bIns="91425" lIns="91425" spcFirstLastPara="1" rIns="91425" wrap="square" tIns="91425">
+          <a:bodyPr spcFirstLastPara="1" wrap="square" lIns="91425" tIns="91425" rIns="91425" bIns="91425" anchor="t" anchorCtr="0">
             <a:noAutofit/>
           </a:bodyPr>
           <a:lstStyle/>
           <a:p>
-            <a:pPr indent="0" lvl="0" marL="0" rtl="0" algn="l">
+            <a:pPr marL="0" lvl="0" indent="0" algn="l" rtl="0">
               <a:spcBef>
                 <a:spcPts val="0"/>
               </a:spcBef>
@@ -9540,9 +10287,11 @@
       <p:sp>
         <p:nvSpPr>
           <p:cNvPr id="80" name="Google Shape;80;p17"/>
-          <p:cNvSpPr txBox="1"/>
+          <p:cNvSpPr txBox="1">
+            <a:spLocks noGrp="1"/>
+          </p:cNvSpPr>
           <p:nvPr>
-            <p:ph idx="1" type="body"/>
+            <p:ph type="body" idx="1"/>
           </p:nvPr>
         </p:nvSpPr>
         <p:spPr>
@@ -9555,12 +10304,12 @@
           </a:prstGeom>
         </p:spPr>
         <p:txBody>
-          <a:bodyPr anchorCtr="0" anchor="t" bIns="91425" lIns="91425" spcFirstLastPara="1" rIns="91425" wrap="square" tIns="91425">
+          <a:bodyPr spcFirstLastPara="1" wrap="square" lIns="91425" tIns="91425" rIns="91425" bIns="91425" anchor="t" anchorCtr="0">
             <a:noAutofit/>
           </a:bodyPr>
           <a:lstStyle/>
           <a:p>
-            <a:pPr indent="0" lvl="0" marL="0" rtl="0" algn="l">
+            <a:pPr marL="0" lvl="0" indent="0" algn="l" rtl="0">
               <a:spcBef>
                 <a:spcPts val="0"/>
               </a:spcBef>
@@ -9571,28 +10320,12 @@
             </a:pPr>
             <a:r>
               <a:rPr lang="en"/>
-              <a:t>As long as HL7® FHIR® standard is not adapted, mapping may be completely obsolete between </a:t>
+              <a:t>As long as HL7® FHIR® standard is not adapted, mapping may be completely obsolete between HL7® FHIR® connected systems. Adaptations may exist often:</a:t>
             </a:r>
-            <a:r>
-              <a:rPr lang="en"/>
-              <a:t>HL7® FHIR® connected systems</a:t>
-            </a:r>
-            <a:r>
-              <a:rPr lang="en"/>
-              <a:t>. </a:t>
-            </a:r>
-            <a:r>
-              <a:rPr lang="en"/>
-              <a:t>Adaptations</a:t>
-            </a:r>
-            <a:r>
-              <a:rPr lang="en"/>
-              <a:t> may exist often:</a:t>
-            </a:r>
-            <a:endParaRPr/>
-          </a:p>
-          <a:p>
-            <a:pPr indent="-342900" lvl="0" marL="457200" rtl="0" algn="l">
+            <a:endParaRPr/>
+          </a:p>
+          <a:p>
+            <a:pPr marL="457200" lvl="0" indent="-342900" algn="l" rtl="0">
               <a:spcBef>
                 <a:spcPts val="1600"/>
               </a:spcBef>
@@ -9609,7 +10342,7 @@
             <a:endParaRPr/>
           </a:p>
           <a:p>
-            <a:pPr indent="-342900" lvl="0" marL="457200" rtl="0" algn="l">
+            <a:pPr marL="457200" lvl="0" indent="-342900" algn="l" rtl="0">
               <a:spcBef>
                 <a:spcPts val="0"/>
               </a:spcBef>
@@ -9626,7 +10359,7 @@
             <a:endParaRPr/>
           </a:p>
           <a:p>
-            <a:pPr indent="-342900" lvl="0" marL="457200" rtl="0" algn="l">
+            <a:pPr marL="457200" lvl="0" indent="-342900" algn="l" rtl="0">
               <a:spcBef>
                 <a:spcPts val="0"/>
               </a:spcBef>
@@ -9638,11 +10371,7 @@
             </a:pPr>
             <a:r>
               <a:rPr lang="en"/>
-              <a:t>Different non-standard use of </a:t>
-            </a:r>
-            <a:r>
-              <a:rPr lang="en"/>
-              <a:t>HL7® FHIR® Resources </a:t>
+              <a:t>Different non-standard use of HL7® FHIR® Resources </a:t>
             </a:r>
             <a:br>
               <a:rPr lang="en"/>
@@ -9654,7 +10383,7 @@
             <a:endParaRPr/>
           </a:p>
           <a:p>
-            <a:pPr indent="-342900" lvl="0" marL="457200" rtl="0" algn="l">
+            <a:pPr marL="457200" lvl="0" indent="-342900" algn="l" rtl="0">
               <a:spcBef>
                 <a:spcPts val="0"/>
               </a:spcBef>
@@ -9671,7 +10400,7 @@
             <a:endParaRPr/>
           </a:p>
           <a:p>
-            <a:pPr indent="0" lvl="0" marL="0" rtl="0" algn="l">
+            <a:pPr marL="0" lvl="0" indent="0" algn="l" rtl="0">
               <a:spcBef>
                 <a:spcPts val="1600"/>
               </a:spcBef>
@@ -9687,7 +10416,7 @@
             <a:endParaRPr/>
           </a:p>
           <a:p>
-            <a:pPr indent="0" lvl="0" marL="0" rtl="0" algn="l">
+            <a:pPr marL="0" lvl="0" indent="0" algn="l" rtl="0">
               <a:spcBef>
                 <a:spcPts val="1600"/>
               </a:spcBef>
@@ -9696,9 +10425,6 @@
               </a:spcAft>
               <a:buNone/>
             </a:pPr>
-            <a:r>
-              <a:t/>
-            </a:r>
             <a:endParaRPr/>
           </a:p>
         </p:txBody>
@@ -9712,11 +10438,11 @@
 </file>
 
 <file path=ppt/slides/slide6.xml><?xml version="1.0" encoding="utf-8"?>
-<p:sld xmlns:a="http://schemas.openxmlformats.org/drawingml/2006/main" xmlns:r="http://schemas.openxmlformats.org/officeDocument/2006/relationships" xmlns:mc="http://schemas.openxmlformats.org/markup-compatibility/2006" xmlns:mv="urn:schemas-microsoft-com:mac:vml" xmlns:p="http://schemas.openxmlformats.org/presentationml/2006/main" xmlns:c="http://schemas.openxmlformats.org/drawingml/2006/chart" xmlns:dgm="http://schemas.openxmlformats.org/drawingml/2006/diagram" xmlns:o="urn:schemas-microsoft-com:office:office" xmlns:v="urn:schemas-microsoft-com:vml" xmlns:pvml="urn:schemas-microsoft-com:office:powerpoint" xmlns:com="http://schemas.openxmlformats.org/drawingml/2006/compatibility" xmlns:p14="http://schemas.microsoft.com/office/powerpoint/2010/main" xmlns:p15="http://schemas.microsoft.com/office/powerpoint/2012/main">
+<p:sld xmlns:a="http://schemas.openxmlformats.org/drawingml/2006/main" xmlns:r="http://schemas.openxmlformats.org/officeDocument/2006/relationships" xmlns:p="http://schemas.openxmlformats.org/presentationml/2006/main">
   <p:cSld>
     <p:spTree>
       <p:nvGrpSpPr>
-        <p:cNvPr id="84" name="Shape 84"/>
+        <p:cNvPr id="1" name="Shape 84"/>
         <p:cNvGrpSpPr/>
         <p:nvPr/>
       </p:nvGrpSpPr>
@@ -9731,7 +10457,9 @@
       <p:sp>
         <p:nvSpPr>
           <p:cNvPr id="85" name="Google Shape;85;p18"/>
-          <p:cNvSpPr txBox="1"/>
+          <p:cNvSpPr txBox="1">
+            <a:spLocks noGrp="1"/>
+          </p:cNvSpPr>
           <p:nvPr>
             <p:ph type="title"/>
           </p:nvPr>
@@ -9746,12 +10474,12 @@
           </a:prstGeom>
         </p:spPr>
         <p:txBody>
-          <a:bodyPr anchorCtr="0" anchor="ctr" bIns="91425" lIns="91425" spcFirstLastPara="1" rIns="91425" wrap="square" tIns="91425">
+          <a:bodyPr spcFirstLastPara="1" wrap="square" lIns="91425" tIns="91425" rIns="91425" bIns="91425" anchor="ctr" anchorCtr="0">
             <a:noAutofit/>
           </a:bodyPr>
           <a:lstStyle/>
           <a:p>
-            <a:pPr indent="0" lvl="0" marL="0" rtl="0" algn="ctr">
+            <a:pPr marL="0" lvl="0" indent="0" algn="ctr" rtl="0">
               <a:spcBef>
                 <a:spcPts val="0"/>
               </a:spcBef>
@@ -9762,7 +10490,7 @@
             </a:pPr>
             <a:r>
               <a:rPr lang="en"/>
-              <a:t>How does DHIS 2 FHIR Adapter work?</a:t>
+              <a:t>What does DHIS 2 FHIR Adapter?</a:t>
             </a:r>
             <a:endParaRPr/>
           </a:p>
@@ -9777,11 +10505,11 @@
 </file>
 
 <file path=ppt/slides/slide7.xml><?xml version="1.0" encoding="utf-8"?>
-<p:sld xmlns:a="http://schemas.openxmlformats.org/drawingml/2006/main" xmlns:r="http://schemas.openxmlformats.org/officeDocument/2006/relationships" xmlns:mc="http://schemas.openxmlformats.org/markup-compatibility/2006" xmlns:mv="urn:schemas-microsoft-com:mac:vml" xmlns:p="http://schemas.openxmlformats.org/presentationml/2006/main" xmlns:c="http://schemas.openxmlformats.org/drawingml/2006/chart" xmlns:dgm="http://schemas.openxmlformats.org/drawingml/2006/diagram" xmlns:o="urn:schemas-microsoft-com:office:office" xmlns:v="urn:schemas-microsoft-com:vml" xmlns:pvml="urn:schemas-microsoft-com:office:powerpoint" xmlns:com="http://schemas.openxmlformats.org/drawingml/2006/compatibility" xmlns:p14="http://schemas.microsoft.com/office/powerpoint/2010/main" xmlns:p15="http://schemas.microsoft.com/office/powerpoint/2012/main">
+<p:sld xmlns:a="http://schemas.openxmlformats.org/drawingml/2006/main" xmlns:r="http://schemas.openxmlformats.org/officeDocument/2006/relationships" xmlns:p="http://schemas.openxmlformats.org/presentationml/2006/main">
   <p:cSld>
     <p:spTree>
       <p:nvGrpSpPr>
-        <p:cNvPr id="89" name="Shape 89"/>
+        <p:cNvPr id="1" name="Shape 89"/>
         <p:cNvGrpSpPr/>
         <p:nvPr/>
       </p:nvGrpSpPr>
@@ -9797,6 +10525,292 @@
         <p:nvSpPr>
           <p:cNvPr id="90" name="Google Shape;90;p19"/>
           <p:cNvSpPr txBox="1"/>
+          <p:nvPr/>
+        </p:nvSpPr>
+        <p:spPr>
+          <a:xfrm>
+            <a:off x="424950" y="1447300"/>
+            <a:ext cx="8322000" cy="3315300"/>
+          </a:xfrm>
+          <a:prstGeom prst="rect">
+            <a:avLst/>
+          </a:prstGeom>
+          <a:noFill/>
+          <a:ln>
+            <a:noFill/>
+          </a:ln>
+        </p:spPr>
+        <p:txBody>
+          <a:bodyPr spcFirstLastPara="1" wrap="square" lIns="91425" tIns="91425" rIns="91425" bIns="91425" anchor="t" anchorCtr="0">
+            <a:noAutofit/>
+          </a:bodyPr>
+          <a:lstStyle/>
+          <a:p>
+            <a:pPr marL="0" lvl="0" indent="0" algn="l" rtl="0">
+              <a:spcBef>
+                <a:spcPts val="0"/>
+              </a:spcBef>
+              <a:spcAft>
+                <a:spcPts val="0"/>
+              </a:spcAft>
+              <a:buNone/>
+            </a:pPr>
+            <a:r>
+              <a:rPr lang="en" sz="1800">
+                <a:latin typeface="Rubik"/>
+                <a:ea typeface="Rubik"/>
+                <a:cs typeface="Rubik"/>
+                <a:sym typeface="Rubik"/>
+              </a:rPr>
+              <a:t>The adapter imports </a:t>
+            </a:r>
+            <a:r>
+              <a:rPr lang="en" sz="1800">
+                <a:solidFill>
+                  <a:schemeClr val="dk1"/>
+                </a:solidFill>
+                <a:latin typeface="Rubik"/>
+                <a:ea typeface="Rubik"/>
+                <a:cs typeface="Rubik"/>
+                <a:sym typeface="Rubik"/>
+              </a:rPr>
+              <a:t>patient related medical data to questionnaire-like structures (DHIS2 Tracker Programs and their Program Stages) </a:t>
+            </a:r>
+            <a:r>
+              <a:rPr lang="en" sz="1800">
+                <a:latin typeface="Rubik"/>
+                <a:ea typeface="Rubik"/>
+                <a:cs typeface="Rubik"/>
+                <a:sym typeface="Rubik"/>
+              </a:rPr>
+              <a:t>on basis of a domain specific business rule engine (part of the adapter). It also can be used to export that data and to handle other type of data. </a:t>
+            </a:r>
+            <a:endParaRPr sz="1800">
+              <a:latin typeface="Rubik"/>
+              <a:ea typeface="Rubik"/>
+              <a:cs typeface="Rubik"/>
+              <a:sym typeface="Rubik"/>
+            </a:endParaRPr>
+          </a:p>
+          <a:p>
+            <a:pPr marL="0" lvl="0" indent="0" algn="l" rtl="0">
+              <a:spcBef>
+                <a:spcPts val="0"/>
+              </a:spcBef>
+              <a:spcAft>
+                <a:spcPts val="0"/>
+              </a:spcAft>
+              <a:buNone/>
+            </a:pPr>
+            <a:endParaRPr sz="1800">
+              <a:latin typeface="Rubik"/>
+              <a:ea typeface="Rubik"/>
+              <a:cs typeface="Rubik"/>
+              <a:sym typeface="Rubik"/>
+            </a:endParaRPr>
+          </a:p>
+          <a:p>
+            <a:pPr marL="0" lvl="0" indent="0" algn="l" rtl="0">
+              <a:spcBef>
+                <a:spcPts val="0"/>
+              </a:spcBef>
+              <a:spcAft>
+                <a:spcPts val="0"/>
+              </a:spcAft>
+              <a:buNone/>
+            </a:pPr>
+            <a:r>
+              <a:rPr lang="en" sz="1800">
+                <a:latin typeface="Rubik"/>
+                <a:ea typeface="Rubik"/>
+                <a:cs typeface="Rubik"/>
+                <a:sym typeface="Rubik"/>
+              </a:rPr>
+              <a:t>Simple example: The body weight of a child can be used on day 0 and 1 as birth weight of a child for the first stage of a Tracker Program. Otherwise it can be used as infant weight on day 6 and 7 for the second stage of a Tracker Program. Since the weight of a new born child changes rapidly it can only be used for a specific data element for a limited amount of time.</a:t>
+            </a:r>
+            <a:endParaRPr sz="1800">
+              <a:latin typeface="Rubik"/>
+              <a:ea typeface="Rubik"/>
+              <a:cs typeface="Rubik"/>
+              <a:sym typeface="Rubik"/>
+            </a:endParaRPr>
+          </a:p>
+          <a:p>
+            <a:pPr marL="0" lvl="0" indent="0" algn="l" rtl="0">
+              <a:spcBef>
+                <a:spcPts val="0"/>
+              </a:spcBef>
+              <a:spcAft>
+                <a:spcPts val="0"/>
+              </a:spcAft>
+              <a:buNone/>
+            </a:pPr>
+            <a:endParaRPr>
+              <a:latin typeface="Rubik"/>
+              <a:ea typeface="Rubik"/>
+              <a:cs typeface="Rubik"/>
+              <a:sym typeface="Rubik"/>
+            </a:endParaRPr>
+          </a:p>
+          <a:p>
+            <a:pPr marL="0" lvl="0" indent="0" algn="l" rtl="0">
+              <a:spcBef>
+                <a:spcPts val="0"/>
+              </a:spcBef>
+              <a:spcAft>
+                <a:spcPts val="0"/>
+              </a:spcAft>
+              <a:buNone/>
+            </a:pPr>
+            <a:endParaRPr>
+              <a:latin typeface="Rubik"/>
+              <a:ea typeface="Rubik"/>
+              <a:cs typeface="Rubik"/>
+              <a:sym typeface="Rubik"/>
+            </a:endParaRPr>
+          </a:p>
+        </p:txBody>
+      </p:sp>
+      <p:sp>
+        <p:nvSpPr>
+          <p:cNvPr id="91" name="Google Shape;91;p19"/>
+          <p:cNvSpPr txBox="1">
+            <a:spLocks noGrp="1"/>
+          </p:cNvSpPr>
+          <p:nvPr>
+            <p:ph type="title"/>
+          </p:nvPr>
+        </p:nvSpPr>
+        <p:spPr>
+          <a:xfrm>
+            <a:off x="311700" y="713400"/>
+            <a:ext cx="8520600" cy="572700"/>
+          </a:xfrm>
+          <a:prstGeom prst="rect">
+            <a:avLst/>
+          </a:prstGeom>
+        </p:spPr>
+        <p:txBody>
+          <a:bodyPr spcFirstLastPara="1" wrap="square" lIns="91425" tIns="91425" rIns="91425" bIns="91425" anchor="ctr" anchorCtr="0">
+            <a:noAutofit/>
+          </a:bodyPr>
+          <a:lstStyle/>
+          <a:p>
+            <a:pPr marL="0" lvl="0" indent="0" algn="ctr" rtl="0">
+              <a:spcBef>
+                <a:spcPts val="0"/>
+              </a:spcBef>
+              <a:spcAft>
+                <a:spcPts val="0"/>
+              </a:spcAft>
+              <a:buNone/>
+            </a:pPr>
+            <a:r>
+              <a:rPr lang="en" sz="2800"/>
+              <a:t>Applying Business Rules</a:t>
+            </a:r>
+            <a:endParaRPr sz="2800"/>
+          </a:p>
+        </p:txBody>
+      </p:sp>
+    </p:spTree>
+  </p:cSld>
+  <p:clrMapOvr>
+    <a:masterClrMapping/>
+  </p:clrMapOvr>
+</p:sld>
+</file>
+
+<file path=ppt/slides/slide8.xml><?xml version="1.0" encoding="utf-8"?>
+<p:sld xmlns:a="http://schemas.openxmlformats.org/drawingml/2006/main" xmlns:r="http://schemas.openxmlformats.org/officeDocument/2006/relationships" xmlns:p="http://schemas.openxmlformats.org/presentationml/2006/main">
+  <p:cSld>
+    <p:spTree>
+      <p:nvGrpSpPr>
+        <p:cNvPr id="1" name="Shape 95"/>
+        <p:cNvGrpSpPr/>
+        <p:nvPr/>
+      </p:nvGrpSpPr>
+      <p:grpSpPr>
+        <a:xfrm>
+          <a:off x="0" y="0"/>
+          <a:ext cx="0" cy="0"/>
+          <a:chOff x="0" y="0"/>
+          <a:chExt cx="0" cy="0"/>
+        </a:xfrm>
+      </p:grpSpPr>
+      <p:sp>
+        <p:nvSpPr>
+          <p:cNvPr id="96" name="Google Shape;96;p20"/>
+          <p:cNvSpPr txBox="1">
+            <a:spLocks noGrp="1"/>
+          </p:cNvSpPr>
+          <p:nvPr>
+            <p:ph type="title"/>
+          </p:nvPr>
+        </p:nvSpPr>
+        <p:spPr>
+          <a:xfrm>
+            <a:off x="311700" y="2150850"/>
+            <a:ext cx="8520600" cy="841800"/>
+          </a:xfrm>
+          <a:prstGeom prst="rect">
+            <a:avLst/>
+          </a:prstGeom>
+        </p:spPr>
+        <p:txBody>
+          <a:bodyPr spcFirstLastPara="1" wrap="square" lIns="91425" tIns="91425" rIns="91425" bIns="91425" anchor="ctr" anchorCtr="0">
+            <a:noAutofit/>
+          </a:bodyPr>
+          <a:lstStyle/>
+          <a:p>
+            <a:pPr marL="0" lvl="0" indent="0" algn="ctr" rtl="0">
+              <a:spcBef>
+                <a:spcPts val="0"/>
+              </a:spcBef>
+              <a:spcAft>
+                <a:spcPts val="0"/>
+              </a:spcAft>
+              <a:buNone/>
+            </a:pPr>
+            <a:r>
+              <a:rPr lang="en"/>
+              <a:t>How does DHIS 2 FHIR Adapter work?</a:t>
+            </a:r>
+            <a:endParaRPr/>
+          </a:p>
+        </p:txBody>
+      </p:sp>
+    </p:spTree>
+  </p:cSld>
+  <p:clrMapOvr>
+    <a:masterClrMapping/>
+  </p:clrMapOvr>
+</p:sld>
+</file>
+
+<file path=ppt/slides/slide9.xml><?xml version="1.0" encoding="utf-8"?>
+<p:sld xmlns:a="http://schemas.openxmlformats.org/drawingml/2006/main" xmlns:r="http://schemas.openxmlformats.org/officeDocument/2006/relationships" xmlns:p="http://schemas.openxmlformats.org/presentationml/2006/main">
+  <p:cSld>
+    <p:spTree>
+      <p:nvGrpSpPr>
+        <p:cNvPr id="1" name="Shape 100"/>
+        <p:cNvGrpSpPr/>
+        <p:nvPr/>
+      </p:nvGrpSpPr>
+      <p:grpSpPr>
+        <a:xfrm>
+          <a:off x="0" y="0"/>
+          <a:ext cx="0" cy="0"/>
+          <a:chOff x="0" y="0"/>
+          <a:chExt cx="0" cy="0"/>
+        </a:xfrm>
+      </p:grpSpPr>
+      <p:sp>
+        <p:nvSpPr>
+          <p:cNvPr id="101" name="Google Shape;101;p21"/>
+          <p:cNvSpPr txBox="1">
+            <a:spLocks noGrp="1"/>
+          </p:cNvSpPr>
           <p:nvPr>
             <p:ph type="title"/>
           </p:nvPr>
@@ -9811,12 +10825,12 @@
           </a:prstGeom>
         </p:spPr>
         <p:txBody>
-          <a:bodyPr anchorCtr="0" anchor="t" bIns="91425" lIns="91425" spcFirstLastPara="1" rIns="91425" wrap="square" tIns="91425">
+          <a:bodyPr spcFirstLastPara="1" wrap="square" lIns="91425" tIns="91425" rIns="91425" bIns="91425" anchor="t" anchorCtr="0">
             <a:noAutofit/>
           </a:bodyPr>
           <a:lstStyle/>
           <a:p>
-            <a:pPr indent="0" lvl="0" marL="0" rtl="0" algn="l">
+            <a:pPr marL="0" lvl="0" indent="0" algn="l" rtl="0">
               <a:spcBef>
                 <a:spcPts val="0"/>
               </a:spcBef>
@@ -9835,7 +10849,7 @@
       </p:sp>
       <p:pic>
         <p:nvPicPr>
-          <p:cNvPr id="91" name="Google Shape;91;p19"/>
+          <p:cNvPr id="102" name="Google Shape;102;p21"/>
           <p:cNvPicPr preferRelativeResize="0"/>
           <p:nvPr/>
         </p:nvPicPr>
@@ -9869,387 +10883,8 @@
 </p:sld>
 </file>
 
-<file path=ppt/slides/slide8.xml><?xml version="1.0" encoding="utf-8"?>
-<p:sld xmlns:a="http://schemas.openxmlformats.org/drawingml/2006/main" xmlns:r="http://schemas.openxmlformats.org/officeDocument/2006/relationships" xmlns:mc="http://schemas.openxmlformats.org/markup-compatibility/2006" xmlns:mv="urn:schemas-microsoft-com:mac:vml" xmlns:p="http://schemas.openxmlformats.org/presentationml/2006/main" xmlns:c="http://schemas.openxmlformats.org/drawingml/2006/chart" xmlns:dgm="http://schemas.openxmlformats.org/drawingml/2006/diagram" xmlns:o="urn:schemas-microsoft-com:office:office" xmlns:v="urn:schemas-microsoft-com:vml" xmlns:pvml="urn:schemas-microsoft-com:office:powerpoint" xmlns:com="http://schemas.openxmlformats.org/drawingml/2006/compatibility" xmlns:p14="http://schemas.microsoft.com/office/powerpoint/2010/main" xmlns:p15="http://schemas.microsoft.com/office/powerpoint/2012/main">
-  <p:cSld>
-    <p:spTree>
-      <p:nvGrpSpPr>
-        <p:cNvPr id="95" name="Shape 95"/>
-        <p:cNvGrpSpPr/>
-        <p:nvPr/>
-      </p:nvGrpSpPr>
-      <p:grpSpPr>
-        <a:xfrm>
-          <a:off x="0" y="0"/>
-          <a:ext cx="0" cy="0"/>
-          <a:chOff x="0" y="0"/>
-          <a:chExt cx="0" cy="0"/>
-        </a:xfrm>
-      </p:grpSpPr>
-      <p:sp>
-        <p:nvSpPr>
-          <p:cNvPr id="96" name="Google Shape;96;p20"/>
-          <p:cNvSpPr txBox="1"/>
-          <p:nvPr>
-            <p:ph type="title"/>
-          </p:nvPr>
-        </p:nvSpPr>
-        <p:spPr>
-          <a:xfrm>
-            <a:off x="311700" y="445025"/>
-            <a:ext cx="8520600" cy="572700"/>
-          </a:xfrm>
-          <a:prstGeom prst="rect">
-            <a:avLst/>
-          </a:prstGeom>
-        </p:spPr>
-        <p:txBody>
-          <a:bodyPr anchorCtr="0" anchor="t" bIns="91425" lIns="91425" spcFirstLastPara="1" rIns="91425" wrap="square" tIns="91425">
-            <a:noAutofit/>
-          </a:bodyPr>
-          <a:lstStyle/>
-          <a:p>
-            <a:pPr indent="0" lvl="0" marL="0" rtl="0" algn="l">
-              <a:spcBef>
-                <a:spcPts val="0"/>
-              </a:spcBef>
-              <a:spcAft>
-                <a:spcPts val="0"/>
-              </a:spcAft>
-              <a:buNone/>
-            </a:pPr>
-            <a:r>
-              <a:rPr lang="en"/>
-              <a:t>DHIS 2 FHIR Adapter Components</a:t>
-            </a:r>
-            <a:endParaRPr/>
-          </a:p>
-        </p:txBody>
-      </p:sp>
-      <p:sp>
-        <p:nvSpPr>
-          <p:cNvPr id="97" name="Google Shape;97;p20"/>
-          <p:cNvSpPr txBox="1"/>
-          <p:nvPr>
-            <p:ph idx="1" type="body"/>
-          </p:nvPr>
-        </p:nvSpPr>
-        <p:spPr>
-          <a:xfrm>
-            <a:off x="311700" y="1152475"/>
-            <a:ext cx="8520600" cy="3416400"/>
-          </a:xfrm>
-          <a:prstGeom prst="rect">
-            <a:avLst/>
-          </a:prstGeom>
-        </p:spPr>
-        <p:txBody>
-          <a:bodyPr anchorCtr="0" anchor="t" bIns="91425" lIns="91425" spcFirstLastPara="1" rIns="91425" wrap="square" tIns="91425">
-            <a:noAutofit/>
-          </a:bodyPr>
-          <a:lstStyle/>
-          <a:p>
-            <a:pPr indent="-342900" lvl="0" marL="457200" rtl="0" algn="l">
-              <a:spcBef>
-                <a:spcPts val="0"/>
-              </a:spcBef>
-              <a:spcAft>
-                <a:spcPts val="0"/>
-              </a:spcAft>
-              <a:buSzPts val="1800"/>
-              <a:buChar char="-"/>
-            </a:pPr>
-            <a:r>
-              <a:rPr lang="en"/>
-              <a:t>Receives </a:t>
-            </a:r>
-            <a:r>
-              <a:rPr lang="en"/>
-              <a:t>HL7® FHIR® Resource by subscription notification payloads or by polling them based on subscription notifications.</a:t>
-            </a:r>
-            <a:endParaRPr/>
-          </a:p>
-          <a:p>
-            <a:pPr indent="-342900" lvl="0" marL="457200" rtl="0" algn="l">
-              <a:spcBef>
-                <a:spcPts val="0"/>
-              </a:spcBef>
-              <a:spcAft>
-                <a:spcPts val="0"/>
-              </a:spcAft>
-              <a:buSzPts val="1800"/>
-              <a:buChar char="-"/>
-            </a:pPr>
-            <a:r>
-              <a:rPr lang="en"/>
-              <a:t>Accesses mapping and processing data from a PostgreSQL database.</a:t>
-            </a:r>
-            <a:endParaRPr/>
-          </a:p>
-          <a:p>
-            <a:pPr indent="-342900" lvl="0" marL="457200" rtl="0" algn="l">
-              <a:spcBef>
-                <a:spcPts val="0"/>
-              </a:spcBef>
-              <a:spcAft>
-                <a:spcPts val="0"/>
-              </a:spcAft>
-              <a:buSzPts val="1800"/>
-              <a:buChar char="-"/>
-            </a:pPr>
-            <a:r>
-              <a:rPr lang="en"/>
-              <a:t>Uses PostgreSQL advisory locks for distributed pessimistic locking (optimistic locking not appropriate for this use case).</a:t>
-            </a:r>
-            <a:endParaRPr/>
-          </a:p>
-          <a:p>
-            <a:pPr indent="-342900" lvl="0" marL="457200" rtl="0" algn="l">
-              <a:spcBef>
-                <a:spcPts val="0"/>
-              </a:spcBef>
-              <a:spcAft>
-                <a:spcPts val="0"/>
-              </a:spcAft>
-              <a:buSzPts val="1800"/>
-              <a:buChar char="-"/>
-            </a:pPr>
-            <a:r>
-              <a:rPr lang="en"/>
-              <a:t>Uses an embedded or external Apache Artemis Message Queue for handling big amount of received data that cannot be processed immediately by DHIS 2 and to retry failed processings.</a:t>
-            </a:r>
-            <a:endParaRPr/>
-          </a:p>
-          <a:p>
-            <a:pPr indent="-342900" lvl="0" marL="457200" rtl="0" algn="l">
-              <a:spcBef>
-                <a:spcPts val="0"/>
-              </a:spcBef>
-              <a:spcAft>
-                <a:spcPts val="0"/>
-              </a:spcAft>
-              <a:buSzPts val="1800"/>
-              <a:buChar char="-"/>
-            </a:pPr>
-            <a:r>
-              <a:rPr lang="en"/>
-              <a:t>Caches frequently accessed data in-memory or in Redis for three different cache use cases.</a:t>
-            </a:r>
-            <a:endParaRPr/>
-          </a:p>
-        </p:txBody>
-      </p:sp>
-    </p:spTree>
-  </p:cSld>
-  <p:clrMapOvr>
-    <a:masterClrMapping/>
-  </p:clrMapOvr>
-</p:sld>
-</file>
-
-<file path=ppt/slides/slide9.xml><?xml version="1.0" encoding="utf-8"?>
-<p:sld xmlns:a="http://schemas.openxmlformats.org/drawingml/2006/main" xmlns:r="http://schemas.openxmlformats.org/officeDocument/2006/relationships" xmlns:mc="http://schemas.openxmlformats.org/markup-compatibility/2006" xmlns:mv="urn:schemas-microsoft-com:mac:vml" xmlns:p="http://schemas.openxmlformats.org/presentationml/2006/main" xmlns:c="http://schemas.openxmlformats.org/drawingml/2006/chart" xmlns:dgm="http://schemas.openxmlformats.org/drawingml/2006/diagram" xmlns:o="urn:schemas-microsoft-com:office:office" xmlns:v="urn:schemas-microsoft-com:vml" xmlns:pvml="urn:schemas-microsoft-com:office:powerpoint" xmlns:com="http://schemas.openxmlformats.org/drawingml/2006/compatibility" xmlns:p14="http://schemas.microsoft.com/office/powerpoint/2010/main" xmlns:p15="http://schemas.microsoft.com/office/powerpoint/2012/main">
-  <p:cSld>
-    <p:spTree>
-      <p:nvGrpSpPr>
-        <p:cNvPr id="101" name="Shape 101"/>
-        <p:cNvGrpSpPr/>
-        <p:nvPr/>
-      </p:nvGrpSpPr>
-      <p:grpSpPr>
-        <a:xfrm>
-          <a:off x="0" y="0"/>
-          <a:ext cx="0" cy="0"/>
-          <a:chOff x="0" y="0"/>
-          <a:chExt cx="0" cy="0"/>
-        </a:xfrm>
-      </p:grpSpPr>
-      <p:sp>
-        <p:nvSpPr>
-          <p:cNvPr id="102" name="Google Shape;102;p21"/>
-          <p:cNvSpPr txBox="1"/>
-          <p:nvPr>
-            <p:ph type="title"/>
-          </p:nvPr>
-        </p:nvSpPr>
-        <p:spPr>
-          <a:xfrm>
-            <a:off x="311700" y="445025"/>
-            <a:ext cx="8520600" cy="572700"/>
-          </a:xfrm>
-          <a:prstGeom prst="rect">
-            <a:avLst/>
-          </a:prstGeom>
-        </p:spPr>
-        <p:txBody>
-          <a:bodyPr anchorCtr="0" anchor="t" bIns="91425" lIns="91425" spcFirstLastPara="1" rIns="91425" wrap="square" tIns="91425">
-            <a:noAutofit/>
-          </a:bodyPr>
-          <a:lstStyle/>
-          <a:p>
-            <a:pPr indent="0" lvl="0" marL="0" rtl="0" algn="l">
-              <a:spcBef>
-                <a:spcPts val="0"/>
-              </a:spcBef>
-              <a:spcAft>
-                <a:spcPts val="0"/>
-              </a:spcAft>
-              <a:buNone/>
-            </a:pPr>
-            <a:r>
-              <a:rPr lang="en"/>
-              <a:t>Persisted Data</a:t>
-            </a:r>
-            <a:endParaRPr/>
-          </a:p>
-        </p:txBody>
-      </p:sp>
-      <p:sp>
-        <p:nvSpPr>
-          <p:cNvPr id="103" name="Google Shape;103;p21"/>
-          <p:cNvSpPr txBox="1"/>
-          <p:nvPr>
-            <p:ph idx="1" type="body"/>
-          </p:nvPr>
-        </p:nvSpPr>
-        <p:spPr>
-          <a:xfrm>
-            <a:off x="311700" y="1152475"/>
-            <a:ext cx="8520600" cy="3416400"/>
-          </a:xfrm>
-          <a:prstGeom prst="rect">
-            <a:avLst/>
-          </a:prstGeom>
-        </p:spPr>
-        <p:txBody>
-          <a:bodyPr anchorCtr="0" anchor="t" bIns="91425" lIns="91425" spcFirstLastPara="1" rIns="91425" wrap="square" tIns="91425">
-            <a:noAutofit/>
-          </a:bodyPr>
-          <a:lstStyle/>
-          <a:p>
-            <a:pPr indent="0" lvl="0" marL="0" rtl="0" algn="l">
-              <a:spcBef>
-                <a:spcPts val="0"/>
-              </a:spcBef>
-              <a:spcAft>
-                <a:spcPts val="0"/>
-              </a:spcAft>
-              <a:buNone/>
-            </a:pPr>
-            <a:r>
-              <a:rPr lang="en"/>
-              <a:t>The database contains different types of persisted data:</a:t>
-            </a:r>
-            <a:endParaRPr/>
-          </a:p>
-          <a:p>
-            <a:pPr indent="-342900" lvl="0" marL="457200" rtl="0" algn="l">
-              <a:spcBef>
-                <a:spcPts val="1600"/>
-              </a:spcBef>
-              <a:spcAft>
-                <a:spcPts val="0"/>
-              </a:spcAft>
-              <a:buSzPts val="1800"/>
-              <a:buChar char="-"/>
-            </a:pPr>
-            <a:r>
-              <a:rPr lang="en"/>
-              <a:t>Administration data (e.g. connected </a:t>
-            </a:r>
-            <a:r>
-              <a:rPr lang="en"/>
-              <a:t>HL7® FHIR® systems).</a:t>
-            </a:r>
-            <a:endParaRPr/>
-          </a:p>
-          <a:p>
-            <a:pPr indent="-342900" lvl="0" marL="457200" rtl="0" algn="l">
-              <a:spcBef>
-                <a:spcPts val="0"/>
-              </a:spcBef>
-              <a:spcAft>
-                <a:spcPts val="0"/>
-              </a:spcAft>
-              <a:buSzPts val="1800"/>
-              <a:buChar char="-"/>
-            </a:pPr>
-            <a:r>
-              <a:rPr lang="en"/>
-              <a:t>Coding data (e.g. system dependent codes for body weight)</a:t>
-            </a:r>
-            <a:endParaRPr/>
-          </a:p>
-          <a:p>
-            <a:pPr indent="-342900" lvl="0" marL="457200" rtl="0" algn="l">
-              <a:spcBef>
-                <a:spcPts val="0"/>
-              </a:spcBef>
-              <a:spcAft>
-                <a:spcPts val="0"/>
-              </a:spcAft>
-              <a:buSzPts val="1800"/>
-              <a:buChar char="-"/>
-            </a:pPr>
-            <a:r>
-              <a:rPr lang="en"/>
-              <a:t>Mapping data (e.g. rules and transformations).</a:t>
-            </a:r>
-            <a:endParaRPr/>
-          </a:p>
-          <a:p>
-            <a:pPr indent="-342900" lvl="0" marL="457200" rtl="0" algn="l">
-              <a:spcBef>
-                <a:spcPts val="0"/>
-              </a:spcBef>
-              <a:spcAft>
-                <a:spcPts val="0"/>
-              </a:spcAft>
-              <a:buSzPts val="1800"/>
-              <a:buChar char="-"/>
-            </a:pPr>
-            <a:r>
-              <a:rPr lang="en"/>
-              <a:t>Processing data (short term, e.g. already processed resources).</a:t>
-            </a:r>
-            <a:endParaRPr/>
-          </a:p>
-          <a:p>
-            <a:pPr indent="-342900" lvl="0" marL="457200" rtl="0" algn="l">
-              <a:spcBef>
-                <a:spcPts val="0"/>
-              </a:spcBef>
-              <a:spcAft>
-                <a:spcPts val="0"/>
-              </a:spcAft>
-              <a:buSzPts val="1800"/>
-              <a:buChar char="-"/>
-            </a:pPr>
-            <a:r>
-              <a:rPr lang="en"/>
-              <a:t>Assignment data (permanent, e.g. rule based assignments of </a:t>
-            </a:r>
-            <a:br>
-              <a:rPr lang="en"/>
-            </a:br>
-            <a:r>
-              <a:rPr lang="en"/>
-              <a:t>HL7® FHIR® Resources to DHIS 2 Resouces).</a:t>
-            </a:r>
-            <a:endParaRPr/>
-          </a:p>
-        </p:txBody>
-      </p:sp>
-    </p:spTree>
-  </p:cSld>
-  <p:clrMapOvr>
-    <a:masterClrMapping/>
-  </p:clrMapOvr>
-</p:sld>
-</file>
-
 <file path=ppt/theme/theme1.xml><?xml version="1.0" encoding="utf-8"?>
-<a:theme xmlns:a="http://schemas.openxmlformats.org/drawingml/2006/main" xmlns:r="http://schemas.openxmlformats.org/officeDocument/2006/relationships" name="DHIS2 Default">
+<a:theme xmlns:a="http://schemas.openxmlformats.org/drawingml/2006/main" name="DHIS2 Default">
   <a:themeElements>
     <a:clrScheme name="Simple Light">
       <a:dk1>
@@ -10524,11 +11159,13 @@
       </a:bgFillStyleLst>
     </a:fmtScheme>
   </a:themeElements>
+  <a:objectDefaults/>
+  <a:extraClrSchemeLst/>
 </a:theme>
 </file>
 
 <file path=ppt/theme/theme2.xml><?xml version="1.0" encoding="utf-8"?>
-<a:theme xmlns:a="http://schemas.openxmlformats.org/drawingml/2006/main" xmlns:r="http://schemas.openxmlformats.org/officeDocument/2006/relationships">
+<a:theme xmlns:a="http://schemas.openxmlformats.org/drawingml/2006/main">
   <a:themeElements>
     <a:clrScheme name="Default">
       <a:dk1>
@@ -10803,5 +11440,7 @@
       </a:bgFillStyleLst>
     </a:fmtScheme>
   </a:themeElements>
+  <a:objectDefaults/>
+  <a:extraClrSchemeLst/>
 </a:theme>
 </file>
--- a/docs/DHIS_2_FHIR_Adapter_-_An_Overview.pptx
+++ b/docs/DHIS_2_FHIR_Adapter_-_An_Overview.pptx
@@ -7906,7 +7906,7 @@
             </a:pPr>
             <a:r>
               <a:rPr lang="en"/>
-              <a:t>20 February 2019</a:t>
+              <a:t>26 February 2019</a:t>
             </a:r>
             <a:endParaRPr/>
           </a:p>
@@ -9192,7 +9192,7 @@
             </a:pPr>
             <a:r>
               <a:rPr lang="en"/>
-              <a:t>HL7® FHIR® REST Interfaces that create, update and read data based on rules that are defined in the Adapter (under development, feature similar to import and export).</a:t>
+              <a:t>HL7® FHIR® REST Interfaces that create, update and read data based on rules that are defined in the Adapter (current features similar to import and export).</a:t>
             </a:r>
             <a:endParaRPr/>
           </a:p>
@@ -10863,8 +10863,8 @@
         </p:blipFill>
         <p:spPr>
           <a:xfrm>
-            <a:off x="406863" y="1017725"/>
-            <a:ext cx="8330276" cy="3820975"/>
+            <a:off x="311700" y="1017725"/>
+            <a:ext cx="8435098" cy="3651124"/>
           </a:xfrm>
           <a:prstGeom prst="rect">
             <a:avLst/>

--- a/docs/DHIS_2_FHIR_Adapter_-_An_Overview.pptx
+++ b/docs/DHIS_2_FHIR_Adapter_-_An_Overview.pptx
@@ -10574,7 +10574,7 @@
                 <a:cs typeface="Rubik"/>
                 <a:sym typeface="Rubik"/>
               </a:rPr>
-              <a:t>patient related medical data to questionnaire-like structures (DHIS2 Tracker Programs and their Program Stages) </a:t>
+              <a:t>patient related clinical data to questionnaire-like structures (DHIS2 Tracker Programs and their Program Stages) </a:t>
             </a:r>
             <a:r>
               <a:rPr lang="en" sz="1800">

--- a/docs/DHIS_2_FHIR_Adapter_-_An_Overview.pptx
+++ b/docs/DHIS_2_FHIR_Adapter_-_An_Overview.pptx
@@ -7906,7 +7906,7 @@
             </a:pPr>
             <a:r>
               <a:rPr lang="en"/>
-              <a:t>26 February 2019</a:t>
+              <a:t>28 February 2019</a:t>
             </a:r>
             <a:endParaRPr/>
           </a:p>
@@ -10863,8 +10863,8 @@
         </p:blipFill>
         <p:spPr>
           <a:xfrm>
-            <a:off x="311700" y="1017725"/>
-            <a:ext cx="8435098" cy="3651124"/>
+            <a:off x="406863" y="1017725"/>
+            <a:ext cx="8330276" cy="3820975"/>
           </a:xfrm>
           <a:prstGeom prst="rect">
             <a:avLst/>

--- a/docs/DHIS_2_FHIR_Adapter_-_An_Overview.pptx
+++ b/docs/DHIS_2_FHIR_Adapter_-_An_Overview.pptx
@@ -5,7 +5,7 @@
     <p:sldMasterId id="2147483659" r:id="rId1"/>
   </p:sldMasterIdLst>
   <p:notesMasterIdLst>
-    <p:notesMasterId r:id="rId21"/>
+    <p:notesMasterId r:id="rId22"/>
   </p:notesMasterIdLst>
   <p:sldIdLst>
     <p:sldId id="256" r:id="rId2"/>
@@ -27,16 +27,17 @@
     <p:sldId id="272" r:id="rId18"/>
     <p:sldId id="273" r:id="rId19"/>
     <p:sldId id="274" r:id="rId20"/>
+    <p:sldId id="275" r:id="rId21"/>
   </p:sldIdLst>
   <p:sldSz cx="9144000" cy="5143500" type="screen16x9"/>
   <p:notesSz cx="6858000" cy="9144000"/>
   <p:embeddedFontLst>
     <p:embeddedFont>
       <p:font typeface="Rubik" panose="020B0604020202020204" charset="-79"/>
-      <p:regular r:id="rId22"/>
-      <p:bold r:id="rId23"/>
-      <p:italic r:id="rId24"/>
-      <p:boldItalic r:id="rId25"/>
+      <p:regular r:id="rId23"/>
+      <p:bold r:id="rId24"/>
+      <p:italic r:id="rId25"/>
+      <p:boldItalic r:id="rId26"/>
     </p:embeddedFont>
   </p:embeddedFontLst>
   <p:defaultTextStyle>
@@ -1769,7 +1770,7 @@
       </p:grpSpPr>
       <p:sp>
         <p:nvSpPr>
-          <p:cNvPr id="161" name="Google Shape;161;g4f417ecd79_1_213:notes"/>
+          <p:cNvPr id="161" name="Google Shape;161;g502742df2e_0_0:notes"/>
           <p:cNvSpPr>
             <a:spLocks noGrp="1" noRot="1" noChangeAspect="1"/>
           </p:cNvSpPr>
@@ -1810,7 +1811,7 @@
       </p:sp>
       <p:sp>
         <p:nvSpPr>
-          <p:cNvPr id="162" name="Google Shape;162;g4f417ecd79_1_213:notes"/>
+          <p:cNvPr id="162" name="Google Shape;162;g502742df2e_0_0:notes"/>
           <p:cNvSpPr txBox="1">
             <a:spLocks noGrp="1"/>
           </p:cNvSpPr>
@@ -1915,6 +1916,110 @@
       <p:sp>
         <p:nvSpPr>
           <p:cNvPr id="60" name="Google Shape;60;g4f417ecd79_1_10:notes"/>
+          <p:cNvSpPr txBox="1">
+            <a:spLocks noGrp="1"/>
+          </p:cNvSpPr>
+          <p:nvPr>
+            <p:ph type="body" idx="1"/>
+          </p:nvPr>
+        </p:nvSpPr>
+        <p:spPr>
+          <a:xfrm>
+            <a:off x="685800" y="4343400"/>
+            <a:ext cx="5486400" cy="4114800"/>
+          </a:xfrm>
+          <a:prstGeom prst="rect">
+            <a:avLst/>
+          </a:prstGeom>
+        </p:spPr>
+        <p:txBody>
+          <a:bodyPr spcFirstLastPara="1" wrap="square" lIns="91425" tIns="91425" rIns="91425" bIns="91425" anchor="t" anchorCtr="0">
+            <a:noAutofit/>
+          </a:bodyPr>
+          <a:lstStyle/>
+          <a:p>
+            <a:pPr marL="0" lvl="0" indent="0" algn="l" rtl="0">
+              <a:spcBef>
+                <a:spcPts val="0"/>
+              </a:spcBef>
+              <a:spcAft>
+                <a:spcPts val="0"/>
+              </a:spcAft>
+              <a:buNone/>
+            </a:pPr>
+            <a:endParaRPr/>
+          </a:p>
+        </p:txBody>
+      </p:sp>
+    </p:spTree>
+  </p:cSld>
+  <p:clrMapOvr>
+    <a:masterClrMapping/>
+  </p:clrMapOvr>
+</p:notes>
+</file>
+
+<file path=ppt/notesSlides/notesSlide20.xml><?xml version="1.0" encoding="utf-8"?>
+<p:notes xmlns:a="http://schemas.openxmlformats.org/drawingml/2006/main" xmlns:r="http://schemas.openxmlformats.org/officeDocument/2006/relationships" xmlns:p="http://schemas.openxmlformats.org/presentationml/2006/main" showMasterSp="0" showMasterPhAnim="0">
+  <p:cSld>
+    <p:spTree>
+      <p:nvGrpSpPr>
+        <p:cNvPr id="1" name="Shape 167"/>
+        <p:cNvGrpSpPr/>
+        <p:nvPr/>
+      </p:nvGrpSpPr>
+      <p:grpSpPr>
+        <a:xfrm>
+          <a:off x="0" y="0"/>
+          <a:ext cx="0" cy="0"/>
+          <a:chOff x="0" y="0"/>
+          <a:chExt cx="0" cy="0"/>
+        </a:xfrm>
+      </p:grpSpPr>
+      <p:sp>
+        <p:nvSpPr>
+          <p:cNvPr id="168" name="Google Shape;168;g4f417ecd79_1_213:notes"/>
+          <p:cNvSpPr>
+            <a:spLocks noGrp="1" noRot="1" noChangeAspect="1"/>
+          </p:cNvSpPr>
+          <p:nvPr>
+            <p:ph type="sldImg" idx="2"/>
+          </p:nvPr>
+        </p:nvSpPr>
+        <p:spPr>
+          <a:xfrm>
+            <a:off x="381000" y="685800"/>
+            <a:ext cx="6096000" cy="3429000"/>
+          </a:xfrm>
+          <a:custGeom>
+            <a:avLst/>
+            <a:gdLst/>
+            <a:ahLst/>
+            <a:cxnLst/>
+            <a:rect l="l" t="t" r="r" b="b"/>
+            <a:pathLst>
+              <a:path w="120000" h="120000" extrusionOk="0">
+                <a:moveTo>
+                  <a:pt x="0" y="0"/>
+                </a:moveTo>
+                <a:lnTo>
+                  <a:pt x="120000" y="0"/>
+                </a:lnTo>
+                <a:lnTo>
+                  <a:pt x="120000" y="120000"/>
+                </a:lnTo>
+                <a:lnTo>
+                  <a:pt x="0" y="120000"/>
+                </a:lnTo>
+                <a:close/>
+              </a:path>
+            </a:pathLst>
+          </a:custGeom>
+        </p:spPr>
+      </p:sp>
+      <p:sp>
+        <p:nvSpPr>
+          <p:cNvPr id="169" name="Google Shape;169;g4f417ecd79_1_213:notes"/>
           <p:cNvSpPr txBox="1">
             <a:spLocks noGrp="1"/>
           </p:cNvSpPr>
@@ -7906,7 +8011,7 @@
             </a:pPr>
             <a:r>
               <a:rPr lang="en"/>
-              <a:t>28 February 2019</a:t>
+              <a:t>2 March 2019</a:t>
             </a:r>
             <a:endParaRPr/>
           </a:p>
@@ -9760,10 +9865,10 @@
               <a:buNone/>
             </a:pPr>
             <a:r>
-              <a:rPr lang="en"/>
-              <a:t>References</a:t>
+              <a:rPr lang="en" sz="2600"/>
+              <a:t>Difference Import/Export and FHIR REST Interfaces</a:t>
             </a:r>
-            <a:endParaRPr/>
+            <a:endParaRPr sz="2600"/>
           </a:p>
         </p:txBody>
       </p:sp>
@@ -9780,7 +9885,7 @@
         <p:spPr>
           <a:xfrm>
             <a:off x="311700" y="1152475"/>
-            <a:ext cx="8520600" cy="3416400"/>
+            <a:ext cx="3999900" cy="3416400"/>
           </a:xfrm>
           <a:prstGeom prst="rect">
             <a:avLst/>
@@ -9792,85 +9897,163 @@
           </a:bodyPr>
           <a:lstStyle/>
           <a:p>
-            <a:pPr marL="457200" lvl="0" indent="-342900" algn="l" rtl="0">
-              <a:spcBef>
-                <a:spcPts val="0"/>
-              </a:spcBef>
-              <a:spcAft>
-                <a:spcPts val="0"/>
-              </a:spcAft>
-              <a:buSzPts val="1800"/>
-              <a:buChar char="-"/>
+            <a:pPr marL="0" lvl="0" indent="0" algn="l" rtl="0">
+              <a:spcBef>
+                <a:spcPts val="0"/>
+              </a:spcBef>
+              <a:spcAft>
+                <a:spcPts val="0"/>
+              </a:spcAft>
+              <a:buNone/>
             </a:pPr>
             <a:r>
               <a:rPr lang="en"/>
-              <a:t>Supported HL7® FHIR® standard:</a:t>
+              <a:t>Import/Export:</a:t>
             </a:r>
-            <a:br>
-              <a:rPr lang="en"/>
-            </a:br>
-            <a:r>
-              <a:rPr lang="en" u="sng">
-                <a:solidFill>
-                  <a:schemeClr val="hlink"/>
-                </a:solidFill>
-                <a:hlinkClick r:id="rId3"/>
-              </a:rPr>
-              <a:t>https://hl7.org/fhir/STU3/</a:t>
-            </a:r>
-            <a:br>
-              <a:rPr lang="en"/>
-            </a:br>
-            <a:r>
-              <a:rPr lang="en" u="sng">
-                <a:solidFill>
-                  <a:schemeClr val="hlink"/>
-                </a:solidFill>
-                <a:hlinkClick r:id="rId4"/>
-              </a:rPr>
-              <a:t>https://hl7.org/fhir/R4/</a:t>
-            </a:r>
-            <a:endParaRPr/>
-          </a:p>
-          <a:p>
-            <a:pPr marL="457200" lvl="0" indent="-342900" algn="l" rtl="0">
-              <a:spcBef>
-                <a:spcPts val="0"/>
-              </a:spcBef>
-              <a:spcAft>
-                <a:spcPts val="0"/>
-              </a:spcAft>
-              <a:buSzPts val="1800"/>
+            <a:endParaRPr/>
+          </a:p>
+          <a:p>
+            <a:pPr marL="457200" lvl="0" indent="-317500" algn="l" rtl="0">
+              <a:spcBef>
+                <a:spcPts val="1600"/>
+              </a:spcBef>
+              <a:spcAft>
+                <a:spcPts val="0"/>
+              </a:spcAft>
+              <a:buSzPts val="1400"/>
               <a:buChar char="-"/>
             </a:pPr>
             <a:r>
               <a:rPr lang="en"/>
-              <a:t>DHIS 2 FHIR Adapter:</a:t>
+              <a:t>Resolving references to other FHIR Resources on the connected FHIR system (referenced technical IDs are not technical IDs on DHIS 2).</a:t>
             </a:r>
-            <a:br>
+            <a:endParaRPr/>
+          </a:p>
+          <a:p>
+            <a:pPr marL="457200" lvl="0" indent="-317500" algn="l" rtl="0">
+              <a:spcBef>
+                <a:spcPts val="0"/>
+              </a:spcBef>
+              <a:spcAft>
+                <a:spcPts val="0"/>
+              </a:spcAft>
+              <a:buSzPts val="1400"/>
+              <a:buChar char="-"/>
+            </a:pPr>
+            <a:r>
               <a:rPr lang="en"/>
-            </a:br>
+              <a:t>Handling technical IDs in FHIR Resources of connected FHIR systems, not of DHIS 2.</a:t>
+            </a:r>
+            <a:endParaRPr/>
+          </a:p>
+          <a:p>
+            <a:pPr marL="457200" lvl="0" indent="-317500" algn="l" rtl="0">
+              <a:spcBef>
+                <a:spcPts val="0"/>
+              </a:spcBef>
+              <a:spcAft>
+                <a:spcPts val="0"/>
+              </a:spcAft>
+              <a:buSzPts val="1400"/>
+              <a:buChar char="-"/>
+            </a:pPr>
             <a:r>
-              <a:rPr lang="en" u="sng">
-                <a:solidFill>
-                  <a:schemeClr val="hlink"/>
-                </a:solidFill>
-                <a:hlinkClick r:id="rId5"/>
-              </a:rPr>
-              <a:t>https://github.com/dhis2/dhis2-fhir-adapter</a:t>
+              <a:rPr lang="en"/>
+              <a:t>For a lot of use cases no mediators should be required since this can be handled by the Adapter.</a:t>
             </a:r>
             <a:endParaRPr/>
           </a:p>
+        </p:txBody>
+      </p:sp>
+      <p:sp>
+        <p:nvSpPr>
+          <p:cNvPr id="166" name="Google Shape;166;p31"/>
+          <p:cNvSpPr txBox="1">
+            <a:spLocks noGrp="1"/>
+          </p:cNvSpPr>
+          <p:nvPr>
+            <p:ph type="body" idx="2"/>
+          </p:nvPr>
+        </p:nvSpPr>
+        <p:spPr>
+          <a:xfrm>
+            <a:off x="4832400" y="1152475"/>
+            <a:ext cx="3999900" cy="3416400"/>
+          </a:xfrm>
+          <a:prstGeom prst="rect">
+            <a:avLst/>
+          </a:prstGeom>
+        </p:spPr>
+        <p:txBody>
+          <a:bodyPr spcFirstLastPara="1" wrap="square" lIns="91425" tIns="91425" rIns="91425" bIns="91425" anchor="t" anchorCtr="0">
+            <a:noAutofit/>
+          </a:bodyPr>
+          <a:lstStyle/>
           <a:p>
             <a:pPr marL="0" lvl="0" indent="0" algn="l" rtl="0">
               <a:spcBef>
+                <a:spcPts val="0"/>
+              </a:spcBef>
+              <a:spcAft>
+                <a:spcPts val="0"/>
+              </a:spcAft>
+              <a:buNone/>
+            </a:pPr>
+            <a:r>
+              <a:rPr lang="en"/>
+              <a:t>FHIR REST Interfaces:</a:t>
+            </a:r>
+            <a:endParaRPr/>
+          </a:p>
+          <a:p>
+            <a:pPr marL="457200" lvl="0" indent="-317500" algn="l" rtl="0">
+              <a:spcBef>
                 <a:spcPts val="1600"/>
               </a:spcBef>
               <a:spcAft>
-                <a:spcPts val="1600"/>
-              </a:spcAft>
-              <a:buNone/>
-            </a:pPr>
+                <a:spcPts val="0"/>
+              </a:spcAft>
+              <a:buSzPts val="1400"/>
+              <a:buChar char="-"/>
+            </a:pPr>
+            <a:r>
+              <a:rPr lang="en"/>
+              <a:t>Resolving references to other FHIR Resources on DHIS 2 (referenced technical IDs contain technical IDs of DHIS 2).</a:t>
+            </a:r>
+            <a:endParaRPr/>
+          </a:p>
+          <a:p>
+            <a:pPr marL="457200" lvl="0" indent="-317500" algn="l" rtl="0">
+              <a:spcBef>
+                <a:spcPts val="0"/>
+              </a:spcBef>
+              <a:spcAft>
+                <a:spcPts val="0"/>
+              </a:spcAft>
+              <a:buSzPts val="1400"/>
+              <a:buChar char="-"/>
+            </a:pPr>
+            <a:r>
+              <a:rPr lang="en"/>
+              <a:t>All technical IDs that are handled and returned by the Adapter are related to technical IDs on DHIS 2.</a:t>
+            </a:r>
+            <a:endParaRPr/>
+          </a:p>
+          <a:p>
+            <a:pPr marL="457200" lvl="0" indent="-317500" algn="l" rtl="0">
+              <a:spcBef>
+                <a:spcPts val="0"/>
+              </a:spcBef>
+              <a:spcAft>
+                <a:spcPts val="0"/>
+              </a:spcAft>
+              <a:buSzPts val="1400"/>
+              <a:buChar char="-"/>
+            </a:pPr>
+            <a:r>
+              <a:rPr lang="en"/>
+              <a:t>If the connected system or client is not able to handle the references to DHIS 2, additional mediators may be required.</a:t>
+            </a:r>
             <a:endParaRPr/>
           </a:p>
         </p:txBody>
@@ -9946,6 +10129,181 @@
               <a:t>(Fast Healthcare Interoperability Resources)</a:t>
             </a:r>
             <a:endParaRPr sz="3000"/>
+          </a:p>
+        </p:txBody>
+      </p:sp>
+    </p:spTree>
+  </p:cSld>
+  <p:clrMapOvr>
+    <a:masterClrMapping/>
+  </p:clrMapOvr>
+</p:sld>
+</file>
+
+<file path=ppt/slides/slide20.xml><?xml version="1.0" encoding="utf-8"?>
+<p:sld xmlns:a="http://schemas.openxmlformats.org/drawingml/2006/main" xmlns:r="http://schemas.openxmlformats.org/officeDocument/2006/relationships" xmlns:p="http://schemas.openxmlformats.org/presentationml/2006/main">
+  <p:cSld>
+    <p:spTree>
+      <p:nvGrpSpPr>
+        <p:cNvPr id="1" name="Shape 170"/>
+        <p:cNvGrpSpPr/>
+        <p:nvPr/>
+      </p:nvGrpSpPr>
+      <p:grpSpPr>
+        <a:xfrm>
+          <a:off x="0" y="0"/>
+          <a:ext cx="0" cy="0"/>
+          <a:chOff x="0" y="0"/>
+          <a:chExt cx="0" cy="0"/>
+        </a:xfrm>
+      </p:grpSpPr>
+      <p:sp>
+        <p:nvSpPr>
+          <p:cNvPr id="171" name="Google Shape;171;p32"/>
+          <p:cNvSpPr txBox="1">
+            <a:spLocks noGrp="1"/>
+          </p:cNvSpPr>
+          <p:nvPr>
+            <p:ph type="title"/>
+          </p:nvPr>
+        </p:nvSpPr>
+        <p:spPr>
+          <a:xfrm>
+            <a:off x="311700" y="445025"/>
+            <a:ext cx="8520600" cy="572700"/>
+          </a:xfrm>
+          <a:prstGeom prst="rect">
+            <a:avLst/>
+          </a:prstGeom>
+        </p:spPr>
+        <p:txBody>
+          <a:bodyPr spcFirstLastPara="1" wrap="square" lIns="91425" tIns="91425" rIns="91425" bIns="91425" anchor="t" anchorCtr="0">
+            <a:noAutofit/>
+          </a:bodyPr>
+          <a:lstStyle/>
+          <a:p>
+            <a:pPr marL="0" lvl="0" indent="0" algn="l" rtl="0">
+              <a:spcBef>
+                <a:spcPts val="0"/>
+              </a:spcBef>
+              <a:spcAft>
+                <a:spcPts val="0"/>
+              </a:spcAft>
+              <a:buNone/>
+            </a:pPr>
+            <a:r>
+              <a:rPr lang="en"/>
+              <a:t>References</a:t>
+            </a:r>
+            <a:endParaRPr/>
+          </a:p>
+        </p:txBody>
+      </p:sp>
+      <p:sp>
+        <p:nvSpPr>
+          <p:cNvPr id="172" name="Google Shape;172;p32"/>
+          <p:cNvSpPr txBox="1">
+            <a:spLocks noGrp="1"/>
+          </p:cNvSpPr>
+          <p:nvPr>
+            <p:ph type="body" idx="1"/>
+          </p:nvPr>
+        </p:nvSpPr>
+        <p:spPr>
+          <a:xfrm>
+            <a:off x="311700" y="1152475"/>
+            <a:ext cx="8520600" cy="3416400"/>
+          </a:xfrm>
+          <a:prstGeom prst="rect">
+            <a:avLst/>
+          </a:prstGeom>
+        </p:spPr>
+        <p:txBody>
+          <a:bodyPr spcFirstLastPara="1" wrap="square" lIns="91425" tIns="91425" rIns="91425" bIns="91425" anchor="t" anchorCtr="0">
+            <a:noAutofit/>
+          </a:bodyPr>
+          <a:lstStyle/>
+          <a:p>
+            <a:pPr marL="457200" lvl="0" indent="-342900" algn="l" rtl="0">
+              <a:spcBef>
+                <a:spcPts val="0"/>
+              </a:spcBef>
+              <a:spcAft>
+                <a:spcPts val="0"/>
+              </a:spcAft>
+              <a:buSzPts val="1800"/>
+              <a:buChar char="-"/>
+            </a:pPr>
+            <a:r>
+              <a:rPr lang="en"/>
+              <a:t>Supported HL7® FHIR® standard:</a:t>
+            </a:r>
+            <a:br>
+              <a:rPr lang="en"/>
+            </a:br>
+            <a:r>
+              <a:rPr lang="en" u="sng">
+                <a:solidFill>
+                  <a:schemeClr val="hlink"/>
+                </a:solidFill>
+                <a:hlinkClick r:id="rId3"/>
+              </a:rPr>
+              <a:t>https://hl7.org/fhir/STU3/</a:t>
+            </a:r>
+            <a:br>
+              <a:rPr lang="en"/>
+            </a:br>
+            <a:r>
+              <a:rPr lang="en" u="sng">
+                <a:solidFill>
+                  <a:schemeClr val="hlink"/>
+                </a:solidFill>
+                <a:hlinkClick r:id="rId4"/>
+              </a:rPr>
+              <a:t>https://hl7.org/fhir/R4/</a:t>
+            </a:r>
+            <a:endParaRPr/>
+          </a:p>
+          <a:p>
+            <a:pPr marL="457200" lvl="0" indent="-342900" algn="l" rtl="0">
+              <a:spcBef>
+                <a:spcPts val="0"/>
+              </a:spcBef>
+              <a:spcAft>
+                <a:spcPts val="0"/>
+              </a:spcAft>
+              <a:buSzPts val="1800"/>
+              <a:buChar char="-"/>
+            </a:pPr>
+            <a:r>
+              <a:rPr lang="en"/>
+              <a:t>DHIS 2 FHIR Adapter:</a:t>
+            </a:r>
+            <a:br>
+              <a:rPr lang="en"/>
+            </a:br>
+            <a:r>
+              <a:rPr lang="en" u="sng">
+                <a:solidFill>
+                  <a:schemeClr val="hlink"/>
+                </a:solidFill>
+                <a:hlinkClick r:id="rId5"/>
+              </a:rPr>
+              <a:t>https://github.com/dhis2/dhis2-fhir-adapter</a:t>
+            </a:r>
+            <a:endParaRPr/>
+          </a:p>
+          <a:p>
+            <a:pPr marL="0" lvl="0" indent="0" algn="l" rtl="0">
+              <a:spcBef>
+                <a:spcPts val="1600"/>
+              </a:spcBef>
+              <a:spcAft>
+                <a:spcPts val="1600"/>
+              </a:spcAft>
+              <a:buNone/>
+            </a:pPr>
+            <a:endParaRPr/>
           </a:p>
         </p:txBody>
       </p:sp>

--- a/docs/DHIS_2_FHIR_Adapter_-_An_Overview.pptx
+++ b/docs/DHIS_2_FHIR_Adapter_-_An_Overview.pptx
@@ -5,7 +5,7 @@
     <p:sldMasterId id="2147483659" r:id="rId1"/>
   </p:sldMasterIdLst>
   <p:notesMasterIdLst>
-    <p:notesMasterId r:id="rId21"/>
+    <p:notesMasterId r:id="rId22"/>
   </p:notesMasterIdLst>
   <p:sldIdLst>
     <p:sldId id="256" r:id="rId2"/>
@@ -27,16 +27,17 @@
     <p:sldId id="272" r:id="rId18"/>
     <p:sldId id="273" r:id="rId19"/>
     <p:sldId id="274" r:id="rId20"/>
+    <p:sldId id="275" r:id="rId21"/>
   </p:sldIdLst>
   <p:sldSz cx="9144000" cy="5143500" type="screen16x9"/>
   <p:notesSz cx="6858000" cy="9144000"/>
   <p:embeddedFontLst>
     <p:embeddedFont>
       <p:font typeface="Rubik" panose="020B0604020202020204" charset="-79"/>
-      <p:regular r:id="rId22"/>
-      <p:bold r:id="rId23"/>
-      <p:italic r:id="rId24"/>
-      <p:boldItalic r:id="rId25"/>
+      <p:regular r:id="rId23"/>
+      <p:bold r:id="rId24"/>
+      <p:italic r:id="rId25"/>
+      <p:boldItalic r:id="rId26"/>
     </p:embeddedFont>
   </p:embeddedFontLst>
   <p:defaultTextStyle>
@@ -1769,7 +1770,7 @@
       </p:grpSpPr>
       <p:sp>
         <p:nvSpPr>
-          <p:cNvPr id="161" name="Google Shape;161;g4f417ecd79_1_213:notes"/>
+          <p:cNvPr id="161" name="Google Shape;161;g502742df2e_0_0:notes"/>
           <p:cNvSpPr>
             <a:spLocks noGrp="1" noRot="1" noChangeAspect="1"/>
           </p:cNvSpPr>
@@ -1810,7 +1811,7 @@
       </p:sp>
       <p:sp>
         <p:nvSpPr>
-          <p:cNvPr id="162" name="Google Shape;162;g4f417ecd79_1_213:notes"/>
+          <p:cNvPr id="162" name="Google Shape;162;g502742df2e_0_0:notes"/>
           <p:cNvSpPr txBox="1">
             <a:spLocks noGrp="1"/>
           </p:cNvSpPr>
@@ -1915,6 +1916,110 @@
       <p:sp>
         <p:nvSpPr>
           <p:cNvPr id="60" name="Google Shape;60;g4f417ecd79_1_10:notes"/>
+          <p:cNvSpPr txBox="1">
+            <a:spLocks noGrp="1"/>
+          </p:cNvSpPr>
+          <p:nvPr>
+            <p:ph type="body" idx="1"/>
+          </p:nvPr>
+        </p:nvSpPr>
+        <p:spPr>
+          <a:xfrm>
+            <a:off x="685800" y="4343400"/>
+            <a:ext cx="5486400" cy="4114800"/>
+          </a:xfrm>
+          <a:prstGeom prst="rect">
+            <a:avLst/>
+          </a:prstGeom>
+        </p:spPr>
+        <p:txBody>
+          <a:bodyPr spcFirstLastPara="1" wrap="square" lIns="91425" tIns="91425" rIns="91425" bIns="91425" anchor="t" anchorCtr="0">
+            <a:noAutofit/>
+          </a:bodyPr>
+          <a:lstStyle/>
+          <a:p>
+            <a:pPr marL="0" lvl="0" indent="0" algn="l" rtl="0">
+              <a:spcBef>
+                <a:spcPts val="0"/>
+              </a:spcBef>
+              <a:spcAft>
+                <a:spcPts val="0"/>
+              </a:spcAft>
+              <a:buNone/>
+            </a:pPr>
+            <a:endParaRPr/>
+          </a:p>
+        </p:txBody>
+      </p:sp>
+    </p:spTree>
+  </p:cSld>
+  <p:clrMapOvr>
+    <a:masterClrMapping/>
+  </p:clrMapOvr>
+</p:notes>
+</file>
+
+<file path=ppt/notesSlides/notesSlide20.xml><?xml version="1.0" encoding="utf-8"?>
+<p:notes xmlns:a="http://schemas.openxmlformats.org/drawingml/2006/main" xmlns:r="http://schemas.openxmlformats.org/officeDocument/2006/relationships" xmlns:p="http://schemas.openxmlformats.org/presentationml/2006/main" showMasterSp="0" showMasterPhAnim="0">
+  <p:cSld>
+    <p:spTree>
+      <p:nvGrpSpPr>
+        <p:cNvPr id="1" name="Shape 167"/>
+        <p:cNvGrpSpPr/>
+        <p:nvPr/>
+      </p:nvGrpSpPr>
+      <p:grpSpPr>
+        <a:xfrm>
+          <a:off x="0" y="0"/>
+          <a:ext cx="0" cy="0"/>
+          <a:chOff x="0" y="0"/>
+          <a:chExt cx="0" cy="0"/>
+        </a:xfrm>
+      </p:grpSpPr>
+      <p:sp>
+        <p:nvSpPr>
+          <p:cNvPr id="168" name="Google Shape;168;g4f417ecd79_1_213:notes"/>
+          <p:cNvSpPr>
+            <a:spLocks noGrp="1" noRot="1" noChangeAspect="1"/>
+          </p:cNvSpPr>
+          <p:nvPr>
+            <p:ph type="sldImg" idx="2"/>
+          </p:nvPr>
+        </p:nvSpPr>
+        <p:spPr>
+          <a:xfrm>
+            <a:off x="381000" y="685800"/>
+            <a:ext cx="6096000" cy="3429000"/>
+          </a:xfrm>
+          <a:custGeom>
+            <a:avLst/>
+            <a:gdLst/>
+            <a:ahLst/>
+            <a:cxnLst/>
+            <a:rect l="l" t="t" r="r" b="b"/>
+            <a:pathLst>
+              <a:path w="120000" h="120000" extrusionOk="0">
+                <a:moveTo>
+                  <a:pt x="0" y="0"/>
+                </a:moveTo>
+                <a:lnTo>
+                  <a:pt x="120000" y="0"/>
+                </a:lnTo>
+                <a:lnTo>
+                  <a:pt x="120000" y="120000"/>
+                </a:lnTo>
+                <a:lnTo>
+                  <a:pt x="0" y="120000"/>
+                </a:lnTo>
+                <a:close/>
+              </a:path>
+            </a:pathLst>
+          </a:custGeom>
+        </p:spPr>
+      </p:sp>
+      <p:sp>
+        <p:nvSpPr>
+          <p:cNvPr id="169" name="Google Shape;169;g4f417ecd79_1_213:notes"/>
           <p:cNvSpPr txBox="1">
             <a:spLocks noGrp="1"/>
           </p:cNvSpPr>
@@ -7889,10 +7994,10 @@
               <a:buNone/>
             </a:pPr>
             <a:r>
-              <a:rPr lang="en"/>
+              <a:rPr lang="en" dirty="0"/>
               <a:t>Volker Schmidt	</a:t>
             </a:r>
-            <a:endParaRPr/>
+            <a:endParaRPr dirty="0"/>
           </a:p>
           <a:p>
             <a:pPr marL="0" lvl="0" indent="0" algn="l" rtl="0">
@@ -7906,9 +8011,17 @@
             </a:pPr>
             <a:r>
               <a:rPr lang="en"/>
-              <a:t>28 February 2019</a:t>
+              <a:t>2 </a:t>
             </a:r>
-            <a:endParaRPr/>
+            <a:r>
+              <a:rPr lang="en-US" dirty="0"/>
+              <a:t>March</a:t>
+            </a:r>
+            <a:r>
+              <a:rPr lang="en" dirty="0"/>
+              <a:t> 2019</a:t>
+            </a:r>
+            <a:endParaRPr dirty="0"/>
           </a:p>
         </p:txBody>
       </p:sp>
@@ -9760,10 +9873,10 @@
               <a:buNone/>
             </a:pPr>
             <a:r>
-              <a:rPr lang="en"/>
-              <a:t>References</a:t>
+              <a:rPr lang="en" sz="2600"/>
+              <a:t>Difference Import/Export and FHIR REST Interfaces</a:t>
             </a:r>
-            <a:endParaRPr/>
+            <a:endParaRPr sz="2600"/>
           </a:p>
         </p:txBody>
       </p:sp>
@@ -9780,7 +9893,7 @@
         <p:spPr>
           <a:xfrm>
             <a:off x="311700" y="1152475"/>
-            <a:ext cx="8520600" cy="3416400"/>
+            <a:ext cx="3999900" cy="3416400"/>
           </a:xfrm>
           <a:prstGeom prst="rect">
             <a:avLst/>
@@ -9792,85 +9905,129 @@
           </a:bodyPr>
           <a:lstStyle/>
           <a:p>
-            <a:pPr marL="457200" lvl="0" indent="-342900" algn="l" rtl="0">
-              <a:spcBef>
-                <a:spcPts val="0"/>
-              </a:spcBef>
-              <a:spcAft>
-                <a:spcPts val="0"/>
-              </a:spcAft>
-              <a:buSzPts val="1800"/>
-              <a:buChar char="-"/>
+            <a:pPr marL="0" lvl="0" indent="0" algn="l" rtl="0">
+              <a:spcBef>
+                <a:spcPts val="0"/>
+              </a:spcBef>
+              <a:spcAft>
+                <a:spcPts val="0"/>
+              </a:spcAft>
+              <a:buNone/>
             </a:pPr>
             <a:r>
               <a:rPr lang="en"/>
-              <a:t>Supported HL7® FHIR® standard:</a:t>
+              <a:t>Import/Export:</a:t>
             </a:r>
-            <a:br>
-              <a:rPr lang="en"/>
-            </a:br>
-            <a:r>
-              <a:rPr lang="en" u="sng">
-                <a:solidFill>
-                  <a:schemeClr val="hlink"/>
-                </a:solidFill>
-                <a:hlinkClick r:id="rId3"/>
-              </a:rPr>
-              <a:t>https://hl7.org/fhir/STU3/</a:t>
-            </a:r>
-            <a:br>
-              <a:rPr lang="en"/>
-            </a:br>
-            <a:r>
-              <a:rPr lang="en" u="sng">
-                <a:solidFill>
-                  <a:schemeClr val="hlink"/>
-                </a:solidFill>
-                <a:hlinkClick r:id="rId4"/>
-              </a:rPr>
-              <a:t>https://hl7.org/fhir/R4/</a:t>
-            </a:r>
-            <a:endParaRPr/>
-          </a:p>
-          <a:p>
-            <a:pPr marL="457200" lvl="0" indent="-342900" algn="l" rtl="0">
-              <a:spcBef>
-                <a:spcPts val="0"/>
-              </a:spcBef>
-              <a:spcAft>
-                <a:spcPts val="0"/>
-              </a:spcAft>
-              <a:buSzPts val="1800"/>
+            <a:endParaRPr/>
+          </a:p>
+          <a:p>
+            <a:pPr marL="457200" lvl="0" indent="-317500" algn="l" rtl="0">
+              <a:spcBef>
+                <a:spcPts val="1600"/>
+              </a:spcBef>
+              <a:spcAft>
+                <a:spcPts val="0"/>
+              </a:spcAft>
+              <a:buSzPts val="1400"/>
               <a:buChar char="-"/>
             </a:pPr>
             <a:r>
               <a:rPr lang="en"/>
-              <a:t>DHIS 2 FHIR Adapter:</a:t>
+              <a:t>Resolving references to other FHIR Resources on the connected FHIR system (referenced technical IDs are not technical IDs on DHIS 2).</a:t>
             </a:r>
-            <a:br>
+            <a:endParaRPr/>
+          </a:p>
+          <a:p>
+            <a:pPr marL="457200" lvl="0" indent="-317500" algn="l" rtl="0">
+              <a:spcBef>
+                <a:spcPts val="0"/>
+              </a:spcBef>
+              <a:spcAft>
+                <a:spcPts val="0"/>
+              </a:spcAft>
+              <a:buSzPts val="1400"/>
+              <a:buChar char="-"/>
+            </a:pPr>
+            <a:r>
               <a:rPr lang="en"/>
-            </a:br>
+              <a:t>Handling technical IDs in FHIR Resources of connected FHIR systems, not of DHIS 2.</a:t>
+            </a:r>
+            <a:endParaRPr/>
+          </a:p>
+        </p:txBody>
+      </p:sp>
+      <p:sp>
+        <p:nvSpPr>
+          <p:cNvPr id="166" name="Google Shape;166;p31"/>
+          <p:cNvSpPr txBox="1">
+            <a:spLocks noGrp="1"/>
+          </p:cNvSpPr>
+          <p:nvPr>
+            <p:ph type="body" idx="2"/>
+          </p:nvPr>
+        </p:nvSpPr>
+        <p:spPr>
+          <a:xfrm>
+            <a:off x="4832400" y="1152475"/>
+            <a:ext cx="3999900" cy="3416400"/>
+          </a:xfrm>
+          <a:prstGeom prst="rect">
+            <a:avLst/>
+          </a:prstGeom>
+        </p:spPr>
+        <p:txBody>
+          <a:bodyPr spcFirstLastPara="1" wrap="square" lIns="91425" tIns="91425" rIns="91425" bIns="91425" anchor="t" anchorCtr="0">
+            <a:noAutofit/>
+          </a:bodyPr>
+          <a:lstStyle/>
+          <a:p>
+            <a:pPr marL="0" lvl="0" indent="0" algn="l" rtl="0">
+              <a:spcBef>
+                <a:spcPts val="0"/>
+              </a:spcBef>
+              <a:spcAft>
+                <a:spcPts val="0"/>
+              </a:spcAft>
+              <a:buNone/>
+            </a:pPr>
             <a:r>
-              <a:rPr lang="en" u="sng">
-                <a:solidFill>
-                  <a:schemeClr val="hlink"/>
-                </a:solidFill>
-                <a:hlinkClick r:id="rId5"/>
-              </a:rPr>
-              <a:t>https://github.com/dhis2/dhis2-fhir-adapter</a:t>
+              <a:rPr lang="en"/>
+              <a:t>FHIR REST Interfaces:</a:t>
             </a:r>
             <a:endParaRPr/>
           </a:p>
           <a:p>
-            <a:pPr marL="0" lvl="0" indent="0" algn="l" rtl="0">
+            <a:pPr marL="457200" lvl="0" indent="-317500" algn="l" rtl="0">
               <a:spcBef>
                 <a:spcPts val="1600"/>
               </a:spcBef>
               <a:spcAft>
-                <a:spcPts val="1600"/>
-              </a:spcAft>
-              <a:buNone/>
-            </a:pPr>
+                <a:spcPts val="0"/>
+              </a:spcAft>
+              <a:buSzPts val="1400"/>
+              <a:buChar char="-"/>
+            </a:pPr>
+            <a:r>
+              <a:rPr lang="en"/>
+              <a:t>Resolving references to other FHIR Resources on DHIS 2 (referenced technical IDs contain technical IDs of DHIS 2).</a:t>
+            </a:r>
+            <a:endParaRPr/>
+          </a:p>
+          <a:p>
+            <a:pPr marL="457200" lvl="0" indent="-317500" algn="l" rtl="0">
+              <a:spcBef>
+                <a:spcPts val="0"/>
+              </a:spcBef>
+              <a:spcAft>
+                <a:spcPts val="0"/>
+              </a:spcAft>
+              <a:buSzPts val="1400"/>
+              <a:buChar char="-"/>
+            </a:pPr>
+            <a:r>
+              <a:rPr lang="en"/>
+              <a:t>All technical IDs that are handled and returned by the Adapter are related to technical IDs on DHIS 2.</a:t>
+            </a:r>
             <a:endParaRPr/>
           </a:p>
         </p:txBody>
@@ -9946,6 +10103,181 @@
               <a:t>(Fast Healthcare Interoperability Resources)</a:t>
             </a:r>
             <a:endParaRPr sz="3000"/>
+          </a:p>
+        </p:txBody>
+      </p:sp>
+    </p:spTree>
+  </p:cSld>
+  <p:clrMapOvr>
+    <a:masterClrMapping/>
+  </p:clrMapOvr>
+</p:sld>
+</file>
+
+<file path=ppt/slides/slide20.xml><?xml version="1.0" encoding="utf-8"?>
+<p:sld xmlns:a="http://schemas.openxmlformats.org/drawingml/2006/main" xmlns:r="http://schemas.openxmlformats.org/officeDocument/2006/relationships" xmlns:p="http://schemas.openxmlformats.org/presentationml/2006/main">
+  <p:cSld>
+    <p:spTree>
+      <p:nvGrpSpPr>
+        <p:cNvPr id="1" name="Shape 170"/>
+        <p:cNvGrpSpPr/>
+        <p:nvPr/>
+      </p:nvGrpSpPr>
+      <p:grpSpPr>
+        <a:xfrm>
+          <a:off x="0" y="0"/>
+          <a:ext cx="0" cy="0"/>
+          <a:chOff x="0" y="0"/>
+          <a:chExt cx="0" cy="0"/>
+        </a:xfrm>
+      </p:grpSpPr>
+      <p:sp>
+        <p:nvSpPr>
+          <p:cNvPr id="171" name="Google Shape;171;p32"/>
+          <p:cNvSpPr txBox="1">
+            <a:spLocks noGrp="1"/>
+          </p:cNvSpPr>
+          <p:nvPr>
+            <p:ph type="title"/>
+          </p:nvPr>
+        </p:nvSpPr>
+        <p:spPr>
+          <a:xfrm>
+            <a:off x="311700" y="445025"/>
+            <a:ext cx="8520600" cy="572700"/>
+          </a:xfrm>
+          <a:prstGeom prst="rect">
+            <a:avLst/>
+          </a:prstGeom>
+        </p:spPr>
+        <p:txBody>
+          <a:bodyPr spcFirstLastPara="1" wrap="square" lIns="91425" tIns="91425" rIns="91425" bIns="91425" anchor="t" anchorCtr="0">
+            <a:noAutofit/>
+          </a:bodyPr>
+          <a:lstStyle/>
+          <a:p>
+            <a:pPr marL="0" lvl="0" indent="0" algn="l" rtl="0">
+              <a:spcBef>
+                <a:spcPts val="0"/>
+              </a:spcBef>
+              <a:spcAft>
+                <a:spcPts val="0"/>
+              </a:spcAft>
+              <a:buNone/>
+            </a:pPr>
+            <a:r>
+              <a:rPr lang="en"/>
+              <a:t>References</a:t>
+            </a:r>
+            <a:endParaRPr/>
+          </a:p>
+        </p:txBody>
+      </p:sp>
+      <p:sp>
+        <p:nvSpPr>
+          <p:cNvPr id="172" name="Google Shape;172;p32"/>
+          <p:cNvSpPr txBox="1">
+            <a:spLocks noGrp="1"/>
+          </p:cNvSpPr>
+          <p:nvPr>
+            <p:ph type="body" idx="1"/>
+          </p:nvPr>
+        </p:nvSpPr>
+        <p:spPr>
+          <a:xfrm>
+            <a:off x="311700" y="1152475"/>
+            <a:ext cx="8520600" cy="3416400"/>
+          </a:xfrm>
+          <a:prstGeom prst="rect">
+            <a:avLst/>
+          </a:prstGeom>
+        </p:spPr>
+        <p:txBody>
+          <a:bodyPr spcFirstLastPara="1" wrap="square" lIns="91425" tIns="91425" rIns="91425" bIns="91425" anchor="t" anchorCtr="0">
+            <a:noAutofit/>
+          </a:bodyPr>
+          <a:lstStyle/>
+          <a:p>
+            <a:pPr marL="457200" lvl="0" indent="-342900" algn="l" rtl="0">
+              <a:spcBef>
+                <a:spcPts val="0"/>
+              </a:spcBef>
+              <a:spcAft>
+                <a:spcPts val="0"/>
+              </a:spcAft>
+              <a:buSzPts val="1800"/>
+              <a:buChar char="-"/>
+            </a:pPr>
+            <a:r>
+              <a:rPr lang="en"/>
+              <a:t>Supported HL7® FHIR® standard:</a:t>
+            </a:r>
+            <a:br>
+              <a:rPr lang="en"/>
+            </a:br>
+            <a:r>
+              <a:rPr lang="en" u="sng">
+                <a:solidFill>
+                  <a:schemeClr val="hlink"/>
+                </a:solidFill>
+                <a:hlinkClick r:id="rId3"/>
+              </a:rPr>
+              <a:t>https://hl7.org/fhir/STU3/</a:t>
+            </a:r>
+            <a:br>
+              <a:rPr lang="en"/>
+            </a:br>
+            <a:r>
+              <a:rPr lang="en" u="sng">
+                <a:solidFill>
+                  <a:schemeClr val="hlink"/>
+                </a:solidFill>
+                <a:hlinkClick r:id="rId4"/>
+              </a:rPr>
+              <a:t>https://hl7.org/fhir/R4/</a:t>
+            </a:r>
+            <a:endParaRPr/>
+          </a:p>
+          <a:p>
+            <a:pPr marL="457200" lvl="0" indent="-342900" algn="l" rtl="0">
+              <a:spcBef>
+                <a:spcPts val="0"/>
+              </a:spcBef>
+              <a:spcAft>
+                <a:spcPts val="0"/>
+              </a:spcAft>
+              <a:buSzPts val="1800"/>
+              <a:buChar char="-"/>
+            </a:pPr>
+            <a:r>
+              <a:rPr lang="en"/>
+              <a:t>DHIS 2 FHIR Adapter:</a:t>
+            </a:r>
+            <a:br>
+              <a:rPr lang="en"/>
+            </a:br>
+            <a:r>
+              <a:rPr lang="en" u="sng">
+                <a:solidFill>
+                  <a:schemeClr val="hlink"/>
+                </a:solidFill>
+                <a:hlinkClick r:id="rId5"/>
+              </a:rPr>
+              <a:t>https://github.com/dhis2/dhis2-fhir-adapter</a:t>
+            </a:r>
+            <a:endParaRPr/>
+          </a:p>
+          <a:p>
+            <a:pPr marL="0" lvl="0" indent="0" algn="l" rtl="0">
+              <a:spcBef>
+                <a:spcPts val="1600"/>
+              </a:spcBef>
+              <a:spcAft>
+                <a:spcPts val="1600"/>
+              </a:spcAft>
+              <a:buNone/>
+            </a:pPr>
+            <a:endParaRPr/>
           </a:p>
         </p:txBody>
       </p:sp>
